--- a/public/templates/certificado-frente-verso.pptx
+++ b/public/templates/certificado-frente-verso.pptx
@@ -45,10 +45,16 @@
     <p:sldMasterId id="2147483728" r:id="rId42"/>
     <p:sldMasterId id="2147483730" r:id="rId43"/>
     <p:sldMasterId id="2147483732" r:id="rId44"/>
+    <p:sldMasterId id="2147483734" r:id="rId45"/>
+    <p:sldMasterId id="2147483736" r:id="rId46"/>
+    <p:sldMasterId id="2147483738" r:id="rId47"/>
+    <p:sldMasterId id="2147483740" r:id="rId48"/>
+    <p:sldMasterId id="2147483742" r:id="rId49"/>
+    <p:sldMasterId id="2147483744" r:id="rId50"/>
   </p:sldMasterIdLst>
   <p:sldIdLst>
-    <p:sldId id="256" r:id="rId45"/>
-    <p:sldId id="257" r:id="rId46"/>
+    <p:sldId id="256" r:id="rId51"/>
+    <p:sldId id="257" r:id="rId52"/>
   </p:sldIdLst>
   <p:sldSz cx="9701213" cy="6858000"/>
   <p:notesSz cx="7772400" cy="10058400"/>
@@ -85,7 +91,7 @@
         <p:spPr>
           <a:xfrm>
             <a:off x="727560" y="1122480"/>
-            <a:ext cx="8245440" cy="2386800"/>
+            <a:ext cx="8245080" cy="2386440"/>
           </a:xfrm>
           <a:prstGeom prst="rect">
             <a:avLst/>
@@ -147,7 +153,7 @@
         <p:txBody>
           <a:bodyPr/>
           <a:p>
-            <a:fld id="{CC2C6FAB-A4C7-4C45-AE71-60E96C2FB4B4}" type="slidenum">
+            <a:fld id="{540CF850-3C39-4F39-8659-04A607EE429B}" type="slidenum">
               <a:t>&lt;#&gt;</a:t>
             </a:fld>
           </a:p>
@@ -209,7 +215,7 @@
         <p:spPr>
           <a:xfrm>
             <a:off x="727560" y="1122480"/>
-            <a:ext cx="8245440" cy="2386800"/>
+            <a:ext cx="8245080" cy="2386440"/>
           </a:xfrm>
           <a:prstGeom prst="rect">
             <a:avLst/>
@@ -315,7 +321,7 @@
         <p:txBody>
           <a:bodyPr/>
           <a:p>
-            <a:fld id="{75EA6A75-F62D-45A3-A235-6F8899434B0F}" type="slidenum">
+            <a:fld id="{26750913-A758-4B6F-BDC3-67476A5E8A74}" type="slidenum">
               <a:t>&lt;#&gt;</a:t>
             </a:fld>
           </a:p>
@@ -377,7 +383,7 @@
         <p:spPr>
           <a:xfrm>
             <a:off x="727560" y="1122480"/>
-            <a:ext cx="8245440" cy="2386800"/>
+            <a:ext cx="8245080" cy="2386440"/>
           </a:xfrm>
           <a:prstGeom prst="rect">
             <a:avLst/>
@@ -527,7 +533,7 @@
         <p:txBody>
           <a:bodyPr/>
           <a:p>
-            <a:fld id="{55E7EFAE-C7C3-4823-B4C0-B53E0F6D7D65}" type="slidenum">
+            <a:fld id="{583B26E3-81A6-440F-A9BB-7F5439CB752F}" type="slidenum">
               <a:t>&lt;#&gt;</a:t>
             </a:fld>
           </a:p>
@@ -589,7 +595,7 @@
         <p:spPr>
           <a:xfrm>
             <a:off x="727560" y="1122480"/>
-            <a:ext cx="8245440" cy="2386800"/>
+            <a:ext cx="8245080" cy="2386440"/>
           </a:xfrm>
           <a:prstGeom prst="rect">
             <a:avLst/>
@@ -651,7 +657,7 @@
         <p:txBody>
           <a:bodyPr/>
           <a:p>
-            <a:fld id="{F3518D65-0182-4BA9-8FA2-5DAF31B51FC8}" type="slidenum">
+            <a:fld id="{AB20E0C0-4366-4C9A-BE63-9182A7773773}" type="slidenum">
               <a:t>&lt;#&gt;</a:t>
             </a:fld>
           </a:p>
@@ -713,7 +719,7 @@
         <p:spPr>
           <a:xfrm>
             <a:off x="727560" y="1122480"/>
-            <a:ext cx="8245440" cy="2386800"/>
+            <a:ext cx="8245080" cy="2386440"/>
           </a:xfrm>
           <a:prstGeom prst="rect">
             <a:avLst/>
@@ -819,7 +825,7 @@
         <p:txBody>
           <a:bodyPr/>
           <a:p>
-            <a:fld id="{F47B32F8-D7CF-42E5-871C-F1B4ACC2AB97}" type="slidenum">
+            <a:fld id="{71169541-6988-4E21-ABC0-5016D5F45E0E}" type="slidenum">
               <a:t>&lt;#&gt;</a:t>
             </a:fld>
           </a:p>
@@ -881,7 +887,7 @@
         <p:spPr>
           <a:xfrm>
             <a:off x="727560" y="1122480"/>
-            <a:ext cx="8245440" cy="2386800"/>
+            <a:ext cx="8245080" cy="2386440"/>
           </a:xfrm>
           <a:prstGeom prst="rect">
             <a:avLst/>
@@ -984,7 +990,7 @@
         <p:txBody>
           <a:bodyPr/>
           <a:p>
-            <a:fld id="{B6898864-620E-40AB-9107-9DD7E6EFAE2B}" type="slidenum">
+            <a:fld id="{1817857A-9AF6-4AD8-94BD-3F968F71EEA3}" type="slidenum">
               <a:t>&lt;#&gt;</a:t>
             </a:fld>
           </a:p>
@@ -1067,7 +1073,7 @@
         <p:txBody>
           <a:bodyPr/>
           <a:p>
-            <a:fld id="{999EFD97-8067-45C5-B67A-C358F34C5811}" type="slidenum">
+            <a:fld id="{AE716081-08F5-47E5-AE6F-B81B4967FC21}" type="slidenum">
               <a:t>&lt;#&gt;</a:t>
             </a:fld>
           </a:p>
@@ -1150,7 +1156,7 @@
         <p:txBody>
           <a:bodyPr/>
           <a:p>
-            <a:fld id="{E702EC38-D274-42DC-8A87-B7BF2CFC515D}" type="slidenum">
+            <a:fld id="{12E25ADD-819D-46FF-B44C-38997F595C9E}" type="slidenum">
               <a:t>&lt;#&gt;</a:t>
             </a:fld>
           </a:p>
@@ -1212,7 +1218,7 @@
         <p:spPr>
           <a:xfrm>
             <a:off x="727560" y="1122480"/>
-            <a:ext cx="8245440" cy="2386800"/>
+            <a:ext cx="8245080" cy="2386440"/>
           </a:xfrm>
           <a:prstGeom prst="rect">
             <a:avLst/>
@@ -1318,7 +1324,7 @@
         <p:txBody>
           <a:bodyPr/>
           <a:p>
-            <a:fld id="{5F8662A5-EAB9-4E8E-A6FF-8891184E9A85}" type="slidenum">
+            <a:fld id="{A5D2FB25-03EA-49F5-8200-98E2A04EFD77}" type="slidenum">
               <a:t>&lt;#&gt;</a:t>
             </a:fld>
           </a:p>
@@ -1401,7 +1407,7 @@
         <p:txBody>
           <a:bodyPr/>
           <a:p>
-            <a:fld id="{CFBF28B9-EF31-435E-9B41-FCBC9E7283F9}" type="slidenum">
+            <a:fld id="{80BAB2C4-0D9D-49B3-BB76-091446D10CA2}" type="slidenum">
               <a:t>&lt;#&gt;</a:t>
             </a:fld>
           </a:p>
@@ -1463,7 +1469,7 @@
         <p:spPr>
           <a:xfrm>
             <a:off x="727560" y="1122480"/>
-            <a:ext cx="8245440" cy="2386800"/>
+            <a:ext cx="8245080" cy="2386440"/>
           </a:xfrm>
           <a:prstGeom prst="rect">
             <a:avLst/>
@@ -1613,7 +1619,7 @@
         <p:txBody>
           <a:bodyPr/>
           <a:p>
-            <a:fld id="{EA54D529-6268-4494-B6C9-A4AE2C55EE60}" type="slidenum">
+            <a:fld id="{F681FE84-D786-4A69-98A9-2E79EA8CB473}" type="slidenum">
               <a:t>&lt;#&gt;</a:t>
             </a:fld>
           </a:p>
@@ -1675,7 +1681,7 @@
         <p:spPr>
           <a:xfrm>
             <a:off x="727560" y="1122480"/>
-            <a:ext cx="8245440" cy="2386800"/>
+            <a:ext cx="8245080" cy="2386440"/>
           </a:xfrm>
           <a:prstGeom prst="rect">
             <a:avLst/>
@@ -1825,7 +1831,7 @@
         <p:txBody>
           <a:bodyPr/>
           <a:p>
-            <a:fld id="{00568A80-3A00-4958-8530-DF81610F08E5}" type="slidenum">
+            <a:fld id="{9D55A13A-B0F9-4FD3-ABB2-6BB2444BAB3B}" type="slidenum">
               <a:t>&lt;#&gt;</a:t>
             </a:fld>
           </a:p>
@@ -1908,7 +1914,7 @@
         <p:txBody>
           <a:bodyPr/>
           <a:p>
-            <a:fld id="{FDB49C35-2418-4FDD-B126-4DBD3958A031}" type="slidenum">
+            <a:fld id="{86266406-ECAB-4D71-B9E7-0271A727D92A}" type="slidenum">
               <a:t>&lt;#&gt;</a:t>
             </a:fld>
           </a:p>
@@ -1970,7 +1976,7 @@
         <p:spPr>
           <a:xfrm>
             <a:off x="727560" y="1122480"/>
-            <a:ext cx="8245440" cy="2386800"/>
+            <a:ext cx="8245080" cy="2386440"/>
           </a:xfrm>
           <a:prstGeom prst="rect">
             <a:avLst/>
@@ -2032,7 +2038,7 @@
         <p:txBody>
           <a:bodyPr/>
           <a:p>
-            <a:fld id="{3F1335E4-189C-4C7B-8833-112D1F186044}" type="slidenum">
+            <a:fld id="{6E611A7D-BC16-4072-BE49-763E7D589A77}" type="slidenum">
               <a:t>&lt;#&gt;</a:t>
             </a:fld>
           </a:p>
@@ -2115,7 +2121,7 @@
         <p:txBody>
           <a:bodyPr/>
           <a:p>
-            <a:fld id="{7B6EC658-2752-4135-9F27-AFBB675BD722}" type="slidenum">
+            <a:fld id="{703628FA-186C-49BE-89A2-5B0C3E07B49C}" type="slidenum">
               <a:t>&lt;#&gt;</a:t>
             </a:fld>
           </a:p>
@@ -2198,7 +2204,7 @@
         <p:txBody>
           <a:bodyPr/>
           <a:p>
-            <a:fld id="{B2ECCF78-4C78-4943-9DD4-C29AEA5E3517}" type="slidenum">
+            <a:fld id="{5666B76F-6906-44E7-8B36-EFFD58758155}" type="slidenum">
               <a:t>&lt;#&gt;</a:t>
             </a:fld>
           </a:p>
@@ -2281,7 +2287,7 @@
         <p:txBody>
           <a:bodyPr/>
           <a:p>
-            <a:fld id="{B2C0ED7A-C658-4553-9F4F-716F67986230}" type="slidenum">
+            <a:fld id="{6CFDF9CD-1F50-4AA1-A416-27CED36E637E}" type="slidenum">
               <a:t>&lt;#&gt;</a:t>
             </a:fld>
           </a:p>
@@ -2343,7 +2349,7 @@
         <p:spPr>
           <a:xfrm>
             <a:off x="727560" y="1122480"/>
-            <a:ext cx="8245440" cy="2386800"/>
+            <a:ext cx="8245080" cy="2386440"/>
           </a:xfrm>
           <a:prstGeom prst="rect">
             <a:avLst/>
@@ -2446,7 +2452,7 @@
         <p:txBody>
           <a:bodyPr/>
           <a:p>
-            <a:fld id="{6D4D0DB2-2903-4C71-A1B9-EE01868A1F12}" type="slidenum">
+            <a:fld id="{EED4450D-4D2F-47DB-AF0E-5D01AD1E4540}" type="slidenum">
               <a:t>&lt;#&gt;</a:t>
             </a:fld>
           </a:p>
@@ -2529,7 +2535,7 @@
         <p:txBody>
           <a:bodyPr/>
           <a:p>
-            <a:fld id="{E51BEB97-B245-41CD-9B55-E238EF146F18}" type="slidenum">
+            <a:fld id="{73C24B81-89D4-47CF-91C6-A657ACDEA522}" type="slidenum">
               <a:t>&lt;#&gt;</a:t>
             </a:fld>
           </a:p>
@@ -2612,7 +2618,7 @@
         <p:txBody>
           <a:bodyPr/>
           <a:p>
-            <a:fld id="{3033189B-3864-4242-A1B7-A0AA1A619516}" type="slidenum">
+            <a:fld id="{5B7BE254-E0BC-4E09-93C4-F7D9EB29FD32}" type="slidenum">
               <a:t>&lt;#&gt;</a:t>
             </a:fld>
           </a:p>
@@ -2674,7 +2680,7 @@
         <p:spPr>
           <a:xfrm>
             <a:off x="727560" y="1122480"/>
-            <a:ext cx="8245440" cy="2386800"/>
+            <a:ext cx="8245080" cy="2386440"/>
           </a:xfrm>
           <a:prstGeom prst="rect">
             <a:avLst/>
@@ -2780,7 +2786,7 @@
         <p:txBody>
           <a:bodyPr/>
           <a:p>
-            <a:fld id="{85C8A9CE-40BB-4172-A6E5-84433A101A04}" type="slidenum">
+            <a:fld id="{E0F0D2F4-785D-4A3C-8231-2F58FCEDB068}" type="slidenum">
               <a:t>&lt;#&gt;</a:t>
             </a:fld>
           </a:p>
@@ -2863,7 +2869,7 @@
         <p:txBody>
           <a:bodyPr/>
           <a:p>
-            <a:fld id="{8A502100-A6F8-4464-BA69-2CB6742BD395}" type="slidenum">
+            <a:fld id="{1BE1B878-BD7D-4F91-8097-F5073038732F}" type="slidenum">
               <a:t>&lt;#&gt;</a:t>
             </a:fld>
           </a:p>
@@ -2925,7 +2931,7 @@
         <p:spPr>
           <a:xfrm>
             <a:off x="727560" y="1122480"/>
-            <a:ext cx="8245440" cy="2386800"/>
+            <a:ext cx="8245080" cy="2386440"/>
           </a:xfrm>
           <a:prstGeom prst="rect">
             <a:avLst/>
@@ -3031,7 +3037,7 @@
         <p:txBody>
           <a:bodyPr/>
           <a:p>
-            <a:fld id="{E1979A17-37DA-429E-846E-22371301C044}" type="slidenum">
+            <a:fld id="{70C6A6FF-FC3C-4364-87CD-BD2BEE694E47}" type="slidenum">
               <a:t>&lt;#&gt;</a:t>
             </a:fld>
           </a:p>
@@ -3093,7 +3099,7 @@
         <p:spPr>
           <a:xfrm>
             <a:off x="727560" y="1122480"/>
-            <a:ext cx="8245440" cy="2386800"/>
+            <a:ext cx="8245080" cy="2386440"/>
           </a:xfrm>
           <a:prstGeom prst="rect">
             <a:avLst/>
@@ -3243,7 +3249,7 @@
         <p:txBody>
           <a:bodyPr/>
           <a:p>
-            <a:fld id="{305F6303-DB76-4E7D-8D7D-C482175261BE}" type="slidenum">
+            <a:fld id="{01896AE7-F5A8-411E-9215-391B3CAB7ECE}" type="slidenum">
               <a:t>&lt;#&gt;</a:t>
             </a:fld>
           </a:p>
@@ -3326,7 +3332,7 @@
         <p:txBody>
           <a:bodyPr/>
           <a:p>
-            <a:fld id="{FDA48F5B-317E-44C3-A767-56EE5B436B14}" type="slidenum">
+            <a:fld id="{7FBD0EEF-35E7-44B5-9DBA-FA0F7FF70775}" type="slidenum">
               <a:t>&lt;#&gt;</a:t>
             </a:fld>
           </a:p>
@@ -3388,7 +3394,7 @@
         <p:spPr>
           <a:xfrm>
             <a:off x="727560" y="1122480"/>
-            <a:ext cx="8245440" cy="2386800"/>
+            <a:ext cx="8245080" cy="2386440"/>
           </a:xfrm>
           <a:prstGeom prst="rect">
             <a:avLst/>
@@ -3450,7 +3456,7 @@
         <p:txBody>
           <a:bodyPr/>
           <a:p>
-            <a:fld id="{933DBE23-C22F-4899-BA6C-2A7A6EF4F598}" type="slidenum">
+            <a:fld id="{B9C2EE9A-A693-4A91-9919-937F4316239F}" type="slidenum">
               <a:t>&lt;#&gt;</a:t>
             </a:fld>
           </a:p>
@@ -3533,7 +3539,7 @@
         <p:txBody>
           <a:bodyPr/>
           <a:p>
-            <a:fld id="{3563F561-2880-48A2-955D-3399212C68CC}" type="slidenum">
+            <a:fld id="{CC5CE940-DB25-4118-886E-C0BF00ECAB35}" type="slidenum">
               <a:t>&lt;#&gt;</a:t>
             </a:fld>
           </a:p>
@@ -3616,7 +3622,7 @@
         <p:txBody>
           <a:bodyPr/>
           <a:p>
-            <a:fld id="{37AE5F04-872B-4CF5-B0F4-EB3D013BECD8}" type="slidenum">
+            <a:fld id="{359ECF68-D5D8-4229-B434-4B2EFD5A330B}" type="slidenum">
               <a:t>&lt;#&gt;</a:t>
             </a:fld>
           </a:p>
@@ -3699,7 +3705,7 @@
         <p:txBody>
           <a:bodyPr/>
           <a:p>
-            <a:fld id="{DEC8393A-B86B-4E5B-BF6B-7347B3DC261F}" type="slidenum">
+            <a:fld id="{AF4039BB-476A-4B55-8DED-88800D3A2F0D}" type="slidenum">
               <a:t>&lt;#&gt;</a:t>
             </a:fld>
           </a:p>
@@ -3761,7 +3767,7 @@
         <p:spPr>
           <a:xfrm>
             <a:off x="727560" y="1122480"/>
-            <a:ext cx="8245440" cy="2386800"/>
+            <a:ext cx="8245080" cy="2386440"/>
           </a:xfrm>
           <a:prstGeom prst="rect">
             <a:avLst/>
@@ -3864,7 +3870,7 @@
         <p:txBody>
           <a:bodyPr/>
           <a:p>
-            <a:fld id="{FA7DFEB2-CAB9-47CE-8251-E4A18A0EFF42}" type="slidenum">
+            <a:fld id="{7A385FC5-26E7-429C-A77D-CB6C6D37EF99}" type="slidenum">
               <a:t>&lt;#&gt;</a:t>
             </a:fld>
           </a:p>
@@ -3947,7 +3953,7 @@
         <p:txBody>
           <a:bodyPr/>
           <a:p>
-            <a:fld id="{D036B0ED-9A4F-4462-974E-4DD6C10D4C20}" type="slidenum">
+            <a:fld id="{88B40F78-594E-4780-A848-B686422FB357}" type="slidenum">
               <a:t>&lt;#&gt;</a:t>
             </a:fld>
           </a:p>
@@ -4030,7 +4036,7 @@
         <p:txBody>
           <a:bodyPr/>
           <a:p>
-            <a:fld id="{F0D492A5-03F1-4B7F-B1A2-5ADB5D8D23B2}" type="slidenum">
+            <a:fld id="{223E20BD-43AC-4AD7-AE83-97B0EC6861C2}" type="slidenum">
               <a:t>&lt;#&gt;</a:t>
             </a:fld>
           </a:p>
@@ -4113,7 +4119,7 @@
         <p:txBody>
           <a:bodyPr/>
           <a:p>
-            <a:fld id="{482979A6-7E35-4B7C-8B98-44DFB0FF4265}" type="slidenum">
+            <a:fld id="{860BC0B2-2320-45C7-8031-23D4F5F8883A}" type="slidenum">
               <a:t>&lt;#&gt;</a:t>
             </a:fld>
           </a:p>
@@ -4196,7 +4202,7 @@
         <p:txBody>
           <a:bodyPr/>
           <a:p>
-            <a:fld id="{12B2F208-3BEA-4E11-A5D7-D4280680ACE4}" type="slidenum">
+            <a:fld id="{77D8927B-9A4C-431E-8E57-C34457D4F4D5}" type="slidenum">
               <a:t>&lt;#&gt;</a:t>
             </a:fld>
           </a:p>
@@ -4258,7 +4264,7 @@
         <p:spPr>
           <a:xfrm>
             <a:off x="727560" y="1122480"/>
-            <a:ext cx="8245440" cy="2386800"/>
+            <a:ext cx="8245080" cy="2386440"/>
           </a:xfrm>
           <a:prstGeom prst="rect">
             <a:avLst/>
@@ -4364,7 +4370,7 @@
         <p:txBody>
           <a:bodyPr/>
           <a:p>
-            <a:fld id="{9389BFDB-F9C1-4173-A275-87416DA56F14}" type="slidenum">
+            <a:fld id="{F90DDF20-A3EA-43D2-AA66-C36683B2086B}" type="slidenum">
               <a:t>&lt;#&gt;</a:t>
             </a:fld>
           </a:p>
@@ -4426,7 +4432,7 @@
         <p:spPr>
           <a:xfrm>
             <a:off x="727560" y="1122480"/>
-            <a:ext cx="8245440" cy="2386800"/>
+            <a:ext cx="8245080" cy="2386440"/>
           </a:xfrm>
           <a:prstGeom prst="rect">
             <a:avLst/>
@@ -4576,7 +4582,7 @@
         <p:txBody>
           <a:bodyPr/>
           <a:p>
-            <a:fld id="{9821383D-DBE5-4C3C-B030-781B1D5A674F}" type="slidenum">
+            <a:fld id="{4CFAAEF4-1064-4468-9B64-4C5385059013}" type="slidenum">
               <a:t>&lt;#&gt;</a:t>
             </a:fld>
           </a:p>
@@ -4638,7 +4644,7 @@
         <p:spPr>
           <a:xfrm>
             <a:off x="727560" y="1122480"/>
-            <a:ext cx="8245440" cy="2386800"/>
+            <a:ext cx="8245080" cy="2386440"/>
           </a:xfrm>
           <a:prstGeom prst="rect">
             <a:avLst/>
@@ -4700,7 +4706,7 @@
         <p:txBody>
           <a:bodyPr/>
           <a:p>
-            <a:fld id="{4AE11425-9354-4C77-8E4C-AD2E4C28C12B}" type="slidenum">
+            <a:fld id="{81D70967-E9C4-4317-B94E-5C888E8ED7E9}" type="slidenum">
               <a:t>&lt;#&gt;</a:t>
             </a:fld>
           </a:p>
@@ -4783,7 +4789,7 @@
         <p:txBody>
           <a:bodyPr/>
           <a:p>
-            <a:fld id="{E70BE9F1-0695-48E6-AF86-A4D4473C1A12}" type="slidenum">
+            <a:fld id="{035F0C6A-8D29-4C8C-8C7F-5D37B8F143F8}" type="slidenum">
               <a:t>&lt;#&gt;</a:t>
             </a:fld>
           </a:p>
@@ -4817,7 +4823,7 @@
 
 <file path=ppt/slideLayouts/slideLayout44.xml><?xml version="1.0" encoding="utf-8"?>
 <p:sldLayout xmlns:a="http://schemas.openxmlformats.org/drawingml/2006/main" xmlns:p="http://schemas.openxmlformats.org/presentationml/2006/main" xmlns:r="http://schemas.openxmlformats.org/officeDocument/2006/relationships" xmlns:p14="http://schemas.microsoft.com/office/powerpoint/2010/main" xmlns:p15="http://schemas.microsoft.com/office/powerpoint/2012/main" xmlns:mc="http://schemas.openxmlformats.org/markup-compatibility/2006" type="vertTx" preserve="1">
-  <p:cSld name="Default 29">
+  <p:cSld name="Default 30">
     <p:spTree>
       <p:nvGrpSpPr>
         <p:cNvPr id="1" name=""/>
@@ -4839,7 +4845,7 @@
             <a:spLocks noGrp="1"/>
           </p:cNvSpPr>
           <p:nvPr>
-            <p:ph type="ftr" idx="127"/>
+            <p:ph type="ftr" idx="130"/>
           </p:nvPr>
         </p:nvSpPr>
         <p:spPr/>
@@ -4859,14 +4865,14 @@
             <a:spLocks noGrp="1"/>
           </p:cNvSpPr>
           <p:nvPr>
-            <p:ph type="sldNum" idx="128"/>
+            <p:ph type="sldNum" idx="131"/>
           </p:nvPr>
         </p:nvSpPr>
         <p:spPr/>
         <p:txBody>
           <a:bodyPr/>
           <a:p>
-            <a:fld id="{46EDA6D1-A73C-4AC6-B907-F0C210BBF6AF}" type="slidenum">
+            <a:fld id="{38526C0A-01ED-44B6-9090-3100E75C1EED}" type="slidenum">
               <a:t>&lt;#&gt;</a:t>
             </a:fld>
           </a:p>
@@ -4879,7 +4885,7 @@
             <a:spLocks noGrp="1"/>
           </p:cNvSpPr>
           <p:nvPr>
-            <p:ph type="dt" idx="129"/>
+            <p:ph type="dt" idx="132"/>
           </p:nvPr>
         </p:nvSpPr>
         <p:spPr/>
@@ -4900,7 +4906,7 @@
 
 <file path=ppt/slideLayouts/slideLayout45.xml><?xml version="1.0" encoding="utf-8"?>
 <p:sldLayout xmlns:a="http://schemas.openxmlformats.org/drawingml/2006/main" xmlns:p="http://schemas.openxmlformats.org/presentationml/2006/main" xmlns:r="http://schemas.openxmlformats.org/officeDocument/2006/relationships" xmlns:p14="http://schemas.microsoft.com/office/powerpoint/2010/main" xmlns:p15="http://schemas.microsoft.com/office/powerpoint/2012/main" xmlns:mc="http://schemas.openxmlformats.org/markup-compatibility/2006" type="vertTitleAndTx" preserve="1">
-  <p:cSld name="Default 29">
+  <p:cSld name="Default 31">
     <p:spTree>
       <p:nvGrpSpPr>
         <p:cNvPr id="1" name=""/>
@@ -4922,7 +4928,7 @@
             <a:spLocks noGrp="1"/>
           </p:cNvSpPr>
           <p:nvPr>
-            <p:ph type="ftr" idx="127"/>
+            <p:ph type="ftr" idx="133"/>
           </p:nvPr>
         </p:nvSpPr>
         <p:spPr/>
@@ -4942,14 +4948,14 @@
             <a:spLocks noGrp="1"/>
           </p:cNvSpPr>
           <p:nvPr>
-            <p:ph type="sldNum" idx="128"/>
+            <p:ph type="sldNum" idx="134"/>
           </p:nvPr>
         </p:nvSpPr>
         <p:spPr/>
         <p:txBody>
           <a:bodyPr/>
           <a:p>
-            <a:fld id="{DE021CF5-ABC7-4D88-980B-5980CF550958}" type="slidenum">
+            <a:fld id="{24299810-F340-4C2F-AA81-EC5989139DEF}" type="slidenum">
               <a:t>&lt;#&gt;</a:t>
             </a:fld>
           </a:p>
@@ -4962,7 +4968,7 @@
             <a:spLocks noGrp="1"/>
           </p:cNvSpPr>
           <p:nvPr>
-            <p:ph type="dt" idx="129"/>
+            <p:ph type="dt" idx="135"/>
           </p:nvPr>
         </p:nvSpPr>
         <p:spPr/>
@@ -4983,7 +4989,7 @@
 
 <file path=ppt/slideLayouts/slideLayout46.xml><?xml version="1.0" encoding="utf-8"?>
 <p:sldLayout xmlns:a="http://schemas.openxmlformats.org/drawingml/2006/main" xmlns:p="http://schemas.openxmlformats.org/presentationml/2006/main" xmlns:r="http://schemas.openxmlformats.org/officeDocument/2006/relationships" xmlns:p14="http://schemas.microsoft.com/office/powerpoint/2010/main" xmlns:p15="http://schemas.microsoft.com/office/powerpoint/2012/main" xmlns:mc="http://schemas.openxmlformats.org/markup-compatibility/2006" type="tx" preserve="1">
-  <p:cSld name="Default 29">
+  <p:cSld name="Default 32">
     <p:spTree>
       <p:nvGrpSpPr>
         <p:cNvPr id="1" name=""/>
@@ -5000,7 +5006,7 @@
       </p:grpSpPr>
       <p:sp>
         <p:nvSpPr>
-          <p:cNvPr id="269" name="PlaceHolder 1"/>
+          <p:cNvPr id="284" name="PlaceHolder 1"/>
           <p:cNvSpPr>
             <a:spLocks noGrp="1"/>
           </p:cNvSpPr>
@@ -5011,7 +5017,7 @@
         <p:spPr>
           <a:xfrm>
             <a:off x="727560" y="1122480"/>
-            <a:ext cx="8245440" cy="2386800"/>
+            <a:ext cx="8245080" cy="2386440"/>
           </a:xfrm>
           <a:prstGeom prst="rect">
             <a:avLst/>
@@ -5041,7 +5047,7 @@
       </p:sp>
       <p:sp>
         <p:nvSpPr>
-          <p:cNvPr id="270" name="PlaceHolder 2"/>
+          <p:cNvPr id="285" name="PlaceHolder 2"/>
           <p:cNvSpPr>
             <a:spLocks noGrp="1"/>
           </p:cNvSpPr>
@@ -5090,7 +5096,7 @@
             <a:spLocks noGrp="1"/>
           </p:cNvSpPr>
           <p:nvPr>
-            <p:ph type="ftr" idx="127"/>
+            <p:ph type="ftr" idx="136"/>
           </p:nvPr>
         </p:nvSpPr>
         <p:spPr/>
@@ -5110,14 +5116,14 @@
             <a:spLocks noGrp="1"/>
           </p:cNvSpPr>
           <p:nvPr>
-            <p:ph type="sldNum" idx="128"/>
+            <p:ph type="sldNum" idx="137"/>
           </p:nvPr>
         </p:nvSpPr>
         <p:spPr/>
         <p:txBody>
           <a:bodyPr/>
           <a:p>
-            <a:fld id="{480379FD-AB98-4317-9945-F5D45AD2CB71}" type="slidenum">
+            <a:fld id="{FB52A4EB-5BE0-46B2-99A0-F98576F8B647}" type="slidenum">
               <a:t>&lt;#&gt;</a:t>
             </a:fld>
           </a:p>
@@ -5130,7 +5136,7 @@
             <a:spLocks noGrp="1"/>
           </p:cNvSpPr>
           <p:nvPr>
-            <p:ph type="dt" idx="129"/>
+            <p:ph type="dt" idx="138"/>
           </p:nvPr>
         </p:nvSpPr>
         <p:spPr/>
@@ -5151,7 +5157,7 @@
 
 <file path=ppt/slideLayouts/slideLayout47.xml><?xml version="1.0" encoding="utf-8"?>
 <p:sldLayout xmlns:a="http://schemas.openxmlformats.org/drawingml/2006/main" xmlns:p="http://schemas.openxmlformats.org/presentationml/2006/main" xmlns:r="http://schemas.openxmlformats.org/officeDocument/2006/relationships" xmlns:p14="http://schemas.microsoft.com/office/powerpoint/2010/main" xmlns:p15="http://schemas.microsoft.com/office/powerpoint/2012/main" xmlns:mc="http://schemas.openxmlformats.org/markup-compatibility/2006" type="twoObj" preserve="1">
-  <p:cSld name="Default 29">
+  <p:cSld name="Default 33">
     <p:spTree>
       <p:nvGrpSpPr>
         <p:cNvPr id="1" name=""/>
@@ -5168,7 +5174,7 @@
       </p:grpSpPr>
       <p:sp>
         <p:nvSpPr>
-          <p:cNvPr id="271" name="PlaceHolder 1"/>
+          <p:cNvPr id="294" name="PlaceHolder 1"/>
           <p:cNvSpPr>
             <a:spLocks noGrp="1"/>
           </p:cNvSpPr>
@@ -5179,7 +5185,7 @@
         <p:spPr>
           <a:xfrm>
             <a:off x="727560" y="1122480"/>
-            <a:ext cx="8245440" cy="2386800"/>
+            <a:ext cx="8245080" cy="2386440"/>
           </a:xfrm>
           <a:prstGeom prst="rect">
             <a:avLst/>
@@ -5209,7 +5215,7 @@
       </p:sp>
       <p:sp>
         <p:nvSpPr>
-          <p:cNvPr id="272" name="PlaceHolder 2"/>
+          <p:cNvPr id="295" name="PlaceHolder 2"/>
           <p:cNvSpPr>
             <a:spLocks noGrp="1"/>
           </p:cNvSpPr>
@@ -5253,7 +5259,7 @@
       </p:sp>
       <p:sp>
         <p:nvSpPr>
-          <p:cNvPr id="273" name="PlaceHolder 3"/>
+          <p:cNvPr id="296" name="PlaceHolder 3"/>
           <p:cNvSpPr>
             <a:spLocks noGrp="1"/>
           </p:cNvSpPr>
@@ -5302,7 +5308,7 @@
             <a:spLocks noGrp="1"/>
           </p:cNvSpPr>
           <p:nvPr>
-            <p:ph type="ftr" idx="127"/>
+            <p:ph type="ftr" idx="139"/>
           </p:nvPr>
         </p:nvSpPr>
         <p:spPr/>
@@ -5322,14 +5328,14 @@
             <a:spLocks noGrp="1"/>
           </p:cNvSpPr>
           <p:nvPr>
-            <p:ph type="sldNum" idx="128"/>
+            <p:ph type="sldNum" idx="140"/>
           </p:nvPr>
         </p:nvSpPr>
         <p:spPr/>
         <p:txBody>
           <a:bodyPr/>
           <a:p>
-            <a:fld id="{F7315D46-A3C2-48F4-ABCA-FC216B28854B}" type="slidenum">
+            <a:fld id="{61BE2B6A-A0D0-4E2C-AAA1-FA6796C5AEBF}" type="slidenum">
               <a:t>&lt;#&gt;</a:t>
             </a:fld>
           </a:p>
@@ -5342,7 +5348,7 @@
             <a:spLocks noGrp="1"/>
           </p:cNvSpPr>
           <p:nvPr>
-            <p:ph type="dt" idx="129"/>
+            <p:ph type="dt" idx="141"/>
           </p:nvPr>
         </p:nvSpPr>
         <p:spPr/>
@@ -5363,7 +5369,7 @@
 
 <file path=ppt/slideLayouts/slideLayout48.xml><?xml version="1.0" encoding="utf-8"?>
 <p:sldLayout xmlns:a="http://schemas.openxmlformats.org/drawingml/2006/main" xmlns:p="http://schemas.openxmlformats.org/presentationml/2006/main" xmlns:r="http://schemas.openxmlformats.org/officeDocument/2006/relationships" xmlns:p14="http://schemas.microsoft.com/office/powerpoint/2010/main" xmlns:p15="http://schemas.microsoft.com/office/powerpoint/2012/main" xmlns:mc="http://schemas.openxmlformats.org/markup-compatibility/2006" type="titleOnly" preserve="1">
-  <p:cSld name="Default 29">
+  <p:cSld name="Default 34">
     <p:spTree>
       <p:nvGrpSpPr>
         <p:cNvPr id="1" name=""/>
@@ -5380,7 +5386,7 @@
       </p:grpSpPr>
       <p:sp>
         <p:nvSpPr>
-          <p:cNvPr id="274" name="PlaceHolder 1"/>
+          <p:cNvPr id="303" name="PlaceHolder 1"/>
           <p:cNvSpPr>
             <a:spLocks noGrp="1"/>
           </p:cNvSpPr>
@@ -5391,7 +5397,7 @@
         <p:spPr>
           <a:xfrm>
             <a:off x="727560" y="1122480"/>
-            <a:ext cx="8245440" cy="2386800"/>
+            <a:ext cx="8245080" cy="2386440"/>
           </a:xfrm>
           <a:prstGeom prst="rect">
             <a:avLst/>
@@ -5426,7 +5432,7 @@
             <a:spLocks noGrp="1"/>
           </p:cNvSpPr>
           <p:nvPr>
-            <p:ph type="ftr" idx="127"/>
+            <p:ph type="ftr" idx="142"/>
           </p:nvPr>
         </p:nvSpPr>
         <p:spPr/>
@@ -5446,14 +5452,14 @@
             <a:spLocks noGrp="1"/>
           </p:cNvSpPr>
           <p:nvPr>
-            <p:ph type="sldNum" idx="128"/>
+            <p:ph type="sldNum" idx="143"/>
           </p:nvPr>
         </p:nvSpPr>
         <p:spPr/>
         <p:txBody>
           <a:bodyPr/>
           <a:p>
-            <a:fld id="{292CE233-22D2-4912-AD4F-B955C4D0139B}" type="slidenum">
+            <a:fld id="{5A22AD05-FA4A-499B-9263-C7E9B84997ED}" type="slidenum">
               <a:t>&lt;#&gt;</a:t>
             </a:fld>
           </a:p>
@@ -5466,7 +5472,7 @@
             <a:spLocks noGrp="1"/>
           </p:cNvSpPr>
           <p:nvPr>
-            <p:ph type="dt" idx="129"/>
+            <p:ph type="dt" idx="144"/>
           </p:nvPr>
         </p:nvSpPr>
         <p:spPr/>
@@ -5486,8 +5492,8 @@
 </file>
 
 <file path=ppt/slideLayouts/slideLayout49.xml><?xml version="1.0" encoding="utf-8"?>
-<p:sldLayout xmlns:a="http://schemas.openxmlformats.org/drawingml/2006/main" xmlns:p="http://schemas.openxmlformats.org/presentationml/2006/main" xmlns:r="http://schemas.openxmlformats.org/officeDocument/2006/relationships" xmlns:p14="http://schemas.microsoft.com/office/powerpoint/2010/main" xmlns:p15="http://schemas.microsoft.com/office/powerpoint/2012/main" xmlns:mc="http://schemas.openxmlformats.org/markup-compatibility/2006" type="title" preserve="1">
-  <p:cSld name="Default 29">
+<p:sldLayout xmlns:a="http://schemas.openxmlformats.org/drawingml/2006/main" xmlns:p="http://schemas.openxmlformats.org/presentationml/2006/main" xmlns:r="http://schemas.openxmlformats.org/officeDocument/2006/relationships" xmlns:p14="http://schemas.microsoft.com/office/powerpoint/2010/main" xmlns:p15="http://schemas.microsoft.com/office/powerpoint/2012/main" xmlns:mc="http://schemas.openxmlformats.org/markup-compatibility/2006" type="blank" preserve="1">
+  <p:cSld name="Default 35">
     <p:spTree>
       <p:nvGrpSpPr>
         <p:cNvPr id="1" name=""/>
@@ -5504,94 +5510,12 @@
       </p:grpSpPr>
       <p:sp>
         <p:nvSpPr>
-          <p:cNvPr id="275" name="PlaceHolder 1"/>
-          <p:cNvSpPr>
-            <a:spLocks noGrp="1"/>
-          </p:cNvSpPr>
-          <p:nvPr>
-            <p:ph type="title"/>
-          </p:nvPr>
-        </p:nvSpPr>
-        <p:spPr>
-          <a:xfrm>
-            <a:off x="727560" y="1122480"/>
-            <a:ext cx="8245440" cy="2386800"/>
-          </a:xfrm>
-          <a:prstGeom prst="rect">
-            <a:avLst/>
-          </a:prstGeom>
-          <a:noFill/>
-          <a:ln w="0">
-            <a:noFill/>
-          </a:ln>
-        </p:spPr>
-        <p:txBody>
-          <a:bodyPr lIns="0" rIns="0" tIns="0" bIns="0" anchor="ctr">
-            <a:noAutofit/>
-          </a:bodyPr>
-          <a:p>
-            <a:pPr indent="0" algn="ctr">
-              <a:buNone/>
-            </a:pPr>
-            <a:endParaRPr b="0" lang="en-US" sz="4400" strike="noStrike" u="none">
-              <a:solidFill>
-                <a:srgbClr val="000000"/>
-              </a:solidFill>
-              <a:uFillTx/>
-              <a:latin typeface="Arial"/>
-            </a:endParaRPr>
-          </a:p>
-        </p:txBody>
-      </p:sp>
-      <p:sp>
-        <p:nvSpPr>
-          <p:cNvPr id="276" name="PlaceHolder 2"/>
-          <p:cNvSpPr>
-            <a:spLocks noGrp="1"/>
-          </p:cNvSpPr>
-          <p:nvPr>
-            <p:ph type="subTitle"/>
-          </p:nvPr>
-        </p:nvSpPr>
-        <p:spPr>
-          <a:xfrm>
-            <a:off x="484920" y="1604520"/>
-            <a:ext cx="8730720" cy="3977280"/>
-          </a:xfrm>
-          <a:prstGeom prst="rect">
-            <a:avLst/>
-          </a:prstGeom>
-          <a:noFill/>
-          <a:ln w="0">
-            <a:noFill/>
-          </a:ln>
-        </p:spPr>
-        <p:txBody>
-          <a:bodyPr lIns="0" rIns="0" tIns="0" bIns="0" anchor="ctr">
-            <a:noAutofit/>
-          </a:bodyPr>
-          <a:p>
-            <a:pPr indent="0" algn="ctr">
-              <a:buNone/>
-            </a:pPr>
-            <a:endParaRPr b="0" lang="en-US" sz="3200" strike="noStrike" u="none">
-              <a:solidFill>
-                <a:srgbClr val="000000"/>
-              </a:solidFill>
-              <a:uFillTx/>
-              <a:latin typeface="Arial"/>
-            </a:endParaRPr>
-          </a:p>
-        </p:txBody>
-      </p:sp>
-      <p:sp>
-        <p:nvSpPr>
-          <p:cNvPr id="4" name="PlaceHolder 3"/>
-          <p:cNvSpPr>
-            <a:spLocks noGrp="1"/>
-          </p:cNvSpPr>
-          <p:nvPr>
-            <p:ph type="ftr" idx="127"/>
+          <p:cNvPr id="2" name="PlaceHolder 1"/>
+          <p:cNvSpPr>
+            <a:spLocks noGrp="1"/>
+          </p:cNvSpPr>
+          <p:nvPr>
+            <p:ph type="ftr" idx="145"/>
           </p:nvPr>
         </p:nvSpPr>
         <p:spPr/>
@@ -5606,19 +5530,19 @@
       </p:sp>
       <p:sp>
         <p:nvSpPr>
-          <p:cNvPr id="5" name="PlaceHolder 4"/>
-          <p:cNvSpPr>
-            <a:spLocks noGrp="1"/>
-          </p:cNvSpPr>
-          <p:nvPr>
-            <p:ph type="sldNum" idx="128"/>
+          <p:cNvPr id="3" name="PlaceHolder 2"/>
+          <p:cNvSpPr>
+            <a:spLocks noGrp="1"/>
+          </p:cNvSpPr>
+          <p:nvPr>
+            <p:ph type="sldNum" idx="146"/>
           </p:nvPr>
         </p:nvSpPr>
         <p:spPr/>
         <p:txBody>
           <a:bodyPr/>
           <a:p>
-            <a:fld id="{A5A80D83-6F60-4417-A04E-6ABC726BB435}" type="slidenum">
+            <a:fld id="{99E7C9A5-DA05-438B-A282-D0149476517D}" type="slidenum">
               <a:t>&lt;#&gt;</a:t>
             </a:fld>
           </a:p>
@@ -5626,12 +5550,12 @@
       </p:sp>
       <p:sp>
         <p:nvSpPr>
-          <p:cNvPr id="6" name="PlaceHolder 5"/>
-          <p:cNvSpPr>
-            <a:spLocks noGrp="1"/>
-          </p:cNvSpPr>
-          <p:nvPr>
-            <p:ph type="dt" idx="129"/>
+          <p:cNvPr id="4" name="PlaceHolder 3"/>
+          <p:cNvSpPr>
+            <a:spLocks noGrp="1"/>
+          </p:cNvSpPr>
+          <p:nvPr>
+            <p:ph type="dt" idx="147"/>
           </p:nvPr>
         </p:nvSpPr>
         <p:spPr/>
@@ -5701,7 +5625,7 @@
         <p:txBody>
           <a:bodyPr/>
           <a:p>
-            <a:fld id="{50370D71-31E9-4D06-8B44-EF89F3F7D9F4}" type="slidenum">
+            <a:fld id="{47FFA040-6DF2-4157-B08F-99D7E56D3604}" type="slidenum">
               <a:t>&lt;#&gt;</a:t>
             </a:fld>
           </a:p>
@@ -5715,6 +5639,841 @@
           </p:cNvSpPr>
           <p:nvPr>
             <p:ph type="dt" idx="15"/>
+          </p:nvPr>
+        </p:nvSpPr>
+        <p:spPr/>
+        <p:txBody>
+          <a:bodyPr/>
+          <a:p>
+            <a:r>
+              <a:rPr lang="en-US"/>
+              <a:t/>
+            </a:r>
+          </a:p>
+        </p:txBody>
+      </p:sp>
+    </p:spTree>
+  </p:cSld>
+</p:sldLayout>
+</file>
+
+<file path=ppt/slideLayouts/slideLayout50.xml><?xml version="1.0" encoding="utf-8"?>
+<p:sldLayout xmlns:a="http://schemas.openxmlformats.org/drawingml/2006/main" xmlns:p="http://schemas.openxmlformats.org/presentationml/2006/main" xmlns:r="http://schemas.openxmlformats.org/officeDocument/2006/relationships" xmlns:p14="http://schemas.microsoft.com/office/powerpoint/2010/main" xmlns:p15="http://schemas.microsoft.com/office/powerpoint/2012/main" xmlns:mc="http://schemas.openxmlformats.org/markup-compatibility/2006" type="vertTx" preserve="1">
+  <p:cSld name="Default 35">
+    <p:spTree>
+      <p:nvGrpSpPr>
+        <p:cNvPr id="1" name=""/>
+        <p:cNvGrpSpPr/>
+        <p:nvPr/>
+      </p:nvGrpSpPr>
+      <p:grpSpPr>
+        <a:xfrm>
+          <a:off x="0" y="0"/>
+          <a:ext cx="0" cy="0"/>
+          <a:chOff x="0" y="0"/>
+          <a:chExt cx="0" cy="0"/>
+        </a:xfrm>
+      </p:grpSpPr>
+      <p:sp>
+        <p:nvSpPr>
+          <p:cNvPr id="2" name="PlaceHolder 1"/>
+          <p:cNvSpPr>
+            <a:spLocks noGrp="1"/>
+          </p:cNvSpPr>
+          <p:nvPr>
+            <p:ph type="ftr" idx="145"/>
+          </p:nvPr>
+        </p:nvSpPr>
+        <p:spPr/>
+        <p:txBody>
+          <a:bodyPr/>
+          <a:p>
+            <a:r>
+              <a:t>Footer</a:t>
+            </a:r>
+          </a:p>
+        </p:txBody>
+      </p:sp>
+      <p:sp>
+        <p:nvSpPr>
+          <p:cNvPr id="3" name="PlaceHolder 2"/>
+          <p:cNvSpPr>
+            <a:spLocks noGrp="1"/>
+          </p:cNvSpPr>
+          <p:nvPr>
+            <p:ph type="sldNum" idx="146"/>
+          </p:nvPr>
+        </p:nvSpPr>
+        <p:spPr/>
+        <p:txBody>
+          <a:bodyPr/>
+          <a:p>
+            <a:fld id="{B7BDCB69-289C-4B6E-B883-23A262415640}" type="slidenum">
+              <a:t>&lt;#&gt;</a:t>
+            </a:fld>
+          </a:p>
+        </p:txBody>
+      </p:sp>
+      <p:sp>
+        <p:nvSpPr>
+          <p:cNvPr id="4" name="PlaceHolder 3"/>
+          <p:cNvSpPr>
+            <a:spLocks noGrp="1"/>
+          </p:cNvSpPr>
+          <p:nvPr>
+            <p:ph type="dt" idx="147"/>
+          </p:nvPr>
+        </p:nvSpPr>
+        <p:spPr/>
+        <p:txBody>
+          <a:bodyPr/>
+          <a:p>
+            <a:r>
+              <a:rPr lang="en-US"/>
+              <a:t/>
+            </a:r>
+          </a:p>
+        </p:txBody>
+      </p:sp>
+    </p:spTree>
+  </p:cSld>
+</p:sldLayout>
+</file>
+
+<file path=ppt/slideLayouts/slideLayout51.xml><?xml version="1.0" encoding="utf-8"?>
+<p:sldLayout xmlns:a="http://schemas.openxmlformats.org/drawingml/2006/main" xmlns:p="http://schemas.openxmlformats.org/presentationml/2006/main" xmlns:r="http://schemas.openxmlformats.org/officeDocument/2006/relationships" xmlns:p14="http://schemas.microsoft.com/office/powerpoint/2010/main" xmlns:p15="http://schemas.microsoft.com/office/powerpoint/2012/main" xmlns:mc="http://schemas.openxmlformats.org/markup-compatibility/2006" type="vertTitleAndTx" preserve="1">
+  <p:cSld name="Default 35">
+    <p:spTree>
+      <p:nvGrpSpPr>
+        <p:cNvPr id="1" name=""/>
+        <p:cNvGrpSpPr/>
+        <p:nvPr/>
+      </p:nvGrpSpPr>
+      <p:grpSpPr>
+        <a:xfrm>
+          <a:off x="0" y="0"/>
+          <a:ext cx="0" cy="0"/>
+          <a:chOff x="0" y="0"/>
+          <a:chExt cx="0" cy="0"/>
+        </a:xfrm>
+      </p:grpSpPr>
+      <p:sp>
+        <p:nvSpPr>
+          <p:cNvPr id="2" name="PlaceHolder 1"/>
+          <p:cNvSpPr>
+            <a:spLocks noGrp="1"/>
+          </p:cNvSpPr>
+          <p:nvPr>
+            <p:ph type="ftr" idx="145"/>
+          </p:nvPr>
+        </p:nvSpPr>
+        <p:spPr/>
+        <p:txBody>
+          <a:bodyPr/>
+          <a:p>
+            <a:r>
+              <a:t>Footer</a:t>
+            </a:r>
+          </a:p>
+        </p:txBody>
+      </p:sp>
+      <p:sp>
+        <p:nvSpPr>
+          <p:cNvPr id="3" name="PlaceHolder 2"/>
+          <p:cNvSpPr>
+            <a:spLocks noGrp="1"/>
+          </p:cNvSpPr>
+          <p:nvPr>
+            <p:ph type="sldNum" idx="146"/>
+          </p:nvPr>
+        </p:nvSpPr>
+        <p:spPr/>
+        <p:txBody>
+          <a:bodyPr/>
+          <a:p>
+            <a:fld id="{D42576B1-FAD9-4B0D-8E04-4701F2895408}" type="slidenum">
+              <a:t>&lt;#&gt;</a:t>
+            </a:fld>
+          </a:p>
+        </p:txBody>
+      </p:sp>
+      <p:sp>
+        <p:nvSpPr>
+          <p:cNvPr id="4" name="PlaceHolder 3"/>
+          <p:cNvSpPr>
+            <a:spLocks noGrp="1"/>
+          </p:cNvSpPr>
+          <p:nvPr>
+            <p:ph type="dt" idx="147"/>
+          </p:nvPr>
+        </p:nvSpPr>
+        <p:spPr/>
+        <p:txBody>
+          <a:bodyPr/>
+          <a:p>
+            <a:r>
+              <a:rPr lang="en-US"/>
+              <a:t/>
+            </a:r>
+          </a:p>
+        </p:txBody>
+      </p:sp>
+    </p:spTree>
+  </p:cSld>
+</p:sldLayout>
+</file>
+
+<file path=ppt/slideLayouts/slideLayout52.xml><?xml version="1.0" encoding="utf-8"?>
+<p:sldLayout xmlns:a="http://schemas.openxmlformats.org/drawingml/2006/main" xmlns:p="http://schemas.openxmlformats.org/presentationml/2006/main" xmlns:r="http://schemas.openxmlformats.org/officeDocument/2006/relationships" xmlns:p14="http://schemas.microsoft.com/office/powerpoint/2010/main" xmlns:p15="http://schemas.microsoft.com/office/powerpoint/2012/main" xmlns:mc="http://schemas.openxmlformats.org/markup-compatibility/2006" type="tx" preserve="1">
+  <p:cSld name="Default 35">
+    <p:spTree>
+      <p:nvGrpSpPr>
+        <p:cNvPr id="1" name=""/>
+        <p:cNvGrpSpPr/>
+        <p:nvPr/>
+      </p:nvGrpSpPr>
+      <p:grpSpPr>
+        <a:xfrm>
+          <a:off x="0" y="0"/>
+          <a:ext cx="0" cy="0"/>
+          <a:chOff x="0" y="0"/>
+          <a:chExt cx="0" cy="0"/>
+        </a:xfrm>
+      </p:grpSpPr>
+      <p:sp>
+        <p:nvSpPr>
+          <p:cNvPr id="311" name="PlaceHolder 1"/>
+          <p:cNvSpPr>
+            <a:spLocks noGrp="1"/>
+          </p:cNvSpPr>
+          <p:nvPr>
+            <p:ph type="title"/>
+          </p:nvPr>
+        </p:nvSpPr>
+        <p:spPr>
+          <a:xfrm>
+            <a:off x="727560" y="1122480"/>
+            <a:ext cx="8245080" cy="2386440"/>
+          </a:xfrm>
+          <a:prstGeom prst="rect">
+            <a:avLst/>
+          </a:prstGeom>
+          <a:noFill/>
+          <a:ln w="0">
+            <a:noFill/>
+          </a:ln>
+        </p:spPr>
+        <p:txBody>
+          <a:bodyPr lIns="0" rIns="0" tIns="0" bIns="0" anchor="ctr">
+            <a:noAutofit/>
+          </a:bodyPr>
+          <a:p>
+            <a:pPr indent="0" algn="ctr">
+              <a:buNone/>
+            </a:pPr>
+            <a:endParaRPr b="0" lang="en-US" sz="4400" strike="noStrike" u="none">
+              <a:solidFill>
+                <a:srgbClr val="000000"/>
+              </a:solidFill>
+              <a:uFillTx/>
+              <a:latin typeface="Arial"/>
+            </a:endParaRPr>
+          </a:p>
+        </p:txBody>
+      </p:sp>
+      <p:sp>
+        <p:nvSpPr>
+          <p:cNvPr id="312" name="PlaceHolder 2"/>
+          <p:cNvSpPr>
+            <a:spLocks noGrp="1"/>
+          </p:cNvSpPr>
+          <p:nvPr>
+            <p:ph/>
+          </p:nvPr>
+        </p:nvSpPr>
+        <p:spPr>
+          <a:xfrm>
+            <a:off x="484920" y="1604520"/>
+            <a:ext cx="8730720" cy="3977280"/>
+          </a:xfrm>
+          <a:prstGeom prst="rect">
+            <a:avLst/>
+          </a:prstGeom>
+          <a:noFill/>
+          <a:ln w="0">
+            <a:noFill/>
+          </a:ln>
+        </p:spPr>
+        <p:txBody>
+          <a:bodyPr lIns="0" rIns="0" tIns="0" bIns="0" anchor="t">
+            <a:normAutofit/>
+          </a:bodyPr>
+          <a:p>
+            <a:pPr indent="0">
+              <a:spcBef>
+                <a:spcPts val="1417"/>
+              </a:spcBef>
+              <a:buNone/>
+            </a:pPr>
+            <a:endParaRPr b="0" lang="en-US" sz="3200" strike="noStrike" u="none">
+              <a:solidFill>
+                <a:srgbClr val="000000"/>
+              </a:solidFill>
+              <a:uFillTx/>
+              <a:latin typeface="Arial"/>
+            </a:endParaRPr>
+          </a:p>
+        </p:txBody>
+      </p:sp>
+      <p:sp>
+        <p:nvSpPr>
+          <p:cNvPr id="4" name="PlaceHolder 3"/>
+          <p:cNvSpPr>
+            <a:spLocks noGrp="1"/>
+          </p:cNvSpPr>
+          <p:nvPr>
+            <p:ph type="ftr" idx="145"/>
+          </p:nvPr>
+        </p:nvSpPr>
+        <p:spPr/>
+        <p:txBody>
+          <a:bodyPr/>
+          <a:p>
+            <a:r>
+              <a:t>Footer</a:t>
+            </a:r>
+          </a:p>
+        </p:txBody>
+      </p:sp>
+      <p:sp>
+        <p:nvSpPr>
+          <p:cNvPr id="5" name="PlaceHolder 4"/>
+          <p:cNvSpPr>
+            <a:spLocks noGrp="1"/>
+          </p:cNvSpPr>
+          <p:nvPr>
+            <p:ph type="sldNum" idx="146"/>
+          </p:nvPr>
+        </p:nvSpPr>
+        <p:spPr/>
+        <p:txBody>
+          <a:bodyPr/>
+          <a:p>
+            <a:fld id="{F13B8DF3-A564-4019-AA0A-D7D3B179A0F5}" type="slidenum">
+              <a:t>&lt;#&gt;</a:t>
+            </a:fld>
+          </a:p>
+        </p:txBody>
+      </p:sp>
+      <p:sp>
+        <p:nvSpPr>
+          <p:cNvPr id="6" name="PlaceHolder 5"/>
+          <p:cNvSpPr>
+            <a:spLocks noGrp="1"/>
+          </p:cNvSpPr>
+          <p:nvPr>
+            <p:ph type="dt" idx="147"/>
+          </p:nvPr>
+        </p:nvSpPr>
+        <p:spPr/>
+        <p:txBody>
+          <a:bodyPr/>
+          <a:p>
+            <a:r>
+              <a:rPr lang="en-US"/>
+              <a:t/>
+            </a:r>
+          </a:p>
+        </p:txBody>
+      </p:sp>
+    </p:spTree>
+  </p:cSld>
+</p:sldLayout>
+</file>
+
+<file path=ppt/slideLayouts/slideLayout53.xml><?xml version="1.0" encoding="utf-8"?>
+<p:sldLayout xmlns:a="http://schemas.openxmlformats.org/drawingml/2006/main" xmlns:p="http://schemas.openxmlformats.org/presentationml/2006/main" xmlns:r="http://schemas.openxmlformats.org/officeDocument/2006/relationships" xmlns:p14="http://schemas.microsoft.com/office/powerpoint/2010/main" xmlns:p15="http://schemas.microsoft.com/office/powerpoint/2012/main" xmlns:mc="http://schemas.openxmlformats.org/markup-compatibility/2006" type="twoObj" preserve="1">
+  <p:cSld name="Default 35">
+    <p:spTree>
+      <p:nvGrpSpPr>
+        <p:cNvPr id="1" name=""/>
+        <p:cNvGrpSpPr/>
+        <p:nvPr/>
+      </p:nvGrpSpPr>
+      <p:grpSpPr>
+        <a:xfrm>
+          <a:off x="0" y="0"/>
+          <a:ext cx="0" cy="0"/>
+          <a:chOff x="0" y="0"/>
+          <a:chExt cx="0" cy="0"/>
+        </a:xfrm>
+      </p:grpSpPr>
+      <p:sp>
+        <p:nvSpPr>
+          <p:cNvPr id="313" name="PlaceHolder 1"/>
+          <p:cNvSpPr>
+            <a:spLocks noGrp="1"/>
+          </p:cNvSpPr>
+          <p:nvPr>
+            <p:ph type="title"/>
+          </p:nvPr>
+        </p:nvSpPr>
+        <p:spPr>
+          <a:xfrm>
+            <a:off x="727560" y="1122480"/>
+            <a:ext cx="8245080" cy="2386440"/>
+          </a:xfrm>
+          <a:prstGeom prst="rect">
+            <a:avLst/>
+          </a:prstGeom>
+          <a:noFill/>
+          <a:ln w="0">
+            <a:noFill/>
+          </a:ln>
+        </p:spPr>
+        <p:txBody>
+          <a:bodyPr lIns="0" rIns="0" tIns="0" bIns="0" anchor="ctr">
+            <a:noAutofit/>
+          </a:bodyPr>
+          <a:p>
+            <a:pPr indent="0" algn="ctr">
+              <a:buNone/>
+            </a:pPr>
+            <a:endParaRPr b="0" lang="en-US" sz="4400" strike="noStrike" u="none">
+              <a:solidFill>
+                <a:srgbClr val="000000"/>
+              </a:solidFill>
+              <a:uFillTx/>
+              <a:latin typeface="Arial"/>
+            </a:endParaRPr>
+          </a:p>
+        </p:txBody>
+      </p:sp>
+      <p:sp>
+        <p:nvSpPr>
+          <p:cNvPr id="314" name="PlaceHolder 2"/>
+          <p:cNvSpPr>
+            <a:spLocks noGrp="1"/>
+          </p:cNvSpPr>
+          <p:nvPr>
+            <p:ph/>
+          </p:nvPr>
+        </p:nvSpPr>
+        <p:spPr>
+          <a:xfrm>
+            <a:off x="484920" y="1604520"/>
+            <a:ext cx="4260240" cy="3977280"/>
+          </a:xfrm>
+          <a:prstGeom prst="rect">
+            <a:avLst/>
+          </a:prstGeom>
+          <a:noFill/>
+          <a:ln w="0">
+            <a:noFill/>
+          </a:ln>
+        </p:spPr>
+        <p:txBody>
+          <a:bodyPr lIns="0" rIns="0" tIns="0" bIns="0" anchor="t">
+            <a:normAutofit/>
+          </a:bodyPr>
+          <a:p>
+            <a:pPr indent="0">
+              <a:spcBef>
+                <a:spcPts val="1417"/>
+              </a:spcBef>
+              <a:buNone/>
+            </a:pPr>
+            <a:endParaRPr b="0" lang="en-US" sz="3200" strike="noStrike" u="none">
+              <a:solidFill>
+                <a:srgbClr val="000000"/>
+              </a:solidFill>
+              <a:uFillTx/>
+              <a:latin typeface="Arial"/>
+            </a:endParaRPr>
+          </a:p>
+        </p:txBody>
+      </p:sp>
+      <p:sp>
+        <p:nvSpPr>
+          <p:cNvPr id="315" name="PlaceHolder 3"/>
+          <p:cNvSpPr>
+            <a:spLocks noGrp="1"/>
+          </p:cNvSpPr>
+          <p:nvPr>
+            <p:ph/>
+          </p:nvPr>
+        </p:nvSpPr>
+        <p:spPr>
+          <a:xfrm>
+            <a:off x="4958640" y="1604520"/>
+            <a:ext cx="4260240" cy="3977280"/>
+          </a:xfrm>
+          <a:prstGeom prst="rect">
+            <a:avLst/>
+          </a:prstGeom>
+          <a:noFill/>
+          <a:ln w="0">
+            <a:noFill/>
+          </a:ln>
+        </p:spPr>
+        <p:txBody>
+          <a:bodyPr lIns="0" rIns="0" tIns="0" bIns="0" anchor="t">
+            <a:normAutofit/>
+          </a:bodyPr>
+          <a:p>
+            <a:pPr indent="0">
+              <a:spcBef>
+                <a:spcPts val="1417"/>
+              </a:spcBef>
+              <a:buNone/>
+            </a:pPr>
+            <a:endParaRPr b="0" lang="en-US" sz="3200" strike="noStrike" u="none">
+              <a:solidFill>
+                <a:srgbClr val="000000"/>
+              </a:solidFill>
+              <a:uFillTx/>
+              <a:latin typeface="Arial"/>
+            </a:endParaRPr>
+          </a:p>
+        </p:txBody>
+      </p:sp>
+      <p:sp>
+        <p:nvSpPr>
+          <p:cNvPr id="5" name="PlaceHolder 4"/>
+          <p:cNvSpPr>
+            <a:spLocks noGrp="1"/>
+          </p:cNvSpPr>
+          <p:nvPr>
+            <p:ph type="ftr" idx="145"/>
+          </p:nvPr>
+        </p:nvSpPr>
+        <p:spPr/>
+        <p:txBody>
+          <a:bodyPr/>
+          <a:p>
+            <a:r>
+              <a:t>Footer</a:t>
+            </a:r>
+          </a:p>
+        </p:txBody>
+      </p:sp>
+      <p:sp>
+        <p:nvSpPr>
+          <p:cNvPr id="6" name="PlaceHolder 5"/>
+          <p:cNvSpPr>
+            <a:spLocks noGrp="1"/>
+          </p:cNvSpPr>
+          <p:nvPr>
+            <p:ph type="sldNum" idx="146"/>
+          </p:nvPr>
+        </p:nvSpPr>
+        <p:spPr/>
+        <p:txBody>
+          <a:bodyPr/>
+          <a:p>
+            <a:fld id="{0D187988-6808-42D7-897F-7D37149D19FC}" type="slidenum">
+              <a:t>&lt;#&gt;</a:t>
+            </a:fld>
+          </a:p>
+        </p:txBody>
+      </p:sp>
+      <p:sp>
+        <p:nvSpPr>
+          <p:cNvPr id="7" name="PlaceHolder 6"/>
+          <p:cNvSpPr>
+            <a:spLocks noGrp="1"/>
+          </p:cNvSpPr>
+          <p:nvPr>
+            <p:ph type="dt" idx="147"/>
+          </p:nvPr>
+        </p:nvSpPr>
+        <p:spPr/>
+        <p:txBody>
+          <a:bodyPr/>
+          <a:p>
+            <a:r>
+              <a:rPr lang="en-US"/>
+              <a:t/>
+            </a:r>
+          </a:p>
+        </p:txBody>
+      </p:sp>
+    </p:spTree>
+  </p:cSld>
+</p:sldLayout>
+</file>
+
+<file path=ppt/slideLayouts/slideLayout54.xml><?xml version="1.0" encoding="utf-8"?>
+<p:sldLayout xmlns:a="http://schemas.openxmlformats.org/drawingml/2006/main" xmlns:p="http://schemas.openxmlformats.org/presentationml/2006/main" xmlns:r="http://schemas.openxmlformats.org/officeDocument/2006/relationships" xmlns:p14="http://schemas.microsoft.com/office/powerpoint/2010/main" xmlns:p15="http://schemas.microsoft.com/office/powerpoint/2012/main" xmlns:mc="http://schemas.openxmlformats.org/markup-compatibility/2006" type="titleOnly" preserve="1">
+  <p:cSld name="Default 35">
+    <p:spTree>
+      <p:nvGrpSpPr>
+        <p:cNvPr id="1" name=""/>
+        <p:cNvGrpSpPr/>
+        <p:nvPr/>
+      </p:nvGrpSpPr>
+      <p:grpSpPr>
+        <a:xfrm>
+          <a:off x="0" y="0"/>
+          <a:ext cx="0" cy="0"/>
+          <a:chOff x="0" y="0"/>
+          <a:chExt cx="0" cy="0"/>
+        </a:xfrm>
+      </p:grpSpPr>
+      <p:sp>
+        <p:nvSpPr>
+          <p:cNvPr id="316" name="PlaceHolder 1"/>
+          <p:cNvSpPr>
+            <a:spLocks noGrp="1"/>
+          </p:cNvSpPr>
+          <p:nvPr>
+            <p:ph type="title"/>
+          </p:nvPr>
+        </p:nvSpPr>
+        <p:spPr>
+          <a:xfrm>
+            <a:off x="727560" y="1122480"/>
+            <a:ext cx="8245080" cy="2386440"/>
+          </a:xfrm>
+          <a:prstGeom prst="rect">
+            <a:avLst/>
+          </a:prstGeom>
+          <a:noFill/>
+          <a:ln w="0">
+            <a:noFill/>
+          </a:ln>
+        </p:spPr>
+        <p:txBody>
+          <a:bodyPr lIns="0" rIns="0" tIns="0" bIns="0" anchor="ctr">
+            <a:noAutofit/>
+          </a:bodyPr>
+          <a:p>
+            <a:pPr indent="0" algn="ctr">
+              <a:buNone/>
+            </a:pPr>
+            <a:endParaRPr b="0" lang="en-US" sz="4400" strike="noStrike" u="none">
+              <a:solidFill>
+                <a:srgbClr val="000000"/>
+              </a:solidFill>
+              <a:uFillTx/>
+              <a:latin typeface="Arial"/>
+            </a:endParaRPr>
+          </a:p>
+        </p:txBody>
+      </p:sp>
+      <p:sp>
+        <p:nvSpPr>
+          <p:cNvPr id="3" name="PlaceHolder 2"/>
+          <p:cNvSpPr>
+            <a:spLocks noGrp="1"/>
+          </p:cNvSpPr>
+          <p:nvPr>
+            <p:ph type="ftr" idx="145"/>
+          </p:nvPr>
+        </p:nvSpPr>
+        <p:spPr/>
+        <p:txBody>
+          <a:bodyPr/>
+          <a:p>
+            <a:r>
+              <a:t>Footer</a:t>
+            </a:r>
+          </a:p>
+        </p:txBody>
+      </p:sp>
+      <p:sp>
+        <p:nvSpPr>
+          <p:cNvPr id="4" name="PlaceHolder 3"/>
+          <p:cNvSpPr>
+            <a:spLocks noGrp="1"/>
+          </p:cNvSpPr>
+          <p:nvPr>
+            <p:ph type="sldNum" idx="146"/>
+          </p:nvPr>
+        </p:nvSpPr>
+        <p:spPr/>
+        <p:txBody>
+          <a:bodyPr/>
+          <a:p>
+            <a:fld id="{8653DE48-B149-4833-A320-BF22FDC9E030}" type="slidenum">
+              <a:t>&lt;#&gt;</a:t>
+            </a:fld>
+          </a:p>
+        </p:txBody>
+      </p:sp>
+      <p:sp>
+        <p:nvSpPr>
+          <p:cNvPr id="5" name="PlaceHolder 4"/>
+          <p:cNvSpPr>
+            <a:spLocks noGrp="1"/>
+          </p:cNvSpPr>
+          <p:nvPr>
+            <p:ph type="dt" idx="147"/>
+          </p:nvPr>
+        </p:nvSpPr>
+        <p:spPr/>
+        <p:txBody>
+          <a:bodyPr/>
+          <a:p>
+            <a:r>
+              <a:rPr lang="en-US"/>
+              <a:t/>
+            </a:r>
+          </a:p>
+        </p:txBody>
+      </p:sp>
+    </p:spTree>
+  </p:cSld>
+</p:sldLayout>
+</file>
+
+<file path=ppt/slideLayouts/slideLayout55.xml><?xml version="1.0" encoding="utf-8"?>
+<p:sldLayout xmlns:a="http://schemas.openxmlformats.org/drawingml/2006/main" xmlns:p="http://schemas.openxmlformats.org/presentationml/2006/main" xmlns:r="http://schemas.openxmlformats.org/officeDocument/2006/relationships" xmlns:p14="http://schemas.microsoft.com/office/powerpoint/2010/main" xmlns:p15="http://schemas.microsoft.com/office/powerpoint/2012/main" xmlns:mc="http://schemas.openxmlformats.org/markup-compatibility/2006" type="title" preserve="1">
+  <p:cSld name="Default 35">
+    <p:spTree>
+      <p:nvGrpSpPr>
+        <p:cNvPr id="1" name=""/>
+        <p:cNvGrpSpPr/>
+        <p:nvPr/>
+      </p:nvGrpSpPr>
+      <p:grpSpPr>
+        <a:xfrm>
+          <a:off x="0" y="0"/>
+          <a:ext cx="0" cy="0"/>
+          <a:chOff x="0" y="0"/>
+          <a:chExt cx="0" cy="0"/>
+        </a:xfrm>
+      </p:grpSpPr>
+      <p:sp>
+        <p:nvSpPr>
+          <p:cNvPr id="317" name="PlaceHolder 1"/>
+          <p:cNvSpPr>
+            <a:spLocks noGrp="1"/>
+          </p:cNvSpPr>
+          <p:nvPr>
+            <p:ph type="title"/>
+          </p:nvPr>
+        </p:nvSpPr>
+        <p:spPr>
+          <a:xfrm>
+            <a:off x="727560" y="1122480"/>
+            <a:ext cx="8245080" cy="2386440"/>
+          </a:xfrm>
+          <a:prstGeom prst="rect">
+            <a:avLst/>
+          </a:prstGeom>
+          <a:noFill/>
+          <a:ln w="0">
+            <a:noFill/>
+          </a:ln>
+        </p:spPr>
+        <p:txBody>
+          <a:bodyPr lIns="0" rIns="0" tIns="0" bIns="0" anchor="ctr">
+            <a:noAutofit/>
+          </a:bodyPr>
+          <a:p>
+            <a:pPr indent="0" algn="ctr">
+              <a:buNone/>
+            </a:pPr>
+            <a:endParaRPr b="0" lang="en-US" sz="4400" strike="noStrike" u="none">
+              <a:solidFill>
+                <a:srgbClr val="000000"/>
+              </a:solidFill>
+              <a:uFillTx/>
+              <a:latin typeface="Arial"/>
+            </a:endParaRPr>
+          </a:p>
+        </p:txBody>
+      </p:sp>
+      <p:sp>
+        <p:nvSpPr>
+          <p:cNvPr id="318" name="PlaceHolder 2"/>
+          <p:cNvSpPr>
+            <a:spLocks noGrp="1"/>
+          </p:cNvSpPr>
+          <p:nvPr>
+            <p:ph type="subTitle"/>
+          </p:nvPr>
+        </p:nvSpPr>
+        <p:spPr>
+          <a:xfrm>
+            <a:off x="484920" y="1604520"/>
+            <a:ext cx="8730720" cy="3977280"/>
+          </a:xfrm>
+          <a:prstGeom prst="rect">
+            <a:avLst/>
+          </a:prstGeom>
+          <a:noFill/>
+          <a:ln w="0">
+            <a:noFill/>
+          </a:ln>
+        </p:spPr>
+        <p:txBody>
+          <a:bodyPr lIns="0" rIns="0" tIns="0" bIns="0" anchor="ctr">
+            <a:noAutofit/>
+          </a:bodyPr>
+          <a:p>
+            <a:pPr indent="0" algn="ctr">
+              <a:buNone/>
+            </a:pPr>
+            <a:endParaRPr b="0" lang="en-US" sz="3200" strike="noStrike" u="none">
+              <a:solidFill>
+                <a:srgbClr val="000000"/>
+              </a:solidFill>
+              <a:uFillTx/>
+              <a:latin typeface="Arial"/>
+            </a:endParaRPr>
+          </a:p>
+        </p:txBody>
+      </p:sp>
+      <p:sp>
+        <p:nvSpPr>
+          <p:cNvPr id="4" name="PlaceHolder 3"/>
+          <p:cNvSpPr>
+            <a:spLocks noGrp="1"/>
+          </p:cNvSpPr>
+          <p:nvPr>
+            <p:ph type="ftr" idx="145"/>
+          </p:nvPr>
+        </p:nvSpPr>
+        <p:spPr/>
+        <p:txBody>
+          <a:bodyPr/>
+          <a:p>
+            <a:r>
+              <a:t>Footer</a:t>
+            </a:r>
+          </a:p>
+        </p:txBody>
+      </p:sp>
+      <p:sp>
+        <p:nvSpPr>
+          <p:cNvPr id="5" name="PlaceHolder 4"/>
+          <p:cNvSpPr>
+            <a:spLocks noGrp="1"/>
+          </p:cNvSpPr>
+          <p:nvPr>
+            <p:ph type="sldNum" idx="146"/>
+          </p:nvPr>
+        </p:nvSpPr>
+        <p:spPr/>
+        <p:txBody>
+          <a:bodyPr/>
+          <a:p>
+            <a:fld id="{BD05D223-B50B-49F8-9ADC-5DC90A8C913F}" type="slidenum">
+              <a:t>&lt;#&gt;</a:t>
+            </a:fld>
+          </a:p>
+        </p:txBody>
+      </p:sp>
+      <p:sp>
+        <p:nvSpPr>
+          <p:cNvPr id="6" name="PlaceHolder 5"/>
+          <p:cNvSpPr>
+            <a:spLocks noGrp="1"/>
+          </p:cNvSpPr>
+          <p:nvPr>
+            <p:ph type="dt" idx="147"/>
           </p:nvPr>
         </p:nvSpPr>
         <p:spPr/>
@@ -5784,7 +6543,7 @@
         <p:txBody>
           <a:bodyPr/>
           <a:p>
-            <a:fld id="{C123699B-65D4-4869-8D05-27CD91C72CE0}" type="slidenum">
+            <a:fld id="{0D882927-936E-415F-A561-C2C3B90D2F86}" type="slidenum">
               <a:t>&lt;#&gt;</a:t>
             </a:fld>
           </a:p>
@@ -5867,7 +6626,7 @@
         <p:txBody>
           <a:bodyPr/>
           <a:p>
-            <a:fld id="{46AFE808-864D-4740-AEF9-9257621F2298}" type="slidenum">
+            <a:fld id="{7057EE9E-7B40-4E18-A171-F035DA18E6D6}" type="slidenum">
               <a:t>&lt;#&gt;</a:t>
             </a:fld>
           </a:p>
@@ -5950,7 +6709,7 @@
         <p:txBody>
           <a:bodyPr/>
           <a:p>
-            <a:fld id="{3A70C9EA-8F53-4A52-9627-50F9C127CF68}" type="slidenum">
+            <a:fld id="{6FEBF1D5-8047-4A64-9FC1-41302CD4AF74}" type="slidenum">
               <a:t>&lt;#&gt;</a:t>
             </a:fld>
           </a:p>
@@ -6033,7 +6792,7 @@
         <p:txBody>
           <a:bodyPr/>
           <a:p>
-            <a:fld id="{4AC995C8-2A06-47E8-AC17-D78F577F7213}" type="slidenum">
+            <a:fld id="{095FD587-0CF5-4C98-8F50-0AF6C22BBF90}" type="slidenum">
               <a:t>&lt;#&gt;</a:t>
             </a:fld>
           </a:p>
@@ -6102,7 +6861,7 @@
         <p:spPr>
           <a:xfrm>
             <a:off x="360" y="0"/>
-            <a:ext cx="9699480" cy="6856560"/>
+            <a:ext cx="9699120" cy="6856200"/>
           </a:xfrm>
           <a:prstGeom prst="rect">
             <a:avLst/>
@@ -6121,7 +6880,7 @@
         <p:spPr>
           <a:xfrm>
             <a:off x="2697120" y="6330240"/>
-            <a:ext cx="3999960" cy="227160"/>
+            <a:ext cx="3999600" cy="227160"/>
           </a:xfrm>
           <a:prstGeom prst="rect">
             <a:avLst/>
@@ -6180,7 +6939,7 @@
         <p:spPr>
           <a:xfrm>
             <a:off x="727560" y="1122480"/>
-            <a:ext cx="8245440" cy="2386800"/>
+            <a:ext cx="8245080" cy="2386440"/>
           </a:xfrm>
           <a:prstGeom prst="rect">
             <a:avLst/>
@@ -6231,7 +6990,7 @@
         <p:spPr>
           <a:xfrm>
             <a:off x="3213360" y="6356520"/>
-            <a:ext cx="3272760" cy="363600"/>
+            <a:ext cx="3272400" cy="363240"/>
           </a:xfrm>
           <a:prstGeom prst="rect">
             <a:avLst/>
@@ -6281,7 +7040,7 @@
                 <a:uFillTx/>
                 <a:latin typeface="Times New Roman"/>
               </a:rPr>
-              <a:t>&lt;footer&gt;</a:t>
+              <a:t> </a:t>
             </a:r>
             <a:endParaRPr b="0" lang="en-US" sz="1400" strike="noStrike" u="none">
               <a:solidFill>
@@ -6306,7 +7065,7 @@
         <p:spPr>
           <a:xfrm>
             <a:off x="6851520" y="6356520"/>
-            <a:ext cx="2181240" cy="363600"/>
+            <a:ext cx="2180880" cy="363240"/>
           </a:xfrm>
           <a:prstGeom prst="rect">
             <a:avLst/>
@@ -6348,7 +7107,7 @@
                 <a:tab algn="l" pos="0"/>
               </a:tabLst>
             </a:pPr>
-            <a:fld id="{DF09662D-C12B-486F-89A4-BE3B0BD8B6C0}" type="slidenum">
+            <a:fld id="{06A473A6-9E75-4440-B017-A2B6094EE0BA}" type="slidenum">
               <a:rPr b="0" lang="pt-BR" sz="1800" strike="noStrike" u="none">
                 <a:solidFill>
                   <a:schemeClr val="dk1"/>
@@ -6356,7 +7115,7 @@
                 <a:uFillTx/>
                 <a:latin typeface="Calibri"/>
               </a:rPr>
-              <a:t>&lt;number&gt;</a:t>
+              <a:t>2</a:t>
             </a:fld>
             <a:endParaRPr b="0" lang="en-US" sz="1800" strike="noStrike" u="none">
               <a:solidFill>
@@ -6381,7 +7140,7 @@
         <p:spPr>
           <a:xfrm>
             <a:off x="667080" y="6356520"/>
-            <a:ext cx="2181240" cy="363600"/>
+            <a:ext cx="2180880" cy="363240"/>
           </a:xfrm>
           <a:prstGeom prst="rect">
             <a:avLst/>
@@ -6419,7 +7178,7 @@
                 <a:uFillTx/>
                 <a:latin typeface="Times New Roman"/>
               </a:rPr>
-              <a:t>&lt;date/time&gt;</a:t>
+              <a:t> </a:t>
             </a:r>
             <a:endParaRPr b="0" lang="en-US" sz="1400" strike="noStrike" u="none">
               <a:solidFill>
@@ -6477,7 +7236,7 @@
         <p:spPr>
           <a:xfrm>
             <a:off x="360" y="0"/>
-            <a:ext cx="9699480" cy="6856560"/>
+            <a:ext cx="9699120" cy="6856200"/>
           </a:xfrm>
           <a:prstGeom prst="rect">
             <a:avLst/>
@@ -6496,7 +7255,7 @@
         <p:spPr>
           <a:xfrm>
             <a:off x="2697120" y="6330240"/>
-            <a:ext cx="3999960" cy="227160"/>
+            <a:ext cx="3999600" cy="227160"/>
           </a:xfrm>
           <a:prstGeom prst="rect">
             <a:avLst/>
@@ -6555,7 +7314,7 @@
         <p:spPr>
           <a:xfrm>
             <a:off x="727560" y="1122480"/>
-            <a:ext cx="8245440" cy="2386800"/>
+            <a:ext cx="8245080" cy="2386440"/>
           </a:xfrm>
           <a:prstGeom prst="rect">
             <a:avLst/>
@@ -6845,7 +7604,7 @@
         <p:spPr>
           <a:xfrm>
             <a:off x="3213360" y="6356520"/>
-            <a:ext cx="3272760" cy="363600"/>
+            <a:ext cx="3272400" cy="363240"/>
           </a:xfrm>
           <a:prstGeom prst="rect">
             <a:avLst/>
@@ -6920,7 +7679,7 @@
         <p:spPr>
           <a:xfrm>
             <a:off x="6851520" y="6356520"/>
-            <a:ext cx="2181240" cy="363600"/>
+            <a:ext cx="2180880" cy="363240"/>
           </a:xfrm>
           <a:prstGeom prst="rect">
             <a:avLst/>
@@ -6962,7 +7721,7 @@
                 <a:tab algn="l" pos="0"/>
               </a:tabLst>
             </a:pPr>
-            <a:fld id="{68FF8BB1-92DA-40B5-83E9-723819ADC187}" type="slidenum">
+            <a:fld id="{5B2E846C-F4F5-4392-A6A7-18CD504E718B}" type="slidenum">
               <a:rPr b="0" lang="pt-BR" sz="1800" strike="noStrike" u="none">
                 <a:solidFill>
                   <a:schemeClr val="dk1"/>
@@ -6995,7 +7754,7 @@
         <p:spPr>
           <a:xfrm>
             <a:off x="667080" y="6356520"/>
-            <a:ext cx="2181240" cy="363600"/>
+            <a:ext cx="2180880" cy="363240"/>
           </a:xfrm>
           <a:prstGeom prst="rect">
             <a:avLst/>
@@ -7091,7 +7850,7 @@
         <p:spPr>
           <a:xfrm>
             <a:off x="360" y="0"/>
-            <a:ext cx="9699480" cy="6856560"/>
+            <a:ext cx="9699120" cy="6856200"/>
           </a:xfrm>
           <a:prstGeom prst="rect">
             <a:avLst/>
@@ -7110,7 +7869,7 @@
         <p:spPr>
           <a:xfrm>
             <a:off x="2697120" y="6330240"/>
-            <a:ext cx="3999960" cy="227160"/>
+            <a:ext cx="3999600" cy="227160"/>
           </a:xfrm>
           <a:prstGeom prst="rect">
             <a:avLst/>
@@ -7169,7 +7928,7 @@
         <p:spPr>
           <a:xfrm>
             <a:off x="727560" y="1122480"/>
-            <a:ext cx="8245440" cy="2386800"/>
+            <a:ext cx="8245080" cy="2386440"/>
           </a:xfrm>
           <a:prstGeom prst="rect">
             <a:avLst/>
@@ -7698,7 +8457,7 @@
         <p:spPr>
           <a:xfrm>
             <a:off x="3213360" y="6356520"/>
-            <a:ext cx="3272760" cy="363600"/>
+            <a:ext cx="3272400" cy="363240"/>
           </a:xfrm>
           <a:prstGeom prst="rect">
             <a:avLst/>
@@ -7773,7 +8532,7 @@
         <p:spPr>
           <a:xfrm>
             <a:off x="6851520" y="6356520"/>
-            <a:ext cx="2181240" cy="363600"/>
+            <a:ext cx="2180880" cy="363240"/>
           </a:xfrm>
           <a:prstGeom prst="rect">
             <a:avLst/>
@@ -7815,7 +8574,7 @@
                 <a:tab algn="l" pos="0"/>
               </a:tabLst>
             </a:pPr>
-            <a:fld id="{6FCE041D-3E49-472C-BBA0-D931BE2B223C}" type="slidenum">
+            <a:fld id="{0A2117D8-005F-4FAA-BE2E-68E4BAFEDD24}" type="slidenum">
               <a:rPr b="0" lang="pt-BR" sz="1800" strike="noStrike" u="none">
                 <a:solidFill>
                   <a:schemeClr val="dk1"/>
@@ -7848,7 +8607,7 @@
         <p:spPr>
           <a:xfrm>
             <a:off x="667080" y="6356520"/>
-            <a:ext cx="2181240" cy="363600"/>
+            <a:ext cx="2180880" cy="363240"/>
           </a:xfrm>
           <a:prstGeom prst="rect">
             <a:avLst/>
@@ -7944,7 +8703,7 @@
         <p:spPr>
           <a:xfrm>
             <a:off x="360" y="0"/>
-            <a:ext cx="9699480" cy="6856560"/>
+            <a:ext cx="9699120" cy="6856200"/>
           </a:xfrm>
           <a:prstGeom prst="rect">
             <a:avLst/>
@@ -7963,7 +8722,7 @@
         <p:spPr>
           <a:xfrm>
             <a:off x="2697120" y="6330240"/>
-            <a:ext cx="3999960" cy="227160"/>
+            <a:ext cx="3999600" cy="227160"/>
           </a:xfrm>
           <a:prstGeom prst="rect">
             <a:avLst/>
@@ -8022,7 +8781,7 @@
         <p:spPr>
           <a:xfrm>
             <a:off x="727560" y="1122480"/>
-            <a:ext cx="8245440" cy="2386800"/>
+            <a:ext cx="8245080" cy="2386440"/>
           </a:xfrm>
           <a:prstGeom prst="rect">
             <a:avLst/>
@@ -8073,7 +8832,7 @@
         <p:spPr>
           <a:xfrm>
             <a:off x="3213360" y="6356520"/>
-            <a:ext cx="3272760" cy="363600"/>
+            <a:ext cx="3272400" cy="363240"/>
           </a:xfrm>
           <a:prstGeom prst="rect">
             <a:avLst/>
@@ -8123,7 +8882,7 @@
                 <a:uFillTx/>
                 <a:latin typeface="Times New Roman"/>
               </a:rPr>
-              <a:t> </a:t>
+              <a:t>&lt;footer&gt;</a:t>
             </a:r>
             <a:endParaRPr b="0" lang="en-US" sz="1400" strike="noStrike" u="none">
               <a:solidFill>
@@ -8148,7 +8907,7 @@
         <p:spPr>
           <a:xfrm>
             <a:off x="6851520" y="6356520"/>
-            <a:ext cx="2181240" cy="363600"/>
+            <a:ext cx="2180880" cy="363240"/>
           </a:xfrm>
           <a:prstGeom prst="rect">
             <a:avLst/>
@@ -8190,7 +8949,7 @@
                 <a:tab algn="l" pos="0"/>
               </a:tabLst>
             </a:pPr>
-            <a:fld id="{EB9283EA-0D40-48C9-906A-40779C4B5116}" type="slidenum">
+            <a:fld id="{BEB765EC-0D69-47FC-B7DA-971BCC0D75C3}" type="slidenum">
               <a:rPr b="0" lang="pt-BR" sz="1800" strike="noStrike" u="none">
                 <a:solidFill>
                   <a:schemeClr val="dk1"/>
@@ -8198,7 +8957,7 @@
                 <a:uFillTx/>
                 <a:latin typeface="Calibri"/>
               </a:rPr>
-              <a:t>1</a:t>
+              <a:t>&lt;number&gt;</a:t>
             </a:fld>
             <a:endParaRPr b="0" lang="en-US" sz="1800" strike="noStrike" u="none">
               <a:solidFill>
@@ -8223,7 +8982,7 @@
         <p:spPr>
           <a:xfrm>
             <a:off x="667080" y="6356520"/>
-            <a:ext cx="2181240" cy="363600"/>
+            <a:ext cx="2180880" cy="363240"/>
           </a:xfrm>
           <a:prstGeom prst="rect">
             <a:avLst/>
@@ -8261,7 +9020,7 @@
                 <a:uFillTx/>
                 <a:latin typeface="Times New Roman"/>
               </a:rPr>
-              <a:t> </a:t>
+              <a:t>&lt;date/time&gt;</a:t>
             </a:r>
             <a:endParaRPr b="0" lang="en-US" sz="1400" strike="noStrike" u="none">
               <a:solidFill>
@@ -8319,7 +9078,7 @@
         <p:spPr>
           <a:xfrm>
             <a:off x="360" y="0"/>
-            <a:ext cx="9699480" cy="6856560"/>
+            <a:ext cx="9699120" cy="6856200"/>
           </a:xfrm>
           <a:prstGeom prst="rect">
             <a:avLst/>
@@ -8338,7 +9097,7 @@
         <p:spPr>
           <a:xfrm>
             <a:off x="2697120" y="6330240"/>
-            <a:ext cx="3999960" cy="227160"/>
+            <a:ext cx="3999600" cy="227160"/>
           </a:xfrm>
           <a:prstGeom prst="rect">
             <a:avLst/>
@@ -8397,7 +9156,7 @@
         <p:spPr>
           <a:xfrm>
             <a:off x="727560" y="1122480"/>
-            <a:ext cx="8245440" cy="2386800"/>
+            <a:ext cx="8245080" cy="2386440"/>
           </a:xfrm>
           <a:prstGeom prst="rect">
             <a:avLst/>
@@ -8687,7 +9446,7 @@
         <p:spPr>
           <a:xfrm>
             <a:off x="3213360" y="6356520"/>
-            <a:ext cx="3272760" cy="363600"/>
+            <a:ext cx="3272400" cy="363240"/>
           </a:xfrm>
           <a:prstGeom prst="rect">
             <a:avLst/>
@@ -8762,7 +9521,7 @@
         <p:spPr>
           <a:xfrm>
             <a:off x="6851520" y="6356520"/>
-            <a:ext cx="2181240" cy="363600"/>
+            <a:ext cx="2180880" cy="363240"/>
           </a:xfrm>
           <a:prstGeom prst="rect">
             <a:avLst/>
@@ -8804,7 +9563,7 @@
                 <a:tab algn="l" pos="0"/>
               </a:tabLst>
             </a:pPr>
-            <a:fld id="{1841E0C3-58E7-4545-BC95-7DC389212494}" type="slidenum">
+            <a:fld id="{3BBF1C92-F0DB-40F8-91AD-31862FA86DA7}" type="slidenum">
               <a:rPr b="0" lang="pt-BR" sz="1800" strike="noStrike" u="none">
                 <a:solidFill>
                   <a:schemeClr val="dk1"/>
@@ -8837,7 +9596,7 @@
         <p:spPr>
           <a:xfrm>
             <a:off x="667080" y="6356520"/>
-            <a:ext cx="2181240" cy="363600"/>
+            <a:ext cx="2180880" cy="363240"/>
           </a:xfrm>
           <a:prstGeom prst="rect">
             <a:avLst/>
@@ -8933,7 +9692,7 @@
         <p:spPr>
           <a:xfrm>
             <a:off x="360" y="0"/>
-            <a:ext cx="9699480" cy="6856560"/>
+            <a:ext cx="9699120" cy="6856200"/>
           </a:xfrm>
           <a:prstGeom prst="rect">
             <a:avLst/>
@@ -8952,7 +9711,7 @@
         <p:spPr>
           <a:xfrm>
             <a:off x="2697120" y="6330240"/>
-            <a:ext cx="3999960" cy="227160"/>
+            <a:ext cx="3999600" cy="227160"/>
           </a:xfrm>
           <a:prstGeom prst="rect">
             <a:avLst/>
@@ -9011,7 +9770,7 @@
         <p:spPr>
           <a:xfrm>
             <a:off x="727560" y="1122480"/>
-            <a:ext cx="8245440" cy="2386800"/>
+            <a:ext cx="8245080" cy="2386440"/>
           </a:xfrm>
           <a:prstGeom prst="rect">
             <a:avLst/>
@@ -9062,7 +9821,7 @@
         <p:spPr>
           <a:xfrm>
             <a:off x="3213360" y="6356520"/>
-            <a:ext cx="3272760" cy="363600"/>
+            <a:ext cx="3272400" cy="363240"/>
           </a:xfrm>
           <a:prstGeom prst="rect">
             <a:avLst/>
@@ -9112,7 +9871,7 @@
                 <a:uFillTx/>
                 <a:latin typeface="Times New Roman"/>
               </a:rPr>
-              <a:t> </a:t>
+              <a:t>&lt;footer&gt;</a:t>
             </a:r>
             <a:endParaRPr b="0" lang="en-US" sz="1400" strike="noStrike" u="none">
               <a:solidFill>
@@ -9137,7 +9896,7 @@
         <p:spPr>
           <a:xfrm>
             <a:off x="6851520" y="6356520"/>
-            <a:ext cx="2181240" cy="363600"/>
+            <a:ext cx="2180880" cy="363240"/>
           </a:xfrm>
           <a:prstGeom prst="rect">
             <a:avLst/>
@@ -9179,7 +9938,7 @@
                 <a:tab algn="l" pos="0"/>
               </a:tabLst>
             </a:pPr>
-            <a:fld id="{E71E1141-C9BD-4022-8F6A-401CAC249C59}" type="slidenum">
+            <a:fld id="{404DA90D-E0E5-471C-88B2-738C1680838C}" type="slidenum">
               <a:rPr b="0" lang="pt-BR" sz="1800" strike="noStrike" u="none">
                 <a:solidFill>
                   <a:schemeClr val="dk1"/>
@@ -9187,7 +9946,7 @@
                 <a:uFillTx/>
                 <a:latin typeface="Calibri"/>
               </a:rPr>
-              <a:t>1</a:t>
+              <a:t>&lt;number&gt;</a:t>
             </a:fld>
             <a:endParaRPr b="0" lang="en-US" sz="1800" strike="noStrike" u="none">
               <a:solidFill>
@@ -9212,7 +9971,7 @@
         <p:spPr>
           <a:xfrm>
             <a:off x="667080" y="6356520"/>
-            <a:ext cx="2181240" cy="363600"/>
+            <a:ext cx="2180880" cy="363240"/>
           </a:xfrm>
           <a:prstGeom prst="rect">
             <a:avLst/>
@@ -9250,7 +10009,7 @@
                 <a:uFillTx/>
                 <a:latin typeface="Times New Roman"/>
               </a:rPr>
-              <a:t> </a:t>
+              <a:t>&lt;date/time&gt;</a:t>
             </a:r>
             <a:endParaRPr b="0" lang="en-US" sz="1400" strike="noStrike" u="none">
               <a:solidFill>
@@ -9547,7 +10306,7 @@
         <p:spPr>
           <a:xfrm>
             <a:off x="360" y="0"/>
-            <a:ext cx="9699480" cy="6856560"/>
+            <a:ext cx="9699120" cy="6856200"/>
           </a:xfrm>
           <a:prstGeom prst="rect">
             <a:avLst/>
@@ -9566,7 +10325,7 @@
         <p:spPr>
           <a:xfrm>
             <a:off x="2697120" y="6330240"/>
-            <a:ext cx="3999960" cy="227160"/>
+            <a:ext cx="3999600" cy="227160"/>
           </a:xfrm>
           <a:prstGeom prst="rect">
             <a:avLst/>
@@ -9625,7 +10384,7 @@
         <p:spPr>
           <a:xfrm>
             <a:off x="3213360" y="6356520"/>
-            <a:ext cx="3272760" cy="363600"/>
+            <a:ext cx="3272400" cy="363240"/>
           </a:xfrm>
           <a:prstGeom prst="rect">
             <a:avLst/>
@@ -9700,7 +10459,7 @@
         <p:spPr>
           <a:xfrm>
             <a:off x="6851520" y="6356520"/>
-            <a:ext cx="2181240" cy="363600"/>
+            <a:ext cx="2180880" cy="363240"/>
           </a:xfrm>
           <a:prstGeom prst="rect">
             <a:avLst/>
@@ -9742,7 +10501,7 @@
                 <a:tab algn="l" pos="0"/>
               </a:tabLst>
             </a:pPr>
-            <a:fld id="{7072F4CC-8B92-4F3C-A127-CFB219910DF5}" type="slidenum">
+            <a:fld id="{5A7B170A-1697-4E6E-8983-ECD6C9EDBC96}" type="slidenum">
               <a:rPr b="0" lang="pt-BR" sz="1800" strike="noStrike" u="none">
                 <a:solidFill>
                   <a:schemeClr val="dk1"/>
@@ -9775,7 +10534,7 @@
         <p:spPr>
           <a:xfrm>
             <a:off x="667080" y="6356520"/>
-            <a:ext cx="2181240" cy="363600"/>
+            <a:ext cx="2180880" cy="363240"/>
           </a:xfrm>
           <a:prstGeom prst="rect">
             <a:avLst/>
@@ -9871,7 +10630,7 @@
         <p:spPr>
           <a:xfrm>
             <a:off x="360" y="0"/>
-            <a:ext cx="9699480" cy="6856560"/>
+            <a:ext cx="9699120" cy="6856200"/>
           </a:xfrm>
           <a:prstGeom prst="rect">
             <a:avLst/>
@@ -9890,7 +10649,7 @@
         <p:spPr>
           <a:xfrm>
             <a:off x="2697120" y="6330240"/>
-            <a:ext cx="3999960" cy="227160"/>
+            <a:ext cx="3999600" cy="227160"/>
           </a:xfrm>
           <a:prstGeom prst="rect">
             <a:avLst/>
@@ -9949,7 +10708,7 @@
         <p:spPr>
           <a:xfrm>
             <a:off x="3213360" y="6356520"/>
-            <a:ext cx="3272760" cy="363600"/>
+            <a:ext cx="3272400" cy="363240"/>
           </a:xfrm>
           <a:prstGeom prst="rect">
             <a:avLst/>
@@ -10024,7 +10783,7 @@
         <p:spPr>
           <a:xfrm>
             <a:off x="6851520" y="6356520"/>
-            <a:ext cx="2181240" cy="363600"/>
+            <a:ext cx="2180880" cy="363240"/>
           </a:xfrm>
           <a:prstGeom prst="rect">
             <a:avLst/>
@@ -10066,7 +10825,7 @@
                 <a:tab algn="l" pos="0"/>
               </a:tabLst>
             </a:pPr>
-            <a:fld id="{15F3BFEE-095C-4540-9E27-1BA5BC71B11C}" type="slidenum">
+            <a:fld id="{EA34AFD2-B202-4896-96F3-DCAD7D937544}" type="slidenum">
               <a:rPr b="0" lang="pt-BR" sz="1800" strike="noStrike" u="none">
                 <a:solidFill>
                   <a:schemeClr val="dk1"/>
@@ -10099,7 +10858,7 @@
         <p:spPr>
           <a:xfrm>
             <a:off x="667080" y="6356520"/>
-            <a:ext cx="2181240" cy="363600"/>
+            <a:ext cx="2180880" cy="363240"/>
           </a:xfrm>
           <a:prstGeom prst="rect">
             <a:avLst/>
@@ -10195,7 +10954,7 @@
         <p:spPr>
           <a:xfrm>
             <a:off x="360" y="0"/>
-            <a:ext cx="9699480" cy="6856560"/>
+            <a:ext cx="9699120" cy="6856200"/>
           </a:xfrm>
           <a:prstGeom prst="rect">
             <a:avLst/>
@@ -10214,7 +10973,7 @@
         <p:spPr>
           <a:xfrm>
             <a:off x="2697120" y="6330240"/>
-            <a:ext cx="3999960" cy="227160"/>
+            <a:ext cx="3999600" cy="227160"/>
           </a:xfrm>
           <a:prstGeom prst="rect">
             <a:avLst/>
@@ -10273,7 +11032,7 @@
         <p:spPr>
           <a:xfrm>
             <a:off x="727560" y="1122480"/>
-            <a:ext cx="8245440" cy="2386800"/>
+            <a:ext cx="8245080" cy="2386440"/>
           </a:xfrm>
           <a:prstGeom prst="rect">
             <a:avLst/>
@@ -10563,7 +11322,7 @@
         <p:spPr>
           <a:xfrm>
             <a:off x="3213360" y="6356520"/>
-            <a:ext cx="3272760" cy="363600"/>
+            <a:ext cx="3272400" cy="363240"/>
           </a:xfrm>
           <a:prstGeom prst="rect">
             <a:avLst/>
@@ -10638,7 +11397,7 @@
         <p:spPr>
           <a:xfrm>
             <a:off x="6851520" y="6356520"/>
-            <a:ext cx="2181240" cy="363600"/>
+            <a:ext cx="2180880" cy="363240"/>
           </a:xfrm>
           <a:prstGeom prst="rect">
             <a:avLst/>
@@ -10680,7 +11439,7 @@
                 <a:tab algn="l" pos="0"/>
               </a:tabLst>
             </a:pPr>
-            <a:fld id="{76761223-3244-483B-B4DE-98541153C216}" type="slidenum">
+            <a:fld id="{2D2B95DC-B078-4FAD-AE74-52B64EE2DE42}" type="slidenum">
               <a:rPr b="0" lang="pt-BR" sz="1800" strike="noStrike" u="none">
                 <a:solidFill>
                   <a:schemeClr val="dk1"/>
@@ -10713,7 +11472,7 @@
         <p:spPr>
           <a:xfrm>
             <a:off x="667080" y="6356520"/>
-            <a:ext cx="2181240" cy="363600"/>
+            <a:ext cx="2180880" cy="363240"/>
           </a:xfrm>
           <a:prstGeom prst="rect">
             <a:avLst/>
@@ -10809,7 +11568,7 @@
         <p:spPr>
           <a:xfrm>
             <a:off x="360" y="0"/>
-            <a:ext cx="9699480" cy="6856560"/>
+            <a:ext cx="9699120" cy="6856200"/>
           </a:xfrm>
           <a:prstGeom prst="rect">
             <a:avLst/>
@@ -10828,7 +11587,7 @@
         <p:spPr>
           <a:xfrm>
             <a:off x="2697120" y="6330240"/>
-            <a:ext cx="3999960" cy="227160"/>
+            <a:ext cx="3999600" cy="227160"/>
           </a:xfrm>
           <a:prstGeom prst="rect">
             <a:avLst/>
@@ -10887,7 +11646,7 @@
         <p:spPr>
           <a:xfrm>
             <a:off x="3213360" y="6356520"/>
-            <a:ext cx="3272760" cy="363600"/>
+            <a:ext cx="3272400" cy="363240"/>
           </a:xfrm>
           <a:prstGeom prst="rect">
             <a:avLst/>
@@ -10937,7 +11696,7 @@
                 <a:uFillTx/>
                 <a:latin typeface="Times New Roman"/>
               </a:rPr>
-              <a:t> </a:t>
+              <a:t>&lt;footer&gt;</a:t>
             </a:r>
             <a:endParaRPr b="0" lang="en-US" sz="1400" strike="noStrike" u="none">
               <a:solidFill>
@@ -10962,7 +11721,7 @@
         <p:spPr>
           <a:xfrm>
             <a:off x="6851520" y="6356520"/>
-            <a:ext cx="2181240" cy="363600"/>
+            <a:ext cx="2180880" cy="363240"/>
           </a:xfrm>
           <a:prstGeom prst="rect">
             <a:avLst/>
@@ -11004,7 +11763,7 @@
                 <a:tab algn="l" pos="0"/>
               </a:tabLst>
             </a:pPr>
-            <a:fld id="{5DF4E108-C193-45C8-853F-292E8EAFFE04}" type="slidenum">
+            <a:fld id="{F0938B1D-3F6F-4C3A-8901-D5347D1C9344}" type="slidenum">
               <a:rPr b="0" lang="pt-BR" sz="1800" strike="noStrike" u="none">
                 <a:solidFill>
                   <a:schemeClr val="dk1"/>
@@ -11012,7 +11771,7 @@
                 <a:uFillTx/>
                 <a:latin typeface="Calibri"/>
               </a:rPr>
-              <a:t>1</a:t>
+              <a:t>&lt;number&gt;</a:t>
             </a:fld>
             <a:endParaRPr b="0" lang="en-US" sz="1800" strike="noStrike" u="none">
               <a:solidFill>
@@ -11037,7 +11796,7 @@
         <p:spPr>
           <a:xfrm>
             <a:off x="667080" y="6356520"/>
-            <a:ext cx="2181240" cy="363600"/>
+            <a:ext cx="2180880" cy="363240"/>
           </a:xfrm>
           <a:prstGeom prst="rect">
             <a:avLst/>
@@ -11075,7 +11834,7 @@
                 <a:uFillTx/>
                 <a:latin typeface="Times New Roman"/>
               </a:rPr>
-              <a:t> </a:t>
+              <a:t>&lt;date/time&gt;</a:t>
             </a:r>
             <a:endParaRPr b="0" lang="en-US" sz="1400" strike="noStrike" u="none">
               <a:solidFill>
@@ -11133,7 +11892,7 @@
         <p:spPr>
           <a:xfrm>
             <a:off x="360" y="0"/>
-            <a:ext cx="9699480" cy="6856560"/>
+            <a:ext cx="9699120" cy="6856200"/>
           </a:xfrm>
           <a:prstGeom prst="rect">
             <a:avLst/>
@@ -11152,7 +11911,7 @@
         <p:spPr>
           <a:xfrm>
             <a:off x="2697120" y="6330240"/>
-            <a:ext cx="3999960" cy="227160"/>
+            <a:ext cx="3999600" cy="227160"/>
           </a:xfrm>
           <a:prstGeom prst="rect">
             <a:avLst/>
@@ -11211,7 +11970,7 @@
         <p:spPr>
           <a:xfrm>
             <a:off x="727560" y="1122480"/>
-            <a:ext cx="8245440" cy="2386800"/>
+            <a:ext cx="8245080" cy="2386440"/>
           </a:xfrm>
           <a:prstGeom prst="rect">
             <a:avLst/>
@@ -11740,7 +12499,7 @@
         <p:spPr>
           <a:xfrm>
             <a:off x="3213360" y="6356520"/>
-            <a:ext cx="3272760" cy="363600"/>
+            <a:ext cx="3272400" cy="363240"/>
           </a:xfrm>
           <a:prstGeom prst="rect">
             <a:avLst/>
@@ -11815,7 +12574,7 @@
         <p:spPr>
           <a:xfrm>
             <a:off x="6851520" y="6356520"/>
-            <a:ext cx="2181240" cy="363600"/>
+            <a:ext cx="2180880" cy="363240"/>
           </a:xfrm>
           <a:prstGeom prst="rect">
             <a:avLst/>
@@ -11857,7 +12616,7 @@
                 <a:tab algn="l" pos="0"/>
               </a:tabLst>
             </a:pPr>
-            <a:fld id="{45F5F183-3528-4886-8639-6876A27E3E34}" type="slidenum">
+            <a:fld id="{177FF1EB-29DA-4C1B-91DA-FBC9B0FFBE21}" type="slidenum">
               <a:rPr b="0" lang="pt-BR" sz="1800" strike="noStrike" u="none">
                 <a:solidFill>
                   <a:schemeClr val="dk1"/>
@@ -11890,7 +12649,7 @@
         <p:spPr>
           <a:xfrm>
             <a:off x="667080" y="6356520"/>
-            <a:ext cx="2181240" cy="363600"/>
+            <a:ext cx="2180880" cy="363240"/>
           </a:xfrm>
           <a:prstGeom prst="rect">
             <a:avLst/>
@@ -11986,7 +12745,7 @@
         <p:spPr>
           <a:xfrm>
             <a:off x="360" y="0"/>
-            <a:ext cx="9699480" cy="6856560"/>
+            <a:ext cx="9699120" cy="6856200"/>
           </a:xfrm>
           <a:prstGeom prst="rect">
             <a:avLst/>
@@ -12005,7 +12764,7 @@
         <p:spPr>
           <a:xfrm>
             <a:off x="2697120" y="6330240"/>
-            <a:ext cx="3999960" cy="227160"/>
+            <a:ext cx="3999600" cy="227160"/>
           </a:xfrm>
           <a:prstGeom prst="rect">
             <a:avLst/>
@@ -12064,7 +12823,7 @@
         <p:spPr>
           <a:xfrm>
             <a:off x="727560" y="1122480"/>
-            <a:ext cx="8245440" cy="2386800"/>
+            <a:ext cx="8245080" cy="2386440"/>
           </a:xfrm>
           <a:prstGeom prst="rect">
             <a:avLst/>
@@ -12593,7 +13352,7 @@
         <p:spPr>
           <a:xfrm>
             <a:off x="3213360" y="6356520"/>
-            <a:ext cx="3272760" cy="363600"/>
+            <a:ext cx="3272400" cy="363240"/>
           </a:xfrm>
           <a:prstGeom prst="rect">
             <a:avLst/>
@@ -12668,7 +13427,7 @@
         <p:spPr>
           <a:xfrm>
             <a:off x="6851520" y="6356520"/>
-            <a:ext cx="2181240" cy="363600"/>
+            <a:ext cx="2180880" cy="363240"/>
           </a:xfrm>
           <a:prstGeom prst="rect">
             <a:avLst/>
@@ -12710,7 +13469,7 @@
                 <a:tab algn="l" pos="0"/>
               </a:tabLst>
             </a:pPr>
-            <a:fld id="{DE13FAC0-5611-4000-9AE5-82D2A9FF5A81}" type="slidenum">
+            <a:fld id="{6D268D38-C5C3-48A6-BB62-979BCA76158B}" type="slidenum">
               <a:rPr b="0" lang="pt-BR" sz="1800" strike="noStrike" u="none">
                 <a:solidFill>
                   <a:schemeClr val="dk1"/>
@@ -12743,7 +13502,7 @@
         <p:spPr>
           <a:xfrm>
             <a:off x="667080" y="6356520"/>
-            <a:ext cx="2181240" cy="363600"/>
+            <a:ext cx="2180880" cy="363240"/>
           </a:xfrm>
           <a:prstGeom prst="rect">
             <a:avLst/>
@@ -12839,7 +13598,7 @@
         <p:spPr>
           <a:xfrm>
             <a:off x="360" y="0"/>
-            <a:ext cx="9699480" cy="6856560"/>
+            <a:ext cx="9699120" cy="6856200"/>
           </a:xfrm>
           <a:prstGeom prst="rect">
             <a:avLst/>
@@ -12858,7 +13617,7 @@
         <p:spPr>
           <a:xfrm>
             <a:off x="2697120" y="6330240"/>
-            <a:ext cx="3999960" cy="227160"/>
+            <a:ext cx="3999600" cy="227160"/>
           </a:xfrm>
           <a:prstGeom prst="rect">
             <a:avLst/>
@@ -12917,7 +13676,7 @@
         <p:spPr>
           <a:xfrm>
             <a:off x="3213360" y="6356520"/>
-            <a:ext cx="3272760" cy="363600"/>
+            <a:ext cx="3272400" cy="363240"/>
           </a:xfrm>
           <a:prstGeom prst="rect">
             <a:avLst/>
@@ -12967,7 +13726,7 @@
                 <a:uFillTx/>
                 <a:latin typeface="Times New Roman"/>
               </a:rPr>
-              <a:t> </a:t>
+              <a:t>&lt;footer&gt;</a:t>
             </a:r>
             <a:endParaRPr b="0" lang="en-US" sz="1400" strike="noStrike" u="none">
               <a:solidFill>
@@ -12992,7 +13751,7 @@
         <p:spPr>
           <a:xfrm>
             <a:off x="6851520" y="6356520"/>
-            <a:ext cx="2181240" cy="363600"/>
+            <a:ext cx="2180880" cy="363240"/>
           </a:xfrm>
           <a:prstGeom prst="rect">
             <a:avLst/>
@@ -13034,7 +13793,7 @@
                 <a:tab algn="l" pos="0"/>
               </a:tabLst>
             </a:pPr>
-            <a:fld id="{C4C7BD88-1926-4D35-8A23-0F0C4380016F}" type="slidenum">
+            <a:fld id="{9DDBE247-A3CE-4362-8BA3-80F1A37829FB}" type="slidenum">
               <a:rPr b="0" lang="pt-BR" sz="1800" strike="noStrike" u="none">
                 <a:solidFill>
                   <a:schemeClr val="dk1"/>
@@ -13042,7 +13801,7 @@
                 <a:uFillTx/>
                 <a:latin typeface="Calibri"/>
               </a:rPr>
-              <a:t>1</a:t>
+              <a:t>&lt;number&gt;</a:t>
             </a:fld>
             <a:endParaRPr b="0" lang="en-US" sz="1800" strike="noStrike" u="none">
               <a:solidFill>
@@ -13067,7 +13826,7 @@
         <p:spPr>
           <a:xfrm>
             <a:off x="667080" y="6356520"/>
-            <a:ext cx="2181240" cy="363600"/>
+            <a:ext cx="2180880" cy="363240"/>
           </a:xfrm>
           <a:prstGeom prst="rect">
             <a:avLst/>
@@ -13105,7 +13864,7 @@
                 <a:uFillTx/>
                 <a:latin typeface="Times New Roman"/>
               </a:rPr>
-              <a:t> </a:t>
+              <a:t>&lt;date/time&gt;</a:t>
             </a:r>
             <a:endParaRPr b="0" lang="en-US" sz="1400" strike="noStrike" u="none">
               <a:solidFill>
@@ -13163,7 +13922,7 @@
         <p:spPr>
           <a:xfrm>
             <a:off x="360" y="0"/>
-            <a:ext cx="9699480" cy="6856560"/>
+            <a:ext cx="9699120" cy="6856200"/>
           </a:xfrm>
           <a:prstGeom prst="rect">
             <a:avLst/>
@@ -13182,7 +13941,7 @@
         <p:spPr>
           <a:xfrm>
             <a:off x="2697120" y="6330240"/>
-            <a:ext cx="3999960" cy="227160"/>
+            <a:ext cx="3999600" cy="227160"/>
           </a:xfrm>
           <a:prstGeom prst="rect">
             <a:avLst/>
@@ -13241,7 +14000,7 @@
         <p:spPr>
           <a:xfrm>
             <a:off x="727560" y="1122480"/>
-            <a:ext cx="8245440" cy="2386800"/>
+            <a:ext cx="8245080" cy="2386440"/>
           </a:xfrm>
           <a:prstGeom prst="rect">
             <a:avLst/>
@@ -13292,7 +14051,7 @@
         <p:spPr>
           <a:xfrm>
             <a:off x="3213360" y="6356520"/>
-            <a:ext cx="3272760" cy="363600"/>
+            <a:ext cx="3272400" cy="363240"/>
           </a:xfrm>
           <a:prstGeom prst="rect">
             <a:avLst/>
@@ -13367,7 +14126,7 @@
         <p:spPr>
           <a:xfrm>
             <a:off x="6851520" y="6356520"/>
-            <a:ext cx="2181240" cy="363600"/>
+            <a:ext cx="2180880" cy="363240"/>
           </a:xfrm>
           <a:prstGeom prst="rect">
             <a:avLst/>
@@ -13409,7 +14168,7 @@
                 <a:tab algn="l" pos="0"/>
               </a:tabLst>
             </a:pPr>
-            <a:fld id="{DC4E0BEE-EAE5-46EB-A779-087FCB11144D}" type="slidenum">
+            <a:fld id="{E3CA6663-6B4E-4BED-A75A-3EEE72C29011}" type="slidenum">
               <a:rPr b="0" lang="pt-BR" sz="1800" strike="noStrike" u="none">
                 <a:solidFill>
                   <a:schemeClr val="dk1"/>
@@ -13442,7 +14201,7 @@
         <p:spPr>
           <a:xfrm>
             <a:off x="667080" y="6356520"/>
-            <a:ext cx="2181240" cy="363600"/>
+            <a:ext cx="2180880" cy="363240"/>
           </a:xfrm>
           <a:prstGeom prst="rect">
             <a:avLst/>
@@ -13538,7 +14297,7 @@
         <p:spPr>
           <a:xfrm>
             <a:off x="360" y="0"/>
-            <a:ext cx="9699480" cy="6856560"/>
+            <a:ext cx="9699120" cy="6856200"/>
           </a:xfrm>
           <a:prstGeom prst="rect">
             <a:avLst/>
@@ -13557,7 +14316,7 @@
         <p:spPr>
           <a:xfrm>
             <a:off x="2697120" y="6330240"/>
-            <a:ext cx="3999960" cy="227160"/>
+            <a:ext cx="3999600" cy="227160"/>
           </a:xfrm>
           <a:prstGeom prst="rect">
             <a:avLst/>
@@ -13616,7 +14375,7 @@
         <p:spPr>
           <a:xfrm>
             <a:off x="3213360" y="6356520"/>
-            <a:ext cx="3272760" cy="363600"/>
+            <a:ext cx="3272400" cy="363240"/>
           </a:xfrm>
           <a:prstGeom prst="rect">
             <a:avLst/>
@@ -13691,7 +14450,7 @@
         <p:spPr>
           <a:xfrm>
             <a:off x="6851520" y="6356520"/>
-            <a:ext cx="2181240" cy="363600"/>
+            <a:ext cx="2180880" cy="363240"/>
           </a:xfrm>
           <a:prstGeom prst="rect">
             <a:avLst/>
@@ -13733,7 +14492,7 @@
                 <a:tab algn="l" pos="0"/>
               </a:tabLst>
             </a:pPr>
-            <a:fld id="{175FC8B0-DA67-4161-B304-48A69E8DC52D}" type="slidenum">
+            <a:fld id="{268EB42B-D855-4B64-93F7-614D26BD63B6}" type="slidenum">
               <a:rPr b="0" lang="pt-BR" sz="1800" strike="noStrike" u="none">
                 <a:solidFill>
                   <a:schemeClr val="dk1"/>
@@ -13766,7 +14525,7 @@
         <p:spPr>
           <a:xfrm>
             <a:off x="667080" y="6356520"/>
-            <a:ext cx="2181240" cy="363600"/>
+            <a:ext cx="2180880" cy="363240"/>
           </a:xfrm>
           <a:prstGeom prst="rect">
             <a:avLst/>
@@ -13862,7 +14621,7 @@
         <p:spPr>
           <a:xfrm>
             <a:off x="360" y="0"/>
-            <a:ext cx="9699480" cy="6856560"/>
+            <a:ext cx="9699120" cy="6856200"/>
           </a:xfrm>
           <a:prstGeom prst="rect">
             <a:avLst/>
@@ -13881,7 +14640,7 @@
         <p:spPr>
           <a:xfrm>
             <a:off x="2697120" y="6330240"/>
-            <a:ext cx="3999960" cy="227160"/>
+            <a:ext cx="3999600" cy="227160"/>
           </a:xfrm>
           <a:prstGeom prst="rect">
             <a:avLst/>
@@ -13940,7 +14699,7 @@
         <p:spPr>
           <a:xfrm>
             <a:off x="3213360" y="6356520"/>
-            <a:ext cx="3272760" cy="363600"/>
+            <a:ext cx="3272400" cy="363240"/>
           </a:xfrm>
           <a:prstGeom prst="rect">
             <a:avLst/>
@@ -14015,7 +14774,7 @@
         <p:spPr>
           <a:xfrm>
             <a:off x="6851520" y="6356520"/>
-            <a:ext cx="2181240" cy="363600"/>
+            <a:ext cx="2180880" cy="363240"/>
           </a:xfrm>
           <a:prstGeom prst="rect">
             <a:avLst/>
@@ -14057,7 +14816,7 @@
                 <a:tab algn="l" pos="0"/>
               </a:tabLst>
             </a:pPr>
-            <a:fld id="{2A8E428A-DDC1-4B56-8709-261558190B7A}" type="slidenum">
+            <a:fld id="{7AA171EB-865C-4F69-9A0C-E6A7B8AF1B85}" type="slidenum">
               <a:rPr b="0" lang="pt-BR" sz="1800" strike="noStrike" u="none">
                 <a:solidFill>
                   <a:schemeClr val="dk1"/>
@@ -14090,7 +14849,7 @@
         <p:spPr>
           <a:xfrm>
             <a:off x="667080" y="6356520"/>
-            <a:ext cx="2181240" cy="363600"/>
+            <a:ext cx="2180880" cy="363240"/>
           </a:xfrm>
           <a:prstGeom prst="rect">
             <a:avLst/>
@@ -14186,7 +14945,7 @@
         <p:spPr>
           <a:xfrm>
             <a:off x="360" y="0"/>
-            <a:ext cx="9699480" cy="6856560"/>
+            <a:ext cx="9699120" cy="6856200"/>
           </a:xfrm>
           <a:prstGeom prst="rect">
             <a:avLst/>
@@ -14205,7 +14964,7 @@
         <p:spPr>
           <a:xfrm>
             <a:off x="2697120" y="6330240"/>
-            <a:ext cx="3999960" cy="227160"/>
+            <a:ext cx="3999600" cy="227160"/>
           </a:xfrm>
           <a:prstGeom prst="rect">
             <a:avLst/>
@@ -14264,7 +15023,7 @@
         <p:spPr>
           <a:xfrm>
             <a:off x="3213360" y="6356520"/>
-            <a:ext cx="3272760" cy="363600"/>
+            <a:ext cx="3272400" cy="363240"/>
           </a:xfrm>
           <a:prstGeom prst="rect">
             <a:avLst/>
@@ -14339,7 +15098,7 @@
         <p:spPr>
           <a:xfrm>
             <a:off x="6851520" y="6356520"/>
-            <a:ext cx="2181240" cy="363600"/>
+            <a:ext cx="2180880" cy="363240"/>
           </a:xfrm>
           <a:prstGeom prst="rect">
             <a:avLst/>
@@ -14381,7 +15140,7 @@
                 <a:tab algn="l" pos="0"/>
               </a:tabLst>
             </a:pPr>
-            <a:fld id="{8DC856FE-88B4-4BCF-BE87-7AF7EC61DF3D}" type="slidenum">
+            <a:fld id="{16AC2D88-9393-410D-A6A5-B7016B87E3F4}" type="slidenum">
               <a:rPr b="0" lang="pt-BR" sz="1800" strike="noStrike" u="none">
                 <a:solidFill>
                   <a:schemeClr val="dk1"/>
@@ -14414,7 +15173,7 @@
         <p:spPr>
           <a:xfrm>
             <a:off x="667080" y="6356520"/>
-            <a:ext cx="2181240" cy="363600"/>
+            <a:ext cx="2180880" cy="363240"/>
           </a:xfrm>
           <a:prstGeom prst="rect">
             <a:avLst/>
@@ -14510,7 +15269,7 @@
         <p:spPr>
           <a:xfrm>
             <a:off x="727560" y="1122480"/>
-            <a:ext cx="8245440" cy="2386800"/>
+            <a:ext cx="8245080" cy="2386440"/>
           </a:xfrm>
           <a:prstGeom prst="rect">
             <a:avLst/>
@@ -14561,7 +15320,7 @@
         <p:spPr>
           <a:xfrm>
             <a:off x="3213000" y="6356520"/>
-            <a:ext cx="3273480" cy="363600"/>
+            <a:ext cx="3273120" cy="363240"/>
           </a:xfrm>
           <a:prstGeom prst="rect">
             <a:avLst/>
@@ -14636,7 +15395,7 @@
         <p:spPr>
           <a:xfrm>
             <a:off x="6851520" y="6356520"/>
-            <a:ext cx="2181240" cy="363600"/>
+            <a:ext cx="2180880" cy="363240"/>
           </a:xfrm>
           <a:prstGeom prst="rect">
             <a:avLst/>
@@ -14680,7 +15439,7 @@
                 <a:tab algn="l" pos="0"/>
               </a:tabLst>
             </a:pPr>
-            <a:fld id="{822705D9-AEAF-4B66-A5AA-C38120DCF8CE}" type="slidenum">
+            <a:fld id="{FFEAC097-8AAE-4775-9B69-8C006900FEB4}" type="slidenum">
               <a:rPr b="0" lang="pt-BR" sz="1200" strike="noStrike" u="none">
                 <a:solidFill>
                   <a:schemeClr val="dk1">
@@ -14715,7 +15474,7 @@
         <p:spPr>
           <a:xfrm>
             <a:off x="666720" y="6356520"/>
-            <a:ext cx="2181240" cy="363600"/>
+            <a:ext cx="2180880" cy="363240"/>
           </a:xfrm>
           <a:prstGeom prst="rect">
             <a:avLst/>
@@ -14811,7 +15570,7 @@
         <p:spPr>
           <a:xfrm>
             <a:off x="3213000" y="6356520"/>
-            <a:ext cx="3273480" cy="363600"/>
+            <a:ext cx="3273120" cy="363240"/>
           </a:xfrm>
           <a:prstGeom prst="rect">
             <a:avLst/>
@@ -14886,7 +15645,7 @@
         <p:spPr>
           <a:xfrm>
             <a:off x="6851520" y="6356520"/>
-            <a:ext cx="2181240" cy="363600"/>
+            <a:ext cx="2180880" cy="363240"/>
           </a:xfrm>
           <a:prstGeom prst="rect">
             <a:avLst/>
@@ -14930,7 +15689,7 @@
                 <a:tab algn="l" pos="0"/>
               </a:tabLst>
             </a:pPr>
-            <a:fld id="{A718FBA9-A493-4C95-B5FA-9BD362EEA332}" type="slidenum">
+            <a:fld id="{EBDE942E-B600-40D6-8E1A-9B246151A386}" type="slidenum">
               <a:rPr b="0" lang="pt-BR" sz="1200" strike="noStrike" u="none">
                 <a:solidFill>
                   <a:schemeClr val="dk1">
@@ -14965,7 +15724,7 @@
         <p:spPr>
           <a:xfrm>
             <a:off x="666720" y="6356520"/>
-            <a:ext cx="2181240" cy="363600"/>
+            <a:ext cx="2180880" cy="363240"/>
           </a:xfrm>
           <a:prstGeom prst="rect">
             <a:avLst/>
@@ -15061,7 +15820,7 @@
         <p:spPr>
           <a:xfrm>
             <a:off x="3213000" y="6356520"/>
-            <a:ext cx="3273480" cy="363600"/>
+            <a:ext cx="3273120" cy="363240"/>
           </a:xfrm>
           <a:prstGeom prst="rect">
             <a:avLst/>
@@ -15136,7 +15895,7 @@
         <p:spPr>
           <a:xfrm>
             <a:off x="6851520" y="6356520"/>
-            <a:ext cx="2181240" cy="363600"/>
+            <a:ext cx="2180880" cy="363240"/>
           </a:xfrm>
           <a:prstGeom prst="rect">
             <a:avLst/>
@@ -15180,7 +15939,7 @@
                 <a:tab algn="l" pos="0"/>
               </a:tabLst>
             </a:pPr>
-            <a:fld id="{A3B4AFA9-B802-4F8E-B715-A3750C1C8D65}" type="slidenum">
+            <a:fld id="{BF07F6DD-069E-4E52-9ECC-B8395E062714}" type="slidenum">
               <a:rPr b="0" lang="pt-BR" sz="1200" strike="noStrike" u="none">
                 <a:solidFill>
                   <a:schemeClr val="dk1">
@@ -15215,7 +15974,7 @@
         <p:spPr>
           <a:xfrm>
             <a:off x="666720" y="6356520"/>
-            <a:ext cx="2181240" cy="363600"/>
+            <a:ext cx="2180880" cy="363240"/>
           </a:xfrm>
           <a:prstGeom prst="rect">
             <a:avLst/>
@@ -15311,7 +16070,7 @@
         <p:spPr>
           <a:xfrm>
             <a:off x="727560" y="1122480"/>
-            <a:ext cx="8245440" cy="2386800"/>
+            <a:ext cx="8245080" cy="2386440"/>
           </a:xfrm>
           <a:prstGeom prst="rect">
             <a:avLst/>
@@ -15601,7 +16360,7 @@
         <p:spPr>
           <a:xfrm>
             <a:off x="3213000" y="6356520"/>
-            <a:ext cx="3273480" cy="363600"/>
+            <a:ext cx="3273120" cy="363240"/>
           </a:xfrm>
           <a:prstGeom prst="rect">
             <a:avLst/>
@@ -15676,7 +16435,7 @@
         <p:spPr>
           <a:xfrm>
             <a:off x="6851520" y="6356520"/>
-            <a:ext cx="2181240" cy="363600"/>
+            <a:ext cx="2180880" cy="363240"/>
           </a:xfrm>
           <a:prstGeom prst="rect">
             <a:avLst/>
@@ -15720,7 +16479,7 @@
                 <a:tab algn="l" pos="0"/>
               </a:tabLst>
             </a:pPr>
-            <a:fld id="{BF0CF7DB-2B8F-4C44-9908-AEA6A7B91CE0}" type="slidenum">
+            <a:fld id="{4D3365C5-E801-4D16-85CA-AF7EA323B767}" type="slidenum">
               <a:rPr b="0" lang="pt-BR" sz="1200" strike="noStrike" u="none">
                 <a:solidFill>
                   <a:schemeClr val="dk1">
@@ -15755,7 +16514,7 @@
         <p:spPr>
           <a:xfrm>
             <a:off x="666720" y="6356520"/>
-            <a:ext cx="2181240" cy="363600"/>
+            <a:ext cx="2180880" cy="363240"/>
           </a:xfrm>
           <a:prstGeom prst="rect">
             <a:avLst/>
@@ -15851,7 +16610,7 @@
         <p:spPr>
           <a:xfrm>
             <a:off x="3213000" y="6356520"/>
-            <a:ext cx="3273480" cy="363600"/>
+            <a:ext cx="3273120" cy="363240"/>
           </a:xfrm>
           <a:prstGeom prst="rect">
             <a:avLst/>
@@ -15901,7 +16660,7 @@
                 <a:uFillTx/>
                 <a:latin typeface="Times New Roman"/>
               </a:rPr>
-              <a:t> </a:t>
+              <a:t>&lt;footer&gt;</a:t>
             </a:r>
             <a:endParaRPr b="0" lang="en-US" sz="1400" strike="noStrike" u="none">
               <a:solidFill>
@@ -15926,7 +16685,7 @@
         <p:spPr>
           <a:xfrm>
             <a:off x="6851520" y="6356520"/>
-            <a:ext cx="2181240" cy="363600"/>
+            <a:ext cx="2180880" cy="363240"/>
           </a:xfrm>
           <a:prstGeom prst="rect">
             <a:avLst/>
@@ -15970,7 +16729,7 @@
                 <a:tab algn="l" pos="0"/>
               </a:tabLst>
             </a:pPr>
-            <a:fld id="{980D6B2B-B80C-4FF3-B72A-F6B8FCAECCF9}" type="slidenum">
+            <a:fld id="{2A7170A3-472C-4E58-AF57-AA8A7943805C}" type="slidenum">
               <a:rPr b="0" lang="pt-BR" sz="1200" strike="noStrike" u="none">
                 <a:solidFill>
                   <a:schemeClr val="dk1">
@@ -15980,7 +16739,7 @@
                 <a:uFillTx/>
                 <a:latin typeface="Calibri"/>
               </a:rPr>
-              <a:t>1</a:t>
+              <a:t>&lt;number&gt;</a:t>
             </a:fld>
             <a:endParaRPr b="0" lang="en-US" sz="1200" strike="noStrike" u="none">
               <a:solidFill>
@@ -16005,7 +16764,7 @@
         <p:spPr>
           <a:xfrm>
             <a:off x="666720" y="6356520"/>
-            <a:ext cx="2181240" cy="363600"/>
+            <a:ext cx="2180880" cy="363240"/>
           </a:xfrm>
           <a:prstGeom prst="rect">
             <a:avLst/>
@@ -16043,7 +16802,7 @@
                 <a:uFillTx/>
                 <a:latin typeface="Times New Roman"/>
               </a:rPr>
-              <a:t> </a:t>
+              <a:t>&lt;date/time&gt;</a:t>
             </a:r>
             <a:endParaRPr b="0" lang="en-US" sz="1400" strike="noStrike" u="none">
               <a:solidFill>
@@ -16101,7 +16860,7 @@
         <p:spPr>
           <a:xfrm>
             <a:off x="360" y="0"/>
-            <a:ext cx="9699480" cy="6856560"/>
+            <a:ext cx="9699120" cy="6856200"/>
           </a:xfrm>
           <a:prstGeom prst="rect">
             <a:avLst/>
@@ -16120,7 +16879,7 @@
         <p:spPr>
           <a:xfrm>
             <a:off x="2697120" y="6330240"/>
-            <a:ext cx="3999960" cy="227160"/>
+            <a:ext cx="3999600" cy="227160"/>
           </a:xfrm>
           <a:prstGeom prst="rect">
             <a:avLst/>
@@ -16179,7 +16938,7 @@
         <p:spPr>
           <a:xfrm>
             <a:off x="727560" y="1122480"/>
-            <a:ext cx="8245440" cy="2386800"/>
+            <a:ext cx="8245080" cy="2386440"/>
           </a:xfrm>
           <a:prstGeom prst="rect">
             <a:avLst/>
@@ -16469,7 +17228,7 @@
         <p:spPr>
           <a:xfrm>
             <a:off x="3213360" y="6356520"/>
-            <a:ext cx="3272760" cy="363600"/>
+            <a:ext cx="3272400" cy="363240"/>
           </a:xfrm>
           <a:prstGeom prst="rect">
             <a:avLst/>
@@ -16544,7 +17303,7 @@
         <p:spPr>
           <a:xfrm>
             <a:off x="6851520" y="6356520"/>
-            <a:ext cx="2181240" cy="363600"/>
+            <a:ext cx="2180880" cy="363240"/>
           </a:xfrm>
           <a:prstGeom prst="rect">
             <a:avLst/>
@@ -16586,7 +17345,7 @@
                 <a:tab algn="l" pos="0"/>
               </a:tabLst>
             </a:pPr>
-            <a:fld id="{6E0617F2-E2DB-4310-A0BE-224E77E5EE07}" type="slidenum">
+            <a:fld id="{44DEE6B4-F4D5-4371-9772-25E66C8D2A76}" type="slidenum">
               <a:rPr b="0" lang="pt-BR" sz="1800" strike="noStrike" u="none">
                 <a:solidFill>
                   <a:schemeClr val="dk1"/>
@@ -16619,7 +17378,7 @@
         <p:spPr>
           <a:xfrm>
             <a:off x="667080" y="6356520"/>
-            <a:ext cx="2181240" cy="363600"/>
+            <a:ext cx="2180880" cy="363240"/>
           </a:xfrm>
           <a:prstGeom prst="rect">
             <a:avLst/>
@@ -16715,7 +17474,7 @@
         <p:spPr>
           <a:xfrm>
             <a:off x="727560" y="1122480"/>
-            <a:ext cx="8245440" cy="2386800"/>
+            <a:ext cx="8245080" cy="2386440"/>
           </a:xfrm>
           <a:prstGeom prst="rect">
             <a:avLst/>
@@ -17244,7 +18003,7 @@
         <p:spPr>
           <a:xfrm>
             <a:off x="3213000" y="6356520"/>
-            <a:ext cx="3273480" cy="363600"/>
+            <a:ext cx="3273120" cy="363240"/>
           </a:xfrm>
           <a:prstGeom prst="rect">
             <a:avLst/>
@@ -17319,7 +18078,7 @@
         <p:spPr>
           <a:xfrm>
             <a:off x="6851520" y="6356520"/>
-            <a:ext cx="2181240" cy="363600"/>
+            <a:ext cx="2180880" cy="363240"/>
           </a:xfrm>
           <a:prstGeom prst="rect">
             <a:avLst/>
@@ -17363,7 +18122,7 @@
                 <a:tab algn="l" pos="0"/>
               </a:tabLst>
             </a:pPr>
-            <a:fld id="{9D262533-CED2-4E6D-B4BC-9936C3B3C341}" type="slidenum">
+            <a:fld id="{1D6A7C8F-5A3A-466E-9FFB-E3CADBCD3316}" type="slidenum">
               <a:rPr b="0" lang="pt-BR" sz="1200" strike="noStrike" u="none">
                 <a:solidFill>
                   <a:schemeClr val="dk1">
@@ -17398,7 +18157,7 @@
         <p:spPr>
           <a:xfrm>
             <a:off x="666720" y="6356520"/>
-            <a:ext cx="2181240" cy="363600"/>
+            <a:ext cx="2180880" cy="363240"/>
           </a:xfrm>
           <a:prstGeom prst="rect">
             <a:avLst/>
@@ -17494,7 +18253,7 @@
         <p:spPr>
           <a:xfrm>
             <a:off x="3213000" y="6356520"/>
-            <a:ext cx="3273480" cy="363600"/>
+            <a:ext cx="3273120" cy="363240"/>
           </a:xfrm>
           <a:prstGeom prst="rect">
             <a:avLst/>
@@ -17544,7 +18303,7 @@
                 <a:uFillTx/>
                 <a:latin typeface="Times New Roman"/>
               </a:rPr>
-              <a:t> </a:t>
+              <a:t>&lt;footer&gt;</a:t>
             </a:r>
             <a:endParaRPr b="0" lang="en-US" sz="1400" strike="noStrike" u="none">
               <a:solidFill>
@@ -17569,7 +18328,7 @@
         <p:spPr>
           <a:xfrm>
             <a:off x="6851520" y="6356520"/>
-            <a:ext cx="2181240" cy="363600"/>
+            <a:ext cx="2180880" cy="363240"/>
           </a:xfrm>
           <a:prstGeom prst="rect">
             <a:avLst/>
@@ -17613,7 +18372,7 @@
                 <a:tab algn="l" pos="0"/>
               </a:tabLst>
             </a:pPr>
-            <a:fld id="{7316DCF3-726B-446A-B35B-C8C77FD8226E}" type="slidenum">
+            <a:fld id="{7224EA3F-4623-45F4-A1A7-9637D2D0DBDA}" type="slidenum">
               <a:rPr b="0" lang="pt-BR" sz="1200" strike="noStrike" u="none">
                 <a:solidFill>
                   <a:schemeClr val="dk1">
@@ -17623,7 +18382,7 @@
                 <a:uFillTx/>
                 <a:latin typeface="Calibri"/>
               </a:rPr>
-              <a:t>1</a:t>
+              <a:t>&lt;number&gt;</a:t>
             </a:fld>
             <a:endParaRPr b="0" lang="en-US" sz="1200" strike="noStrike" u="none">
               <a:solidFill>
@@ -17648,7 +18407,7 @@
         <p:spPr>
           <a:xfrm>
             <a:off x="666720" y="6356520"/>
-            <a:ext cx="2181240" cy="363600"/>
+            <a:ext cx="2180880" cy="363240"/>
           </a:xfrm>
           <a:prstGeom prst="rect">
             <a:avLst/>
@@ -17686,7 +18445,7 @@
                 <a:uFillTx/>
                 <a:latin typeface="Times New Roman"/>
               </a:rPr>
-              <a:t> </a:t>
+              <a:t>&lt;date/time&gt;</a:t>
             </a:r>
             <a:endParaRPr b="0" lang="en-US" sz="1400" strike="noStrike" u="none">
               <a:solidFill>
@@ -17744,7 +18503,7 @@
         <p:spPr>
           <a:xfrm>
             <a:off x="727560" y="1122480"/>
-            <a:ext cx="8245440" cy="2386800"/>
+            <a:ext cx="8245080" cy="2386440"/>
           </a:xfrm>
           <a:prstGeom prst="rect">
             <a:avLst/>
@@ -17795,7 +18554,7 @@
         <p:spPr>
           <a:xfrm>
             <a:off x="3213000" y="6356520"/>
-            <a:ext cx="3273480" cy="363600"/>
+            <a:ext cx="3273120" cy="363240"/>
           </a:xfrm>
           <a:prstGeom prst="rect">
             <a:avLst/>
@@ -17845,7 +18604,7 @@
                 <a:uFillTx/>
                 <a:latin typeface="Times New Roman"/>
               </a:rPr>
-              <a:t> </a:t>
+              <a:t>&lt;footer&gt;</a:t>
             </a:r>
             <a:endParaRPr b="0" lang="en-US" sz="1400" strike="noStrike" u="none">
               <a:solidFill>
@@ -17870,7 +18629,7 @@
         <p:spPr>
           <a:xfrm>
             <a:off x="6851520" y="6356520"/>
-            <a:ext cx="2181240" cy="363600"/>
+            <a:ext cx="2180880" cy="363240"/>
           </a:xfrm>
           <a:prstGeom prst="rect">
             <a:avLst/>
@@ -17914,7 +18673,7 @@
                 <a:tab algn="l" pos="0"/>
               </a:tabLst>
             </a:pPr>
-            <a:fld id="{2CE87CAE-37A9-4315-A310-E770CCAE9A26}" type="slidenum">
+            <a:fld id="{FC8E4F7F-0DD7-4FA8-A833-76AE1023FB0A}" type="slidenum">
               <a:rPr b="0" lang="pt-BR" sz="1200" strike="noStrike" u="none">
                 <a:solidFill>
                   <a:schemeClr val="dk1">
@@ -17924,7 +18683,7 @@
                 <a:uFillTx/>
                 <a:latin typeface="Calibri"/>
               </a:rPr>
-              <a:t>1</a:t>
+              <a:t>&lt;number&gt;</a:t>
             </a:fld>
             <a:endParaRPr b="0" lang="en-US" sz="1200" strike="noStrike" u="none">
               <a:solidFill>
@@ -17949,7 +18708,7 @@
         <p:spPr>
           <a:xfrm>
             <a:off x="666720" y="6356520"/>
-            <a:ext cx="2181240" cy="363600"/>
+            <a:ext cx="2180880" cy="363240"/>
           </a:xfrm>
           <a:prstGeom prst="rect">
             <a:avLst/>
@@ -17987,7 +18746,7 @@
                 <a:uFillTx/>
                 <a:latin typeface="Times New Roman"/>
               </a:rPr>
-              <a:t> </a:t>
+              <a:t>&lt;date/time&gt;</a:t>
             </a:r>
             <a:endParaRPr b="0" lang="en-US" sz="1400" strike="noStrike" u="none">
               <a:solidFill>
@@ -18045,7 +18804,7 @@
         <p:spPr>
           <a:xfrm>
             <a:off x="3213000" y="6356520"/>
-            <a:ext cx="3273480" cy="363600"/>
+            <a:ext cx="3273120" cy="363240"/>
           </a:xfrm>
           <a:prstGeom prst="rect">
             <a:avLst/>
@@ -18095,7 +18854,7 @@
                 <a:uFillTx/>
                 <a:latin typeface="Times New Roman"/>
               </a:rPr>
-              <a:t> </a:t>
+              <a:t>&lt;footer&gt;</a:t>
             </a:r>
             <a:endParaRPr b="0" lang="en-US" sz="1400" strike="noStrike" u="none">
               <a:solidFill>
@@ -18120,7 +18879,7 @@
         <p:spPr>
           <a:xfrm>
             <a:off x="6851520" y="6356520"/>
-            <a:ext cx="2181240" cy="363600"/>
+            <a:ext cx="2180880" cy="363240"/>
           </a:xfrm>
           <a:prstGeom prst="rect">
             <a:avLst/>
@@ -18164,7 +18923,7 @@
                 <a:tab algn="l" pos="0"/>
               </a:tabLst>
             </a:pPr>
-            <a:fld id="{19FA0738-8FB0-41DD-9FE9-F197B539F35A}" type="slidenum">
+            <a:fld id="{C619557B-BAAD-444F-8630-BC549FDD73A7}" type="slidenum">
               <a:rPr b="0" lang="pt-BR" sz="1200" strike="noStrike" u="none">
                 <a:solidFill>
                   <a:schemeClr val="dk1">
@@ -18174,7 +18933,7 @@
                 <a:uFillTx/>
                 <a:latin typeface="Calibri"/>
               </a:rPr>
-              <a:t>1</a:t>
+              <a:t>&lt;number&gt;</a:t>
             </a:fld>
             <a:endParaRPr b="0" lang="en-US" sz="1200" strike="noStrike" u="none">
               <a:solidFill>
@@ -18199,7 +18958,7 @@
         <p:spPr>
           <a:xfrm>
             <a:off x="666720" y="6356520"/>
-            <a:ext cx="2181240" cy="363600"/>
+            <a:ext cx="2180880" cy="363240"/>
           </a:xfrm>
           <a:prstGeom prst="rect">
             <a:avLst/>
@@ -18237,7 +18996,7 @@
                 <a:uFillTx/>
                 <a:latin typeface="Times New Roman"/>
               </a:rPr>
-              <a:t> </a:t>
+              <a:t>&lt;date/time&gt;</a:t>
             </a:r>
             <a:endParaRPr b="0" lang="en-US" sz="1400" strike="noStrike" u="none">
               <a:solidFill>
@@ -18295,7 +19054,7 @@
         <p:spPr>
           <a:xfrm>
             <a:off x="3213000" y="6356520"/>
-            <a:ext cx="3273480" cy="363600"/>
+            <a:ext cx="3273120" cy="363240"/>
           </a:xfrm>
           <a:prstGeom prst="rect">
             <a:avLst/>
@@ -18345,7 +19104,7 @@
                 <a:uFillTx/>
                 <a:latin typeface="Times New Roman"/>
               </a:rPr>
-              <a:t> </a:t>
+              <a:t>&lt;footer&gt;</a:t>
             </a:r>
             <a:endParaRPr b="0" lang="en-US" sz="1400" strike="noStrike" u="none">
               <a:solidFill>
@@ -18370,7 +19129,7 @@
         <p:spPr>
           <a:xfrm>
             <a:off x="6851520" y="6356520"/>
-            <a:ext cx="2181240" cy="363600"/>
+            <a:ext cx="2180880" cy="363240"/>
           </a:xfrm>
           <a:prstGeom prst="rect">
             <a:avLst/>
@@ -18414,7 +19173,7 @@
                 <a:tab algn="l" pos="0"/>
               </a:tabLst>
             </a:pPr>
-            <a:fld id="{25D15696-3A05-48E7-BC48-622A96267478}" type="slidenum">
+            <a:fld id="{081B16DC-4BFA-4CD8-8345-A089C506A561}" type="slidenum">
               <a:rPr b="0" lang="pt-BR" sz="1200" strike="noStrike" u="none">
                 <a:solidFill>
                   <a:schemeClr val="dk1">
@@ -18424,7 +19183,7 @@
                 <a:uFillTx/>
                 <a:latin typeface="Calibri"/>
               </a:rPr>
-              <a:t>1</a:t>
+              <a:t>&lt;number&gt;</a:t>
             </a:fld>
             <a:endParaRPr b="0" lang="en-US" sz="1200" strike="noStrike" u="none">
               <a:solidFill>
@@ -18449,7 +19208,7 @@
         <p:spPr>
           <a:xfrm>
             <a:off x="666720" y="6356520"/>
-            <a:ext cx="2181240" cy="363600"/>
+            <a:ext cx="2180880" cy="363240"/>
           </a:xfrm>
           <a:prstGeom prst="rect">
             <a:avLst/>
@@ -18487,7 +19246,7 @@
                 <a:uFillTx/>
                 <a:latin typeface="Times New Roman"/>
               </a:rPr>
-              <a:t> </a:t>
+              <a:t>&lt;date/time&gt;</a:t>
             </a:r>
             <a:endParaRPr b="0" lang="en-US" sz="1400" strike="noStrike" u="none">
               <a:solidFill>
@@ -18545,7 +19304,7 @@
         <p:spPr>
           <a:xfrm>
             <a:off x="3213000" y="6356520"/>
-            <a:ext cx="3273480" cy="363600"/>
+            <a:ext cx="3273120" cy="363240"/>
           </a:xfrm>
           <a:prstGeom prst="rect">
             <a:avLst/>
@@ -18595,7 +19354,7 @@
                 <a:uFillTx/>
                 <a:latin typeface="Times New Roman"/>
               </a:rPr>
-              <a:t> </a:t>
+              <a:t>&lt;footer&gt;</a:t>
             </a:r>
             <a:endParaRPr b="0" lang="en-US" sz="1400" strike="noStrike" u="none">
               <a:solidFill>
@@ -18620,7 +19379,7 @@
         <p:spPr>
           <a:xfrm>
             <a:off x="6851520" y="6356520"/>
-            <a:ext cx="2181240" cy="363600"/>
+            <a:ext cx="2180880" cy="363240"/>
           </a:xfrm>
           <a:prstGeom prst="rect">
             <a:avLst/>
@@ -18664,7 +19423,7 @@
                 <a:tab algn="l" pos="0"/>
               </a:tabLst>
             </a:pPr>
-            <a:fld id="{5FA8518F-2C14-4B0B-AE8E-034BB440DE4A}" type="slidenum">
+            <a:fld id="{A33EF8D3-5E12-4D43-A0DC-3BA568E98053}" type="slidenum">
               <a:rPr b="0" lang="pt-BR" sz="1200" strike="noStrike" u="none">
                 <a:solidFill>
                   <a:schemeClr val="dk1">
@@ -18674,7 +19433,7 @@
                 <a:uFillTx/>
                 <a:latin typeface="Calibri"/>
               </a:rPr>
-              <a:t>1</a:t>
+              <a:t>&lt;number&gt;</a:t>
             </a:fld>
             <a:endParaRPr b="0" lang="en-US" sz="1200" strike="noStrike" u="none">
               <a:solidFill>
@@ -18699,7 +19458,7 @@
         <p:spPr>
           <a:xfrm>
             <a:off x="666720" y="6356520"/>
-            <a:ext cx="2181240" cy="363600"/>
+            <a:ext cx="2180880" cy="363240"/>
           </a:xfrm>
           <a:prstGeom prst="rect">
             <a:avLst/>
@@ -18737,7 +19496,7 @@
                 <a:uFillTx/>
                 <a:latin typeface="Times New Roman"/>
               </a:rPr>
-              <a:t> </a:t>
+              <a:t>&lt;date/time&gt;</a:t>
             </a:r>
             <a:endParaRPr b="0" lang="en-US" sz="1400" strike="noStrike" u="none">
               <a:solidFill>
@@ -18795,7 +19554,7 @@
         <p:spPr>
           <a:xfrm>
             <a:off x="360" y="0"/>
-            <a:ext cx="9699480" cy="6856560"/>
+            <a:ext cx="9699120" cy="6856200"/>
           </a:xfrm>
           <a:prstGeom prst="rect">
             <a:avLst/>
@@ -18814,7 +19573,7 @@
         <p:spPr>
           <a:xfrm>
             <a:off x="2697120" y="6330240"/>
-            <a:ext cx="3999960" cy="227160"/>
+            <a:ext cx="3999600" cy="227160"/>
           </a:xfrm>
           <a:prstGeom prst="rect">
             <a:avLst/>
@@ -18873,7 +19632,7 @@
         <p:spPr>
           <a:xfrm>
             <a:off x="727560" y="1122480"/>
-            <a:ext cx="8245440" cy="2386800"/>
+            <a:ext cx="8245080" cy="2386440"/>
           </a:xfrm>
           <a:prstGeom prst="rect">
             <a:avLst/>
@@ -18924,7 +19683,7 @@
         <p:spPr>
           <a:xfrm>
             <a:off x="3213360" y="6356520"/>
-            <a:ext cx="3272760" cy="363600"/>
+            <a:ext cx="3272400" cy="363240"/>
           </a:xfrm>
           <a:prstGeom prst="rect">
             <a:avLst/>
@@ -18974,7 +19733,7 @@
                 <a:uFillTx/>
                 <a:latin typeface="Times New Roman"/>
               </a:rPr>
-              <a:t> </a:t>
+              <a:t>&lt;footer&gt;</a:t>
             </a:r>
             <a:endParaRPr b="0" lang="en-US" sz="1400" strike="noStrike" u="none">
               <a:solidFill>
@@ -18999,7 +19758,7 @@
         <p:spPr>
           <a:xfrm>
             <a:off x="6851520" y="6356520"/>
-            <a:ext cx="2181240" cy="363600"/>
+            <a:ext cx="2180880" cy="363240"/>
           </a:xfrm>
           <a:prstGeom prst="rect">
             <a:avLst/>
@@ -19041,7 +19800,7 @@
                 <a:tab algn="l" pos="0"/>
               </a:tabLst>
             </a:pPr>
-            <a:fld id="{4F4B898D-9972-48B3-A33D-C82295B3E848}" type="slidenum">
+            <a:fld id="{C1C47F40-1343-48AA-AB07-169DFE27A7A7}" type="slidenum">
               <a:rPr b="0" lang="pt-BR" sz="1800" strike="noStrike" u="none">
                 <a:solidFill>
                   <a:schemeClr val="dk1"/>
@@ -19049,7 +19808,7 @@
                 <a:uFillTx/>
                 <a:latin typeface="Calibri"/>
               </a:rPr>
-              <a:t>1</a:t>
+              <a:t>&lt;number&gt;</a:t>
             </a:fld>
             <a:endParaRPr b="0" lang="en-US" sz="1800" strike="noStrike" u="none">
               <a:solidFill>
@@ -19074,7 +19833,7 @@
         <p:spPr>
           <a:xfrm>
             <a:off x="667080" y="6356520"/>
-            <a:ext cx="2181240" cy="363600"/>
+            <a:ext cx="2180880" cy="363240"/>
           </a:xfrm>
           <a:prstGeom prst="rect">
             <a:avLst/>
@@ -19112,7 +19871,7 @@
                 <a:uFillTx/>
                 <a:latin typeface="Times New Roman"/>
               </a:rPr>
-              <a:t> </a:t>
+              <a:t>&lt;date/time&gt;</a:t>
             </a:r>
             <a:endParaRPr b="0" lang="en-US" sz="1400" strike="noStrike" u="none">
               <a:solidFill>
@@ -19170,7 +19929,7 @@
         <p:spPr>
           <a:xfrm>
             <a:off x="360" y="0"/>
-            <a:ext cx="9700200" cy="6857280"/>
+            <a:ext cx="9699840" cy="6856920"/>
           </a:xfrm>
           <a:prstGeom prst="rect">
             <a:avLst/>
@@ -19188,8 +19947,8 @@
         </p:nvSpPr>
         <p:spPr>
           <a:xfrm rot="16200000">
-            <a:off x="-1764360" y="2941920"/>
-            <a:ext cx="4000680" cy="227160"/>
+            <a:off x="-1764000" y="2941920"/>
+            <a:ext cx="4000320" cy="227160"/>
           </a:xfrm>
           <a:prstGeom prst="rect">
             <a:avLst/>
@@ -19248,7 +20007,7 @@
         <p:spPr>
           <a:xfrm>
             <a:off x="3213360" y="6356520"/>
-            <a:ext cx="3273480" cy="364320"/>
+            <a:ext cx="3273120" cy="363960"/>
           </a:xfrm>
           <a:prstGeom prst="rect">
             <a:avLst/>
@@ -19298,7 +20057,7 @@
                 <a:uFillTx/>
                 <a:latin typeface="Times New Roman"/>
               </a:rPr>
-              <a:t> </a:t>
+              <a:t>&lt;footer&gt;</a:t>
             </a:r>
             <a:endParaRPr b="0" lang="en-US" sz="1400" strike="noStrike" u="none">
               <a:solidFill>
@@ -19323,7 +20082,7 @@
         <p:spPr>
           <a:xfrm>
             <a:off x="6851520" y="6356520"/>
-            <a:ext cx="2181960" cy="364320"/>
+            <a:ext cx="2181600" cy="363960"/>
           </a:xfrm>
           <a:prstGeom prst="rect">
             <a:avLst/>
@@ -19365,7 +20124,7 @@
                 <a:tab algn="l" pos="0"/>
               </a:tabLst>
             </a:pPr>
-            <a:fld id="{7123CD82-F82A-4C6C-B7BE-94AEE6D1081C}" type="slidenum">
+            <a:fld id="{D513D880-79D8-4EDB-950E-C833AE65DFE8}" type="slidenum">
               <a:rPr b="0" lang="pt-BR" sz="1800" strike="noStrike" u="none">
                 <a:solidFill>
                   <a:schemeClr val="dk1"/>
@@ -19373,7 +20132,7 @@
                 <a:uFillTx/>
                 <a:latin typeface="Calibri"/>
               </a:rPr>
-              <a:t>1</a:t>
+              <a:t>&lt;number&gt;</a:t>
             </a:fld>
             <a:endParaRPr b="0" lang="en-US" sz="1800" strike="noStrike" u="none">
               <a:solidFill>
@@ -19398,7 +20157,7 @@
         <p:spPr>
           <a:xfrm>
             <a:off x="667080" y="6356520"/>
-            <a:ext cx="2181960" cy="364320"/>
+            <a:ext cx="2181600" cy="363960"/>
           </a:xfrm>
           <a:prstGeom prst="rect">
             <a:avLst/>
@@ -19436,7 +20195,7 @@
                 <a:uFillTx/>
                 <a:latin typeface="Times New Roman"/>
               </a:rPr>
-              <a:t> </a:t>
+              <a:t>&lt;date/time&gt;</a:t>
             </a:r>
             <a:endParaRPr b="0" lang="en-US" sz="1400" strike="noStrike" u="none">
               <a:solidFill>
@@ -19494,7 +20253,7 @@
         <p:spPr>
           <a:xfrm>
             <a:off x="360" y="0"/>
-            <a:ext cx="9700200" cy="6857280"/>
+            <a:ext cx="9699840" cy="6856920"/>
           </a:xfrm>
           <a:prstGeom prst="rect">
             <a:avLst/>
@@ -19512,8 +20271,8 @@
         </p:nvSpPr>
         <p:spPr>
           <a:xfrm rot="16200000">
-            <a:off x="-1764360" y="2941920"/>
-            <a:ext cx="4000680" cy="227160"/>
+            <a:off x="-1764000" y="2941920"/>
+            <a:ext cx="4000320" cy="227160"/>
           </a:xfrm>
           <a:prstGeom prst="rect">
             <a:avLst/>
@@ -19572,7 +20331,7 @@
         <p:spPr>
           <a:xfrm>
             <a:off x="3213360" y="6356520"/>
-            <a:ext cx="3273480" cy="364320"/>
+            <a:ext cx="3273120" cy="363960"/>
           </a:xfrm>
           <a:prstGeom prst="rect">
             <a:avLst/>
@@ -19622,7 +20381,7 @@
                 <a:uFillTx/>
                 <a:latin typeface="Times New Roman"/>
               </a:rPr>
-              <a:t> </a:t>
+              <a:t>&lt;footer&gt;</a:t>
             </a:r>
             <a:endParaRPr b="0" lang="en-US" sz="1400" strike="noStrike" u="none">
               <a:solidFill>
@@ -19647,7 +20406,7 @@
         <p:spPr>
           <a:xfrm>
             <a:off x="6851520" y="6356520"/>
-            <a:ext cx="2181960" cy="364320"/>
+            <a:ext cx="2181600" cy="363960"/>
           </a:xfrm>
           <a:prstGeom prst="rect">
             <a:avLst/>
@@ -19689,7 +20448,7 @@
                 <a:tab algn="l" pos="0"/>
               </a:tabLst>
             </a:pPr>
-            <a:fld id="{ED00D7DF-850B-4D15-A0E9-88824A5D1FA5}" type="slidenum">
+            <a:fld id="{8F148DC8-83BB-417B-A8FE-02AE9E6909C2}" type="slidenum">
               <a:rPr b="0" lang="pt-BR" sz="1800" strike="noStrike" u="none">
                 <a:solidFill>
                   <a:schemeClr val="dk1"/>
@@ -19697,7 +20456,7 @@
                 <a:uFillTx/>
                 <a:latin typeface="Calibri"/>
               </a:rPr>
-              <a:t>1</a:t>
+              <a:t>&lt;number&gt;</a:t>
             </a:fld>
             <a:endParaRPr b="0" lang="en-US" sz="1800" strike="noStrike" u="none">
               <a:solidFill>
@@ -19722,7 +20481,7 @@
         <p:spPr>
           <a:xfrm>
             <a:off x="667080" y="6356520"/>
-            <a:ext cx="2181960" cy="364320"/>
+            <a:ext cx="2181600" cy="363960"/>
           </a:xfrm>
           <a:prstGeom prst="rect">
             <a:avLst/>
@@ -19760,7 +20519,7 @@
                 <a:uFillTx/>
                 <a:latin typeface="Times New Roman"/>
               </a:rPr>
-              <a:t> </a:t>
+              <a:t>&lt;date/time&gt;</a:t>
             </a:r>
             <a:endParaRPr b="0" lang="en-US" sz="1400" strike="noStrike" u="none">
               <a:solidFill>
@@ -19818,7 +20577,7 @@
         <p:spPr>
           <a:xfrm>
             <a:off x="360" y="0"/>
-            <a:ext cx="9700200" cy="6857280"/>
+            <a:ext cx="9699840" cy="6856920"/>
           </a:xfrm>
           <a:prstGeom prst="rect">
             <a:avLst/>
@@ -19836,8 +20595,8 @@
         </p:nvSpPr>
         <p:spPr>
           <a:xfrm rot="16200000">
-            <a:off x="-1764360" y="2941920"/>
-            <a:ext cx="4000680" cy="227160"/>
+            <a:off x="-1764000" y="2941920"/>
+            <a:ext cx="4000320" cy="227160"/>
           </a:xfrm>
           <a:prstGeom prst="rect">
             <a:avLst/>
@@ -19896,7 +20655,7 @@
         <p:spPr>
           <a:xfrm>
             <a:off x="3213360" y="6356520"/>
-            <a:ext cx="3273480" cy="364320"/>
+            <a:ext cx="3273120" cy="363960"/>
           </a:xfrm>
           <a:prstGeom prst="rect">
             <a:avLst/>
@@ -19946,7 +20705,7 @@
                 <a:uFillTx/>
                 <a:latin typeface="Times New Roman"/>
               </a:rPr>
-              <a:t> </a:t>
+              <a:t>&lt;footer&gt;</a:t>
             </a:r>
             <a:endParaRPr b="0" lang="en-US" sz="1400" strike="noStrike" u="none">
               <a:solidFill>
@@ -19971,7 +20730,7 @@
         <p:spPr>
           <a:xfrm>
             <a:off x="6851520" y="6356520"/>
-            <a:ext cx="2181960" cy="364320"/>
+            <a:ext cx="2181600" cy="363960"/>
           </a:xfrm>
           <a:prstGeom prst="rect">
             <a:avLst/>
@@ -20013,7 +20772,7 @@
                 <a:tab algn="l" pos="0"/>
               </a:tabLst>
             </a:pPr>
-            <a:fld id="{DC70CC18-E43C-4183-9D22-FECB491AD160}" type="slidenum">
+            <a:fld id="{CA528043-8FB0-4436-9590-2380B41B1C4C}" type="slidenum">
               <a:rPr b="0" lang="pt-BR" sz="1800" strike="noStrike" u="none">
                 <a:solidFill>
                   <a:schemeClr val="dk1"/>
@@ -20021,7 +20780,7 @@
                 <a:uFillTx/>
                 <a:latin typeface="Calibri"/>
               </a:rPr>
-              <a:t>1</a:t>
+              <a:t>&lt;number&gt;</a:t>
             </a:fld>
             <a:endParaRPr b="0" lang="en-US" sz="1800" strike="noStrike" u="none">
               <a:solidFill>
@@ -20046,7 +20805,7 @@
         <p:spPr>
           <a:xfrm>
             <a:off x="667080" y="6356520"/>
-            <a:ext cx="2181960" cy="364320"/>
+            <a:ext cx="2181600" cy="363960"/>
           </a:xfrm>
           <a:prstGeom prst="rect">
             <a:avLst/>
@@ -20084,7 +20843,7 @@
                 <a:uFillTx/>
                 <a:latin typeface="Times New Roman"/>
               </a:rPr>
-              <a:t> </a:t>
+              <a:t>&lt;date/time&gt;</a:t>
             </a:r>
             <a:endParaRPr b="0" lang="en-US" sz="1400" strike="noStrike" u="none">
               <a:solidFill>
@@ -20142,7 +20901,7 @@
         <p:spPr>
           <a:xfrm>
             <a:off x="360" y="0"/>
-            <a:ext cx="9699480" cy="6856560"/>
+            <a:ext cx="9699120" cy="6856200"/>
           </a:xfrm>
           <a:prstGeom prst="rect">
             <a:avLst/>
@@ -20161,7 +20920,7 @@
         <p:spPr>
           <a:xfrm>
             <a:off x="2697120" y="6330240"/>
-            <a:ext cx="3999960" cy="227160"/>
+            <a:ext cx="3999600" cy="227160"/>
           </a:xfrm>
           <a:prstGeom prst="rect">
             <a:avLst/>
@@ -20220,7 +20979,7 @@
         <p:spPr>
           <a:xfrm>
             <a:off x="3213360" y="6356520"/>
-            <a:ext cx="3272760" cy="363600"/>
+            <a:ext cx="3272400" cy="363240"/>
           </a:xfrm>
           <a:prstGeom prst="rect">
             <a:avLst/>
@@ -20270,7 +21029,7 @@
                 <a:uFillTx/>
                 <a:latin typeface="Times New Roman"/>
               </a:rPr>
-              <a:t> </a:t>
+              <a:t>&lt;footer&gt;</a:t>
             </a:r>
             <a:endParaRPr b="0" lang="en-US" sz="1400" strike="noStrike" u="none">
               <a:solidFill>
@@ -20295,7 +21054,7 @@
         <p:spPr>
           <a:xfrm>
             <a:off x="6851520" y="6356520"/>
-            <a:ext cx="2181240" cy="363600"/>
+            <a:ext cx="2180880" cy="363240"/>
           </a:xfrm>
           <a:prstGeom prst="rect">
             <a:avLst/>
@@ -20337,7 +21096,7 @@
                 <a:tab algn="l" pos="0"/>
               </a:tabLst>
             </a:pPr>
-            <a:fld id="{CADD99B9-A1E7-4CE4-8077-7FAA6B44567A}" type="slidenum">
+            <a:fld id="{566B7BFD-38DF-4D5E-A02C-8F4D1E2732E5}" type="slidenum">
               <a:rPr b="0" lang="pt-BR" sz="1800" strike="noStrike" u="none">
                 <a:solidFill>
                   <a:schemeClr val="dk1"/>
@@ -20345,7 +21104,7 @@
                 <a:uFillTx/>
                 <a:latin typeface="Calibri"/>
               </a:rPr>
-              <a:t>1</a:t>
+              <a:t>&lt;number&gt;</a:t>
             </a:fld>
             <a:endParaRPr b="0" lang="en-US" sz="1800" strike="noStrike" u="none">
               <a:solidFill>
@@ -20370,7 +21129,7 @@
         <p:spPr>
           <a:xfrm>
             <a:off x="667080" y="6356520"/>
-            <a:ext cx="2181240" cy="363600"/>
+            <a:ext cx="2180880" cy="363240"/>
           </a:xfrm>
           <a:prstGeom prst="rect">
             <a:avLst/>
@@ -20408,7 +21167,7 @@
                 <a:uFillTx/>
                 <a:latin typeface="Times New Roman"/>
               </a:rPr>
-              <a:t> </a:t>
+              <a:t>&lt;date/time&gt;</a:t>
             </a:r>
             <a:endParaRPr b="0" lang="en-US" sz="1400" strike="noStrike" u="none">
               <a:solidFill>
@@ -20466,7 +21225,7 @@
         <p:spPr>
           <a:xfrm>
             <a:off x="360" y="0"/>
-            <a:ext cx="9700200" cy="6857280"/>
+            <a:ext cx="9699840" cy="6856920"/>
           </a:xfrm>
           <a:prstGeom prst="rect">
             <a:avLst/>
@@ -20484,8 +21243,8 @@
         </p:nvSpPr>
         <p:spPr>
           <a:xfrm rot="16200000">
-            <a:off x="-1764360" y="2941920"/>
-            <a:ext cx="4000680" cy="227160"/>
+            <a:off x="-1764000" y="2941920"/>
+            <a:ext cx="4000320" cy="227160"/>
           </a:xfrm>
           <a:prstGeom prst="rect">
             <a:avLst/>
@@ -20544,7 +21303,7 @@
         <p:spPr>
           <a:xfrm>
             <a:off x="727560" y="1122480"/>
-            <a:ext cx="8245440" cy="2386800"/>
+            <a:ext cx="8245080" cy="2386440"/>
           </a:xfrm>
           <a:prstGeom prst="rect">
             <a:avLst/>
@@ -20834,7 +21593,7 @@
         <p:spPr>
           <a:xfrm>
             <a:off x="3213360" y="6356520"/>
-            <a:ext cx="3273480" cy="364320"/>
+            <a:ext cx="3273120" cy="363960"/>
           </a:xfrm>
           <a:prstGeom prst="rect">
             <a:avLst/>
@@ -20909,7 +21668,7 @@
         <p:spPr>
           <a:xfrm>
             <a:off x="6851520" y="6356520"/>
-            <a:ext cx="2181960" cy="364320"/>
+            <a:ext cx="2181600" cy="363960"/>
           </a:xfrm>
           <a:prstGeom prst="rect">
             <a:avLst/>
@@ -20951,7 +21710,7 @@
                 <a:tab algn="l" pos="0"/>
               </a:tabLst>
             </a:pPr>
-            <a:fld id="{7F7BC6E3-BCB2-4E70-99EA-97F184AF6B9A}" type="slidenum">
+            <a:fld id="{5F24526E-01C0-4647-9801-1795BE87BBF9}" type="slidenum">
               <a:rPr b="0" lang="pt-BR" sz="1800" strike="noStrike" u="none">
                 <a:solidFill>
                   <a:schemeClr val="dk1"/>
@@ -20984,7 +21743,7 @@
         <p:spPr>
           <a:xfrm>
             <a:off x="667080" y="6356520"/>
-            <a:ext cx="2181960" cy="364320"/>
+            <a:ext cx="2181600" cy="363960"/>
           </a:xfrm>
           <a:prstGeom prst="rect">
             <a:avLst/>
@@ -21080,7 +21839,7 @@
         <p:spPr>
           <a:xfrm>
             <a:off x="360" y="0"/>
-            <a:ext cx="9700200" cy="6857280"/>
+            <a:ext cx="9699840" cy="6856920"/>
           </a:xfrm>
           <a:prstGeom prst="rect">
             <a:avLst/>
@@ -21098,8 +21857,8 @@
         </p:nvSpPr>
         <p:spPr>
           <a:xfrm rot="16200000">
-            <a:off x="-1764360" y="2941920"/>
-            <a:ext cx="4000680" cy="227160"/>
+            <a:off x="-1764000" y="2941920"/>
+            <a:ext cx="4000320" cy="227160"/>
           </a:xfrm>
           <a:prstGeom prst="rect">
             <a:avLst/>
@@ -21158,7 +21917,7 @@
         <p:spPr>
           <a:xfrm>
             <a:off x="727560" y="1122480"/>
-            <a:ext cx="8245440" cy="2386800"/>
+            <a:ext cx="8245080" cy="2386440"/>
           </a:xfrm>
           <a:prstGeom prst="rect">
             <a:avLst/>
@@ -21687,7 +22446,7 @@
         <p:spPr>
           <a:xfrm>
             <a:off x="3213360" y="6356520"/>
-            <a:ext cx="3273480" cy="364320"/>
+            <a:ext cx="3273120" cy="363960"/>
           </a:xfrm>
           <a:prstGeom prst="rect">
             <a:avLst/>
@@ -21762,7 +22521,7 @@
         <p:spPr>
           <a:xfrm>
             <a:off x="6851520" y="6356520"/>
-            <a:ext cx="2181960" cy="364320"/>
+            <a:ext cx="2181600" cy="363960"/>
           </a:xfrm>
           <a:prstGeom prst="rect">
             <a:avLst/>
@@ -21804,7 +22563,7 @@
                 <a:tab algn="l" pos="0"/>
               </a:tabLst>
             </a:pPr>
-            <a:fld id="{B8505235-DEFD-4759-8DCC-C8F19D14D995}" type="slidenum">
+            <a:fld id="{CDA97AB0-BB45-4E14-8355-C5973224A752}" type="slidenum">
               <a:rPr b="0" lang="pt-BR" sz="1800" strike="noStrike" u="none">
                 <a:solidFill>
                   <a:schemeClr val="dk1"/>
@@ -21837,7 +22596,7 @@
         <p:spPr>
           <a:xfrm>
             <a:off x="667080" y="6356520"/>
-            <a:ext cx="2181960" cy="364320"/>
+            <a:ext cx="2181600" cy="363960"/>
           </a:xfrm>
           <a:prstGeom prst="rect">
             <a:avLst/>
@@ -21933,7 +22692,7 @@
         <p:spPr>
           <a:xfrm>
             <a:off x="360" y="0"/>
-            <a:ext cx="9700200" cy="6857280"/>
+            <a:ext cx="9699840" cy="6856920"/>
           </a:xfrm>
           <a:prstGeom prst="rect">
             <a:avLst/>
@@ -21951,8 +22710,8 @@
         </p:nvSpPr>
         <p:spPr>
           <a:xfrm rot="16200000">
-            <a:off x="-1764360" y="2941920"/>
-            <a:ext cx="4000680" cy="227160"/>
+            <a:off x="-1764000" y="2941920"/>
+            <a:ext cx="4000320" cy="227160"/>
           </a:xfrm>
           <a:prstGeom prst="rect">
             <a:avLst/>
@@ -22011,7 +22770,7 @@
         <p:spPr>
           <a:xfrm>
             <a:off x="727560" y="1122480"/>
-            <a:ext cx="8245440" cy="2386800"/>
+            <a:ext cx="8245080" cy="2386440"/>
           </a:xfrm>
           <a:prstGeom prst="rect">
             <a:avLst/>
@@ -22062,7 +22821,7 @@
         <p:spPr>
           <a:xfrm>
             <a:off x="3213360" y="6356520"/>
-            <a:ext cx="3273480" cy="364320"/>
+            <a:ext cx="3273120" cy="363960"/>
           </a:xfrm>
           <a:prstGeom prst="rect">
             <a:avLst/>
@@ -22137,7 +22896,7 @@
         <p:spPr>
           <a:xfrm>
             <a:off x="6851520" y="6356520"/>
-            <a:ext cx="2181960" cy="364320"/>
+            <a:ext cx="2181600" cy="363960"/>
           </a:xfrm>
           <a:prstGeom prst="rect">
             <a:avLst/>
@@ -22179,7 +22938,7 @@
                 <a:tab algn="l" pos="0"/>
               </a:tabLst>
             </a:pPr>
-            <a:fld id="{27F7C206-1A42-483D-9C9A-5EB2D9A6311D}" type="slidenum">
+            <a:fld id="{62C96E57-0C2F-4C0A-8389-CCF8EC07AE41}" type="slidenum">
               <a:rPr b="0" lang="pt-BR" sz="1800" strike="noStrike" u="none">
                 <a:solidFill>
                   <a:schemeClr val="dk1"/>
@@ -22212,7 +22971,7 @@
         <p:spPr>
           <a:xfrm>
             <a:off x="667080" y="6356520"/>
-            <a:ext cx="2181960" cy="364320"/>
+            <a:ext cx="2181600" cy="363960"/>
           </a:xfrm>
           <a:prstGeom prst="rect">
             <a:avLst/>
@@ -22308,7 +23067,7 @@
         <p:spPr>
           <a:xfrm>
             <a:off x="360" y="0"/>
-            <a:ext cx="9700200" cy="6857280"/>
+            <a:ext cx="9699840" cy="6856920"/>
           </a:xfrm>
           <a:prstGeom prst="rect">
             <a:avLst/>
@@ -22326,8 +23085,8 @@
         </p:nvSpPr>
         <p:spPr>
           <a:xfrm rot="16200000">
-            <a:off x="-1764360" y="2941920"/>
-            <a:ext cx="4000680" cy="227160"/>
+            <a:off x="-1764000" y="2941920"/>
+            <a:ext cx="4000320" cy="227160"/>
           </a:xfrm>
           <a:prstGeom prst="rect">
             <a:avLst/>
@@ -22380,64 +23139,13 @@
             <a:spLocks noGrp="1"/>
           </p:cNvSpPr>
           <p:nvPr>
-            <p:ph type="title"/>
-          </p:nvPr>
-        </p:nvSpPr>
-        <p:spPr>
-          <a:xfrm>
-            <a:off x="727560" y="1122480"/>
-            <a:ext cx="8245440" cy="2386800"/>
-          </a:xfrm>
-          <a:prstGeom prst="rect">
-            <a:avLst/>
-          </a:prstGeom>
-          <a:noFill/>
-          <a:ln w="0">
-            <a:noFill/>
-          </a:ln>
-        </p:spPr>
-        <p:txBody>
-          <a:bodyPr lIns="0" rIns="0" tIns="0" bIns="0" anchor="ctr">
-            <a:noAutofit/>
-          </a:bodyPr>
-          <a:p>
-            <a:pPr indent="0">
-              <a:buNone/>
-            </a:pPr>
-            <a:r>
-              <a:rPr b="0" lang="en-US" sz="1800" strike="noStrike" u="none">
-                <a:solidFill>
-                  <a:srgbClr val="000000"/>
-                </a:solidFill>
-                <a:uFillTx/>
-                <a:latin typeface="Arial"/>
-              </a:rPr>
-              <a:t>Click to edit the title text format</a:t>
-            </a:r>
-            <a:endParaRPr b="0" lang="en-US" sz="1800" strike="noStrike" u="none">
-              <a:solidFill>
-                <a:srgbClr val="000000"/>
-              </a:solidFill>
-              <a:uFillTx/>
-              <a:latin typeface="Arial"/>
-            </a:endParaRPr>
-          </a:p>
-        </p:txBody>
-      </p:sp>
-      <p:sp>
-        <p:nvSpPr>
-          <p:cNvPr id="265" name="PlaceHolder 2"/>
-          <p:cNvSpPr>
-            <a:spLocks noGrp="1"/>
-          </p:cNvSpPr>
-          <p:nvPr>
             <p:ph type="ftr" idx="127"/>
           </p:nvPr>
         </p:nvSpPr>
         <p:spPr>
           <a:xfrm>
             <a:off x="3213360" y="6356520"/>
-            <a:ext cx="3273480" cy="364320"/>
+            <a:ext cx="3273120" cy="363960"/>
           </a:xfrm>
           <a:prstGeom prst="rect">
             <a:avLst/>
@@ -22501,7 +23209,7 @@
       </p:sp>
       <p:sp>
         <p:nvSpPr>
-          <p:cNvPr id="266" name="PlaceHolder 3"/>
+          <p:cNvPr id="265" name="PlaceHolder 2"/>
           <p:cNvSpPr>
             <a:spLocks noGrp="1"/>
           </p:cNvSpPr>
@@ -22512,7 +23220,7 @@
         <p:spPr>
           <a:xfrm>
             <a:off x="6851520" y="6356520"/>
-            <a:ext cx="2181960" cy="364320"/>
+            <a:ext cx="2181600" cy="363960"/>
           </a:xfrm>
           <a:prstGeom prst="rect">
             <a:avLst/>
@@ -22554,7 +23262,7 @@
                 <a:tab algn="l" pos="0"/>
               </a:tabLst>
             </a:pPr>
-            <a:fld id="{515D6054-E3E3-431D-9A86-472406E08944}" type="slidenum">
+            <a:fld id="{163B2B43-9B31-4845-A135-7C106CE0D07A}" type="slidenum">
               <a:rPr b="0" lang="pt-BR" sz="1800" strike="noStrike" u="none">
                 <a:solidFill>
                   <a:schemeClr val="dk1"/>
@@ -22576,7 +23284,7 @@
       </p:sp>
       <p:sp>
         <p:nvSpPr>
-          <p:cNvPr id="267" name="PlaceHolder 4"/>
+          <p:cNvPr id="266" name="PlaceHolder 3"/>
           <p:cNvSpPr>
             <a:spLocks noGrp="1"/>
           </p:cNvSpPr>
@@ -22587,7 +23295,7 @@
         <p:spPr>
           <a:xfrm>
             <a:off x="667080" y="6356520"/>
-            <a:ext cx="2181960" cy="364320"/>
+            <a:ext cx="2181600" cy="363960"/>
           </a:xfrm>
           <a:prstGeom prst="rect">
             <a:avLst/>
@@ -22637,9 +23345,2874 @@
           </a:p>
         </p:txBody>
       </p:sp>
-      <p:sp>
-        <p:nvSpPr>
-          <p:cNvPr id="268" name="PlaceHolder 5"/>
+    </p:spTree>
+  </p:cSld>
+  <p:clrMap bg1="lt1" tx1="dk1" bg2="lt2" tx2="dk2" accent1="accent1" accent2="accent2" accent3="accent3" accent4="accent4" accent5="accent5" accent6="accent6" hlink="hlink" folHlink="folHlink"/>
+  <p:sldLayoutIdLst>
+    <p:sldLayoutId id="2147483733" r:id="rId3"/>
+  </p:sldLayoutIdLst>
+</p:sldMaster>
+</file>
+
+<file path=ppt/slideMasters/slideMaster44.xml><?xml version="1.0" encoding="utf-8"?>
+<p:sldMaster xmlns:a="http://schemas.openxmlformats.org/drawingml/2006/main" xmlns:p="http://schemas.openxmlformats.org/presentationml/2006/main" xmlns:r="http://schemas.openxmlformats.org/officeDocument/2006/relationships" xmlns:p14="http://schemas.microsoft.com/office/powerpoint/2010/main" xmlns:p15="http://schemas.microsoft.com/office/powerpoint/2012/main" xmlns:mc="http://schemas.openxmlformats.org/markup-compatibility/2006">
+  <p:cSld>
+    <p:bg>
+      <p:bgPr>
+        <a:solidFill>
+          <a:srgbClr val="ffffff"/>
+        </a:solidFill>
+      </p:bgPr>
+    </p:bg>
+    <p:spTree>
+      <p:nvGrpSpPr>
+        <p:cNvPr id="1" name=""/>
+        <p:cNvGrpSpPr/>
+        <p:nvPr/>
+      </p:nvGrpSpPr>
+      <p:grpSpPr>
+        <a:xfrm>
+          <a:off x="0" y="0"/>
+          <a:ext cx="0" cy="0"/>
+          <a:chOff x="0" y="0"/>
+          <a:chExt cx="0" cy="0"/>
+        </a:xfrm>
+      </p:grpSpPr>
+      <p:pic>
+        <p:nvPicPr>
+          <p:cNvPr id="267" name="Imagem 4" descr="Diagrama, Desenho técnico&#10;&#10;Descrição gerada automaticamente"/>
+          <p:cNvPicPr/>
+          <p:nvPr/>
+        </p:nvPicPr>
+        <p:blipFill>
+          <a:blip r:embed="rId2"/>
+          <a:stretch/>
+        </p:blipFill>
+        <p:spPr>
+          <a:xfrm>
+            <a:off x="360" y="0"/>
+            <a:ext cx="9699840" cy="6856920"/>
+          </a:xfrm>
+          <a:prstGeom prst="rect">
+            <a:avLst/>
+          </a:prstGeom>
+          <a:ln w="0">
+            <a:noFill/>
+          </a:ln>
+        </p:spPr>
+      </p:pic>
+      <p:sp>
+        <p:nvSpPr>
+          <p:cNvPr id="268" name="Retângulo 1"/>
+          <p:cNvSpPr/>
+          <p:nvPr/>
+        </p:nvSpPr>
+        <p:spPr>
+          <a:xfrm rot="16200000">
+            <a:off x="-1764000" y="2941920"/>
+            <a:ext cx="4000320" cy="227160"/>
+          </a:xfrm>
+          <a:prstGeom prst="rect">
+            <a:avLst/>
+          </a:prstGeom>
+          <a:noFill/>
+          <a:ln w="0">
+            <a:noFill/>
+          </a:ln>
+        </p:spPr>
+        <p:style>
+          <a:lnRef idx="0"/>
+          <a:fillRef idx="0"/>
+          <a:effectRef idx="0"/>
+          <a:fontRef idx="minor"/>
+        </p:style>
+        <p:txBody>
+          <a:bodyPr lIns="90000" rIns="90000" tIns="45000" bIns="45000" anchor="t">
+            <a:spAutoFit/>
+          </a:bodyPr>
+          <a:p>
+            <a:pPr defTabSz="914400">
+              <a:lnSpc>
+                <a:spcPct val="100000"/>
+              </a:lnSpc>
+            </a:pPr>
+            <a:r>
+              <a:rPr b="0" lang="pt-BR" sz="900" strike="noStrike" u="none">
+                <a:solidFill>
+                  <a:schemeClr val="dk1"/>
+                </a:solidFill>
+                <a:uFillTx/>
+                <a:latin typeface="Aptos ExtraBold"/>
+              </a:rPr>
+              <a:t>LFSTS-DT-010 - Verso - Certificado de Capacitação Profissional</a:t>
+            </a:r>
+            <a:endParaRPr b="0" lang="en-US" sz="900" strike="noStrike" u="none">
+              <a:solidFill>
+                <a:srgbClr val="000000"/>
+              </a:solidFill>
+              <a:uFillTx/>
+              <a:latin typeface="Arial"/>
+            </a:endParaRPr>
+          </a:p>
+        </p:txBody>
+      </p:sp>
+      <p:sp>
+        <p:nvSpPr>
+          <p:cNvPr id="269" name="PlaceHolder 1"/>
+          <p:cNvSpPr>
+            <a:spLocks noGrp="1"/>
+          </p:cNvSpPr>
+          <p:nvPr>
+            <p:ph type="ftr" idx="130"/>
+          </p:nvPr>
+        </p:nvSpPr>
+        <p:spPr>
+          <a:xfrm>
+            <a:off x="3213360" y="6356520"/>
+            <a:ext cx="3273120" cy="363960"/>
+          </a:xfrm>
+          <a:prstGeom prst="rect">
+            <a:avLst/>
+          </a:prstGeom>
+          <a:noFill/>
+          <a:ln w="0">
+            <a:noFill/>
+          </a:ln>
+        </p:spPr>
+        <p:txBody>
+          <a:bodyPr lIns="90000" rIns="90000" tIns="45000" bIns="45000" anchor="t">
+            <a:noAutofit/>
+          </a:bodyPr>
+          <a:lstStyle>
+            <a:lvl1pPr indent="0" algn="ctr">
+              <a:lnSpc>
+                <a:spcPct val="100000"/>
+              </a:lnSpc>
+              <a:buNone/>
+              <a:tabLst>
+                <a:tab algn="l" pos="0"/>
+              </a:tabLst>
+              <a:defRPr b="0" lang="en-US" sz="1400" strike="noStrike" u="none">
+                <a:solidFill>
+                  <a:srgbClr val="000000"/>
+                </a:solidFill>
+                <a:uFillTx/>
+                <a:latin typeface="Times New Roman"/>
+              </a:defRPr>
+            </a:lvl1pPr>
+          </a:lstStyle>
+          <a:p>
+            <a:pPr indent="0" algn="ctr">
+              <a:lnSpc>
+                <a:spcPct val="100000"/>
+              </a:lnSpc>
+              <a:buNone/>
+              <a:tabLst>
+                <a:tab algn="l" pos="0"/>
+              </a:tabLst>
+            </a:pPr>
+            <a:r>
+              <a:rPr b="0" lang="en-US" sz="1400" strike="noStrike" u="none">
+                <a:solidFill>
+                  <a:srgbClr val="000000"/>
+                </a:solidFill>
+                <a:uFillTx/>
+                <a:latin typeface="Times New Roman"/>
+              </a:rPr>
+              <a:t>&lt;footer&gt;</a:t>
+            </a:r>
+            <a:endParaRPr b="0" lang="en-US" sz="1400" strike="noStrike" u="none">
+              <a:solidFill>
+                <a:srgbClr val="000000"/>
+              </a:solidFill>
+              <a:uFillTx/>
+              <a:latin typeface="Times New Roman"/>
+            </a:endParaRPr>
+          </a:p>
+        </p:txBody>
+      </p:sp>
+      <p:sp>
+        <p:nvSpPr>
+          <p:cNvPr id="270" name="PlaceHolder 2"/>
+          <p:cNvSpPr>
+            <a:spLocks noGrp="1"/>
+          </p:cNvSpPr>
+          <p:nvPr>
+            <p:ph type="sldNum" idx="131"/>
+          </p:nvPr>
+        </p:nvSpPr>
+        <p:spPr>
+          <a:xfrm>
+            <a:off x="6851520" y="6356520"/>
+            <a:ext cx="2181600" cy="363960"/>
+          </a:xfrm>
+          <a:prstGeom prst="rect">
+            <a:avLst/>
+          </a:prstGeom>
+          <a:noFill/>
+          <a:ln w="0">
+            <a:noFill/>
+          </a:ln>
+        </p:spPr>
+        <p:txBody>
+          <a:bodyPr lIns="90000" rIns="90000" tIns="45000" bIns="45000" anchor="t">
+            <a:noAutofit/>
+          </a:bodyPr>
+          <a:lstStyle>
+            <a:lvl1pPr indent="0" defTabSz="914400">
+              <a:lnSpc>
+                <a:spcPct val="100000"/>
+              </a:lnSpc>
+              <a:buNone/>
+              <a:tabLst>
+                <a:tab algn="l" pos="0"/>
+              </a:tabLst>
+              <a:defRPr b="0" lang="pt-BR" sz="1800" strike="noStrike" u="none">
+                <a:solidFill>
+                  <a:schemeClr val="dk1"/>
+                </a:solidFill>
+                <a:uFillTx/>
+                <a:latin typeface="Calibri"/>
+              </a:defRPr>
+            </a:lvl1pPr>
+          </a:lstStyle>
+          <a:p>
+            <a:pPr indent="0" defTabSz="914400">
+              <a:lnSpc>
+                <a:spcPct val="100000"/>
+              </a:lnSpc>
+              <a:buNone/>
+              <a:tabLst>
+                <a:tab algn="l" pos="0"/>
+              </a:tabLst>
+            </a:pPr>
+            <a:fld id="{36AA0F93-BD37-43F3-AECE-DDB04575E900}" type="slidenum">
+              <a:rPr b="0" lang="pt-BR" sz="1800" strike="noStrike" u="none">
+                <a:solidFill>
+                  <a:schemeClr val="dk1"/>
+                </a:solidFill>
+                <a:uFillTx/>
+                <a:latin typeface="Calibri"/>
+              </a:rPr>
+              <a:t>&lt;number&gt;</a:t>
+            </a:fld>
+            <a:endParaRPr b="0" lang="en-US" sz="1800" strike="noStrike" u="none">
+              <a:solidFill>
+                <a:srgbClr val="000000"/>
+              </a:solidFill>
+              <a:uFillTx/>
+              <a:latin typeface="Times New Roman"/>
+            </a:endParaRPr>
+          </a:p>
+        </p:txBody>
+      </p:sp>
+      <p:sp>
+        <p:nvSpPr>
+          <p:cNvPr id="271" name="PlaceHolder 3"/>
+          <p:cNvSpPr>
+            <a:spLocks noGrp="1"/>
+          </p:cNvSpPr>
+          <p:nvPr>
+            <p:ph type="dt" idx="132"/>
+          </p:nvPr>
+        </p:nvSpPr>
+        <p:spPr>
+          <a:xfrm>
+            <a:off x="667080" y="6356520"/>
+            <a:ext cx="2181600" cy="363960"/>
+          </a:xfrm>
+          <a:prstGeom prst="rect">
+            <a:avLst/>
+          </a:prstGeom>
+          <a:noFill/>
+          <a:ln w="0">
+            <a:noFill/>
+          </a:ln>
+        </p:spPr>
+        <p:txBody>
+          <a:bodyPr lIns="90000" rIns="90000" tIns="45000" bIns="45000" anchor="t">
+            <a:noAutofit/>
+          </a:bodyPr>
+          <a:lstStyle>
+            <a:lvl1pPr indent="0">
+              <a:buNone/>
+              <a:defRPr b="0" lang="en-US" sz="1400" strike="noStrike" u="none">
+                <a:solidFill>
+                  <a:srgbClr val="000000"/>
+                </a:solidFill>
+                <a:uFillTx/>
+                <a:latin typeface="Times New Roman"/>
+              </a:defRPr>
+            </a:lvl1pPr>
+          </a:lstStyle>
+          <a:p>
+            <a:pPr indent="0">
+              <a:buNone/>
+            </a:pPr>
+            <a:r>
+              <a:rPr b="0" lang="en-US" sz="1400" strike="noStrike" u="none">
+                <a:solidFill>
+                  <a:srgbClr val="000000"/>
+                </a:solidFill>
+                <a:uFillTx/>
+                <a:latin typeface="Times New Roman"/>
+              </a:rPr>
+              <a:t>&lt;date/time&gt;</a:t>
+            </a:r>
+            <a:endParaRPr b="0" lang="en-US" sz="1400" strike="noStrike" u="none">
+              <a:solidFill>
+                <a:srgbClr val="000000"/>
+              </a:solidFill>
+              <a:uFillTx/>
+              <a:latin typeface="Times New Roman"/>
+            </a:endParaRPr>
+          </a:p>
+        </p:txBody>
+      </p:sp>
+    </p:spTree>
+  </p:cSld>
+  <p:clrMap bg1="lt1" tx1="dk1" bg2="lt2" tx2="dk2" accent1="accent1" accent2="accent2" accent3="accent3" accent4="accent4" accent5="accent5" accent6="accent6" hlink="hlink" folHlink="folHlink"/>
+  <p:sldLayoutIdLst>
+    <p:sldLayoutId id="2147483735" r:id="rId3"/>
+  </p:sldLayoutIdLst>
+</p:sldMaster>
+</file>
+
+<file path=ppt/slideMasters/slideMaster45.xml><?xml version="1.0" encoding="utf-8"?>
+<p:sldMaster xmlns:a="http://schemas.openxmlformats.org/drawingml/2006/main" xmlns:p="http://schemas.openxmlformats.org/presentationml/2006/main" xmlns:r="http://schemas.openxmlformats.org/officeDocument/2006/relationships" xmlns:p14="http://schemas.microsoft.com/office/powerpoint/2010/main" xmlns:p15="http://schemas.microsoft.com/office/powerpoint/2012/main" xmlns:mc="http://schemas.openxmlformats.org/markup-compatibility/2006">
+  <p:cSld>
+    <p:bg>
+      <p:bgPr>
+        <a:solidFill>
+          <a:srgbClr val="ffffff"/>
+        </a:solidFill>
+      </p:bgPr>
+    </p:bg>
+    <p:spTree>
+      <p:nvGrpSpPr>
+        <p:cNvPr id="1" name=""/>
+        <p:cNvGrpSpPr/>
+        <p:nvPr/>
+      </p:nvGrpSpPr>
+      <p:grpSpPr>
+        <a:xfrm>
+          <a:off x="0" y="0"/>
+          <a:ext cx="0" cy="0"/>
+          <a:chOff x="0" y="0"/>
+          <a:chExt cx="0" cy="0"/>
+        </a:xfrm>
+      </p:grpSpPr>
+      <p:pic>
+        <p:nvPicPr>
+          <p:cNvPr id="272" name="Imagem 4" descr="Diagrama, Desenho técnico&#10;&#10;Descrição gerada automaticamente"/>
+          <p:cNvPicPr/>
+          <p:nvPr/>
+        </p:nvPicPr>
+        <p:blipFill>
+          <a:blip r:embed="rId2"/>
+          <a:stretch/>
+        </p:blipFill>
+        <p:spPr>
+          <a:xfrm>
+            <a:off x="360" y="0"/>
+            <a:ext cx="9699840" cy="6856920"/>
+          </a:xfrm>
+          <a:prstGeom prst="rect">
+            <a:avLst/>
+          </a:prstGeom>
+          <a:ln w="0">
+            <a:noFill/>
+          </a:ln>
+        </p:spPr>
+      </p:pic>
+      <p:sp>
+        <p:nvSpPr>
+          <p:cNvPr id="273" name="Retângulo 1"/>
+          <p:cNvSpPr/>
+          <p:nvPr/>
+        </p:nvSpPr>
+        <p:spPr>
+          <a:xfrm rot="16200000">
+            <a:off x="-1764000" y="2941920"/>
+            <a:ext cx="4000320" cy="227160"/>
+          </a:xfrm>
+          <a:prstGeom prst="rect">
+            <a:avLst/>
+          </a:prstGeom>
+          <a:noFill/>
+          <a:ln w="0">
+            <a:noFill/>
+          </a:ln>
+        </p:spPr>
+        <p:style>
+          <a:lnRef idx="0"/>
+          <a:fillRef idx="0"/>
+          <a:effectRef idx="0"/>
+          <a:fontRef idx="minor"/>
+        </p:style>
+        <p:txBody>
+          <a:bodyPr lIns="90000" rIns="90000" tIns="45000" bIns="45000" anchor="t">
+            <a:spAutoFit/>
+          </a:bodyPr>
+          <a:p>
+            <a:pPr defTabSz="914400">
+              <a:lnSpc>
+                <a:spcPct val="100000"/>
+              </a:lnSpc>
+            </a:pPr>
+            <a:r>
+              <a:rPr b="0" lang="pt-BR" sz="900" strike="noStrike" u="none">
+                <a:solidFill>
+                  <a:schemeClr val="dk1"/>
+                </a:solidFill>
+                <a:uFillTx/>
+                <a:latin typeface="Aptos ExtraBold"/>
+              </a:rPr>
+              <a:t>LFSTS-DT-010 - Verso - Certificado de Capacitação Profissional</a:t>
+            </a:r>
+            <a:endParaRPr b="0" lang="en-US" sz="900" strike="noStrike" u="none">
+              <a:solidFill>
+                <a:srgbClr val="000000"/>
+              </a:solidFill>
+              <a:uFillTx/>
+              <a:latin typeface="Arial"/>
+            </a:endParaRPr>
+          </a:p>
+        </p:txBody>
+      </p:sp>
+      <p:sp>
+        <p:nvSpPr>
+          <p:cNvPr id="274" name="PlaceHolder 1"/>
+          <p:cNvSpPr>
+            <a:spLocks noGrp="1"/>
+          </p:cNvSpPr>
+          <p:nvPr>
+            <p:ph type="ftr" idx="133"/>
+          </p:nvPr>
+        </p:nvSpPr>
+        <p:spPr>
+          <a:xfrm>
+            <a:off x="3213360" y="6356520"/>
+            <a:ext cx="3273120" cy="363960"/>
+          </a:xfrm>
+          <a:prstGeom prst="rect">
+            <a:avLst/>
+          </a:prstGeom>
+          <a:noFill/>
+          <a:ln w="0">
+            <a:noFill/>
+          </a:ln>
+        </p:spPr>
+        <p:txBody>
+          <a:bodyPr lIns="90000" rIns="90000" tIns="45000" bIns="45000" anchor="t">
+            <a:noAutofit/>
+          </a:bodyPr>
+          <a:lstStyle>
+            <a:lvl1pPr indent="0" algn="ctr">
+              <a:lnSpc>
+                <a:spcPct val="100000"/>
+              </a:lnSpc>
+              <a:buNone/>
+              <a:tabLst>
+                <a:tab algn="l" pos="0"/>
+              </a:tabLst>
+              <a:defRPr b="0" lang="en-US" sz="1400" strike="noStrike" u="none">
+                <a:solidFill>
+                  <a:srgbClr val="000000"/>
+                </a:solidFill>
+                <a:uFillTx/>
+                <a:latin typeface="Times New Roman"/>
+              </a:defRPr>
+            </a:lvl1pPr>
+          </a:lstStyle>
+          <a:p>
+            <a:pPr indent="0" algn="ctr">
+              <a:lnSpc>
+                <a:spcPct val="100000"/>
+              </a:lnSpc>
+              <a:buNone/>
+              <a:tabLst>
+                <a:tab algn="l" pos="0"/>
+              </a:tabLst>
+            </a:pPr>
+            <a:r>
+              <a:rPr b="0" lang="en-US" sz="1400" strike="noStrike" u="none">
+                <a:solidFill>
+                  <a:srgbClr val="000000"/>
+                </a:solidFill>
+                <a:uFillTx/>
+                <a:latin typeface="Times New Roman"/>
+              </a:rPr>
+              <a:t>&lt;footer&gt;</a:t>
+            </a:r>
+            <a:endParaRPr b="0" lang="en-US" sz="1400" strike="noStrike" u="none">
+              <a:solidFill>
+                <a:srgbClr val="000000"/>
+              </a:solidFill>
+              <a:uFillTx/>
+              <a:latin typeface="Times New Roman"/>
+            </a:endParaRPr>
+          </a:p>
+        </p:txBody>
+      </p:sp>
+      <p:sp>
+        <p:nvSpPr>
+          <p:cNvPr id="275" name="PlaceHolder 2"/>
+          <p:cNvSpPr>
+            <a:spLocks noGrp="1"/>
+          </p:cNvSpPr>
+          <p:nvPr>
+            <p:ph type="sldNum" idx="134"/>
+          </p:nvPr>
+        </p:nvSpPr>
+        <p:spPr>
+          <a:xfrm>
+            <a:off x="6851520" y="6356520"/>
+            <a:ext cx="2181600" cy="363960"/>
+          </a:xfrm>
+          <a:prstGeom prst="rect">
+            <a:avLst/>
+          </a:prstGeom>
+          <a:noFill/>
+          <a:ln w="0">
+            <a:noFill/>
+          </a:ln>
+        </p:spPr>
+        <p:txBody>
+          <a:bodyPr lIns="90000" rIns="90000" tIns="45000" bIns="45000" anchor="t">
+            <a:noAutofit/>
+          </a:bodyPr>
+          <a:lstStyle>
+            <a:lvl1pPr indent="0" defTabSz="914400">
+              <a:lnSpc>
+                <a:spcPct val="100000"/>
+              </a:lnSpc>
+              <a:buNone/>
+              <a:tabLst>
+                <a:tab algn="l" pos="0"/>
+              </a:tabLst>
+              <a:defRPr b="0" lang="pt-BR" sz="1800" strike="noStrike" u="none">
+                <a:solidFill>
+                  <a:schemeClr val="dk1"/>
+                </a:solidFill>
+                <a:uFillTx/>
+                <a:latin typeface="Calibri"/>
+              </a:defRPr>
+            </a:lvl1pPr>
+          </a:lstStyle>
+          <a:p>
+            <a:pPr indent="0" defTabSz="914400">
+              <a:lnSpc>
+                <a:spcPct val="100000"/>
+              </a:lnSpc>
+              <a:buNone/>
+              <a:tabLst>
+                <a:tab algn="l" pos="0"/>
+              </a:tabLst>
+            </a:pPr>
+            <a:fld id="{6ED83770-5073-4AD9-A7BE-A1B9C2AAC814}" type="slidenum">
+              <a:rPr b="0" lang="pt-BR" sz="1800" strike="noStrike" u="none">
+                <a:solidFill>
+                  <a:schemeClr val="dk1"/>
+                </a:solidFill>
+                <a:uFillTx/>
+                <a:latin typeface="Calibri"/>
+              </a:rPr>
+              <a:t>&lt;number&gt;</a:t>
+            </a:fld>
+            <a:endParaRPr b="0" lang="en-US" sz="1800" strike="noStrike" u="none">
+              <a:solidFill>
+                <a:srgbClr val="000000"/>
+              </a:solidFill>
+              <a:uFillTx/>
+              <a:latin typeface="Times New Roman"/>
+            </a:endParaRPr>
+          </a:p>
+        </p:txBody>
+      </p:sp>
+      <p:sp>
+        <p:nvSpPr>
+          <p:cNvPr id="276" name="PlaceHolder 3"/>
+          <p:cNvSpPr>
+            <a:spLocks noGrp="1"/>
+          </p:cNvSpPr>
+          <p:nvPr>
+            <p:ph type="dt" idx="135"/>
+          </p:nvPr>
+        </p:nvSpPr>
+        <p:spPr>
+          <a:xfrm>
+            <a:off x="667080" y="6356520"/>
+            <a:ext cx="2181600" cy="363960"/>
+          </a:xfrm>
+          <a:prstGeom prst="rect">
+            <a:avLst/>
+          </a:prstGeom>
+          <a:noFill/>
+          <a:ln w="0">
+            <a:noFill/>
+          </a:ln>
+        </p:spPr>
+        <p:txBody>
+          <a:bodyPr lIns="90000" rIns="90000" tIns="45000" bIns="45000" anchor="t">
+            <a:noAutofit/>
+          </a:bodyPr>
+          <a:lstStyle>
+            <a:lvl1pPr indent="0">
+              <a:buNone/>
+              <a:defRPr b="0" lang="en-US" sz="1400" strike="noStrike" u="none">
+                <a:solidFill>
+                  <a:srgbClr val="000000"/>
+                </a:solidFill>
+                <a:uFillTx/>
+                <a:latin typeface="Times New Roman"/>
+              </a:defRPr>
+            </a:lvl1pPr>
+          </a:lstStyle>
+          <a:p>
+            <a:pPr indent="0">
+              <a:buNone/>
+            </a:pPr>
+            <a:r>
+              <a:rPr b="0" lang="en-US" sz="1400" strike="noStrike" u="none">
+                <a:solidFill>
+                  <a:srgbClr val="000000"/>
+                </a:solidFill>
+                <a:uFillTx/>
+                <a:latin typeface="Times New Roman"/>
+              </a:rPr>
+              <a:t>&lt;date/time&gt;</a:t>
+            </a:r>
+            <a:endParaRPr b="0" lang="en-US" sz="1400" strike="noStrike" u="none">
+              <a:solidFill>
+                <a:srgbClr val="000000"/>
+              </a:solidFill>
+              <a:uFillTx/>
+              <a:latin typeface="Times New Roman"/>
+            </a:endParaRPr>
+          </a:p>
+        </p:txBody>
+      </p:sp>
+    </p:spTree>
+  </p:cSld>
+  <p:clrMap bg1="lt1" tx1="dk1" bg2="lt2" tx2="dk2" accent1="accent1" accent2="accent2" accent3="accent3" accent4="accent4" accent5="accent5" accent6="accent6" hlink="hlink" folHlink="folHlink"/>
+  <p:sldLayoutIdLst>
+    <p:sldLayoutId id="2147483737" r:id="rId3"/>
+  </p:sldLayoutIdLst>
+</p:sldMaster>
+</file>
+
+<file path=ppt/slideMasters/slideMaster46.xml><?xml version="1.0" encoding="utf-8"?>
+<p:sldMaster xmlns:a="http://schemas.openxmlformats.org/drawingml/2006/main" xmlns:p="http://schemas.openxmlformats.org/presentationml/2006/main" xmlns:r="http://schemas.openxmlformats.org/officeDocument/2006/relationships" xmlns:p14="http://schemas.microsoft.com/office/powerpoint/2010/main" xmlns:p15="http://schemas.microsoft.com/office/powerpoint/2012/main" xmlns:mc="http://schemas.openxmlformats.org/markup-compatibility/2006">
+  <p:cSld>
+    <p:bg>
+      <p:bgPr>
+        <a:solidFill>
+          <a:srgbClr val="ffffff"/>
+        </a:solidFill>
+      </p:bgPr>
+    </p:bg>
+    <p:spTree>
+      <p:nvGrpSpPr>
+        <p:cNvPr id="1" name=""/>
+        <p:cNvGrpSpPr/>
+        <p:nvPr/>
+      </p:nvGrpSpPr>
+      <p:grpSpPr>
+        <a:xfrm>
+          <a:off x="0" y="0"/>
+          <a:ext cx="0" cy="0"/>
+          <a:chOff x="0" y="0"/>
+          <a:chExt cx="0" cy="0"/>
+        </a:xfrm>
+      </p:grpSpPr>
+      <p:pic>
+        <p:nvPicPr>
+          <p:cNvPr id="277" name="Imagem 4" descr="Diagrama, Desenho técnico&#10;&#10;Descrição gerada automaticamente"/>
+          <p:cNvPicPr/>
+          <p:nvPr/>
+        </p:nvPicPr>
+        <p:blipFill>
+          <a:blip r:embed="rId2"/>
+          <a:stretch/>
+        </p:blipFill>
+        <p:spPr>
+          <a:xfrm>
+            <a:off x="360" y="0"/>
+            <a:ext cx="9699840" cy="6856920"/>
+          </a:xfrm>
+          <a:prstGeom prst="rect">
+            <a:avLst/>
+          </a:prstGeom>
+          <a:ln w="0">
+            <a:noFill/>
+          </a:ln>
+        </p:spPr>
+      </p:pic>
+      <p:sp>
+        <p:nvSpPr>
+          <p:cNvPr id="278" name="Retângulo 1"/>
+          <p:cNvSpPr/>
+          <p:nvPr/>
+        </p:nvSpPr>
+        <p:spPr>
+          <a:xfrm rot="16200000">
+            <a:off x="-1764000" y="2941920"/>
+            <a:ext cx="4000320" cy="227160"/>
+          </a:xfrm>
+          <a:prstGeom prst="rect">
+            <a:avLst/>
+          </a:prstGeom>
+          <a:noFill/>
+          <a:ln w="0">
+            <a:noFill/>
+          </a:ln>
+        </p:spPr>
+        <p:style>
+          <a:lnRef idx="0"/>
+          <a:fillRef idx="0"/>
+          <a:effectRef idx="0"/>
+          <a:fontRef idx="minor"/>
+        </p:style>
+        <p:txBody>
+          <a:bodyPr lIns="90000" rIns="90000" tIns="45000" bIns="45000" anchor="t">
+            <a:spAutoFit/>
+          </a:bodyPr>
+          <a:p>
+            <a:pPr defTabSz="914400">
+              <a:lnSpc>
+                <a:spcPct val="100000"/>
+              </a:lnSpc>
+            </a:pPr>
+            <a:r>
+              <a:rPr b="0" lang="pt-BR" sz="900" strike="noStrike" u="none">
+                <a:solidFill>
+                  <a:schemeClr val="dk1"/>
+                </a:solidFill>
+                <a:uFillTx/>
+                <a:latin typeface="Aptos ExtraBold"/>
+              </a:rPr>
+              <a:t>LFSTS-DT-010 - Verso - Certificado de Capacitação Profissional</a:t>
+            </a:r>
+            <a:endParaRPr b="0" lang="en-US" sz="900" strike="noStrike" u="none">
+              <a:solidFill>
+                <a:srgbClr val="000000"/>
+              </a:solidFill>
+              <a:uFillTx/>
+              <a:latin typeface="Arial"/>
+            </a:endParaRPr>
+          </a:p>
+        </p:txBody>
+      </p:sp>
+      <p:sp>
+        <p:nvSpPr>
+          <p:cNvPr id="279" name="PlaceHolder 1"/>
+          <p:cNvSpPr>
+            <a:spLocks noGrp="1"/>
+          </p:cNvSpPr>
+          <p:nvPr>
+            <p:ph type="title"/>
+          </p:nvPr>
+        </p:nvSpPr>
+        <p:spPr>
+          <a:xfrm>
+            <a:off x="727560" y="1122480"/>
+            <a:ext cx="8245080" cy="2386440"/>
+          </a:xfrm>
+          <a:prstGeom prst="rect">
+            <a:avLst/>
+          </a:prstGeom>
+          <a:noFill/>
+          <a:ln w="0">
+            <a:noFill/>
+          </a:ln>
+        </p:spPr>
+        <p:txBody>
+          <a:bodyPr lIns="0" rIns="0" tIns="0" bIns="0" anchor="ctr">
+            <a:noAutofit/>
+          </a:bodyPr>
+          <a:p>
+            <a:pPr indent="0">
+              <a:buNone/>
+            </a:pPr>
+            <a:r>
+              <a:rPr b="0" lang="en-US" sz="1800" strike="noStrike" u="none">
+                <a:solidFill>
+                  <a:srgbClr val="000000"/>
+                </a:solidFill>
+                <a:uFillTx/>
+                <a:latin typeface="Arial"/>
+              </a:rPr>
+              <a:t>Click to edit the title text format</a:t>
+            </a:r>
+            <a:endParaRPr b="0" lang="en-US" sz="1800" strike="noStrike" u="none">
+              <a:solidFill>
+                <a:srgbClr val="000000"/>
+              </a:solidFill>
+              <a:uFillTx/>
+              <a:latin typeface="Arial"/>
+            </a:endParaRPr>
+          </a:p>
+        </p:txBody>
+      </p:sp>
+      <p:sp>
+        <p:nvSpPr>
+          <p:cNvPr id="280" name="PlaceHolder 2"/>
+          <p:cNvSpPr>
+            <a:spLocks noGrp="1"/>
+          </p:cNvSpPr>
+          <p:nvPr>
+            <p:ph type="body"/>
+          </p:nvPr>
+        </p:nvSpPr>
+        <p:spPr>
+          <a:xfrm>
+            <a:off x="484920" y="1604520"/>
+            <a:ext cx="8730360" cy="3976920"/>
+          </a:xfrm>
+          <a:prstGeom prst="rect">
+            <a:avLst/>
+          </a:prstGeom>
+          <a:noFill/>
+          <a:ln w="0">
+            <a:noFill/>
+          </a:ln>
+        </p:spPr>
+        <p:txBody>
+          <a:bodyPr lIns="0" rIns="0" tIns="0" bIns="0" anchor="t">
+            <a:normAutofit/>
+          </a:bodyPr>
+          <a:p>
+            <a:pPr marL="432000" indent="-324000">
+              <a:spcBef>
+                <a:spcPts val="1417"/>
+              </a:spcBef>
+              <a:buClr>
+                <a:srgbClr val="000000"/>
+              </a:buClr>
+              <a:buSzPct val="45000"/>
+              <a:buFont typeface="Wingdings" charset="2"/>
+              <a:buChar char=""/>
+            </a:pPr>
+            <a:r>
+              <a:rPr b="0" lang="en-US" sz="1800" strike="noStrike" u="none">
+                <a:solidFill>
+                  <a:srgbClr val="000000"/>
+                </a:solidFill>
+                <a:uFillTx/>
+                <a:latin typeface="Arial"/>
+              </a:rPr>
+              <a:t>Click to edit the outline text format</a:t>
+            </a:r>
+            <a:endParaRPr b="0" lang="en-US" sz="1800" strike="noStrike" u="none">
+              <a:solidFill>
+                <a:srgbClr val="000000"/>
+              </a:solidFill>
+              <a:uFillTx/>
+              <a:latin typeface="Arial"/>
+            </a:endParaRPr>
+          </a:p>
+          <a:p>
+            <a:pPr lvl="1" marL="864000" indent="-324000">
+              <a:spcBef>
+                <a:spcPts val="1134"/>
+              </a:spcBef>
+              <a:buClr>
+                <a:srgbClr val="000000"/>
+              </a:buClr>
+              <a:buSzPct val="75000"/>
+              <a:buFont typeface="Symbol" charset="2"/>
+              <a:buChar char=""/>
+            </a:pPr>
+            <a:r>
+              <a:rPr b="0" lang="en-US" sz="1800" strike="noStrike" u="none">
+                <a:solidFill>
+                  <a:srgbClr val="000000"/>
+                </a:solidFill>
+                <a:uFillTx/>
+                <a:latin typeface="Arial"/>
+              </a:rPr>
+              <a:t>Second Outline Level</a:t>
+            </a:r>
+            <a:endParaRPr b="0" lang="en-US" sz="1800" strike="noStrike" u="none">
+              <a:solidFill>
+                <a:srgbClr val="000000"/>
+              </a:solidFill>
+              <a:uFillTx/>
+              <a:latin typeface="Arial"/>
+            </a:endParaRPr>
+          </a:p>
+          <a:p>
+            <a:pPr lvl="2" marL="1296000" indent="-288000">
+              <a:spcBef>
+                <a:spcPts val="850"/>
+              </a:spcBef>
+              <a:buClr>
+                <a:srgbClr val="000000"/>
+              </a:buClr>
+              <a:buSzPct val="45000"/>
+              <a:buFont typeface="Wingdings" charset="2"/>
+              <a:buChar char=""/>
+            </a:pPr>
+            <a:r>
+              <a:rPr b="0" lang="en-US" sz="1800" strike="noStrike" u="none">
+                <a:solidFill>
+                  <a:srgbClr val="000000"/>
+                </a:solidFill>
+                <a:uFillTx/>
+                <a:latin typeface="Arial"/>
+              </a:rPr>
+              <a:t>Third Outline Level</a:t>
+            </a:r>
+            <a:endParaRPr b="0" lang="en-US" sz="1800" strike="noStrike" u="none">
+              <a:solidFill>
+                <a:srgbClr val="000000"/>
+              </a:solidFill>
+              <a:uFillTx/>
+              <a:latin typeface="Arial"/>
+            </a:endParaRPr>
+          </a:p>
+          <a:p>
+            <a:pPr lvl="3" marL="1728000" indent="-216000">
+              <a:spcBef>
+                <a:spcPts val="567"/>
+              </a:spcBef>
+              <a:buClr>
+                <a:srgbClr val="000000"/>
+              </a:buClr>
+              <a:buSzPct val="75000"/>
+              <a:buFont typeface="Symbol" charset="2"/>
+              <a:buChar char=""/>
+            </a:pPr>
+            <a:r>
+              <a:rPr b="0" lang="en-US" sz="1800" strike="noStrike" u="none">
+                <a:solidFill>
+                  <a:srgbClr val="000000"/>
+                </a:solidFill>
+                <a:uFillTx/>
+                <a:latin typeface="Arial"/>
+              </a:rPr>
+              <a:t>Fourth Outline Level</a:t>
+            </a:r>
+            <a:endParaRPr b="0" lang="en-US" sz="1800" strike="noStrike" u="none">
+              <a:solidFill>
+                <a:srgbClr val="000000"/>
+              </a:solidFill>
+              <a:uFillTx/>
+              <a:latin typeface="Arial"/>
+            </a:endParaRPr>
+          </a:p>
+          <a:p>
+            <a:pPr lvl="4" marL="2160000" indent="-216000">
+              <a:spcBef>
+                <a:spcPts val="283"/>
+              </a:spcBef>
+              <a:buClr>
+                <a:srgbClr val="000000"/>
+              </a:buClr>
+              <a:buSzPct val="45000"/>
+              <a:buFont typeface="Wingdings" charset="2"/>
+              <a:buChar char=""/>
+            </a:pPr>
+            <a:r>
+              <a:rPr b="0" lang="en-US" sz="1800" strike="noStrike" u="none">
+                <a:solidFill>
+                  <a:srgbClr val="000000"/>
+                </a:solidFill>
+                <a:uFillTx/>
+                <a:latin typeface="Arial"/>
+              </a:rPr>
+              <a:t>Fifth Outline Level</a:t>
+            </a:r>
+            <a:endParaRPr b="0" lang="en-US" sz="1800" strike="noStrike" u="none">
+              <a:solidFill>
+                <a:srgbClr val="000000"/>
+              </a:solidFill>
+              <a:uFillTx/>
+              <a:latin typeface="Arial"/>
+            </a:endParaRPr>
+          </a:p>
+          <a:p>
+            <a:pPr lvl="5" marL="2592000" indent="-216000">
+              <a:spcBef>
+                <a:spcPts val="283"/>
+              </a:spcBef>
+              <a:buClr>
+                <a:srgbClr val="000000"/>
+              </a:buClr>
+              <a:buSzPct val="45000"/>
+              <a:buFont typeface="Wingdings" charset="2"/>
+              <a:buChar char=""/>
+            </a:pPr>
+            <a:r>
+              <a:rPr b="0" lang="en-US" sz="1800" strike="noStrike" u="none">
+                <a:solidFill>
+                  <a:srgbClr val="000000"/>
+                </a:solidFill>
+                <a:uFillTx/>
+                <a:latin typeface="Arial"/>
+              </a:rPr>
+              <a:t>Sixth Outline Level</a:t>
+            </a:r>
+            <a:endParaRPr b="0" lang="en-US" sz="1800" strike="noStrike" u="none">
+              <a:solidFill>
+                <a:srgbClr val="000000"/>
+              </a:solidFill>
+              <a:uFillTx/>
+              <a:latin typeface="Arial"/>
+            </a:endParaRPr>
+          </a:p>
+          <a:p>
+            <a:pPr lvl="6" marL="3024000" indent="-216000">
+              <a:spcBef>
+                <a:spcPts val="283"/>
+              </a:spcBef>
+              <a:buClr>
+                <a:srgbClr val="000000"/>
+              </a:buClr>
+              <a:buSzPct val="45000"/>
+              <a:buFont typeface="Wingdings" charset="2"/>
+              <a:buChar char=""/>
+            </a:pPr>
+            <a:r>
+              <a:rPr b="0" lang="en-US" sz="1800" strike="noStrike" u="none">
+                <a:solidFill>
+                  <a:srgbClr val="000000"/>
+                </a:solidFill>
+                <a:uFillTx/>
+                <a:latin typeface="Arial"/>
+              </a:rPr>
+              <a:t>Seventh Outline Level</a:t>
+            </a:r>
+            <a:endParaRPr b="0" lang="en-US" sz="1800" strike="noStrike" u="none">
+              <a:solidFill>
+                <a:srgbClr val="000000"/>
+              </a:solidFill>
+              <a:uFillTx/>
+              <a:latin typeface="Arial"/>
+            </a:endParaRPr>
+          </a:p>
+        </p:txBody>
+      </p:sp>
+      <p:sp>
+        <p:nvSpPr>
+          <p:cNvPr id="281" name="PlaceHolder 3"/>
+          <p:cNvSpPr>
+            <a:spLocks noGrp="1"/>
+          </p:cNvSpPr>
+          <p:nvPr>
+            <p:ph type="ftr" idx="136"/>
+          </p:nvPr>
+        </p:nvSpPr>
+        <p:spPr>
+          <a:xfrm>
+            <a:off x="3213360" y="6356520"/>
+            <a:ext cx="3273120" cy="363960"/>
+          </a:xfrm>
+          <a:prstGeom prst="rect">
+            <a:avLst/>
+          </a:prstGeom>
+          <a:noFill/>
+          <a:ln w="0">
+            <a:noFill/>
+          </a:ln>
+        </p:spPr>
+        <p:txBody>
+          <a:bodyPr lIns="90000" rIns="90000" tIns="45000" bIns="45000" anchor="t">
+            <a:noAutofit/>
+          </a:bodyPr>
+          <a:lstStyle>
+            <a:lvl1pPr indent="0" algn="ctr">
+              <a:lnSpc>
+                <a:spcPct val="100000"/>
+              </a:lnSpc>
+              <a:buNone/>
+              <a:tabLst>
+                <a:tab algn="l" pos="0"/>
+              </a:tabLst>
+              <a:defRPr b="0" lang="en-US" sz="1400" strike="noStrike" u="none">
+                <a:solidFill>
+                  <a:srgbClr val="000000"/>
+                </a:solidFill>
+                <a:uFillTx/>
+                <a:latin typeface="Times New Roman"/>
+              </a:defRPr>
+            </a:lvl1pPr>
+          </a:lstStyle>
+          <a:p>
+            <a:pPr indent="0" algn="ctr">
+              <a:lnSpc>
+                <a:spcPct val="100000"/>
+              </a:lnSpc>
+              <a:buNone/>
+              <a:tabLst>
+                <a:tab algn="l" pos="0"/>
+              </a:tabLst>
+            </a:pPr>
+            <a:r>
+              <a:rPr b="0" lang="en-US" sz="1400" strike="noStrike" u="none">
+                <a:solidFill>
+                  <a:srgbClr val="000000"/>
+                </a:solidFill>
+                <a:uFillTx/>
+                <a:latin typeface="Times New Roman"/>
+              </a:rPr>
+              <a:t>&lt;footer&gt;</a:t>
+            </a:r>
+            <a:endParaRPr b="0" lang="en-US" sz="1400" strike="noStrike" u="none">
+              <a:solidFill>
+                <a:srgbClr val="000000"/>
+              </a:solidFill>
+              <a:uFillTx/>
+              <a:latin typeface="Times New Roman"/>
+            </a:endParaRPr>
+          </a:p>
+        </p:txBody>
+      </p:sp>
+      <p:sp>
+        <p:nvSpPr>
+          <p:cNvPr id="282" name="PlaceHolder 4"/>
+          <p:cNvSpPr>
+            <a:spLocks noGrp="1"/>
+          </p:cNvSpPr>
+          <p:nvPr>
+            <p:ph type="sldNum" idx="137"/>
+          </p:nvPr>
+        </p:nvSpPr>
+        <p:spPr>
+          <a:xfrm>
+            <a:off x="6851520" y="6356520"/>
+            <a:ext cx="2181600" cy="363960"/>
+          </a:xfrm>
+          <a:prstGeom prst="rect">
+            <a:avLst/>
+          </a:prstGeom>
+          <a:noFill/>
+          <a:ln w="0">
+            <a:noFill/>
+          </a:ln>
+        </p:spPr>
+        <p:txBody>
+          <a:bodyPr lIns="90000" rIns="90000" tIns="45000" bIns="45000" anchor="t">
+            <a:noAutofit/>
+          </a:bodyPr>
+          <a:lstStyle>
+            <a:lvl1pPr indent="0" defTabSz="914400">
+              <a:lnSpc>
+                <a:spcPct val="100000"/>
+              </a:lnSpc>
+              <a:buNone/>
+              <a:tabLst>
+                <a:tab algn="l" pos="0"/>
+              </a:tabLst>
+              <a:defRPr b="0" lang="pt-BR" sz="1800" strike="noStrike" u="none">
+                <a:solidFill>
+                  <a:schemeClr val="dk1"/>
+                </a:solidFill>
+                <a:uFillTx/>
+                <a:latin typeface="Calibri"/>
+              </a:defRPr>
+            </a:lvl1pPr>
+          </a:lstStyle>
+          <a:p>
+            <a:pPr indent="0" defTabSz="914400">
+              <a:lnSpc>
+                <a:spcPct val="100000"/>
+              </a:lnSpc>
+              <a:buNone/>
+              <a:tabLst>
+                <a:tab algn="l" pos="0"/>
+              </a:tabLst>
+            </a:pPr>
+            <a:fld id="{626E3045-25D0-4516-AF32-8F1D412C8BB9}" type="slidenum">
+              <a:rPr b="0" lang="pt-BR" sz="1800" strike="noStrike" u="none">
+                <a:solidFill>
+                  <a:schemeClr val="dk1"/>
+                </a:solidFill>
+                <a:uFillTx/>
+                <a:latin typeface="Calibri"/>
+              </a:rPr>
+              <a:t>&lt;number&gt;</a:t>
+            </a:fld>
+            <a:endParaRPr b="0" lang="en-US" sz="1800" strike="noStrike" u="none">
+              <a:solidFill>
+                <a:srgbClr val="000000"/>
+              </a:solidFill>
+              <a:uFillTx/>
+              <a:latin typeface="Times New Roman"/>
+            </a:endParaRPr>
+          </a:p>
+        </p:txBody>
+      </p:sp>
+      <p:sp>
+        <p:nvSpPr>
+          <p:cNvPr id="283" name="PlaceHolder 5"/>
+          <p:cNvSpPr>
+            <a:spLocks noGrp="1"/>
+          </p:cNvSpPr>
+          <p:nvPr>
+            <p:ph type="dt" idx="138"/>
+          </p:nvPr>
+        </p:nvSpPr>
+        <p:spPr>
+          <a:xfrm>
+            <a:off x="667080" y="6356520"/>
+            <a:ext cx="2181600" cy="363960"/>
+          </a:xfrm>
+          <a:prstGeom prst="rect">
+            <a:avLst/>
+          </a:prstGeom>
+          <a:noFill/>
+          <a:ln w="0">
+            <a:noFill/>
+          </a:ln>
+        </p:spPr>
+        <p:txBody>
+          <a:bodyPr lIns="90000" rIns="90000" tIns="45000" bIns="45000" anchor="t">
+            <a:noAutofit/>
+          </a:bodyPr>
+          <a:lstStyle>
+            <a:lvl1pPr indent="0">
+              <a:buNone/>
+              <a:defRPr b="0" lang="en-US" sz="1400" strike="noStrike" u="none">
+                <a:solidFill>
+                  <a:srgbClr val="000000"/>
+                </a:solidFill>
+                <a:uFillTx/>
+                <a:latin typeface="Times New Roman"/>
+              </a:defRPr>
+            </a:lvl1pPr>
+          </a:lstStyle>
+          <a:p>
+            <a:pPr indent="0">
+              <a:buNone/>
+            </a:pPr>
+            <a:r>
+              <a:rPr b="0" lang="en-US" sz="1400" strike="noStrike" u="none">
+                <a:solidFill>
+                  <a:srgbClr val="000000"/>
+                </a:solidFill>
+                <a:uFillTx/>
+                <a:latin typeface="Times New Roman"/>
+              </a:rPr>
+              <a:t>&lt;date/time&gt;</a:t>
+            </a:r>
+            <a:endParaRPr b="0" lang="en-US" sz="1400" strike="noStrike" u="none">
+              <a:solidFill>
+                <a:srgbClr val="000000"/>
+              </a:solidFill>
+              <a:uFillTx/>
+              <a:latin typeface="Times New Roman"/>
+            </a:endParaRPr>
+          </a:p>
+        </p:txBody>
+      </p:sp>
+    </p:spTree>
+  </p:cSld>
+  <p:clrMap bg1="lt1" tx1="dk1" bg2="lt2" tx2="dk2" accent1="accent1" accent2="accent2" accent3="accent3" accent4="accent4" accent5="accent5" accent6="accent6" hlink="hlink" folHlink="folHlink"/>
+  <p:sldLayoutIdLst>
+    <p:sldLayoutId id="2147483739" r:id="rId3"/>
+  </p:sldLayoutIdLst>
+</p:sldMaster>
+</file>
+
+<file path=ppt/slideMasters/slideMaster47.xml><?xml version="1.0" encoding="utf-8"?>
+<p:sldMaster xmlns:a="http://schemas.openxmlformats.org/drawingml/2006/main" xmlns:p="http://schemas.openxmlformats.org/presentationml/2006/main" xmlns:r="http://schemas.openxmlformats.org/officeDocument/2006/relationships" xmlns:p14="http://schemas.microsoft.com/office/powerpoint/2010/main" xmlns:p15="http://schemas.microsoft.com/office/powerpoint/2012/main" xmlns:mc="http://schemas.openxmlformats.org/markup-compatibility/2006">
+  <p:cSld>
+    <p:bg>
+      <p:bgPr>
+        <a:solidFill>
+          <a:srgbClr val="ffffff"/>
+        </a:solidFill>
+      </p:bgPr>
+    </p:bg>
+    <p:spTree>
+      <p:nvGrpSpPr>
+        <p:cNvPr id="1" name=""/>
+        <p:cNvGrpSpPr/>
+        <p:nvPr/>
+      </p:nvGrpSpPr>
+      <p:grpSpPr>
+        <a:xfrm>
+          <a:off x="0" y="0"/>
+          <a:ext cx="0" cy="0"/>
+          <a:chOff x="0" y="0"/>
+          <a:chExt cx="0" cy="0"/>
+        </a:xfrm>
+      </p:grpSpPr>
+      <p:pic>
+        <p:nvPicPr>
+          <p:cNvPr id="286" name="Imagem 4" descr="Diagrama, Desenho técnico&#10;&#10;Descrição gerada automaticamente"/>
+          <p:cNvPicPr/>
+          <p:nvPr/>
+        </p:nvPicPr>
+        <p:blipFill>
+          <a:blip r:embed="rId2"/>
+          <a:stretch/>
+        </p:blipFill>
+        <p:spPr>
+          <a:xfrm>
+            <a:off x="360" y="0"/>
+            <a:ext cx="9699840" cy="6856920"/>
+          </a:xfrm>
+          <a:prstGeom prst="rect">
+            <a:avLst/>
+          </a:prstGeom>
+          <a:ln w="0">
+            <a:noFill/>
+          </a:ln>
+        </p:spPr>
+      </p:pic>
+      <p:sp>
+        <p:nvSpPr>
+          <p:cNvPr id="287" name="Retângulo 1"/>
+          <p:cNvSpPr/>
+          <p:nvPr/>
+        </p:nvSpPr>
+        <p:spPr>
+          <a:xfrm rot="16200000">
+            <a:off x="-1764000" y="2941920"/>
+            <a:ext cx="4000320" cy="227160"/>
+          </a:xfrm>
+          <a:prstGeom prst="rect">
+            <a:avLst/>
+          </a:prstGeom>
+          <a:noFill/>
+          <a:ln w="0">
+            <a:noFill/>
+          </a:ln>
+        </p:spPr>
+        <p:style>
+          <a:lnRef idx="0"/>
+          <a:fillRef idx="0"/>
+          <a:effectRef idx="0"/>
+          <a:fontRef idx="minor"/>
+        </p:style>
+        <p:txBody>
+          <a:bodyPr lIns="90000" rIns="90000" tIns="45000" bIns="45000" anchor="t">
+            <a:spAutoFit/>
+          </a:bodyPr>
+          <a:p>
+            <a:pPr defTabSz="914400">
+              <a:lnSpc>
+                <a:spcPct val="100000"/>
+              </a:lnSpc>
+            </a:pPr>
+            <a:r>
+              <a:rPr b="0" lang="pt-BR" sz="900" strike="noStrike" u="none">
+                <a:solidFill>
+                  <a:schemeClr val="dk1"/>
+                </a:solidFill>
+                <a:uFillTx/>
+                <a:latin typeface="Aptos ExtraBold"/>
+              </a:rPr>
+              <a:t>LFSTS-DT-010 - Verso - Certificado de Capacitação Profissional</a:t>
+            </a:r>
+            <a:endParaRPr b="0" lang="en-US" sz="900" strike="noStrike" u="none">
+              <a:solidFill>
+                <a:srgbClr val="000000"/>
+              </a:solidFill>
+              <a:uFillTx/>
+              <a:latin typeface="Arial"/>
+            </a:endParaRPr>
+          </a:p>
+        </p:txBody>
+      </p:sp>
+      <p:sp>
+        <p:nvSpPr>
+          <p:cNvPr id="288" name="PlaceHolder 1"/>
+          <p:cNvSpPr>
+            <a:spLocks noGrp="1"/>
+          </p:cNvSpPr>
+          <p:nvPr>
+            <p:ph type="title"/>
+          </p:nvPr>
+        </p:nvSpPr>
+        <p:spPr>
+          <a:xfrm>
+            <a:off x="727560" y="1122480"/>
+            <a:ext cx="8245080" cy="2386440"/>
+          </a:xfrm>
+          <a:prstGeom prst="rect">
+            <a:avLst/>
+          </a:prstGeom>
+          <a:noFill/>
+          <a:ln w="0">
+            <a:noFill/>
+          </a:ln>
+        </p:spPr>
+        <p:txBody>
+          <a:bodyPr lIns="0" rIns="0" tIns="0" bIns="0" anchor="ctr">
+            <a:noAutofit/>
+          </a:bodyPr>
+          <a:p>
+            <a:pPr indent="0">
+              <a:buNone/>
+            </a:pPr>
+            <a:r>
+              <a:rPr b="0" lang="en-US" sz="1800" strike="noStrike" u="none">
+                <a:solidFill>
+                  <a:srgbClr val="000000"/>
+                </a:solidFill>
+                <a:uFillTx/>
+                <a:latin typeface="Arial"/>
+              </a:rPr>
+              <a:t>Click to edit the title text format</a:t>
+            </a:r>
+            <a:endParaRPr b="0" lang="en-US" sz="1800" strike="noStrike" u="none">
+              <a:solidFill>
+                <a:srgbClr val="000000"/>
+              </a:solidFill>
+              <a:uFillTx/>
+              <a:latin typeface="Arial"/>
+            </a:endParaRPr>
+          </a:p>
+        </p:txBody>
+      </p:sp>
+      <p:sp>
+        <p:nvSpPr>
+          <p:cNvPr id="289" name="PlaceHolder 2"/>
+          <p:cNvSpPr>
+            <a:spLocks noGrp="1"/>
+          </p:cNvSpPr>
+          <p:nvPr>
+            <p:ph type="body"/>
+          </p:nvPr>
+        </p:nvSpPr>
+        <p:spPr>
+          <a:xfrm>
+            <a:off x="484920" y="1604520"/>
+            <a:ext cx="4259880" cy="3976920"/>
+          </a:xfrm>
+          <a:prstGeom prst="rect">
+            <a:avLst/>
+          </a:prstGeom>
+          <a:noFill/>
+          <a:ln w="0">
+            <a:noFill/>
+          </a:ln>
+        </p:spPr>
+        <p:txBody>
+          <a:bodyPr lIns="0" rIns="0" tIns="0" bIns="0" anchor="t">
+            <a:normAutofit/>
+          </a:bodyPr>
+          <a:p>
+            <a:pPr marL="432000" indent="-324000">
+              <a:spcBef>
+                <a:spcPts val="1417"/>
+              </a:spcBef>
+              <a:buClr>
+                <a:srgbClr val="000000"/>
+              </a:buClr>
+              <a:buSzPct val="45000"/>
+              <a:buFont typeface="Wingdings" charset="2"/>
+              <a:buChar char=""/>
+            </a:pPr>
+            <a:r>
+              <a:rPr b="0" lang="en-US" sz="1800" strike="noStrike" u="none">
+                <a:solidFill>
+                  <a:srgbClr val="000000"/>
+                </a:solidFill>
+                <a:uFillTx/>
+                <a:latin typeface="Arial"/>
+              </a:rPr>
+              <a:t>Click to edit the outline text format</a:t>
+            </a:r>
+            <a:endParaRPr b="0" lang="en-US" sz="1800" strike="noStrike" u="none">
+              <a:solidFill>
+                <a:srgbClr val="000000"/>
+              </a:solidFill>
+              <a:uFillTx/>
+              <a:latin typeface="Arial"/>
+            </a:endParaRPr>
+          </a:p>
+          <a:p>
+            <a:pPr lvl="1" marL="864000" indent="-324000">
+              <a:spcBef>
+                <a:spcPts val="1134"/>
+              </a:spcBef>
+              <a:buClr>
+                <a:srgbClr val="000000"/>
+              </a:buClr>
+              <a:buSzPct val="75000"/>
+              <a:buFont typeface="Symbol" charset="2"/>
+              <a:buChar char=""/>
+            </a:pPr>
+            <a:r>
+              <a:rPr b="0" lang="en-US" sz="1800" strike="noStrike" u="none">
+                <a:solidFill>
+                  <a:srgbClr val="000000"/>
+                </a:solidFill>
+                <a:uFillTx/>
+                <a:latin typeface="Arial"/>
+              </a:rPr>
+              <a:t>Second Outline Level</a:t>
+            </a:r>
+            <a:endParaRPr b="0" lang="en-US" sz="1800" strike="noStrike" u="none">
+              <a:solidFill>
+                <a:srgbClr val="000000"/>
+              </a:solidFill>
+              <a:uFillTx/>
+              <a:latin typeface="Arial"/>
+            </a:endParaRPr>
+          </a:p>
+          <a:p>
+            <a:pPr lvl="2" marL="1296000" indent="-288000">
+              <a:spcBef>
+                <a:spcPts val="850"/>
+              </a:spcBef>
+              <a:buClr>
+                <a:srgbClr val="000000"/>
+              </a:buClr>
+              <a:buSzPct val="45000"/>
+              <a:buFont typeface="Wingdings" charset="2"/>
+              <a:buChar char=""/>
+            </a:pPr>
+            <a:r>
+              <a:rPr b="0" lang="en-US" sz="1800" strike="noStrike" u="none">
+                <a:solidFill>
+                  <a:srgbClr val="000000"/>
+                </a:solidFill>
+                <a:uFillTx/>
+                <a:latin typeface="Arial"/>
+              </a:rPr>
+              <a:t>Third Outline Level</a:t>
+            </a:r>
+            <a:endParaRPr b="0" lang="en-US" sz="1800" strike="noStrike" u="none">
+              <a:solidFill>
+                <a:srgbClr val="000000"/>
+              </a:solidFill>
+              <a:uFillTx/>
+              <a:latin typeface="Arial"/>
+            </a:endParaRPr>
+          </a:p>
+          <a:p>
+            <a:pPr lvl="3" marL="1728000" indent="-216000">
+              <a:spcBef>
+                <a:spcPts val="567"/>
+              </a:spcBef>
+              <a:buClr>
+                <a:srgbClr val="000000"/>
+              </a:buClr>
+              <a:buSzPct val="75000"/>
+              <a:buFont typeface="Symbol" charset="2"/>
+              <a:buChar char=""/>
+            </a:pPr>
+            <a:r>
+              <a:rPr b="0" lang="en-US" sz="1800" strike="noStrike" u="none">
+                <a:solidFill>
+                  <a:srgbClr val="000000"/>
+                </a:solidFill>
+                <a:uFillTx/>
+                <a:latin typeface="Arial"/>
+              </a:rPr>
+              <a:t>Fourth Outline Level</a:t>
+            </a:r>
+            <a:endParaRPr b="0" lang="en-US" sz="1800" strike="noStrike" u="none">
+              <a:solidFill>
+                <a:srgbClr val="000000"/>
+              </a:solidFill>
+              <a:uFillTx/>
+              <a:latin typeface="Arial"/>
+            </a:endParaRPr>
+          </a:p>
+          <a:p>
+            <a:pPr lvl="4" marL="2160000" indent="-216000">
+              <a:spcBef>
+                <a:spcPts val="283"/>
+              </a:spcBef>
+              <a:buClr>
+                <a:srgbClr val="000000"/>
+              </a:buClr>
+              <a:buSzPct val="45000"/>
+              <a:buFont typeface="Wingdings" charset="2"/>
+              <a:buChar char=""/>
+            </a:pPr>
+            <a:r>
+              <a:rPr b="0" lang="en-US" sz="1800" strike="noStrike" u="none">
+                <a:solidFill>
+                  <a:srgbClr val="000000"/>
+                </a:solidFill>
+                <a:uFillTx/>
+                <a:latin typeface="Arial"/>
+              </a:rPr>
+              <a:t>Fifth Outline Level</a:t>
+            </a:r>
+            <a:endParaRPr b="0" lang="en-US" sz="1800" strike="noStrike" u="none">
+              <a:solidFill>
+                <a:srgbClr val="000000"/>
+              </a:solidFill>
+              <a:uFillTx/>
+              <a:latin typeface="Arial"/>
+            </a:endParaRPr>
+          </a:p>
+          <a:p>
+            <a:pPr lvl="5" marL="2592000" indent="-216000">
+              <a:spcBef>
+                <a:spcPts val="283"/>
+              </a:spcBef>
+              <a:buClr>
+                <a:srgbClr val="000000"/>
+              </a:buClr>
+              <a:buSzPct val="45000"/>
+              <a:buFont typeface="Wingdings" charset="2"/>
+              <a:buChar char=""/>
+            </a:pPr>
+            <a:r>
+              <a:rPr b="0" lang="en-US" sz="1800" strike="noStrike" u="none">
+                <a:solidFill>
+                  <a:srgbClr val="000000"/>
+                </a:solidFill>
+                <a:uFillTx/>
+                <a:latin typeface="Arial"/>
+              </a:rPr>
+              <a:t>Sixth Outline Level</a:t>
+            </a:r>
+            <a:endParaRPr b="0" lang="en-US" sz="1800" strike="noStrike" u="none">
+              <a:solidFill>
+                <a:srgbClr val="000000"/>
+              </a:solidFill>
+              <a:uFillTx/>
+              <a:latin typeface="Arial"/>
+            </a:endParaRPr>
+          </a:p>
+          <a:p>
+            <a:pPr lvl="6" marL="3024000" indent="-216000">
+              <a:spcBef>
+                <a:spcPts val="283"/>
+              </a:spcBef>
+              <a:buClr>
+                <a:srgbClr val="000000"/>
+              </a:buClr>
+              <a:buSzPct val="45000"/>
+              <a:buFont typeface="Wingdings" charset="2"/>
+              <a:buChar char=""/>
+            </a:pPr>
+            <a:r>
+              <a:rPr b="0" lang="en-US" sz="1800" strike="noStrike" u="none">
+                <a:solidFill>
+                  <a:srgbClr val="000000"/>
+                </a:solidFill>
+                <a:uFillTx/>
+                <a:latin typeface="Arial"/>
+              </a:rPr>
+              <a:t>Seventh Outline Level</a:t>
+            </a:r>
+            <a:endParaRPr b="0" lang="en-US" sz="1800" strike="noStrike" u="none">
+              <a:solidFill>
+                <a:srgbClr val="000000"/>
+              </a:solidFill>
+              <a:uFillTx/>
+              <a:latin typeface="Arial"/>
+            </a:endParaRPr>
+          </a:p>
+        </p:txBody>
+      </p:sp>
+      <p:sp>
+        <p:nvSpPr>
+          <p:cNvPr id="290" name="PlaceHolder 3"/>
+          <p:cNvSpPr>
+            <a:spLocks noGrp="1"/>
+          </p:cNvSpPr>
+          <p:nvPr>
+            <p:ph type="body"/>
+          </p:nvPr>
+        </p:nvSpPr>
+        <p:spPr>
+          <a:xfrm>
+            <a:off x="4958640" y="1604520"/>
+            <a:ext cx="4259880" cy="3976920"/>
+          </a:xfrm>
+          <a:prstGeom prst="rect">
+            <a:avLst/>
+          </a:prstGeom>
+          <a:noFill/>
+          <a:ln w="0">
+            <a:noFill/>
+          </a:ln>
+        </p:spPr>
+        <p:txBody>
+          <a:bodyPr lIns="0" rIns="0" tIns="0" bIns="0" anchor="t">
+            <a:normAutofit/>
+          </a:bodyPr>
+          <a:p>
+            <a:pPr marL="432000" indent="-324000">
+              <a:spcBef>
+                <a:spcPts val="1417"/>
+              </a:spcBef>
+              <a:buClr>
+                <a:srgbClr val="000000"/>
+              </a:buClr>
+              <a:buSzPct val="45000"/>
+              <a:buFont typeface="Wingdings" charset="2"/>
+              <a:buChar char=""/>
+            </a:pPr>
+            <a:r>
+              <a:rPr b="0" lang="en-US" sz="1800" strike="noStrike" u="none">
+                <a:solidFill>
+                  <a:srgbClr val="000000"/>
+                </a:solidFill>
+                <a:uFillTx/>
+                <a:latin typeface="Arial"/>
+              </a:rPr>
+              <a:t>Click to edit the outline text format</a:t>
+            </a:r>
+            <a:endParaRPr b="0" lang="en-US" sz="1800" strike="noStrike" u="none">
+              <a:solidFill>
+                <a:srgbClr val="000000"/>
+              </a:solidFill>
+              <a:uFillTx/>
+              <a:latin typeface="Arial"/>
+            </a:endParaRPr>
+          </a:p>
+          <a:p>
+            <a:pPr lvl="1" marL="864000" indent="-324000">
+              <a:spcBef>
+                <a:spcPts val="1134"/>
+              </a:spcBef>
+              <a:buClr>
+                <a:srgbClr val="000000"/>
+              </a:buClr>
+              <a:buSzPct val="75000"/>
+              <a:buFont typeface="Symbol" charset="2"/>
+              <a:buChar char=""/>
+            </a:pPr>
+            <a:r>
+              <a:rPr b="0" lang="en-US" sz="1800" strike="noStrike" u="none">
+                <a:solidFill>
+                  <a:srgbClr val="000000"/>
+                </a:solidFill>
+                <a:uFillTx/>
+                <a:latin typeface="Arial"/>
+              </a:rPr>
+              <a:t>Second Outline Level</a:t>
+            </a:r>
+            <a:endParaRPr b="0" lang="en-US" sz="1800" strike="noStrike" u="none">
+              <a:solidFill>
+                <a:srgbClr val="000000"/>
+              </a:solidFill>
+              <a:uFillTx/>
+              <a:latin typeface="Arial"/>
+            </a:endParaRPr>
+          </a:p>
+          <a:p>
+            <a:pPr lvl="2" marL="1296000" indent="-288000">
+              <a:spcBef>
+                <a:spcPts val="850"/>
+              </a:spcBef>
+              <a:buClr>
+                <a:srgbClr val="000000"/>
+              </a:buClr>
+              <a:buSzPct val="45000"/>
+              <a:buFont typeface="Wingdings" charset="2"/>
+              <a:buChar char=""/>
+            </a:pPr>
+            <a:r>
+              <a:rPr b="0" lang="en-US" sz="1800" strike="noStrike" u="none">
+                <a:solidFill>
+                  <a:srgbClr val="000000"/>
+                </a:solidFill>
+                <a:uFillTx/>
+                <a:latin typeface="Arial"/>
+              </a:rPr>
+              <a:t>Third Outline Level</a:t>
+            </a:r>
+            <a:endParaRPr b="0" lang="en-US" sz="1800" strike="noStrike" u="none">
+              <a:solidFill>
+                <a:srgbClr val="000000"/>
+              </a:solidFill>
+              <a:uFillTx/>
+              <a:latin typeface="Arial"/>
+            </a:endParaRPr>
+          </a:p>
+          <a:p>
+            <a:pPr lvl="3" marL="1728000" indent="-216000">
+              <a:spcBef>
+                <a:spcPts val="567"/>
+              </a:spcBef>
+              <a:buClr>
+                <a:srgbClr val="000000"/>
+              </a:buClr>
+              <a:buSzPct val="75000"/>
+              <a:buFont typeface="Symbol" charset="2"/>
+              <a:buChar char=""/>
+            </a:pPr>
+            <a:r>
+              <a:rPr b="0" lang="en-US" sz="1800" strike="noStrike" u="none">
+                <a:solidFill>
+                  <a:srgbClr val="000000"/>
+                </a:solidFill>
+                <a:uFillTx/>
+                <a:latin typeface="Arial"/>
+              </a:rPr>
+              <a:t>Fourth Outline Level</a:t>
+            </a:r>
+            <a:endParaRPr b="0" lang="en-US" sz="1800" strike="noStrike" u="none">
+              <a:solidFill>
+                <a:srgbClr val="000000"/>
+              </a:solidFill>
+              <a:uFillTx/>
+              <a:latin typeface="Arial"/>
+            </a:endParaRPr>
+          </a:p>
+          <a:p>
+            <a:pPr lvl="4" marL="2160000" indent="-216000">
+              <a:spcBef>
+                <a:spcPts val="283"/>
+              </a:spcBef>
+              <a:buClr>
+                <a:srgbClr val="000000"/>
+              </a:buClr>
+              <a:buSzPct val="45000"/>
+              <a:buFont typeface="Wingdings" charset="2"/>
+              <a:buChar char=""/>
+            </a:pPr>
+            <a:r>
+              <a:rPr b="0" lang="en-US" sz="1800" strike="noStrike" u="none">
+                <a:solidFill>
+                  <a:srgbClr val="000000"/>
+                </a:solidFill>
+                <a:uFillTx/>
+                <a:latin typeface="Arial"/>
+              </a:rPr>
+              <a:t>Fifth Outline Level</a:t>
+            </a:r>
+            <a:endParaRPr b="0" lang="en-US" sz="1800" strike="noStrike" u="none">
+              <a:solidFill>
+                <a:srgbClr val="000000"/>
+              </a:solidFill>
+              <a:uFillTx/>
+              <a:latin typeface="Arial"/>
+            </a:endParaRPr>
+          </a:p>
+          <a:p>
+            <a:pPr lvl="5" marL="2592000" indent="-216000">
+              <a:spcBef>
+                <a:spcPts val="283"/>
+              </a:spcBef>
+              <a:buClr>
+                <a:srgbClr val="000000"/>
+              </a:buClr>
+              <a:buSzPct val="45000"/>
+              <a:buFont typeface="Wingdings" charset="2"/>
+              <a:buChar char=""/>
+            </a:pPr>
+            <a:r>
+              <a:rPr b="0" lang="en-US" sz="1800" strike="noStrike" u="none">
+                <a:solidFill>
+                  <a:srgbClr val="000000"/>
+                </a:solidFill>
+                <a:uFillTx/>
+                <a:latin typeface="Arial"/>
+              </a:rPr>
+              <a:t>Sixth Outline Level</a:t>
+            </a:r>
+            <a:endParaRPr b="0" lang="en-US" sz="1800" strike="noStrike" u="none">
+              <a:solidFill>
+                <a:srgbClr val="000000"/>
+              </a:solidFill>
+              <a:uFillTx/>
+              <a:latin typeface="Arial"/>
+            </a:endParaRPr>
+          </a:p>
+          <a:p>
+            <a:pPr lvl="6" marL="3024000" indent="-216000">
+              <a:spcBef>
+                <a:spcPts val="283"/>
+              </a:spcBef>
+              <a:buClr>
+                <a:srgbClr val="000000"/>
+              </a:buClr>
+              <a:buSzPct val="45000"/>
+              <a:buFont typeface="Wingdings" charset="2"/>
+              <a:buChar char=""/>
+            </a:pPr>
+            <a:r>
+              <a:rPr b="0" lang="en-US" sz="1800" strike="noStrike" u="none">
+                <a:solidFill>
+                  <a:srgbClr val="000000"/>
+                </a:solidFill>
+                <a:uFillTx/>
+                <a:latin typeface="Arial"/>
+              </a:rPr>
+              <a:t>Seventh Outline Level</a:t>
+            </a:r>
+            <a:endParaRPr b="0" lang="en-US" sz="1800" strike="noStrike" u="none">
+              <a:solidFill>
+                <a:srgbClr val="000000"/>
+              </a:solidFill>
+              <a:uFillTx/>
+              <a:latin typeface="Arial"/>
+            </a:endParaRPr>
+          </a:p>
+        </p:txBody>
+      </p:sp>
+      <p:sp>
+        <p:nvSpPr>
+          <p:cNvPr id="291" name="PlaceHolder 4"/>
+          <p:cNvSpPr>
+            <a:spLocks noGrp="1"/>
+          </p:cNvSpPr>
+          <p:nvPr>
+            <p:ph type="ftr" idx="139"/>
+          </p:nvPr>
+        </p:nvSpPr>
+        <p:spPr>
+          <a:xfrm>
+            <a:off x="3213360" y="6356520"/>
+            <a:ext cx="3273120" cy="363960"/>
+          </a:xfrm>
+          <a:prstGeom prst="rect">
+            <a:avLst/>
+          </a:prstGeom>
+          <a:noFill/>
+          <a:ln w="0">
+            <a:noFill/>
+          </a:ln>
+        </p:spPr>
+        <p:txBody>
+          <a:bodyPr lIns="90000" rIns="90000" tIns="45000" bIns="45000" anchor="t">
+            <a:noAutofit/>
+          </a:bodyPr>
+          <a:lstStyle>
+            <a:lvl1pPr indent="0" algn="ctr">
+              <a:lnSpc>
+                <a:spcPct val="100000"/>
+              </a:lnSpc>
+              <a:buNone/>
+              <a:tabLst>
+                <a:tab algn="l" pos="0"/>
+              </a:tabLst>
+              <a:defRPr b="0" lang="en-US" sz="1400" strike="noStrike" u="none">
+                <a:solidFill>
+                  <a:srgbClr val="000000"/>
+                </a:solidFill>
+                <a:uFillTx/>
+                <a:latin typeface="Times New Roman"/>
+              </a:defRPr>
+            </a:lvl1pPr>
+          </a:lstStyle>
+          <a:p>
+            <a:pPr indent="0" algn="ctr">
+              <a:lnSpc>
+                <a:spcPct val="100000"/>
+              </a:lnSpc>
+              <a:buNone/>
+              <a:tabLst>
+                <a:tab algn="l" pos="0"/>
+              </a:tabLst>
+            </a:pPr>
+            <a:r>
+              <a:rPr b="0" lang="en-US" sz="1400" strike="noStrike" u="none">
+                <a:solidFill>
+                  <a:srgbClr val="000000"/>
+                </a:solidFill>
+                <a:uFillTx/>
+                <a:latin typeface="Times New Roman"/>
+              </a:rPr>
+              <a:t>&lt;footer&gt;</a:t>
+            </a:r>
+            <a:endParaRPr b="0" lang="en-US" sz="1400" strike="noStrike" u="none">
+              <a:solidFill>
+                <a:srgbClr val="000000"/>
+              </a:solidFill>
+              <a:uFillTx/>
+              <a:latin typeface="Times New Roman"/>
+            </a:endParaRPr>
+          </a:p>
+        </p:txBody>
+      </p:sp>
+      <p:sp>
+        <p:nvSpPr>
+          <p:cNvPr id="292" name="PlaceHolder 5"/>
+          <p:cNvSpPr>
+            <a:spLocks noGrp="1"/>
+          </p:cNvSpPr>
+          <p:nvPr>
+            <p:ph type="sldNum" idx="140"/>
+          </p:nvPr>
+        </p:nvSpPr>
+        <p:spPr>
+          <a:xfrm>
+            <a:off x="6851520" y="6356520"/>
+            <a:ext cx="2181600" cy="363960"/>
+          </a:xfrm>
+          <a:prstGeom prst="rect">
+            <a:avLst/>
+          </a:prstGeom>
+          <a:noFill/>
+          <a:ln w="0">
+            <a:noFill/>
+          </a:ln>
+        </p:spPr>
+        <p:txBody>
+          <a:bodyPr lIns="90000" rIns="90000" tIns="45000" bIns="45000" anchor="t">
+            <a:noAutofit/>
+          </a:bodyPr>
+          <a:lstStyle>
+            <a:lvl1pPr indent="0" defTabSz="914400">
+              <a:lnSpc>
+                <a:spcPct val="100000"/>
+              </a:lnSpc>
+              <a:buNone/>
+              <a:tabLst>
+                <a:tab algn="l" pos="0"/>
+              </a:tabLst>
+              <a:defRPr b="0" lang="pt-BR" sz="1800" strike="noStrike" u="none">
+                <a:solidFill>
+                  <a:schemeClr val="dk1"/>
+                </a:solidFill>
+                <a:uFillTx/>
+                <a:latin typeface="Calibri"/>
+              </a:defRPr>
+            </a:lvl1pPr>
+          </a:lstStyle>
+          <a:p>
+            <a:pPr indent="0" defTabSz="914400">
+              <a:lnSpc>
+                <a:spcPct val="100000"/>
+              </a:lnSpc>
+              <a:buNone/>
+              <a:tabLst>
+                <a:tab algn="l" pos="0"/>
+              </a:tabLst>
+            </a:pPr>
+            <a:fld id="{58EBD7E9-8B07-4E56-A271-D349FCEEC66A}" type="slidenum">
+              <a:rPr b="0" lang="pt-BR" sz="1800" strike="noStrike" u="none">
+                <a:solidFill>
+                  <a:schemeClr val="dk1"/>
+                </a:solidFill>
+                <a:uFillTx/>
+                <a:latin typeface="Calibri"/>
+              </a:rPr>
+              <a:t>&lt;number&gt;</a:t>
+            </a:fld>
+            <a:endParaRPr b="0" lang="en-US" sz="1800" strike="noStrike" u="none">
+              <a:solidFill>
+                <a:srgbClr val="000000"/>
+              </a:solidFill>
+              <a:uFillTx/>
+              <a:latin typeface="Times New Roman"/>
+            </a:endParaRPr>
+          </a:p>
+        </p:txBody>
+      </p:sp>
+      <p:sp>
+        <p:nvSpPr>
+          <p:cNvPr id="293" name="PlaceHolder 6"/>
+          <p:cNvSpPr>
+            <a:spLocks noGrp="1"/>
+          </p:cNvSpPr>
+          <p:nvPr>
+            <p:ph type="dt" idx="141"/>
+          </p:nvPr>
+        </p:nvSpPr>
+        <p:spPr>
+          <a:xfrm>
+            <a:off x="667080" y="6356520"/>
+            <a:ext cx="2181600" cy="363960"/>
+          </a:xfrm>
+          <a:prstGeom prst="rect">
+            <a:avLst/>
+          </a:prstGeom>
+          <a:noFill/>
+          <a:ln w="0">
+            <a:noFill/>
+          </a:ln>
+        </p:spPr>
+        <p:txBody>
+          <a:bodyPr lIns="90000" rIns="90000" tIns="45000" bIns="45000" anchor="t">
+            <a:noAutofit/>
+          </a:bodyPr>
+          <a:lstStyle>
+            <a:lvl1pPr indent="0">
+              <a:buNone/>
+              <a:defRPr b="0" lang="en-US" sz="1400" strike="noStrike" u="none">
+                <a:solidFill>
+                  <a:srgbClr val="000000"/>
+                </a:solidFill>
+                <a:uFillTx/>
+                <a:latin typeface="Times New Roman"/>
+              </a:defRPr>
+            </a:lvl1pPr>
+          </a:lstStyle>
+          <a:p>
+            <a:pPr indent="0">
+              <a:buNone/>
+            </a:pPr>
+            <a:r>
+              <a:rPr b="0" lang="en-US" sz="1400" strike="noStrike" u="none">
+                <a:solidFill>
+                  <a:srgbClr val="000000"/>
+                </a:solidFill>
+                <a:uFillTx/>
+                <a:latin typeface="Times New Roman"/>
+              </a:rPr>
+              <a:t>&lt;date/time&gt;</a:t>
+            </a:r>
+            <a:endParaRPr b="0" lang="en-US" sz="1400" strike="noStrike" u="none">
+              <a:solidFill>
+                <a:srgbClr val="000000"/>
+              </a:solidFill>
+              <a:uFillTx/>
+              <a:latin typeface="Times New Roman"/>
+            </a:endParaRPr>
+          </a:p>
+        </p:txBody>
+      </p:sp>
+    </p:spTree>
+  </p:cSld>
+  <p:clrMap bg1="lt1" tx1="dk1" bg2="lt2" tx2="dk2" accent1="accent1" accent2="accent2" accent3="accent3" accent4="accent4" accent5="accent5" accent6="accent6" hlink="hlink" folHlink="folHlink"/>
+  <p:sldLayoutIdLst>
+    <p:sldLayoutId id="2147483741" r:id="rId3"/>
+  </p:sldLayoutIdLst>
+</p:sldMaster>
+</file>
+
+<file path=ppt/slideMasters/slideMaster48.xml><?xml version="1.0" encoding="utf-8"?>
+<p:sldMaster xmlns:a="http://schemas.openxmlformats.org/drawingml/2006/main" xmlns:p="http://schemas.openxmlformats.org/presentationml/2006/main" xmlns:r="http://schemas.openxmlformats.org/officeDocument/2006/relationships" xmlns:p14="http://schemas.microsoft.com/office/powerpoint/2010/main" xmlns:p15="http://schemas.microsoft.com/office/powerpoint/2012/main" xmlns:mc="http://schemas.openxmlformats.org/markup-compatibility/2006">
+  <p:cSld>
+    <p:bg>
+      <p:bgPr>
+        <a:solidFill>
+          <a:srgbClr val="ffffff"/>
+        </a:solidFill>
+      </p:bgPr>
+    </p:bg>
+    <p:spTree>
+      <p:nvGrpSpPr>
+        <p:cNvPr id="1" name=""/>
+        <p:cNvGrpSpPr/>
+        <p:nvPr/>
+      </p:nvGrpSpPr>
+      <p:grpSpPr>
+        <a:xfrm>
+          <a:off x="0" y="0"/>
+          <a:ext cx="0" cy="0"/>
+          <a:chOff x="0" y="0"/>
+          <a:chExt cx="0" cy="0"/>
+        </a:xfrm>
+      </p:grpSpPr>
+      <p:pic>
+        <p:nvPicPr>
+          <p:cNvPr id="297" name="Imagem 4" descr="Diagrama, Desenho técnico&#10;&#10;Descrição gerada automaticamente"/>
+          <p:cNvPicPr/>
+          <p:nvPr/>
+        </p:nvPicPr>
+        <p:blipFill>
+          <a:blip r:embed="rId2"/>
+          <a:stretch/>
+        </p:blipFill>
+        <p:spPr>
+          <a:xfrm>
+            <a:off x="360" y="0"/>
+            <a:ext cx="9699840" cy="6856920"/>
+          </a:xfrm>
+          <a:prstGeom prst="rect">
+            <a:avLst/>
+          </a:prstGeom>
+          <a:ln w="0">
+            <a:noFill/>
+          </a:ln>
+        </p:spPr>
+      </p:pic>
+      <p:sp>
+        <p:nvSpPr>
+          <p:cNvPr id="298" name="Retângulo 1"/>
+          <p:cNvSpPr/>
+          <p:nvPr/>
+        </p:nvSpPr>
+        <p:spPr>
+          <a:xfrm rot="16200000">
+            <a:off x="-1764000" y="2941920"/>
+            <a:ext cx="4000320" cy="227160"/>
+          </a:xfrm>
+          <a:prstGeom prst="rect">
+            <a:avLst/>
+          </a:prstGeom>
+          <a:noFill/>
+          <a:ln w="0">
+            <a:noFill/>
+          </a:ln>
+        </p:spPr>
+        <p:style>
+          <a:lnRef idx="0"/>
+          <a:fillRef idx="0"/>
+          <a:effectRef idx="0"/>
+          <a:fontRef idx="minor"/>
+        </p:style>
+        <p:txBody>
+          <a:bodyPr lIns="90000" rIns="90000" tIns="45000" bIns="45000" anchor="t">
+            <a:spAutoFit/>
+          </a:bodyPr>
+          <a:p>
+            <a:pPr defTabSz="914400">
+              <a:lnSpc>
+                <a:spcPct val="100000"/>
+              </a:lnSpc>
+            </a:pPr>
+            <a:r>
+              <a:rPr b="0" lang="pt-BR" sz="900" strike="noStrike" u="none">
+                <a:solidFill>
+                  <a:schemeClr val="dk1"/>
+                </a:solidFill>
+                <a:uFillTx/>
+                <a:latin typeface="Aptos ExtraBold"/>
+              </a:rPr>
+              <a:t>LFSTS-DT-010 - Verso - Certificado de Capacitação Profissional</a:t>
+            </a:r>
+            <a:endParaRPr b="0" lang="en-US" sz="900" strike="noStrike" u="none">
+              <a:solidFill>
+                <a:srgbClr val="000000"/>
+              </a:solidFill>
+              <a:uFillTx/>
+              <a:latin typeface="Arial"/>
+            </a:endParaRPr>
+          </a:p>
+        </p:txBody>
+      </p:sp>
+      <p:sp>
+        <p:nvSpPr>
+          <p:cNvPr id="299" name="PlaceHolder 1"/>
+          <p:cNvSpPr>
+            <a:spLocks noGrp="1"/>
+          </p:cNvSpPr>
+          <p:nvPr>
+            <p:ph type="title"/>
+          </p:nvPr>
+        </p:nvSpPr>
+        <p:spPr>
+          <a:xfrm>
+            <a:off x="727560" y="1122480"/>
+            <a:ext cx="8245080" cy="2386440"/>
+          </a:xfrm>
+          <a:prstGeom prst="rect">
+            <a:avLst/>
+          </a:prstGeom>
+          <a:noFill/>
+          <a:ln w="0">
+            <a:noFill/>
+          </a:ln>
+        </p:spPr>
+        <p:txBody>
+          <a:bodyPr lIns="0" rIns="0" tIns="0" bIns="0" anchor="ctr">
+            <a:noAutofit/>
+          </a:bodyPr>
+          <a:p>
+            <a:pPr indent="0">
+              <a:buNone/>
+            </a:pPr>
+            <a:r>
+              <a:rPr b="0" lang="en-US" sz="1800" strike="noStrike" u="none">
+                <a:solidFill>
+                  <a:srgbClr val="000000"/>
+                </a:solidFill>
+                <a:uFillTx/>
+                <a:latin typeface="Arial"/>
+              </a:rPr>
+              <a:t>Click to edit the title text format</a:t>
+            </a:r>
+            <a:endParaRPr b="0" lang="en-US" sz="1800" strike="noStrike" u="none">
+              <a:solidFill>
+                <a:srgbClr val="000000"/>
+              </a:solidFill>
+              <a:uFillTx/>
+              <a:latin typeface="Arial"/>
+            </a:endParaRPr>
+          </a:p>
+        </p:txBody>
+      </p:sp>
+      <p:sp>
+        <p:nvSpPr>
+          <p:cNvPr id="300" name="PlaceHolder 2"/>
+          <p:cNvSpPr>
+            <a:spLocks noGrp="1"/>
+          </p:cNvSpPr>
+          <p:nvPr>
+            <p:ph type="ftr" idx="142"/>
+          </p:nvPr>
+        </p:nvSpPr>
+        <p:spPr>
+          <a:xfrm>
+            <a:off x="3213360" y="6356520"/>
+            <a:ext cx="3273120" cy="363960"/>
+          </a:xfrm>
+          <a:prstGeom prst="rect">
+            <a:avLst/>
+          </a:prstGeom>
+          <a:noFill/>
+          <a:ln w="0">
+            <a:noFill/>
+          </a:ln>
+        </p:spPr>
+        <p:txBody>
+          <a:bodyPr lIns="90000" rIns="90000" tIns="45000" bIns="45000" anchor="t">
+            <a:noAutofit/>
+          </a:bodyPr>
+          <a:lstStyle>
+            <a:lvl1pPr indent="0" algn="ctr">
+              <a:lnSpc>
+                <a:spcPct val="100000"/>
+              </a:lnSpc>
+              <a:buNone/>
+              <a:tabLst>
+                <a:tab algn="l" pos="0"/>
+              </a:tabLst>
+              <a:defRPr b="0" lang="en-US" sz="1400" strike="noStrike" u="none">
+                <a:solidFill>
+                  <a:srgbClr val="000000"/>
+                </a:solidFill>
+                <a:uFillTx/>
+                <a:latin typeface="Times New Roman"/>
+              </a:defRPr>
+            </a:lvl1pPr>
+          </a:lstStyle>
+          <a:p>
+            <a:pPr indent="0" algn="ctr">
+              <a:lnSpc>
+                <a:spcPct val="100000"/>
+              </a:lnSpc>
+              <a:buNone/>
+              <a:tabLst>
+                <a:tab algn="l" pos="0"/>
+              </a:tabLst>
+            </a:pPr>
+            <a:r>
+              <a:rPr b="0" lang="en-US" sz="1400" strike="noStrike" u="none">
+                <a:solidFill>
+                  <a:srgbClr val="000000"/>
+                </a:solidFill>
+                <a:uFillTx/>
+                <a:latin typeface="Times New Roman"/>
+              </a:rPr>
+              <a:t>&lt;footer&gt;</a:t>
+            </a:r>
+            <a:endParaRPr b="0" lang="en-US" sz="1400" strike="noStrike" u="none">
+              <a:solidFill>
+                <a:srgbClr val="000000"/>
+              </a:solidFill>
+              <a:uFillTx/>
+              <a:latin typeface="Times New Roman"/>
+            </a:endParaRPr>
+          </a:p>
+        </p:txBody>
+      </p:sp>
+      <p:sp>
+        <p:nvSpPr>
+          <p:cNvPr id="301" name="PlaceHolder 3"/>
+          <p:cNvSpPr>
+            <a:spLocks noGrp="1"/>
+          </p:cNvSpPr>
+          <p:nvPr>
+            <p:ph type="sldNum" idx="143"/>
+          </p:nvPr>
+        </p:nvSpPr>
+        <p:spPr>
+          <a:xfrm>
+            <a:off x="6851520" y="6356520"/>
+            <a:ext cx="2181600" cy="363960"/>
+          </a:xfrm>
+          <a:prstGeom prst="rect">
+            <a:avLst/>
+          </a:prstGeom>
+          <a:noFill/>
+          <a:ln w="0">
+            <a:noFill/>
+          </a:ln>
+        </p:spPr>
+        <p:txBody>
+          <a:bodyPr lIns="90000" rIns="90000" tIns="45000" bIns="45000" anchor="t">
+            <a:noAutofit/>
+          </a:bodyPr>
+          <a:lstStyle>
+            <a:lvl1pPr indent="0" defTabSz="914400">
+              <a:lnSpc>
+                <a:spcPct val="100000"/>
+              </a:lnSpc>
+              <a:buNone/>
+              <a:tabLst>
+                <a:tab algn="l" pos="0"/>
+              </a:tabLst>
+              <a:defRPr b="0" lang="pt-BR" sz="1800" strike="noStrike" u="none">
+                <a:solidFill>
+                  <a:schemeClr val="dk1"/>
+                </a:solidFill>
+                <a:uFillTx/>
+                <a:latin typeface="Calibri"/>
+              </a:defRPr>
+            </a:lvl1pPr>
+          </a:lstStyle>
+          <a:p>
+            <a:pPr indent="0" defTabSz="914400">
+              <a:lnSpc>
+                <a:spcPct val="100000"/>
+              </a:lnSpc>
+              <a:buNone/>
+              <a:tabLst>
+                <a:tab algn="l" pos="0"/>
+              </a:tabLst>
+            </a:pPr>
+            <a:fld id="{320C8A93-C204-4F98-A02B-804F2DC553DD}" type="slidenum">
+              <a:rPr b="0" lang="pt-BR" sz="1800" strike="noStrike" u="none">
+                <a:solidFill>
+                  <a:schemeClr val="dk1"/>
+                </a:solidFill>
+                <a:uFillTx/>
+                <a:latin typeface="Calibri"/>
+              </a:rPr>
+              <a:t>&lt;number&gt;</a:t>
+            </a:fld>
+            <a:endParaRPr b="0" lang="en-US" sz="1800" strike="noStrike" u="none">
+              <a:solidFill>
+                <a:srgbClr val="000000"/>
+              </a:solidFill>
+              <a:uFillTx/>
+              <a:latin typeface="Times New Roman"/>
+            </a:endParaRPr>
+          </a:p>
+        </p:txBody>
+      </p:sp>
+      <p:sp>
+        <p:nvSpPr>
+          <p:cNvPr id="302" name="PlaceHolder 4"/>
+          <p:cNvSpPr>
+            <a:spLocks noGrp="1"/>
+          </p:cNvSpPr>
+          <p:nvPr>
+            <p:ph type="dt" idx="144"/>
+          </p:nvPr>
+        </p:nvSpPr>
+        <p:spPr>
+          <a:xfrm>
+            <a:off x="667080" y="6356520"/>
+            <a:ext cx="2181600" cy="363960"/>
+          </a:xfrm>
+          <a:prstGeom prst="rect">
+            <a:avLst/>
+          </a:prstGeom>
+          <a:noFill/>
+          <a:ln w="0">
+            <a:noFill/>
+          </a:ln>
+        </p:spPr>
+        <p:txBody>
+          <a:bodyPr lIns="90000" rIns="90000" tIns="45000" bIns="45000" anchor="t">
+            <a:noAutofit/>
+          </a:bodyPr>
+          <a:lstStyle>
+            <a:lvl1pPr indent="0">
+              <a:buNone/>
+              <a:defRPr b="0" lang="en-US" sz="1400" strike="noStrike" u="none">
+                <a:solidFill>
+                  <a:srgbClr val="000000"/>
+                </a:solidFill>
+                <a:uFillTx/>
+                <a:latin typeface="Times New Roman"/>
+              </a:defRPr>
+            </a:lvl1pPr>
+          </a:lstStyle>
+          <a:p>
+            <a:pPr indent="0">
+              <a:buNone/>
+            </a:pPr>
+            <a:r>
+              <a:rPr b="0" lang="en-US" sz="1400" strike="noStrike" u="none">
+                <a:solidFill>
+                  <a:srgbClr val="000000"/>
+                </a:solidFill>
+                <a:uFillTx/>
+                <a:latin typeface="Times New Roman"/>
+              </a:rPr>
+              <a:t>&lt;date/time&gt;</a:t>
+            </a:r>
+            <a:endParaRPr b="0" lang="en-US" sz="1400" strike="noStrike" u="none">
+              <a:solidFill>
+                <a:srgbClr val="000000"/>
+              </a:solidFill>
+              <a:uFillTx/>
+              <a:latin typeface="Times New Roman"/>
+            </a:endParaRPr>
+          </a:p>
+        </p:txBody>
+      </p:sp>
+    </p:spTree>
+  </p:cSld>
+  <p:clrMap bg1="lt1" tx1="dk1" bg2="lt2" tx2="dk2" accent1="accent1" accent2="accent2" accent3="accent3" accent4="accent4" accent5="accent5" accent6="accent6" hlink="hlink" folHlink="folHlink"/>
+  <p:sldLayoutIdLst>
+    <p:sldLayoutId id="2147483743" r:id="rId3"/>
+  </p:sldLayoutIdLst>
+</p:sldMaster>
+</file>
+
+<file path=ppt/slideMasters/slideMaster49.xml><?xml version="1.0" encoding="utf-8"?>
+<p:sldMaster xmlns:a="http://schemas.openxmlformats.org/drawingml/2006/main" xmlns:p="http://schemas.openxmlformats.org/presentationml/2006/main" xmlns:r="http://schemas.openxmlformats.org/officeDocument/2006/relationships" xmlns:p14="http://schemas.microsoft.com/office/powerpoint/2010/main" xmlns:p15="http://schemas.microsoft.com/office/powerpoint/2012/main" xmlns:mc="http://schemas.openxmlformats.org/markup-compatibility/2006">
+  <p:cSld>
+    <p:bg>
+      <p:bgPr>
+        <a:solidFill>
+          <a:srgbClr val="ffffff"/>
+        </a:solidFill>
+      </p:bgPr>
+    </p:bg>
+    <p:spTree>
+      <p:nvGrpSpPr>
+        <p:cNvPr id="1" name=""/>
+        <p:cNvGrpSpPr/>
+        <p:nvPr/>
+      </p:nvGrpSpPr>
+      <p:grpSpPr>
+        <a:xfrm>
+          <a:off x="0" y="0"/>
+          <a:ext cx="0" cy="0"/>
+          <a:chOff x="0" y="0"/>
+          <a:chExt cx="0" cy="0"/>
+        </a:xfrm>
+      </p:grpSpPr>
+      <p:pic>
+        <p:nvPicPr>
+          <p:cNvPr id="304" name="Imagem 4" descr="Diagrama, Desenho técnico&#10;&#10;Descrição gerada automaticamente"/>
+          <p:cNvPicPr/>
+          <p:nvPr/>
+        </p:nvPicPr>
+        <p:blipFill>
+          <a:blip r:embed="rId2"/>
+          <a:stretch/>
+        </p:blipFill>
+        <p:spPr>
+          <a:xfrm>
+            <a:off x="360" y="0"/>
+            <a:ext cx="9699840" cy="6856920"/>
+          </a:xfrm>
+          <a:prstGeom prst="rect">
+            <a:avLst/>
+          </a:prstGeom>
+          <a:ln w="0">
+            <a:noFill/>
+          </a:ln>
+        </p:spPr>
+      </p:pic>
+      <p:sp>
+        <p:nvSpPr>
+          <p:cNvPr id="305" name="Retângulo 1"/>
+          <p:cNvSpPr/>
+          <p:nvPr/>
+        </p:nvSpPr>
+        <p:spPr>
+          <a:xfrm rot="16200000">
+            <a:off x="-1764000" y="2941920"/>
+            <a:ext cx="4000320" cy="227160"/>
+          </a:xfrm>
+          <a:prstGeom prst="rect">
+            <a:avLst/>
+          </a:prstGeom>
+          <a:noFill/>
+          <a:ln w="0">
+            <a:noFill/>
+          </a:ln>
+        </p:spPr>
+        <p:style>
+          <a:lnRef idx="0"/>
+          <a:fillRef idx="0"/>
+          <a:effectRef idx="0"/>
+          <a:fontRef idx="minor"/>
+        </p:style>
+        <p:txBody>
+          <a:bodyPr lIns="90000" rIns="90000" tIns="45000" bIns="45000" anchor="t">
+            <a:spAutoFit/>
+          </a:bodyPr>
+          <a:p>
+            <a:pPr defTabSz="914400">
+              <a:lnSpc>
+                <a:spcPct val="100000"/>
+              </a:lnSpc>
+            </a:pPr>
+            <a:r>
+              <a:rPr b="0" lang="pt-BR" sz="900" strike="noStrike" u="none">
+                <a:solidFill>
+                  <a:schemeClr val="dk1"/>
+                </a:solidFill>
+                <a:uFillTx/>
+                <a:latin typeface="Aptos ExtraBold"/>
+              </a:rPr>
+              <a:t>LFSTS-DT-010 - Verso - Certificado de Capacitação Profissional</a:t>
+            </a:r>
+            <a:endParaRPr b="0" lang="en-US" sz="900" strike="noStrike" u="none">
+              <a:solidFill>
+                <a:srgbClr val="000000"/>
+              </a:solidFill>
+              <a:uFillTx/>
+              <a:latin typeface="Arial"/>
+            </a:endParaRPr>
+          </a:p>
+        </p:txBody>
+      </p:sp>
+      <p:sp>
+        <p:nvSpPr>
+          <p:cNvPr id="306" name="PlaceHolder 1"/>
+          <p:cNvSpPr>
+            <a:spLocks noGrp="1"/>
+          </p:cNvSpPr>
+          <p:nvPr>
+            <p:ph type="title"/>
+          </p:nvPr>
+        </p:nvSpPr>
+        <p:spPr>
+          <a:xfrm>
+            <a:off x="727560" y="1122480"/>
+            <a:ext cx="8245080" cy="2386440"/>
+          </a:xfrm>
+          <a:prstGeom prst="rect">
+            <a:avLst/>
+          </a:prstGeom>
+          <a:noFill/>
+          <a:ln w="0">
+            <a:noFill/>
+          </a:ln>
+        </p:spPr>
+        <p:txBody>
+          <a:bodyPr lIns="0" rIns="0" tIns="0" bIns="0" anchor="ctr">
+            <a:noAutofit/>
+          </a:bodyPr>
+          <a:p>
+            <a:pPr indent="0">
+              <a:buNone/>
+            </a:pPr>
+            <a:r>
+              <a:rPr b="0" lang="en-US" sz="1800" strike="noStrike" u="none">
+                <a:solidFill>
+                  <a:srgbClr val="000000"/>
+                </a:solidFill>
+                <a:uFillTx/>
+                <a:latin typeface="Arial"/>
+              </a:rPr>
+              <a:t>Click to edit the title text format</a:t>
+            </a:r>
+            <a:endParaRPr b="0" lang="en-US" sz="1800" strike="noStrike" u="none">
+              <a:solidFill>
+                <a:srgbClr val="000000"/>
+              </a:solidFill>
+              <a:uFillTx/>
+              <a:latin typeface="Arial"/>
+            </a:endParaRPr>
+          </a:p>
+        </p:txBody>
+      </p:sp>
+      <p:sp>
+        <p:nvSpPr>
+          <p:cNvPr id="307" name="PlaceHolder 2"/>
+          <p:cNvSpPr>
+            <a:spLocks noGrp="1"/>
+          </p:cNvSpPr>
+          <p:nvPr>
+            <p:ph type="ftr" idx="145"/>
+          </p:nvPr>
+        </p:nvSpPr>
+        <p:spPr>
+          <a:xfrm>
+            <a:off x="3213360" y="6356520"/>
+            <a:ext cx="3273120" cy="363960"/>
+          </a:xfrm>
+          <a:prstGeom prst="rect">
+            <a:avLst/>
+          </a:prstGeom>
+          <a:noFill/>
+          <a:ln w="0">
+            <a:noFill/>
+          </a:ln>
+        </p:spPr>
+        <p:txBody>
+          <a:bodyPr lIns="90000" rIns="90000" tIns="45000" bIns="45000" anchor="t">
+            <a:noAutofit/>
+          </a:bodyPr>
+          <a:lstStyle>
+            <a:lvl1pPr indent="0" algn="ctr">
+              <a:lnSpc>
+                <a:spcPct val="100000"/>
+              </a:lnSpc>
+              <a:buNone/>
+              <a:tabLst>
+                <a:tab algn="l" pos="0"/>
+              </a:tabLst>
+              <a:defRPr b="0" lang="en-US" sz="1400" strike="noStrike" u="none">
+                <a:solidFill>
+                  <a:srgbClr val="000000"/>
+                </a:solidFill>
+                <a:uFillTx/>
+                <a:latin typeface="Times New Roman"/>
+              </a:defRPr>
+            </a:lvl1pPr>
+          </a:lstStyle>
+          <a:p>
+            <a:pPr indent="0" algn="ctr">
+              <a:lnSpc>
+                <a:spcPct val="100000"/>
+              </a:lnSpc>
+              <a:buNone/>
+              <a:tabLst>
+                <a:tab algn="l" pos="0"/>
+              </a:tabLst>
+            </a:pPr>
+            <a:r>
+              <a:rPr b="0" lang="en-US" sz="1400" strike="noStrike" u="none">
+                <a:solidFill>
+                  <a:srgbClr val="000000"/>
+                </a:solidFill>
+                <a:uFillTx/>
+                <a:latin typeface="Times New Roman"/>
+              </a:rPr>
+              <a:t>&lt;footer&gt;</a:t>
+            </a:r>
+            <a:endParaRPr b="0" lang="en-US" sz="1400" strike="noStrike" u="none">
+              <a:solidFill>
+                <a:srgbClr val="000000"/>
+              </a:solidFill>
+              <a:uFillTx/>
+              <a:latin typeface="Times New Roman"/>
+            </a:endParaRPr>
+          </a:p>
+        </p:txBody>
+      </p:sp>
+      <p:sp>
+        <p:nvSpPr>
+          <p:cNvPr id="308" name="PlaceHolder 3"/>
+          <p:cNvSpPr>
+            <a:spLocks noGrp="1"/>
+          </p:cNvSpPr>
+          <p:nvPr>
+            <p:ph type="sldNum" idx="146"/>
+          </p:nvPr>
+        </p:nvSpPr>
+        <p:spPr>
+          <a:xfrm>
+            <a:off x="6851520" y="6356520"/>
+            <a:ext cx="2181600" cy="363960"/>
+          </a:xfrm>
+          <a:prstGeom prst="rect">
+            <a:avLst/>
+          </a:prstGeom>
+          <a:noFill/>
+          <a:ln w="0">
+            <a:noFill/>
+          </a:ln>
+        </p:spPr>
+        <p:txBody>
+          <a:bodyPr lIns="90000" rIns="90000" tIns="45000" bIns="45000" anchor="t">
+            <a:noAutofit/>
+          </a:bodyPr>
+          <a:lstStyle>
+            <a:lvl1pPr indent="0" defTabSz="914400">
+              <a:lnSpc>
+                <a:spcPct val="100000"/>
+              </a:lnSpc>
+              <a:buNone/>
+              <a:tabLst>
+                <a:tab algn="l" pos="0"/>
+              </a:tabLst>
+              <a:defRPr b="0" lang="pt-BR" sz="1800" strike="noStrike" u="none">
+                <a:solidFill>
+                  <a:schemeClr val="dk1"/>
+                </a:solidFill>
+                <a:uFillTx/>
+                <a:latin typeface="Calibri"/>
+              </a:defRPr>
+            </a:lvl1pPr>
+          </a:lstStyle>
+          <a:p>
+            <a:pPr indent="0" defTabSz="914400">
+              <a:lnSpc>
+                <a:spcPct val="100000"/>
+              </a:lnSpc>
+              <a:buNone/>
+              <a:tabLst>
+                <a:tab algn="l" pos="0"/>
+              </a:tabLst>
+            </a:pPr>
+            <a:fld id="{D7CE3F49-4551-4CAF-A742-CF9D2DA8560F}" type="slidenum">
+              <a:rPr b="0" lang="pt-BR" sz="1800" strike="noStrike" u="none">
+                <a:solidFill>
+                  <a:schemeClr val="dk1"/>
+                </a:solidFill>
+                <a:uFillTx/>
+                <a:latin typeface="Calibri"/>
+              </a:rPr>
+              <a:t>&lt;number&gt;</a:t>
+            </a:fld>
+            <a:endParaRPr b="0" lang="en-US" sz="1800" strike="noStrike" u="none">
+              <a:solidFill>
+                <a:srgbClr val="000000"/>
+              </a:solidFill>
+              <a:uFillTx/>
+              <a:latin typeface="Times New Roman"/>
+            </a:endParaRPr>
+          </a:p>
+        </p:txBody>
+      </p:sp>
+      <p:sp>
+        <p:nvSpPr>
+          <p:cNvPr id="309" name="PlaceHolder 4"/>
+          <p:cNvSpPr>
+            <a:spLocks noGrp="1"/>
+          </p:cNvSpPr>
+          <p:nvPr>
+            <p:ph type="dt" idx="147"/>
+          </p:nvPr>
+        </p:nvSpPr>
+        <p:spPr>
+          <a:xfrm>
+            <a:off x="667080" y="6356520"/>
+            <a:ext cx="2181600" cy="363960"/>
+          </a:xfrm>
+          <a:prstGeom prst="rect">
+            <a:avLst/>
+          </a:prstGeom>
+          <a:noFill/>
+          <a:ln w="0">
+            <a:noFill/>
+          </a:ln>
+        </p:spPr>
+        <p:txBody>
+          <a:bodyPr lIns="90000" rIns="90000" tIns="45000" bIns="45000" anchor="t">
+            <a:noAutofit/>
+          </a:bodyPr>
+          <a:lstStyle>
+            <a:lvl1pPr indent="0">
+              <a:buNone/>
+              <a:defRPr b="0" lang="en-US" sz="1400" strike="noStrike" u="none">
+                <a:solidFill>
+                  <a:srgbClr val="000000"/>
+                </a:solidFill>
+                <a:uFillTx/>
+                <a:latin typeface="Times New Roman"/>
+              </a:defRPr>
+            </a:lvl1pPr>
+          </a:lstStyle>
+          <a:p>
+            <a:pPr indent="0">
+              <a:buNone/>
+            </a:pPr>
+            <a:r>
+              <a:rPr b="0" lang="en-US" sz="1400" strike="noStrike" u="none">
+                <a:solidFill>
+                  <a:srgbClr val="000000"/>
+                </a:solidFill>
+                <a:uFillTx/>
+                <a:latin typeface="Times New Roman"/>
+              </a:rPr>
+              <a:t>&lt;date/time&gt;</a:t>
+            </a:r>
+            <a:endParaRPr b="0" lang="en-US" sz="1400" strike="noStrike" u="none">
+              <a:solidFill>
+                <a:srgbClr val="000000"/>
+              </a:solidFill>
+              <a:uFillTx/>
+              <a:latin typeface="Times New Roman"/>
+            </a:endParaRPr>
+          </a:p>
+        </p:txBody>
+      </p:sp>
+      <p:sp>
+        <p:nvSpPr>
+          <p:cNvPr id="310" name="PlaceHolder 5"/>
           <p:cNvSpPr>
             <a:spLocks noGrp="1"/>
           </p:cNvSpPr>
@@ -22880,13 +26453,13 @@
   </p:cSld>
   <p:clrMap bg1="lt1" tx1="dk1" bg2="lt2" tx2="dk2" accent1="accent1" accent2="accent2" accent3="accent3" accent4="accent4" accent5="accent5" accent6="accent6" hlink="hlink" folHlink="folHlink"/>
   <p:sldLayoutIdLst>
-    <p:sldLayoutId id="2147483733" r:id="rId3"/>
-    <p:sldLayoutId id="2147483734" r:id="rId4"/>
-    <p:sldLayoutId id="2147483735" r:id="rId5"/>
-    <p:sldLayoutId id="2147483736" r:id="rId6"/>
-    <p:sldLayoutId id="2147483737" r:id="rId7"/>
-    <p:sldLayoutId id="2147483738" r:id="rId8"/>
-    <p:sldLayoutId id="2147483739" r:id="rId9"/>
+    <p:sldLayoutId id="2147483745" r:id="rId3"/>
+    <p:sldLayoutId id="2147483746" r:id="rId4"/>
+    <p:sldLayoutId id="2147483747" r:id="rId5"/>
+    <p:sldLayoutId id="2147483748" r:id="rId6"/>
+    <p:sldLayoutId id="2147483749" r:id="rId7"/>
+    <p:sldLayoutId id="2147483750" r:id="rId8"/>
+    <p:sldLayoutId id="2147483751" r:id="rId9"/>
   </p:sldLayoutIdLst>
 </p:sldMaster>
 </file>
@@ -22928,7 +26501,7 @@
         <p:spPr>
           <a:xfrm>
             <a:off x="360" y="0"/>
-            <a:ext cx="9699480" cy="6856560"/>
+            <a:ext cx="9699120" cy="6856200"/>
           </a:xfrm>
           <a:prstGeom prst="rect">
             <a:avLst/>
@@ -22947,7 +26520,7 @@
         <p:spPr>
           <a:xfrm>
             <a:off x="2697120" y="6330240"/>
-            <a:ext cx="3999960" cy="227160"/>
+            <a:ext cx="3999600" cy="227160"/>
           </a:xfrm>
           <a:prstGeom prst="rect">
             <a:avLst/>
@@ -23006,7 +26579,7 @@
         <p:spPr>
           <a:xfrm>
             <a:off x="3213360" y="6356520"/>
-            <a:ext cx="3272760" cy="363600"/>
+            <a:ext cx="3272400" cy="363240"/>
           </a:xfrm>
           <a:prstGeom prst="rect">
             <a:avLst/>
@@ -23081,7 +26654,7 @@
         <p:spPr>
           <a:xfrm>
             <a:off x="6851520" y="6356520"/>
-            <a:ext cx="2181240" cy="363600"/>
+            <a:ext cx="2180880" cy="363240"/>
           </a:xfrm>
           <a:prstGeom prst="rect">
             <a:avLst/>
@@ -23123,7 +26696,7 @@
                 <a:tab algn="l" pos="0"/>
               </a:tabLst>
             </a:pPr>
-            <a:fld id="{26991132-D21E-479C-983B-0DF4AEB38D62}" type="slidenum">
+            <a:fld id="{593424BB-3E24-49F1-B71D-992069D2800B}" type="slidenum">
               <a:rPr b="0" lang="pt-BR" sz="1800" strike="noStrike" u="none">
                 <a:solidFill>
                   <a:schemeClr val="dk1"/>
@@ -23156,7 +26729,7 @@
         <p:spPr>
           <a:xfrm>
             <a:off x="667080" y="6356520"/>
-            <a:ext cx="2181240" cy="363600"/>
+            <a:ext cx="2180880" cy="363240"/>
           </a:xfrm>
           <a:prstGeom prst="rect">
             <a:avLst/>
@@ -23252,7 +26825,7 @@
         <p:spPr>
           <a:xfrm>
             <a:off x="360" y="0"/>
-            <a:ext cx="9699480" cy="6856560"/>
+            <a:ext cx="9699120" cy="6856200"/>
           </a:xfrm>
           <a:prstGeom prst="rect">
             <a:avLst/>
@@ -23271,7 +26844,7 @@
         <p:spPr>
           <a:xfrm>
             <a:off x="2697120" y="6330240"/>
-            <a:ext cx="3999960" cy="227160"/>
+            <a:ext cx="3999600" cy="227160"/>
           </a:xfrm>
           <a:prstGeom prst="rect">
             <a:avLst/>
@@ -23330,7 +26903,7 @@
         <p:spPr>
           <a:xfrm>
             <a:off x="3213360" y="6356520"/>
-            <a:ext cx="3272760" cy="363600"/>
+            <a:ext cx="3272400" cy="363240"/>
           </a:xfrm>
           <a:prstGeom prst="rect">
             <a:avLst/>
@@ -23405,7 +26978,7 @@
         <p:spPr>
           <a:xfrm>
             <a:off x="6851520" y="6356520"/>
-            <a:ext cx="2181240" cy="363600"/>
+            <a:ext cx="2180880" cy="363240"/>
           </a:xfrm>
           <a:prstGeom prst="rect">
             <a:avLst/>
@@ -23447,7 +27020,7 @@
                 <a:tab algn="l" pos="0"/>
               </a:tabLst>
             </a:pPr>
-            <a:fld id="{57442FA8-8C1B-4465-BE48-A1970A99017A}" type="slidenum">
+            <a:fld id="{B99B6AB2-344A-495C-89FA-6F501E752E2E}" type="slidenum">
               <a:rPr b="0" lang="pt-BR" sz="1800" strike="noStrike" u="none">
                 <a:solidFill>
                   <a:schemeClr val="dk1"/>
@@ -23480,7 +27053,7 @@
         <p:spPr>
           <a:xfrm>
             <a:off x="667080" y="6356520"/>
-            <a:ext cx="2181240" cy="363600"/>
+            <a:ext cx="2180880" cy="363240"/>
           </a:xfrm>
           <a:prstGeom prst="rect">
             <a:avLst/>
@@ -23576,7 +27149,7 @@
         <p:spPr>
           <a:xfrm>
             <a:off x="360" y="0"/>
-            <a:ext cx="9699480" cy="6856560"/>
+            <a:ext cx="9699120" cy="6856200"/>
           </a:xfrm>
           <a:prstGeom prst="rect">
             <a:avLst/>
@@ -23595,7 +27168,7 @@
         <p:spPr>
           <a:xfrm>
             <a:off x="2697120" y="6330240"/>
-            <a:ext cx="3999960" cy="227160"/>
+            <a:ext cx="3999600" cy="227160"/>
           </a:xfrm>
           <a:prstGeom prst="rect">
             <a:avLst/>
@@ -23654,7 +27227,7 @@
         <p:spPr>
           <a:xfrm>
             <a:off x="3213360" y="6356520"/>
-            <a:ext cx="3272760" cy="363600"/>
+            <a:ext cx="3272400" cy="363240"/>
           </a:xfrm>
           <a:prstGeom prst="rect">
             <a:avLst/>
@@ -23729,7 +27302,7 @@
         <p:spPr>
           <a:xfrm>
             <a:off x="6851520" y="6356520"/>
-            <a:ext cx="2181240" cy="363600"/>
+            <a:ext cx="2180880" cy="363240"/>
           </a:xfrm>
           <a:prstGeom prst="rect">
             <a:avLst/>
@@ -23771,7 +27344,7 @@
                 <a:tab algn="l" pos="0"/>
               </a:tabLst>
             </a:pPr>
-            <a:fld id="{446F0301-A3E4-4F06-905E-1030CCF9B115}" type="slidenum">
+            <a:fld id="{392FDCCC-39F5-4DD6-9AF7-6EF9F803D1C4}" type="slidenum">
               <a:rPr b="0" lang="pt-BR" sz="1800" strike="noStrike" u="none">
                 <a:solidFill>
                   <a:schemeClr val="dk1"/>
@@ -23804,7 +27377,7 @@
         <p:spPr>
           <a:xfrm>
             <a:off x="667080" y="6356520"/>
-            <a:ext cx="2181240" cy="363600"/>
+            <a:ext cx="2180880" cy="363240"/>
           </a:xfrm>
           <a:prstGeom prst="rect">
             <a:avLst/>
@@ -23900,7 +27473,7 @@
         <p:spPr>
           <a:xfrm>
             <a:off x="360" y="0"/>
-            <a:ext cx="9699480" cy="6856560"/>
+            <a:ext cx="9699120" cy="6856200"/>
           </a:xfrm>
           <a:prstGeom prst="rect">
             <a:avLst/>
@@ -23919,7 +27492,7 @@
         <p:spPr>
           <a:xfrm>
             <a:off x="2697120" y="6330240"/>
-            <a:ext cx="3999960" cy="227160"/>
+            <a:ext cx="3999600" cy="227160"/>
           </a:xfrm>
           <a:prstGeom prst="rect">
             <a:avLst/>
@@ -23978,7 +27551,7 @@
         <p:spPr>
           <a:xfrm>
             <a:off x="3213360" y="6356520"/>
-            <a:ext cx="3272760" cy="363600"/>
+            <a:ext cx="3272400" cy="363240"/>
           </a:xfrm>
           <a:prstGeom prst="rect">
             <a:avLst/>
@@ -24053,7 +27626,7 @@
         <p:spPr>
           <a:xfrm>
             <a:off x="6851520" y="6356520"/>
-            <a:ext cx="2181240" cy="363600"/>
+            <a:ext cx="2180880" cy="363240"/>
           </a:xfrm>
           <a:prstGeom prst="rect">
             <a:avLst/>
@@ -24095,7 +27668,7 @@
                 <a:tab algn="l" pos="0"/>
               </a:tabLst>
             </a:pPr>
-            <a:fld id="{B2058B96-C483-4044-9DB1-EF85B71B400D}" type="slidenum">
+            <a:fld id="{C0CC6D98-C867-4D4C-81A7-CDDA6AD33956}" type="slidenum">
               <a:rPr b="0" lang="pt-BR" sz="1800" strike="noStrike" u="none">
                 <a:solidFill>
                   <a:schemeClr val="dk1"/>
@@ -24128,7 +27701,7 @@
         <p:spPr>
           <a:xfrm>
             <a:off x="667080" y="6356520"/>
-            <a:ext cx="2181240" cy="363600"/>
+            <a:ext cx="2180880" cy="363240"/>
           </a:xfrm>
           <a:prstGeom prst="rect">
             <a:avLst/>
@@ -24224,7 +27797,7 @@
         <p:spPr>
           <a:xfrm>
             <a:off x="360" y="0"/>
-            <a:ext cx="9699480" cy="6856560"/>
+            <a:ext cx="9699120" cy="6856200"/>
           </a:xfrm>
           <a:prstGeom prst="rect">
             <a:avLst/>
@@ -24243,7 +27816,7 @@
         <p:spPr>
           <a:xfrm>
             <a:off x="2697120" y="6330240"/>
-            <a:ext cx="3999960" cy="227160"/>
+            <a:ext cx="3999600" cy="227160"/>
           </a:xfrm>
           <a:prstGeom prst="rect">
             <a:avLst/>
@@ -24302,7 +27875,7 @@
         <p:spPr>
           <a:xfrm>
             <a:off x="3213360" y="6356520"/>
-            <a:ext cx="3272760" cy="363600"/>
+            <a:ext cx="3272400" cy="363240"/>
           </a:xfrm>
           <a:prstGeom prst="rect">
             <a:avLst/>
@@ -24377,7 +27950,7 @@
         <p:spPr>
           <a:xfrm>
             <a:off x="6851520" y="6356520"/>
-            <a:ext cx="2181240" cy="363600"/>
+            <a:ext cx="2180880" cy="363240"/>
           </a:xfrm>
           <a:prstGeom prst="rect">
             <a:avLst/>
@@ -24419,7 +27992,7 @@
                 <a:tab algn="l" pos="0"/>
               </a:tabLst>
             </a:pPr>
-            <a:fld id="{AF8615FE-C23A-4852-8961-4D57CF80F261}" type="slidenum">
+            <a:fld id="{FCC60A17-BD3E-474B-8263-2DBEB4162EA6}" type="slidenum">
               <a:rPr b="0" lang="pt-BR" sz="1800" strike="noStrike" u="none">
                 <a:solidFill>
                   <a:schemeClr val="dk1"/>
@@ -24452,7 +28025,7 @@
         <p:spPr>
           <a:xfrm>
             <a:off x="667080" y="6356520"/>
-            <a:ext cx="2181240" cy="363600"/>
+            <a:ext cx="2180880" cy="363240"/>
           </a:xfrm>
           <a:prstGeom prst="rect">
             <a:avLst/>
@@ -24530,14 +28103,14 @@
       </p:grpSpPr>
       <p:sp>
         <p:nvSpPr>
-          <p:cNvPr id="277" name="CaixaDeTexto 3"/>
+          <p:cNvPr id="319" name="CaixaDeTexto 3"/>
           <p:cNvSpPr/>
           <p:nvPr/>
         </p:nvSpPr>
         <p:spPr>
           <a:xfrm>
             <a:off x="3124080" y="3243600"/>
-            <a:ext cx="6316200" cy="1172520"/>
+            <a:ext cx="6315840" cy="1172520"/>
           </a:xfrm>
           <a:prstGeom prst="rect">
             <a:avLst/>
@@ -24883,14 +28456,14 @@
       </p:sp>
       <p:sp>
         <p:nvSpPr>
-          <p:cNvPr id="278" name="CaixaDeTexto 4"/>
+          <p:cNvPr id="320" name="CaixaDeTexto 4"/>
           <p:cNvSpPr/>
           <p:nvPr/>
         </p:nvSpPr>
         <p:spPr>
           <a:xfrm>
             <a:off x="1348560" y="2489400"/>
-            <a:ext cx="9699840" cy="638280"/>
+            <a:ext cx="9699480" cy="638280"/>
           </a:xfrm>
           <a:prstGeom prst="rect">
             <a:avLst/>
@@ -24938,14 +28511,14 @@
       </p:sp>
       <p:sp>
         <p:nvSpPr>
-          <p:cNvPr id="279" name="Retângulo 5"/>
+          <p:cNvPr id="321" name="Retângulo 5"/>
           <p:cNvSpPr/>
           <p:nvPr/>
         </p:nvSpPr>
         <p:spPr>
           <a:xfrm>
             <a:off x="2697120" y="6520680"/>
-            <a:ext cx="3999960" cy="227160"/>
+            <a:ext cx="3999600" cy="227160"/>
           </a:xfrm>
           <a:prstGeom prst="rect">
             <a:avLst/>
@@ -25023,7 +28596,7 @@
       </p:sp>
       <p:graphicFrame>
         <p:nvGraphicFramePr>
-          <p:cNvPr id="280" name="Tabela 8"/>
+          <p:cNvPr id="322" name="Tabela 8"/>
           <p:cNvGraphicFramePr/>
           <p:nvPr/>
         </p:nvGraphicFramePr>
@@ -25266,14 +28839,14 @@
       </p:grpSpPr>
       <p:sp>
         <p:nvSpPr>
-          <p:cNvPr id="281" name="Retângulo 7"/>
+          <p:cNvPr id="323" name="Retângulo 7"/>
           <p:cNvSpPr/>
           <p:nvPr/>
         </p:nvSpPr>
         <p:spPr>
           <a:xfrm>
             <a:off x="2266560" y="538920"/>
-            <a:ext cx="6959520" cy="669600"/>
+            <a:ext cx="6959160" cy="668880"/>
           </a:xfrm>
           <a:prstGeom prst="rect">
             <a:avLst/>
@@ -25347,14 +28920,14 @@
       </p:sp>
       <p:sp>
         <p:nvSpPr>
-          <p:cNvPr id="282" name="CaixaDeTexto 5"/>
+          <p:cNvPr id="324" name="CaixaDeTexto 5"/>
           <p:cNvSpPr/>
           <p:nvPr/>
         </p:nvSpPr>
         <p:spPr>
           <a:xfrm>
             <a:off x="2778120" y="5698080"/>
-            <a:ext cx="4004280" cy="272520"/>
+            <a:ext cx="4003920" cy="272520"/>
           </a:xfrm>
           <a:prstGeom prst="rect">
             <a:avLst/>
@@ -25414,7 +28987,7 @@
                 <a:latin typeface="Arial"/>
                 <a:ea typeface="Times New Roman"/>
               </a:rPr>
-              <a:t>SITREL – SIDERURGICA TRES LAGOAS LTDA  - CNPJ: 07.084.117/0001-40</a:t>
+              <a:t>[contratante]</a:t>
             </a:r>
             <a:endParaRPr b="0" lang="en-US" sz="600" strike="noStrike" u="none">
               <a:solidFill>
@@ -25428,14 +29001,14 @@
       </p:sp>
       <p:sp>
         <p:nvSpPr>
-          <p:cNvPr id="283" name="CaixaDeTexto 6"/>
+          <p:cNvPr id="325" name="CaixaDeTexto 6"/>
           <p:cNvSpPr/>
           <p:nvPr/>
         </p:nvSpPr>
         <p:spPr>
           <a:xfrm>
             <a:off x="2635920" y="6114240"/>
-            <a:ext cx="4428360" cy="272520"/>
+            <a:ext cx="4428000" cy="272520"/>
           </a:xfrm>
           <a:prstGeom prst="rect">
             <a:avLst/>
@@ -25493,7 +29066,7 @@
                 <a:uFillTx/>
                 <a:latin typeface="Arial"/>
               </a:rPr>
-              <a:t>RODOVIA BR 262, KM 25 ZONA RURAL, TRÊS LAGOAS – MS  79601-970</a:t>
+              <a:t>[local_treinamento]</a:t>
             </a:r>
             <a:endParaRPr b="0" lang="en-US" sz="600" strike="noStrike" u="none">
               <a:solidFill>
@@ -25507,14 +29080,14 @@
       </p:sp>
       <p:sp>
         <p:nvSpPr>
-          <p:cNvPr id="284" name="Retângulo 2"/>
+          <p:cNvPr id="326" name="Retângulo 2"/>
           <p:cNvSpPr/>
           <p:nvPr/>
         </p:nvSpPr>
         <p:spPr>
           <a:xfrm>
             <a:off x="6878160" y="1698480"/>
-            <a:ext cx="2231280" cy="942120"/>
+            <a:ext cx="2230920" cy="942120"/>
           </a:xfrm>
           <a:prstGeom prst="rect">
             <a:avLst/>
@@ -25713,13 +29286,13 @@
       </p:sp>
       <p:graphicFrame>
         <p:nvGraphicFramePr>
-          <p:cNvPr id="285" name="Tabela 2"/>
+          <p:cNvPr id="327" name="Tabela 2"/>
           <p:cNvGraphicFramePr/>
           <p:nvPr/>
         </p:nvGraphicFramePr>
         <p:xfrm>
           <a:off x="315720" y="1707480"/>
-          <a:ext cx="6467040" cy="3024720"/>
+          <a:ext cx="6467040" cy="3024360"/>
         </p:xfrm>
         <a:graphic>
           <a:graphicData uri="http://schemas.openxmlformats.org/drawingml/2006/table">
@@ -25864,14 +29437,14 @@
       </p:graphicFrame>
       <p:sp>
         <p:nvSpPr>
-          <p:cNvPr id="286" name="Retângulo 4"/>
+          <p:cNvPr id="328" name="Retângulo 4"/>
           <p:cNvSpPr/>
           <p:nvPr/>
         </p:nvSpPr>
         <p:spPr>
           <a:xfrm>
             <a:off x="6878160" y="2760480"/>
-            <a:ext cx="2231280" cy="942120"/>
+            <a:ext cx="2230920" cy="942120"/>
           </a:xfrm>
           <a:prstGeom prst="rect">
             <a:avLst/>
@@ -32610,6 +36183,1038 @@
 </a:theme>
 </file>
 
+<file path=ppt/theme/theme44.xml><?xml version="1.0" encoding="utf-8"?>
+<a:theme xmlns:a="http://schemas.openxmlformats.org/drawingml/2006/main" xmlns:r="http://schemas.openxmlformats.org/officeDocument/2006/relationships" name="Tema do Office">
+  <a:themeElements>
+    <a:clrScheme name="Tema do Office">
+      <a:dk1>
+        <a:srgbClr val="000000"/>
+      </a:dk1>
+      <a:lt1>
+        <a:srgbClr val="ffffff"/>
+      </a:lt1>
+      <a:dk2>
+        <a:srgbClr val="44546a"/>
+      </a:dk2>
+      <a:lt2>
+        <a:srgbClr val="e7e6e6"/>
+      </a:lt2>
+      <a:accent1>
+        <a:srgbClr val="5b9bd5"/>
+      </a:accent1>
+      <a:accent2>
+        <a:srgbClr val="ed7d31"/>
+      </a:accent2>
+      <a:accent3>
+        <a:srgbClr val="a5a5a5"/>
+      </a:accent3>
+      <a:accent4>
+        <a:srgbClr val="ffc000"/>
+      </a:accent4>
+      <a:accent5>
+        <a:srgbClr val="4472c4"/>
+      </a:accent5>
+      <a:accent6>
+        <a:srgbClr val="70ad47"/>
+      </a:accent6>
+      <a:hlink>
+        <a:srgbClr val="0563c1"/>
+      </a:hlink>
+      <a:folHlink>
+        <a:srgbClr val="954f72"/>
+      </a:folHlink>
+    </a:clrScheme>
+    <a:fontScheme name="Tema do Office">
+      <a:majorFont>
+        <a:latin typeface="Calibri Light" panose="020F0302020204030204" pitchFamily="0" charset="1"/>
+        <a:ea typeface=""/>
+        <a:cs typeface=""/>
+      </a:majorFont>
+      <a:minorFont>
+        <a:latin typeface="Calibri" panose="020F0502020204030204" pitchFamily="0" charset="1"/>
+        <a:ea typeface=""/>
+        <a:cs typeface=""/>
+      </a:minorFont>
+    </a:fontScheme>
+    <a:fmtScheme>
+      <a:fillStyleLst>
+        <a:solidFill>
+          <a:schemeClr val="phClr"/>
+        </a:solidFill>
+        <a:gradFill>
+          <a:gsLst>
+            <a:gs pos="0">
+              <a:schemeClr val="phClr">
+                <a:lumMod val="110000"/>
+                <a:tint val="67000"/>
+              </a:schemeClr>
+            </a:gs>
+            <a:gs pos="50000">
+              <a:schemeClr val="phClr">
+                <a:lumMod val="105000"/>
+                <a:tint val="73000"/>
+              </a:schemeClr>
+            </a:gs>
+            <a:gs pos="100000">
+              <a:schemeClr val="phClr">
+                <a:lumMod val="105000"/>
+                <a:tint val="81000"/>
+              </a:schemeClr>
+            </a:gs>
+          </a:gsLst>
+          <a:lin ang="5400000" scaled="0"/>
+          <a:tileRect l="0" t="0" r="0" b="0"/>
+        </a:gradFill>
+        <a:gradFill>
+          <a:gsLst>
+            <a:gs pos="0">
+              <a:schemeClr val="phClr">
+                <a:lumMod val="102000"/>
+                <a:tint val="94000"/>
+              </a:schemeClr>
+            </a:gs>
+            <a:gs pos="50000">
+              <a:schemeClr val="phClr">
+                <a:lumMod val="100000"/>
+                <a:shade val="100000"/>
+              </a:schemeClr>
+            </a:gs>
+            <a:gs pos="100000">
+              <a:schemeClr val="phClr">
+                <a:lumMod val="99000"/>
+                <a:shade val="78000"/>
+              </a:schemeClr>
+            </a:gs>
+          </a:gsLst>
+          <a:lin ang="5400000" scaled="0"/>
+          <a:tileRect l="0" t="0" r="0" b="0"/>
+        </a:gradFill>
+      </a:fillStyleLst>
+      <a:lnStyleLst>
+        <a:ln w="6350" cap="flat" cmpd="sng" algn="ctr">
+          <a:prstDash val="solid"/>
+          <a:miter lim="800000"/>
+        </a:ln>
+        <a:ln w="12700" cap="flat" cmpd="sng" algn="ctr">
+          <a:prstDash val="solid"/>
+          <a:miter lim="800000"/>
+        </a:ln>
+        <a:ln w="19050" cap="flat" cmpd="sng" algn="ctr">
+          <a:prstDash val="solid"/>
+          <a:miter lim="800000"/>
+        </a:ln>
+      </a:lnStyleLst>
+      <a:effectStyleLst>
+        <a:effectStyle>
+          <a:effectLst/>
+        </a:effectStyle>
+        <a:effectStyle>
+          <a:effectLst/>
+        </a:effectStyle>
+        <a:effectStyle>
+          <a:effectLst/>
+        </a:effectStyle>
+      </a:effectStyleLst>
+      <a:bgFillStyleLst>
+        <a:solidFill>
+          <a:schemeClr val="phClr"/>
+        </a:solidFill>
+        <a:solidFill>
+          <a:schemeClr val="phClr">
+            <a:tint val="95000"/>
+          </a:schemeClr>
+        </a:solidFill>
+        <a:gradFill>
+          <a:gsLst>
+            <a:gs pos="0">
+              <a:schemeClr val="phClr">
+                <a:tint val="93000"/>
+                <a:shade val="98000"/>
+                <a:lumMod val="102000"/>
+              </a:schemeClr>
+            </a:gs>
+            <a:gs pos="50000">
+              <a:schemeClr val="phClr">
+                <a:tint val="98000"/>
+                <a:shade val="90000"/>
+                <a:lumMod val="103000"/>
+              </a:schemeClr>
+            </a:gs>
+            <a:gs pos="100000">
+              <a:schemeClr val="phClr">
+                <a:shade val="63000"/>
+              </a:schemeClr>
+            </a:gs>
+          </a:gsLst>
+          <a:lin ang="5400000" scaled="0"/>
+          <a:tileRect l="0" t="0" r="0" b="0"/>
+        </a:gradFill>
+      </a:bgFillStyleLst>
+    </a:fmtScheme>
+  </a:themeElements>
+</a:theme>
+</file>
+
+<file path=ppt/theme/theme45.xml><?xml version="1.0" encoding="utf-8"?>
+<a:theme xmlns:a="http://schemas.openxmlformats.org/drawingml/2006/main" xmlns:r="http://schemas.openxmlformats.org/officeDocument/2006/relationships" name="Tema do Office">
+  <a:themeElements>
+    <a:clrScheme name="Tema do Office">
+      <a:dk1>
+        <a:srgbClr val="000000"/>
+      </a:dk1>
+      <a:lt1>
+        <a:srgbClr val="ffffff"/>
+      </a:lt1>
+      <a:dk2>
+        <a:srgbClr val="44546a"/>
+      </a:dk2>
+      <a:lt2>
+        <a:srgbClr val="e7e6e6"/>
+      </a:lt2>
+      <a:accent1>
+        <a:srgbClr val="5b9bd5"/>
+      </a:accent1>
+      <a:accent2>
+        <a:srgbClr val="ed7d31"/>
+      </a:accent2>
+      <a:accent3>
+        <a:srgbClr val="a5a5a5"/>
+      </a:accent3>
+      <a:accent4>
+        <a:srgbClr val="ffc000"/>
+      </a:accent4>
+      <a:accent5>
+        <a:srgbClr val="4472c4"/>
+      </a:accent5>
+      <a:accent6>
+        <a:srgbClr val="70ad47"/>
+      </a:accent6>
+      <a:hlink>
+        <a:srgbClr val="0563c1"/>
+      </a:hlink>
+      <a:folHlink>
+        <a:srgbClr val="954f72"/>
+      </a:folHlink>
+    </a:clrScheme>
+    <a:fontScheme name="Tema do Office">
+      <a:majorFont>
+        <a:latin typeface="Calibri Light" panose="020F0302020204030204" pitchFamily="0" charset="1"/>
+        <a:ea typeface=""/>
+        <a:cs typeface=""/>
+      </a:majorFont>
+      <a:minorFont>
+        <a:latin typeface="Calibri" panose="020F0502020204030204" pitchFamily="0" charset="1"/>
+        <a:ea typeface=""/>
+        <a:cs typeface=""/>
+      </a:minorFont>
+    </a:fontScheme>
+    <a:fmtScheme>
+      <a:fillStyleLst>
+        <a:solidFill>
+          <a:schemeClr val="phClr"/>
+        </a:solidFill>
+        <a:gradFill>
+          <a:gsLst>
+            <a:gs pos="0">
+              <a:schemeClr val="phClr">
+                <a:lumMod val="110000"/>
+                <a:tint val="67000"/>
+              </a:schemeClr>
+            </a:gs>
+            <a:gs pos="50000">
+              <a:schemeClr val="phClr">
+                <a:lumMod val="105000"/>
+                <a:tint val="73000"/>
+              </a:schemeClr>
+            </a:gs>
+            <a:gs pos="100000">
+              <a:schemeClr val="phClr">
+                <a:lumMod val="105000"/>
+                <a:tint val="81000"/>
+              </a:schemeClr>
+            </a:gs>
+          </a:gsLst>
+          <a:lin ang="5400000" scaled="0"/>
+          <a:tileRect l="0" t="0" r="0" b="0"/>
+        </a:gradFill>
+        <a:gradFill>
+          <a:gsLst>
+            <a:gs pos="0">
+              <a:schemeClr val="phClr">
+                <a:lumMod val="102000"/>
+                <a:tint val="94000"/>
+              </a:schemeClr>
+            </a:gs>
+            <a:gs pos="50000">
+              <a:schemeClr val="phClr">
+                <a:lumMod val="100000"/>
+                <a:shade val="100000"/>
+              </a:schemeClr>
+            </a:gs>
+            <a:gs pos="100000">
+              <a:schemeClr val="phClr">
+                <a:lumMod val="99000"/>
+                <a:shade val="78000"/>
+              </a:schemeClr>
+            </a:gs>
+          </a:gsLst>
+          <a:lin ang="5400000" scaled="0"/>
+          <a:tileRect l="0" t="0" r="0" b="0"/>
+        </a:gradFill>
+      </a:fillStyleLst>
+      <a:lnStyleLst>
+        <a:ln w="6350" cap="flat" cmpd="sng" algn="ctr">
+          <a:prstDash val="solid"/>
+          <a:miter lim="800000"/>
+        </a:ln>
+        <a:ln w="12700" cap="flat" cmpd="sng" algn="ctr">
+          <a:prstDash val="solid"/>
+          <a:miter lim="800000"/>
+        </a:ln>
+        <a:ln w="19050" cap="flat" cmpd="sng" algn="ctr">
+          <a:prstDash val="solid"/>
+          <a:miter lim="800000"/>
+        </a:ln>
+      </a:lnStyleLst>
+      <a:effectStyleLst>
+        <a:effectStyle>
+          <a:effectLst/>
+        </a:effectStyle>
+        <a:effectStyle>
+          <a:effectLst/>
+        </a:effectStyle>
+        <a:effectStyle>
+          <a:effectLst/>
+        </a:effectStyle>
+      </a:effectStyleLst>
+      <a:bgFillStyleLst>
+        <a:solidFill>
+          <a:schemeClr val="phClr"/>
+        </a:solidFill>
+        <a:solidFill>
+          <a:schemeClr val="phClr">
+            <a:tint val="95000"/>
+          </a:schemeClr>
+        </a:solidFill>
+        <a:gradFill>
+          <a:gsLst>
+            <a:gs pos="0">
+              <a:schemeClr val="phClr">
+                <a:tint val="93000"/>
+                <a:shade val="98000"/>
+                <a:lumMod val="102000"/>
+              </a:schemeClr>
+            </a:gs>
+            <a:gs pos="50000">
+              <a:schemeClr val="phClr">
+                <a:tint val="98000"/>
+                <a:shade val="90000"/>
+                <a:lumMod val="103000"/>
+              </a:schemeClr>
+            </a:gs>
+            <a:gs pos="100000">
+              <a:schemeClr val="phClr">
+                <a:shade val="63000"/>
+              </a:schemeClr>
+            </a:gs>
+          </a:gsLst>
+          <a:lin ang="5400000" scaled="0"/>
+          <a:tileRect l="0" t="0" r="0" b="0"/>
+        </a:gradFill>
+      </a:bgFillStyleLst>
+    </a:fmtScheme>
+  </a:themeElements>
+</a:theme>
+</file>
+
+<file path=ppt/theme/theme46.xml><?xml version="1.0" encoding="utf-8"?>
+<a:theme xmlns:a="http://schemas.openxmlformats.org/drawingml/2006/main" xmlns:r="http://schemas.openxmlformats.org/officeDocument/2006/relationships" name="Tema do Office">
+  <a:themeElements>
+    <a:clrScheme name="Tema do Office">
+      <a:dk1>
+        <a:srgbClr val="000000"/>
+      </a:dk1>
+      <a:lt1>
+        <a:srgbClr val="ffffff"/>
+      </a:lt1>
+      <a:dk2>
+        <a:srgbClr val="44546a"/>
+      </a:dk2>
+      <a:lt2>
+        <a:srgbClr val="e7e6e6"/>
+      </a:lt2>
+      <a:accent1>
+        <a:srgbClr val="5b9bd5"/>
+      </a:accent1>
+      <a:accent2>
+        <a:srgbClr val="ed7d31"/>
+      </a:accent2>
+      <a:accent3>
+        <a:srgbClr val="a5a5a5"/>
+      </a:accent3>
+      <a:accent4>
+        <a:srgbClr val="ffc000"/>
+      </a:accent4>
+      <a:accent5>
+        <a:srgbClr val="4472c4"/>
+      </a:accent5>
+      <a:accent6>
+        <a:srgbClr val="70ad47"/>
+      </a:accent6>
+      <a:hlink>
+        <a:srgbClr val="0563c1"/>
+      </a:hlink>
+      <a:folHlink>
+        <a:srgbClr val="954f72"/>
+      </a:folHlink>
+    </a:clrScheme>
+    <a:fontScheme name="Tema do Office">
+      <a:majorFont>
+        <a:latin typeface="Calibri Light" panose="020F0302020204030204" pitchFamily="0" charset="1"/>
+        <a:ea typeface=""/>
+        <a:cs typeface=""/>
+      </a:majorFont>
+      <a:minorFont>
+        <a:latin typeface="Calibri" panose="020F0502020204030204" pitchFamily="0" charset="1"/>
+        <a:ea typeface=""/>
+        <a:cs typeface=""/>
+      </a:minorFont>
+    </a:fontScheme>
+    <a:fmtScheme>
+      <a:fillStyleLst>
+        <a:solidFill>
+          <a:schemeClr val="phClr"/>
+        </a:solidFill>
+        <a:gradFill>
+          <a:gsLst>
+            <a:gs pos="0">
+              <a:schemeClr val="phClr">
+                <a:lumMod val="110000"/>
+                <a:tint val="67000"/>
+              </a:schemeClr>
+            </a:gs>
+            <a:gs pos="50000">
+              <a:schemeClr val="phClr">
+                <a:lumMod val="105000"/>
+                <a:tint val="73000"/>
+              </a:schemeClr>
+            </a:gs>
+            <a:gs pos="100000">
+              <a:schemeClr val="phClr">
+                <a:lumMod val="105000"/>
+                <a:tint val="81000"/>
+              </a:schemeClr>
+            </a:gs>
+          </a:gsLst>
+          <a:lin ang="5400000" scaled="0"/>
+          <a:tileRect l="0" t="0" r="0" b="0"/>
+        </a:gradFill>
+        <a:gradFill>
+          <a:gsLst>
+            <a:gs pos="0">
+              <a:schemeClr val="phClr">
+                <a:lumMod val="102000"/>
+                <a:tint val="94000"/>
+              </a:schemeClr>
+            </a:gs>
+            <a:gs pos="50000">
+              <a:schemeClr val="phClr">
+                <a:lumMod val="100000"/>
+                <a:shade val="100000"/>
+              </a:schemeClr>
+            </a:gs>
+            <a:gs pos="100000">
+              <a:schemeClr val="phClr">
+                <a:lumMod val="99000"/>
+                <a:shade val="78000"/>
+              </a:schemeClr>
+            </a:gs>
+          </a:gsLst>
+          <a:lin ang="5400000" scaled="0"/>
+          <a:tileRect l="0" t="0" r="0" b="0"/>
+        </a:gradFill>
+      </a:fillStyleLst>
+      <a:lnStyleLst>
+        <a:ln w="6350" cap="flat" cmpd="sng" algn="ctr">
+          <a:prstDash val="solid"/>
+          <a:miter lim="800000"/>
+        </a:ln>
+        <a:ln w="12700" cap="flat" cmpd="sng" algn="ctr">
+          <a:prstDash val="solid"/>
+          <a:miter lim="800000"/>
+        </a:ln>
+        <a:ln w="19050" cap="flat" cmpd="sng" algn="ctr">
+          <a:prstDash val="solid"/>
+          <a:miter lim="800000"/>
+        </a:ln>
+      </a:lnStyleLst>
+      <a:effectStyleLst>
+        <a:effectStyle>
+          <a:effectLst/>
+        </a:effectStyle>
+        <a:effectStyle>
+          <a:effectLst/>
+        </a:effectStyle>
+        <a:effectStyle>
+          <a:effectLst/>
+        </a:effectStyle>
+      </a:effectStyleLst>
+      <a:bgFillStyleLst>
+        <a:solidFill>
+          <a:schemeClr val="phClr"/>
+        </a:solidFill>
+        <a:solidFill>
+          <a:schemeClr val="phClr">
+            <a:tint val="95000"/>
+          </a:schemeClr>
+        </a:solidFill>
+        <a:gradFill>
+          <a:gsLst>
+            <a:gs pos="0">
+              <a:schemeClr val="phClr">
+                <a:tint val="93000"/>
+                <a:shade val="98000"/>
+                <a:lumMod val="102000"/>
+              </a:schemeClr>
+            </a:gs>
+            <a:gs pos="50000">
+              <a:schemeClr val="phClr">
+                <a:tint val="98000"/>
+                <a:shade val="90000"/>
+                <a:lumMod val="103000"/>
+              </a:schemeClr>
+            </a:gs>
+            <a:gs pos="100000">
+              <a:schemeClr val="phClr">
+                <a:shade val="63000"/>
+              </a:schemeClr>
+            </a:gs>
+          </a:gsLst>
+          <a:lin ang="5400000" scaled="0"/>
+          <a:tileRect l="0" t="0" r="0" b="0"/>
+        </a:gradFill>
+      </a:bgFillStyleLst>
+    </a:fmtScheme>
+  </a:themeElements>
+</a:theme>
+</file>
+
+<file path=ppt/theme/theme47.xml><?xml version="1.0" encoding="utf-8"?>
+<a:theme xmlns:a="http://schemas.openxmlformats.org/drawingml/2006/main" xmlns:r="http://schemas.openxmlformats.org/officeDocument/2006/relationships" name="Tema do Office">
+  <a:themeElements>
+    <a:clrScheme name="Tema do Office">
+      <a:dk1>
+        <a:srgbClr val="000000"/>
+      </a:dk1>
+      <a:lt1>
+        <a:srgbClr val="ffffff"/>
+      </a:lt1>
+      <a:dk2>
+        <a:srgbClr val="44546a"/>
+      </a:dk2>
+      <a:lt2>
+        <a:srgbClr val="e7e6e6"/>
+      </a:lt2>
+      <a:accent1>
+        <a:srgbClr val="5b9bd5"/>
+      </a:accent1>
+      <a:accent2>
+        <a:srgbClr val="ed7d31"/>
+      </a:accent2>
+      <a:accent3>
+        <a:srgbClr val="a5a5a5"/>
+      </a:accent3>
+      <a:accent4>
+        <a:srgbClr val="ffc000"/>
+      </a:accent4>
+      <a:accent5>
+        <a:srgbClr val="4472c4"/>
+      </a:accent5>
+      <a:accent6>
+        <a:srgbClr val="70ad47"/>
+      </a:accent6>
+      <a:hlink>
+        <a:srgbClr val="0563c1"/>
+      </a:hlink>
+      <a:folHlink>
+        <a:srgbClr val="954f72"/>
+      </a:folHlink>
+    </a:clrScheme>
+    <a:fontScheme name="Tema do Office">
+      <a:majorFont>
+        <a:latin typeface="Calibri Light" panose="020F0302020204030204" pitchFamily="0" charset="1"/>
+        <a:ea typeface=""/>
+        <a:cs typeface=""/>
+      </a:majorFont>
+      <a:minorFont>
+        <a:latin typeface="Calibri" panose="020F0502020204030204" pitchFamily="0" charset="1"/>
+        <a:ea typeface=""/>
+        <a:cs typeface=""/>
+      </a:minorFont>
+    </a:fontScheme>
+    <a:fmtScheme>
+      <a:fillStyleLst>
+        <a:solidFill>
+          <a:schemeClr val="phClr"/>
+        </a:solidFill>
+        <a:gradFill>
+          <a:gsLst>
+            <a:gs pos="0">
+              <a:schemeClr val="phClr">
+                <a:lumMod val="110000"/>
+                <a:tint val="67000"/>
+              </a:schemeClr>
+            </a:gs>
+            <a:gs pos="50000">
+              <a:schemeClr val="phClr">
+                <a:lumMod val="105000"/>
+                <a:tint val="73000"/>
+              </a:schemeClr>
+            </a:gs>
+            <a:gs pos="100000">
+              <a:schemeClr val="phClr">
+                <a:lumMod val="105000"/>
+                <a:tint val="81000"/>
+              </a:schemeClr>
+            </a:gs>
+          </a:gsLst>
+          <a:lin ang="5400000" scaled="0"/>
+          <a:tileRect l="0" t="0" r="0" b="0"/>
+        </a:gradFill>
+        <a:gradFill>
+          <a:gsLst>
+            <a:gs pos="0">
+              <a:schemeClr val="phClr">
+                <a:lumMod val="102000"/>
+                <a:tint val="94000"/>
+              </a:schemeClr>
+            </a:gs>
+            <a:gs pos="50000">
+              <a:schemeClr val="phClr">
+                <a:lumMod val="100000"/>
+                <a:shade val="100000"/>
+              </a:schemeClr>
+            </a:gs>
+            <a:gs pos="100000">
+              <a:schemeClr val="phClr">
+                <a:lumMod val="99000"/>
+                <a:shade val="78000"/>
+              </a:schemeClr>
+            </a:gs>
+          </a:gsLst>
+          <a:lin ang="5400000" scaled="0"/>
+          <a:tileRect l="0" t="0" r="0" b="0"/>
+        </a:gradFill>
+      </a:fillStyleLst>
+      <a:lnStyleLst>
+        <a:ln w="6350" cap="flat" cmpd="sng" algn="ctr">
+          <a:prstDash val="solid"/>
+          <a:miter lim="800000"/>
+        </a:ln>
+        <a:ln w="12700" cap="flat" cmpd="sng" algn="ctr">
+          <a:prstDash val="solid"/>
+          <a:miter lim="800000"/>
+        </a:ln>
+        <a:ln w="19050" cap="flat" cmpd="sng" algn="ctr">
+          <a:prstDash val="solid"/>
+          <a:miter lim="800000"/>
+        </a:ln>
+      </a:lnStyleLst>
+      <a:effectStyleLst>
+        <a:effectStyle>
+          <a:effectLst/>
+        </a:effectStyle>
+        <a:effectStyle>
+          <a:effectLst/>
+        </a:effectStyle>
+        <a:effectStyle>
+          <a:effectLst/>
+        </a:effectStyle>
+      </a:effectStyleLst>
+      <a:bgFillStyleLst>
+        <a:solidFill>
+          <a:schemeClr val="phClr"/>
+        </a:solidFill>
+        <a:solidFill>
+          <a:schemeClr val="phClr">
+            <a:tint val="95000"/>
+          </a:schemeClr>
+        </a:solidFill>
+        <a:gradFill>
+          <a:gsLst>
+            <a:gs pos="0">
+              <a:schemeClr val="phClr">
+                <a:tint val="93000"/>
+                <a:shade val="98000"/>
+                <a:lumMod val="102000"/>
+              </a:schemeClr>
+            </a:gs>
+            <a:gs pos="50000">
+              <a:schemeClr val="phClr">
+                <a:tint val="98000"/>
+                <a:shade val="90000"/>
+                <a:lumMod val="103000"/>
+              </a:schemeClr>
+            </a:gs>
+            <a:gs pos="100000">
+              <a:schemeClr val="phClr">
+                <a:shade val="63000"/>
+              </a:schemeClr>
+            </a:gs>
+          </a:gsLst>
+          <a:lin ang="5400000" scaled="0"/>
+          <a:tileRect l="0" t="0" r="0" b="0"/>
+        </a:gradFill>
+      </a:bgFillStyleLst>
+    </a:fmtScheme>
+  </a:themeElements>
+</a:theme>
+</file>
+
+<file path=ppt/theme/theme48.xml><?xml version="1.0" encoding="utf-8"?>
+<a:theme xmlns:a="http://schemas.openxmlformats.org/drawingml/2006/main" xmlns:r="http://schemas.openxmlformats.org/officeDocument/2006/relationships" name="Tema do Office">
+  <a:themeElements>
+    <a:clrScheme name="Tema do Office">
+      <a:dk1>
+        <a:srgbClr val="000000"/>
+      </a:dk1>
+      <a:lt1>
+        <a:srgbClr val="ffffff"/>
+      </a:lt1>
+      <a:dk2>
+        <a:srgbClr val="44546a"/>
+      </a:dk2>
+      <a:lt2>
+        <a:srgbClr val="e7e6e6"/>
+      </a:lt2>
+      <a:accent1>
+        <a:srgbClr val="5b9bd5"/>
+      </a:accent1>
+      <a:accent2>
+        <a:srgbClr val="ed7d31"/>
+      </a:accent2>
+      <a:accent3>
+        <a:srgbClr val="a5a5a5"/>
+      </a:accent3>
+      <a:accent4>
+        <a:srgbClr val="ffc000"/>
+      </a:accent4>
+      <a:accent5>
+        <a:srgbClr val="4472c4"/>
+      </a:accent5>
+      <a:accent6>
+        <a:srgbClr val="70ad47"/>
+      </a:accent6>
+      <a:hlink>
+        <a:srgbClr val="0563c1"/>
+      </a:hlink>
+      <a:folHlink>
+        <a:srgbClr val="954f72"/>
+      </a:folHlink>
+    </a:clrScheme>
+    <a:fontScheme name="Tema do Office">
+      <a:majorFont>
+        <a:latin typeface="Calibri Light" panose="020F0302020204030204" pitchFamily="0" charset="1"/>
+        <a:ea typeface=""/>
+        <a:cs typeface=""/>
+      </a:majorFont>
+      <a:minorFont>
+        <a:latin typeface="Calibri" panose="020F0502020204030204" pitchFamily="0" charset="1"/>
+        <a:ea typeface=""/>
+        <a:cs typeface=""/>
+      </a:minorFont>
+    </a:fontScheme>
+    <a:fmtScheme>
+      <a:fillStyleLst>
+        <a:solidFill>
+          <a:schemeClr val="phClr"/>
+        </a:solidFill>
+        <a:gradFill>
+          <a:gsLst>
+            <a:gs pos="0">
+              <a:schemeClr val="phClr">
+                <a:lumMod val="110000"/>
+                <a:tint val="67000"/>
+              </a:schemeClr>
+            </a:gs>
+            <a:gs pos="50000">
+              <a:schemeClr val="phClr">
+                <a:lumMod val="105000"/>
+                <a:tint val="73000"/>
+              </a:schemeClr>
+            </a:gs>
+            <a:gs pos="100000">
+              <a:schemeClr val="phClr">
+                <a:lumMod val="105000"/>
+                <a:tint val="81000"/>
+              </a:schemeClr>
+            </a:gs>
+          </a:gsLst>
+          <a:lin ang="5400000" scaled="0"/>
+          <a:tileRect l="0" t="0" r="0" b="0"/>
+        </a:gradFill>
+        <a:gradFill>
+          <a:gsLst>
+            <a:gs pos="0">
+              <a:schemeClr val="phClr">
+                <a:lumMod val="102000"/>
+                <a:tint val="94000"/>
+              </a:schemeClr>
+            </a:gs>
+            <a:gs pos="50000">
+              <a:schemeClr val="phClr">
+                <a:lumMod val="100000"/>
+                <a:shade val="100000"/>
+              </a:schemeClr>
+            </a:gs>
+            <a:gs pos="100000">
+              <a:schemeClr val="phClr">
+                <a:lumMod val="99000"/>
+                <a:shade val="78000"/>
+              </a:schemeClr>
+            </a:gs>
+          </a:gsLst>
+          <a:lin ang="5400000" scaled="0"/>
+          <a:tileRect l="0" t="0" r="0" b="0"/>
+        </a:gradFill>
+      </a:fillStyleLst>
+      <a:lnStyleLst>
+        <a:ln w="6350" cap="flat" cmpd="sng" algn="ctr">
+          <a:prstDash val="solid"/>
+          <a:miter lim="800000"/>
+        </a:ln>
+        <a:ln w="12700" cap="flat" cmpd="sng" algn="ctr">
+          <a:prstDash val="solid"/>
+          <a:miter lim="800000"/>
+        </a:ln>
+        <a:ln w="19050" cap="flat" cmpd="sng" algn="ctr">
+          <a:prstDash val="solid"/>
+          <a:miter lim="800000"/>
+        </a:ln>
+      </a:lnStyleLst>
+      <a:effectStyleLst>
+        <a:effectStyle>
+          <a:effectLst/>
+        </a:effectStyle>
+        <a:effectStyle>
+          <a:effectLst/>
+        </a:effectStyle>
+        <a:effectStyle>
+          <a:effectLst/>
+        </a:effectStyle>
+      </a:effectStyleLst>
+      <a:bgFillStyleLst>
+        <a:solidFill>
+          <a:schemeClr val="phClr"/>
+        </a:solidFill>
+        <a:solidFill>
+          <a:schemeClr val="phClr">
+            <a:tint val="95000"/>
+          </a:schemeClr>
+        </a:solidFill>
+        <a:gradFill>
+          <a:gsLst>
+            <a:gs pos="0">
+              <a:schemeClr val="phClr">
+                <a:tint val="93000"/>
+                <a:shade val="98000"/>
+                <a:lumMod val="102000"/>
+              </a:schemeClr>
+            </a:gs>
+            <a:gs pos="50000">
+              <a:schemeClr val="phClr">
+                <a:tint val="98000"/>
+                <a:shade val="90000"/>
+                <a:lumMod val="103000"/>
+              </a:schemeClr>
+            </a:gs>
+            <a:gs pos="100000">
+              <a:schemeClr val="phClr">
+                <a:shade val="63000"/>
+              </a:schemeClr>
+            </a:gs>
+          </a:gsLst>
+          <a:lin ang="5400000" scaled="0"/>
+          <a:tileRect l="0" t="0" r="0" b="0"/>
+        </a:gradFill>
+      </a:bgFillStyleLst>
+    </a:fmtScheme>
+  </a:themeElements>
+</a:theme>
+</file>
+
+<file path=ppt/theme/theme49.xml><?xml version="1.0" encoding="utf-8"?>
+<a:theme xmlns:a="http://schemas.openxmlformats.org/drawingml/2006/main" xmlns:r="http://schemas.openxmlformats.org/officeDocument/2006/relationships" name="Tema do Office">
+  <a:themeElements>
+    <a:clrScheme name="Tema do Office">
+      <a:dk1>
+        <a:srgbClr val="000000"/>
+      </a:dk1>
+      <a:lt1>
+        <a:srgbClr val="ffffff"/>
+      </a:lt1>
+      <a:dk2>
+        <a:srgbClr val="44546a"/>
+      </a:dk2>
+      <a:lt2>
+        <a:srgbClr val="e7e6e6"/>
+      </a:lt2>
+      <a:accent1>
+        <a:srgbClr val="5b9bd5"/>
+      </a:accent1>
+      <a:accent2>
+        <a:srgbClr val="ed7d31"/>
+      </a:accent2>
+      <a:accent3>
+        <a:srgbClr val="a5a5a5"/>
+      </a:accent3>
+      <a:accent4>
+        <a:srgbClr val="ffc000"/>
+      </a:accent4>
+      <a:accent5>
+        <a:srgbClr val="4472c4"/>
+      </a:accent5>
+      <a:accent6>
+        <a:srgbClr val="70ad47"/>
+      </a:accent6>
+      <a:hlink>
+        <a:srgbClr val="0563c1"/>
+      </a:hlink>
+      <a:folHlink>
+        <a:srgbClr val="954f72"/>
+      </a:folHlink>
+    </a:clrScheme>
+    <a:fontScheme name="Tema do Office">
+      <a:majorFont>
+        <a:latin typeface="Calibri Light" panose="020F0302020204030204" pitchFamily="0" charset="1"/>
+        <a:ea typeface=""/>
+        <a:cs typeface=""/>
+      </a:majorFont>
+      <a:minorFont>
+        <a:latin typeface="Calibri" panose="020F0502020204030204" pitchFamily="0" charset="1"/>
+        <a:ea typeface=""/>
+        <a:cs typeface=""/>
+      </a:minorFont>
+    </a:fontScheme>
+    <a:fmtScheme>
+      <a:fillStyleLst>
+        <a:solidFill>
+          <a:schemeClr val="phClr"/>
+        </a:solidFill>
+        <a:gradFill>
+          <a:gsLst>
+            <a:gs pos="0">
+              <a:schemeClr val="phClr">
+                <a:lumMod val="110000"/>
+                <a:tint val="67000"/>
+              </a:schemeClr>
+            </a:gs>
+            <a:gs pos="50000">
+              <a:schemeClr val="phClr">
+                <a:lumMod val="105000"/>
+                <a:tint val="73000"/>
+              </a:schemeClr>
+            </a:gs>
+            <a:gs pos="100000">
+              <a:schemeClr val="phClr">
+                <a:lumMod val="105000"/>
+                <a:tint val="81000"/>
+              </a:schemeClr>
+            </a:gs>
+          </a:gsLst>
+          <a:lin ang="5400000" scaled="0"/>
+          <a:tileRect l="0" t="0" r="0" b="0"/>
+        </a:gradFill>
+        <a:gradFill>
+          <a:gsLst>
+            <a:gs pos="0">
+              <a:schemeClr val="phClr">
+                <a:lumMod val="102000"/>
+                <a:tint val="94000"/>
+              </a:schemeClr>
+            </a:gs>
+            <a:gs pos="50000">
+              <a:schemeClr val="phClr">
+                <a:lumMod val="100000"/>
+                <a:shade val="100000"/>
+              </a:schemeClr>
+            </a:gs>
+            <a:gs pos="100000">
+              <a:schemeClr val="phClr">
+                <a:lumMod val="99000"/>
+                <a:shade val="78000"/>
+              </a:schemeClr>
+            </a:gs>
+          </a:gsLst>
+          <a:lin ang="5400000" scaled="0"/>
+          <a:tileRect l="0" t="0" r="0" b="0"/>
+        </a:gradFill>
+      </a:fillStyleLst>
+      <a:lnStyleLst>
+        <a:ln w="6350" cap="flat" cmpd="sng" algn="ctr">
+          <a:prstDash val="solid"/>
+          <a:miter lim="800000"/>
+        </a:ln>
+        <a:ln w="12700" cap="flat" cmpd="sng" algn="ctr">
+          <a:prstDash val="solid"/>
+          <a:miter lim="800000"/>
+        </a:ln>
+        <a:ln w="19050" cap="flat" cmpd="sng" algn="ctr">
+          <a:prstDash val="solid"/>
+          <a:miter lim="800000"/>
+        </a:ln>
+      </a:lnStyleLst>
+      <a:effectStyleLst>
+        <a:effectStyle>
+          <a:effectLst/>
+        </a:effectStyle>
+        <a:effectStyle>
+          <a:effectLst/>
+        </a:effectStyle>
+        <a:effectStyle>
+          <a:effectLst/>
+        </a:effectStyle>
+      </a:effectStyleLst>
+      <a:bgFillStyleLst>
+        <a:solidFill>
+          <a:schemeClr val="phClr"/>
+        </a:solidFill>
+        <a:solidFill>
+          <a:schemeClr val="phClr">
+            <a:tint val="95000"/>
+          </a:schemeClr>
+        </a:solidFill>
+        <a:gradFill>
+          <a:gsLst>
+            <a:gs pos="0">
+              <a:schemeClr val="phClr">
+                <a:tint val="93000"/>
+                <a:shade val="98000"/>
+                <a:lumMod val="102000"/>
+              </a:schemeClr>
+            </a:gs>
+            <a:gs pos="50000">
+              <a:schemeClr val="phClr">
+                <a:tint val="98000"/>
+                <a:shade val="90000"/>
+                <a:lumMod val="103000"/>
+              </a:schemeClr>
+            </a:gs>
+            <a:gs pos="100000">
+              <a:schemeClr val="phClr">
+                <a:shade val="63000"/>
+              </a:schemeClr>
+            </a:gs>
+          </a:gsLst>
+          <a:lin ang="5400000" scaled="0"/>
+          <a:tileRect l="0" t="0" r="0" b="0"/>
+        </a:gradFill>
+      </a:bgFillStyleLst>
+    </a:fmtScheme>
+  </a:themeElements>
+</a:theme>
+</file>
+
 <file path=ppt/theme/theme5.xml><?xml version="1.0" encoding="utf-8"?>
 <a:theme xmlns:a="http://schemas.openxmlformats.org/drawingml/2006/main" xmlns:r="http://schemas.openxmlformats.org/officeDocument/2006/relationships" name="Tema do Office">
   <a:themeElements>

--- a/public/templates/certificado-frente-verso.pptx
+++ b/public/templates/certificado-frente-verso.pptx
@@ -51,10 +51,16 @@
     <p:sldMasterId id="2147483740" r:id="rId48"/>
     <p:sldMasterId id="2147483742" r:id="rId49"/>
     <p:sldMasterId id="2147483744" r:id="rId50"/>
+    <p:sldMasterId id="2147483746" r:id="rId51"/>
+    <p:sldMasterId id="2147483748" r:id="rId52"/>
+    <p:sldMasterId id="2147483750" r:id="rId53"/>
+    <p:sldMasterId id="2147483752" r:id="rId54"/>
+    <p:sldMasterId id="2147483754" r:id="rId55"/>
+    <p:sldMasterId id="2147483756" r:id="rId56"/>
   </p:sldMasterIdLst>
   <p:sldIdLst>
-    <p:sldId id="256" r:id="rId51"/>
-    <p:sldId id="257" r:id="rId52"/>
+    <p:sldId id="256" r:id="rId57"/>
+    <p:sldId id="257" r:id="rId58"/>
   </p:sldIdLst>
   <p:sldSz cx="9701213" cy="6858000"/>
   <p:notesSz cx="7772400" cy="10058400"/>
@@ -91,7 +97,7 @@
         <p:spPr>
           <a:xfrm>
             <a:off x="727560" y="1122480"/>
-            <a:ext cx="8245080" cy="2386440"/>
+            <a:ext cx="8244720" cy="2386080"/>
           </a:xfrm>
           <a:prstGeom prst="rect">
             <a:avLst/>
@@ -153,7 +159,7 @@
         <p:txBody>
           <a:bodyPr/>
           <a:p>
-            <a:fld id="{540CF850-3C39-4F39-8659-04A607EE429B}" type="slidenum">
+            <a:fld id="{20980E7A-1C73-4674-9363-59FD212B572F}" type="slidenum">
               <a:t>&lt;#&gt;</a:t>
             </a:fld>
           </a:p>
@@ -215,7 +221,7 @@
         <p:spPr>
           <a:xfrm>
             <a:off x="727560" y="1122480"/>
-            <a:ext cx="8245080" cy="2386440"/>
+            <a:ext cx="8244720" cy="2386080"/>
           </a:xfrm>
           <a:prstGeom prst="rect">
             <a:avLst/>
@@ -321,7 +327,7 @@
         <p:txBody>
           <a:bodyPr/>
           <a:p>
-            <a:fld id="{26750913-A758-4B6F-BDC3-67476A5E8A74}" type="slidenum">
+            <a:fld id="{63B8A2D7-F852-45B9-B37E-E630F45A2A7E}" type="slidenum">
               <a:t>&lt;#&gt;</a:t>
             </a:fld>
           </a:p>
@@ -383,7 +389,7 @@
         <p:spPr>
           <a:xfrm>
             <a:off x="727560" y="1122480"/>
-            <a:ext cx="8245080" cy="2386440"/>
+            <a:ext cx="8244720" cy="2386080"/>
           </a:xfrm>
           <a:prstGeom prst="rect">
             <a:avLst/>
@@ -533,7 +539,7 @@
         <p:txBody>
           <a:bodyPr/>
           <a:p>
-            <a:fld id="{583B26E3-81A6-440F-A9BB-7F5439CB752F}" type="slidenum">
+            <a:fld id="{283FF11C-5EC6-473A-8DFD-6A67205E6A2D}" type="slidenum">
               <a:t>&lt;#&gt;</a:t>
             </a:fld>
           </a:p>
@@ -595,7 +601,7 @@
         <p:spPr>
           <a:xfrm>
             <a:off x="727560" y="1122480"/>
-            <a:ext cx="8245080" cy="2386440"/>
+            <a:ext cx="8244720" cy="2386080"/>
           </a:xfrm>
           <a:prstGeom prst="rect">
             <a:avLst/>
@@ -657,7 +663,7 @@
         <p:txBody>
           <a:bodyPr/>
           <a:p>
-            <a:fld id="{AB20E0C0-4366-4C9A-BE63-9182A7773773}" type="slidenum">
+            <a:fld id="{AC205925-B7EE-4429-92CB-483FA34B45E7}" type="slidenum">
               <a:t>&lt;#&gt;</a:t>
             </a:fld>
           </a:p>
@@ -719,7 +725,7 @@
         <p:spPr>
           <a:xfrm>
             <a:off x="727560" y="1122480"/>
-            <a:ext cx="8245080" cy="2386440"/>
+            <a:ext cx="8244720" cy="2386080"/>
           </a:xfrm>
           <a:prstGeom prst="rect">
             <a:avLst/>
@@ -825,7 +831,7 @@
         <p:txBody>
           <a:bodyPr/>
           <a:p>
-            <a:fld id="{71169541-6988-4E21-ABC0-5016D5F45E0E}" type="slidenum">
+            <a:fld id="{90C1FA23-C90F-4AC8-9A13-B3BC323366A9}" type="slidenum">
               <a:t>&lt;#&gt;</a:t>
             </a:fld>
           </a:p>
@@ -887,7 +893,7 @@
         <p:spPr>
           <a:xfrm>
             <a:off x="727560" y="1122480"/>
-            <a:ext cx="8245080" cy="2386440"/>
+            <a:ext cx="8244720" cy="2386080"/>
           </a:xfrm>
           <a:prstGeom prst="rect">
             <a:avLst/>
@@ -990,7 +996,7 @@
         <p:txBody>
           <a:bodyPr/>
           <a:p>
-            <a:fld id="{1817857A-9AF6-4AD8-94BD-3F968F71EEA3}" type="slidenum">
+            <a:fld id="{AF85E1F6-A40F-45FE-9410-8EEAB59893A0}" type="slidenum">
               <a:t>&lt;#&gt;</a:t>
             </a:fld>
           </a:p>
@@ -1073,7 +1079,7 @@
         <p:txBody>
           <a:bodyPr/>
           <a:p>
-            <a:fld id="{AE716081-08F5-47E5-AE6F-B81B4967FC21}" type="slidenum">
+            <a:fld id="{F6972E67-84E5-4E97-9950-5B234C5783CF}" type="slidenum">
               <a:t>&lt;#&gt;</a:t>
             </a:fld>
           </a:p>
@@ -1156,7 +1162,7 @@
         <p:txBody>
           <a:bodyPr/>
           <a:p>
-            <a:fld id="{12E25ADD-819D-46FF-B44C-38997F595C9E}" type="slidenum">
+            <a:fld id="{FC665EC3-0547-4E33-BC60-280CF720E552}" type="slidenum">
               <a:t>&lt;#&gt;</a:t>
             </a:fld>
           </a:p>
@@ -1218,7 +1224,7 @@
         <p:spPr>
           <a:xfrm>
             <a:off x="727560" y="1122480"/>
-            <a:ext cx="8245080" cy="2386440"/>
+            <a:ext cx="8244720" cy="2386080"/>
           </a:xfrm>
           <a:prstGeom prst="rect">
             <a:avLst/>
@@ -1324,7 +1330,7 @@
         <p:txBody>
           <a:bodyPr/>
           <a:p>
-            <a:fld id="{A5D2FB25-03EA-49F5-8200-98E2A04EFD77}" type="slidenum">
+            <a:fld id="{2EA9CDFF-6E39-4112-9A0F-FC3AD3269E21}" type="slidenum">
               <a:t>&lt;#&gt;</a:t>
             </a:fld>
           </a:p>
@@ -1407,7 +1413,7 @@
         <p:txBody>
           <a:bodyPr/>
           <a:p>
-            <a:fld id="{80BAB2C4-0D9D-49B3-BB76-091446D10CA2}" type="slidenum">
+            <a:fld id="{C87E7A7A-BB85-48DE-B4DE-6DB5F4D5E7AD}" type="slidenum">
               <a:t>&lt;#&gt;</a:t>
             </a:fld>
           </a:p>
@@ -1469,7 +1475,7 @@
         <p:spPr>
           <a:xfrm>
             <a:off x="727560" y="1122480"/>
-            <a:ext cx="8245080" cy="2386440"/>
+            <a:ext cx="8244720" cy="2386080"/>
           </a:xfrm>
           <a:prstGeom prst="rect">
             <a:avLst/>
@@ -1619,7 +1625,7 @@
         <p:txBody>
           <a:bodyPr/>
           <a:p>
-            <a:fld id="{F681FE84-D786-4A69-98A9-2E79EA8CB473}" type="slidenum">
+            <a:fld id="{2D792403-A2D5-4AB3-8C53-5074FDA5B35D}" type="slidenum">
               <a:t>&lt;#&gt;</a:t>
             </a:fld>
           </a:p>
@@ -1681,7 +1687,7 @@
         <p:spPr>
           <a:xfrm>
             <a:off x="727560" y="1122480"/>
-            <a:ext cx="8245080" cy="2386440"/>
+            <a:ext cx="8244720" cy="2386080"/>
           </a:xfrm>
           <a:prstGeom prst="rect">
             <a:avLst/>
@@ -1831,7 +1837,7 @@
         <p:txBody>
           <a:bodyPr/>
           <a:p>
-            <a:fld id="{9D55A13A-B0F9-4FD3-ABB2-6BB2444BAB3B}" type="slidenum">
+            <a:fld id="{B4CBCB1D-FF5E-426A-BE3B-F65A8BEFD48D}" type="slidenum">
               <a:t>&lt;#&gt;</a:t>
             </a:fld>
           </a:p>
@@ -1914,7 +1920,7 @@
         <p:txBody>
           <a:bodyPr/>
           <a:p>
-            <a:fld id="{86266406-ECAB-4D71-B9E7-0271A727D92A}" type="slidenum">
+            <a:fld id="{9EBD5B0E-B66F-493A-A94A-6B852C443579}" type="slidenum">
               <a:t>&lt;#&gt;</a:t>
             </a:fld>
           </a:p>
@@ -1976,7 +1982,7 @@
         <p:spPr>
           <a:xfrm>
             <a:off x="727560" y="1122480"/>
-            <a:ext cx="8245080" cy="2386440"/>
+            <a:ext cx="8244720" cy="2386080"/>
           </a:xfrm>
           <a:prstGeom prst="rect">
             <a:avLst/>
@@ -2038,7 +2044,7 @@
         <p:txBody>
           <a:bodyPr/>
           <a:p>
-            <a:fld id="{6E611A7D-BC16-4072-BE49-763E7D589A77}" type="slidenum">
+            <a:fld id="{8625DDA1-B0F9-4BB2-BDAA-2A384BDA2CB3}" type="slidenum">
               <a:t>&lt;#&gt;</a:t>
             </a:fld>
           </a:p>
@@ -2121,7 +2127,7 @@
         <p:txBody>
           <a:bodyPr/>
           <a:p>
-            <a:fld id="{703628FA-186C-49BE-89A2-5B0C3E07B49C}" type="slidenum">
+            <a:fld id="{028FDB31-B513-4CDF-9D6F-2EC1AC4C9B56}" type="slidenum">
               <a:t>&lt;#&gt;</a:t>
             </a:fld>
           </a:p>
@@ -2204,7 +2210,7 @@
         <p:txBody>
           <a:bodyPr/>
           <a:p>
-            <a:fld id="{5666B76F-6906-44E7-8B36-EFFD58758155}" type="slidenum">
+            <a:fld id="{D1EBB011-DA62-46B9-9F71-D92AAEB62B5E}" type="slidenum">
               <a:t>&lt;#&gt;</a:t>
             </a:fld>
           </a:p>
@@ -2287,7 +2293,7 @@
         <p:txBody>
           <a:bodyPr/>
           <a:p>
-            <a:fld id="{6CFDF9CD-1F50-4AA1-A416-27CED36E637E}" type="slidenum">
+            <a:fld id="{FC63D1C7-6DA5-47EC-9787-CA2B937DB5F2}" type="slidenum">
               <a:t>&lt;#&gt;</a:t>
             </a:fld>
           </a:p>
@@ -2349,7 +2355,7 @@
         <p:spPr>
           <a:xfrm>
             <a:off x="727560" y="1122480"/>
-            <a:ext cx="8245080" cy="2386440"/>
+            <a:ext cx="8244720" cy="2386080"/>
           </a:xfrm>
           <a:prstGeom prst="rect">
             <a:avLst/>
@@ -2452,7 +2458,7 @@
         <p:txBody>
           <a:bodyPr/>
           <a:p>
-            <a:fld id="{EED4450D-4D2F-47DB-AF0E-5D01AD1E4540}" type="slidenum">
+            <a:fld id="{6EB69C58-3D91-4E29-BFD2-9826B202018B}" type="slidenum">
               <a:t>&lt;#&gt;</a:t>
             </a:fld>
           </a:p>
@@ -2535,7 +2541,7 @@
         <p:txBody>
           <a:bodyPr/>
           <a:p>
-            <a:fld id="{73C24B81-89D4-47CF-91C6-A657ACDEA522}" type="slidenum">
+            <a:fld id="{CF967C11-3C70-4A39-BF78-B032C80ECD3A}" type="slidenum">
               <a:t>&lt;#&gt;</a:t>
             </a:fld>
           </a:p>
@@ -2618,7 +2624,7 @@
         <p:txBody>
           <a:bodyPr/>
           <a:p>
-            <a:fld id="{5B7BE254-E0BC-4E09-93C4-F7D9EB29FD32}" type="slidenum">
+            <a:fld id="{6807CE12-C904-44C7-809A-F6FA5AB26709}" type="slidenum">
               <a:t>&lt;#&gt;</a:t>
             </a:fld>
           </a:p>
@@ -2680,7 +2686,7 @@
         <p:spPr>
           <a:xfrm>
             <a:off x="727560" y="1122480"/>
-            <a:ext cx="8245080" cy="2386440"/>
+            <a:ext cx="8244720" cy="2386080"/>
           </a:xfrm>
           <a:prstGeom prst="rect">
             <a:avLst/>
@@ -2786,7 +2792,7 @@
         <p:txBody>
           <a:bodyPr/>
           <a:p>
-            <a:fld id="{E0F0D2F4-785D-4A3C-8231-2F58FCEDB068}" type="slidenum">
+            <a:fld id="{FA28BADC-9F52-485E-8047-CFC4608AA1ED}" type="slidenum">
               <a:t>&lt;#&gt;</a:t>
             </a:fld>
           </a:p>
@@ -2869,7 +2875,7 @@
         <p:txBody>
           <a:bodyPr/>
           <a:p>
-            <a:fld id="{1BE1B878-BD7D-4F91-8097-F5073038732F}" type="slidenum">
+            <a:fld id="{30B54A2A-AAC1-48E0-8465-540313A553EC}" type="slidenum">
               <a:t>&lt;#&gt;</a:t>
             </a:fld>
           </a:p>
@@ -2931,7 +2937,7 @@
         <p:spPr>
           <a:xfrm>
             <a:off x="727560" y="1122480"/>
-            <a:ext cx="8245080" cy="2386440"/>
+            <a:ext cx="8244720" cy="2386080"/>
           </a:xfrm>
           <a:prstGeom prst="rect">
             <a:avLst/>
@@ -3037,7 +3043,7 @@
         <p:txBody>
           <a:bodyPr/>
           <a:p>
-            <a:fld id="{70C6A6FF-FC3C-4364-87CD-BD2BEE694E47}" type="slidenum">
+            <a:fld id="{1693D374-693F-424E-8362-D1E58BD54D54}" type="slidenum">
               <a:t>&lt;#&gt;</a:t>
             </a:fld>
           </a:p>
@@ -3099,7 +3105,7 @@
         <p:spPr>
           <a:xfrm>
             <a:off x="727560" y="1122480"/>
-            <a:ext cx="8245080" cy="2386440"/>
+            <a:ext cx="8244720" cy="2386080"/>
           </a:xfrm>
           <a:prstGeom prst="rect">
             <a:avLst/>
@@ -3249,7 +3255,7 @@
         <p:txBody>
           <a:bodyPr/>
           <a:p>
-            <a:fld id="{01896AE7-F5A8-411E-9215-391B3CAB7ECE}" type="slidenum">
+            <a:fld id="{0E2A73B3-1835-428C-B873-B49FE157F894}" type="slidenum">
               <a:t>&lt;#&gt;</a:t>
             </a:fld>
           </a:p>
@@ -3332,7 +3338,7 @@
         <p:txBody>
           <a:bodyPr/>
           <a:p>
-            <a:fld id="{7FBD0EEF-35E7-44B5-9DBA-FA0F7FF70775}" type="slidenum">
+            <a:fld id="{74EBFA5D-D36B-4A40-80B5-DDB6B3E2E23A}" type="slidenum">
               <a:t>&lt;#&gt;</a:t>
             </a:fld>
           </a:p>
@@ -3394,7 +3400,7 @@
         <p:spPr>
           <a:xfrm>
             <a:off x="727560" y="1122480"/>
-            <a:ext cx="8245080" cy="2386440"/>
+            <a:ext cx="8244720" cy="2386080"/>
           </a:xfrm>
           <a:prstGeom prst="rect">
             <a:avLst/>
@@ -3456,7 +3462,7 @@
         <p:txBody>
           <a:bodyPr/>
           <a:p>
-            <a:fld id="{B9C2EE9A-A693-4A91-9919-937F4316239F}" type="slidenum">
+            <a:fld id="{B82F83C8-276C-489B-AE90-792B21422F94}" type="slidenum">
               <a:t>&lt;#&gt;</a:t>
             </a:fld>
           </a:p>
@@ -3539,7 +3545,7 @@
         <p:txBody>
           <a:bodyPr/>
           <a:p>
-            <a:fld id="{CC5CE940-DB25-4118-886E-C0BF00ECAB35}" type="slidenum">
+            <a:fld id="{CB1AA46D-C41E-48E9-80D8-B5F53293EF17}" type="slidenum">
               <a:t>&lt;#&gt;</a:t>
             </a:fld>
           </a:p>
@@ -3622,7 +3628,7 @@
         <p:txBody>
           <a:bodyPr/>
           <a:p>
-            <a:fld id="{359ECF68-D5D8-4229-B434-4B2EFD5A330B}" type="slidenum">
+            <a:fld id="{3701752E-5CCB-42D1-BC24-B5465ADB69BC}" type="slidenum">
               <a:t>&lt;#&gt;</a:t>
             </a:fld>
           </a:p>
@@ -3705,7 +3711,7 @@
         <p:txBody>
           <a:bodyPr/>
           <a:p>
-            <a:fld id="{AF4039BB-476A-4B55-8DED-88800D3A2F0D}" type="slidenum">
+            <a:fld id="{D7FBC0E9-F19A-4213-9280-92A969F0E0FB}" type="slidenum">
               <a:t>&lt;#&gt;</a:t>
             </a:fld>
           </a:p>
@@ -3767,7 +3773,7 @@
         <p:spPr>
           <a:xfrm>
             <a:off x="727560" y="1122480"/>
-            <a:ext cx="8245080" cy="2386440"/>
+            <a:ext cx="8244720" cy="2386080"/>
           </a:xfrm>
           <a:prstGeom prst="rect">
             <a:avLst/>
@@ -3870,7 +3876,7 @@
         <p:txBody>
           <a:bodyPr/>
           <a:p>
-            <a:fld id="{7A385FC5-26E7-429C-A77D-CB6C6D37EF99}" type="slidenum">
+            <a:fld id="{05D5D024-5540-4CAC-B962-F8F72AE907AC}" type="slidenum">
               <a:t>&lt;#&gt;</a:t>
             </a:fld>
           </a:p>
@@ -3953,7 +3959,7 @@
         <p:txBody>
           <a:bodyPr/>
           <a:p>
-            <a:fld id="{88B40F78-594E-4780-A848-B686422FB357}" type="slidenum">
+            <a:fld id="{99158C01-9127-47D1-A9BF-B7A282D15503}" type="slidenum">
               <a:t>&lt;#&gt;</a:t>
             </a:fld>
           </a:p>
@@ -4036,7 +4042,7 @@
         <p:txBody>
           <a:bodyPr/>
           <a:p>
-            <a:fld id="{223E20BD-43AC-4AD7-AE83-97B0EC6861C2}" type="slidenum">
+            <a:fld id="{9FE7DA16-5726-45DB-A71A-6393A15AC723}" type="slidenum">
               <a:t>&lt;#&gt;</a:t>
             </a:fld>
           </a:p>
@@ -4119,7 +4125,7 @@
         <p:txBody>
           <a:bodyPr/>
           <a:p>
-            <a:fld id="{860BC0B2-2320-45C7-8031-23D4F5F8883A}" type="slidenum">
+            <a:fld id="{058F9E7A-C775-4A65-9648-F622CA70B706}" type="slidenum">
               <a:t>&lt;#&gt;</a:t>
             </a:fld>
           </a:p>
@@ -4202,7 +4208,7 @@
         <p:txBody>
           <a:bodyPr/>
           <a:p>
-            <a:fld id="{77D8927B-9A4C-431E-8E57-C34457D4F4D5}" type="slidenum">
+            <a:fld id="{1AE1EFB7-E1F6-4CB1-9D15-C64A56E6D725}" type="slidenum">
               <a:t>&lt;#&gt;</a:t>
             </a:fld>
           </a:p>
@@ -4264,7 +4270,7 @@
         <p:spPr>
           <a:xfrm>
             <a:off x="727560" y="1122480"/>
-            <a:ext cx="8245080" cy="2386440"/>
+            <a:ext cx="8244720" cy="2386080"/>
           </a:xfrm>
           <a:prstGeom prst="rect">
             <a:avLst/>
@@ -4370,7 +4376,7 @@
         <p:txBody>
           <a:bodyPr/>
           <a:p>
-            <a:fld id="{F90DDF20-A3EA-43D2-AA66-C36683B2086B}" type="slidenum">
+            <a:fld id="{94C4797C-6C8B-40E5-8E44-843617DF46D5}" type="slidenum">
               <a:t>&lt;#&gt;</a:t>
             </a:fld>
           </a:p>
@@ -4432,7 +4438,7 @@
         <p:spPr>
           <a:xfrm>
             <a:off x="727560" y="1122480"/>
-            <a:ext cx="8245080" cy="2386440"/>
+            <a:ext cx="8244720" cy="2386080"/>
           </a:xfrm>
           <a:prstGeom prst="rect">
             <a:avLst/>
@@ -4582,7 +4588,7 @@
         <p:txBody>
           <a:bodyPr/>
           <a:p>
-            <a:fld id="{4CFAAEF4-1064-4468-9B64-4C5385059013}" type="slidenum">
+            <a:fld id="{BB751BBF-939D-4F75-8ACD-E1F7052F43A6}" type="slidenum">
               <a:t>&lt;#&gt;</a:t>
             </a:fld>
           </a:p>
@@ -4644,7 +4650,7 @@
         <p:spPr>
           <a:xfrm>
             <a:off x="727560" y="1122480"/>
-            <a:ext cx="8245080" cy="2386440"/>
+            <a:ext cx="8244720" cy="2386080"/>
           </a:xfrm>
           <a:prstGeom prst="rect">
             <a:avLst/>
@@ -4706,7 +4712,7 @@
         <p:txBody>
           <a:bodyPr/>
           <a:p>
-            <a:fld id="{81D70967-E9C4-4317-B94E-5C888E8ED7E9}" type="slidenum">
+            <a:fld id="{E2987093-9ACE-4B31-A703-D2C27F7CE33D}" type="slidenum">
               <a:t>&lt;#&gt;</a:t>
             </a:fld>
           </a:p>
@@ -4789,7 +4795,7 @@
         <p:txBody>
           <a:bodyPr/>
           <a:p>
-            <a:fld id="{035F0C6A-8D29-4C8C-8C7F-5D37B8F143F8}" type="slidenum">
+            <a:fld id="{8556BA09-E043-4425-9578-06190F7E364C}" type="slidenum">
               <a:t>&lt;#&gt;</a:t>
             </a:fld>
           </a:p>
@@ -4872,7 +4878,7 @@
         <p:txBody>
           <a:bodyPr/>
           <a:p>
-            <a:fld id="{38526C0A-01ED-44B6-9090-3100E75C1EED}" type="slidenum">
+            <a:fld id="{4BEAB05E-6BEA-4A4D-9364-428BA252A591}" type="slidenum">
               <a:t>&lt;#&gt;</a:t>
             </a:fld>
           </a:p>
@@ -4955,7 +4961,7 @@
         <p:txBody>
           <a:bodyPr/>
           <a:p>
-            <a:fld id="{24299810-F340-4C2F-AA81-EC5989139DEF}" type="slidenum">
+            <a:fld id="{CE4047B4-26AF-4286-B040-CFA8398EAD91}" type="slidenum">
               <a:t>&lt;#&gt;</a:t>
             </a:fld>
           </a:p>
@@ -5017,7 +5023,7 @@
         <p:spPr>
           <a:xfrm>
             <a:off x="727560" y="1122480"/>
-            <a:ext cx="8245080" cy="2386440"/>
+            <a:ext cx="8244720" cy="2386080"/>
           </a:xfrm>
           <a:prstGeom prst="rect">
             <a:avLst/>
@@ -5123,7 +5129,7 @@
         <p:txBody>
           <a:bodyPr/>
           <a:p>
-            <a:fld id="{FB52A4EB-5BE0-46B2-99A0-F98576F8B647}" type="slidenum">
+            <a:fld id="{CCABA013-4BA0-4C49-801F-148A50505BDC}" type="slidenum">
               <a:t>&lt;#&gt;</a:t>
             </a:fld>
           </a:p>
@@ -5185,7 +5191,7 @@
         <p:spPr>
           <a:xfrm>
             <a:off x="727560" y="1122480"/>
-            <a:ext cx="8245080" cy="2386440"/>
+            <a:ext cx="8244720" cy="2386080"/>
           </a:xfrm>
           <a:prstGeom prst="rect">
             <a:avLst/>
@@ -5335,7 +5341,7 @@
         <p:txBody>
           <a:bodyPr/>
           <a:p>
-            <a:fld id="{61BE2B6A-A0D0-4E2C-AAA1-FA6796C5AEBF}" type="slidenum">
+            <a:fld id="{DB4B10C4-D282-4D7E-AE60-FBEF10CA03D5}" type="slidenum">
               <a:t>&lt;#&gt;</a:t>
             </a:fld>
           </a:p>
@@ -5397,7 +5403,7 @@
         <p:spPr>
           <a:xfrm>
             <a:off x="727560" y="1122480"/>
-            <a:ext cx="8245080" cy="2386440"/>
+            <a:ext cx="8244720" cy="2386080"/>
           </a:xfrm>
           <a:prstGeom prst="rect">
             <a:avLst/>
@@ -5459,7 +5465,7 @@
         <p:txBody>
           <a:bodyPr/>
           <a:p>
-            <a:fld id="{5A22AD05-FA4A-499B-9263-C7E9B84997ED}" type="slidenum">
+            <a:fld id="{7B7FD590-02C3-479A-8562-E5AC931CA8C9}" type="slidenum">
               <a:t>&lt;#&gt;</a:t>
             </a:fld>
           </a:p>
@@ -5542,7 +5548,7 @@
         <p:txBody>
           <a:bodyPr/>
           <a:p>
-            <a:fld id="{99E7C9A5-DA05-438B-A282-D0149476517D}" type="slidenum">
+            <a:fld id="{570F7E4A-2B4F-4CEE-AB7B-3BA5E65D515D}" type="slidenum">
               <a:t>&lt;#&gt;</a:t>
             </a:fld>
           </a:p>
@@ -5625,7 +5631,7 @@
         <p:txBody>
           <a:bodyPr/>
           <a:p>
-            <a:fld id="{47FFA040-6DF2-4157-B08F-99D7E56D3604}" type="slidenum">
+            <a:fld id="{0C40C254-FDD9-4A54-84F5-AA92C26C2B98}" type="slidenum">
               <a:t>&lt;#&gt;</a:t>
             </a:fld>
           </a:p>
@@ -5659,7 +5665,7 @@
 
 <file path=ppt/slideLayouts/slideLayout50.xml><?xml version="1.0" encoding="utf-8"?>
 <p:sldLayout xmlns:a="http://schemas.openxmlformats.org/drawingml/2006/main" xmlns:p="http://schemas.openxmlformats.org/presentationml/2006/main" xmlns:r="http://schemas.openxmlformats.org/officeDocument/2006/relationships" xmlns:p14="http://schemas.microsoft.com/office/powerpoint/2010/main" xmlns:p15="http://schemas.microsoft.com/office/powerpoint/2012/main" xmlns:mc="http://schemas.openxmlformats.org/markup-compatibility/2006" type="vertTx" preserve="1">
-  <p:cSld name="Default 35">
+  <p:cSld name="Default 36">
     <p:spTree>
       <p:nvGrpSpPr>
         <p:cNvPr id="1" name=""/>
@@ -5681,7 +5687,7 @@
             <a:spLocks noGrp="1"/>
           </p:cNvSpPr>
           <p:nvPr>
-            <p:ph type="ftr" idx="145"/>
+            <p:ph type="ftr" idx="148"/>
           </p:nvPr>
         </p:nvSpPr>
         <p:spPr/>
@@ -5701,14 +5707,14 @@
             <a:spLocks noGrp="1"/>
           </p:cNvSpPr>
           <p:nvPr>
-            <p:ph type="sldNum" idx="146"/>
+            <p:ph type="sldNum" idx="149"/>
           </p:nvPr>
         </p:nvSpPr>
         <p:spPr/>
         <p:txBody>
           <a:bodyPr/>
           <a:p>
-            <a:fld id="{B7BDCB69-289C-4B6E-B883-23A262415640}" type="slidenum">
+            <a:fld id="{6D524A11-AC45-4E0A-BC18-065BAF583EEB}" type="slidenum">
               <a:t>&lt;#&gt;</a:t>
             </a:fld>
           </a:p>
@@ -5721,7 +5727,7 @@
             <a:spLocks noGrp="1"/>
           </p:cNvSpPr>
           <p:nvPr>
-            <p:ph type="dt" idx="147"/>
+            <p:ph type="dt" idx="150"/>
           </p:nvPr>
         </p:nvSpPr>
         <p:spPr/>
@@ -5742,7 +5748,7 @@
 
 <file path=ppt/slideLayouts/slideLayout51.xml><?xml version="1.0" encoding="utf-8"?>
 <p:sldLayout xmlns:a="http://schemas.openxmlformats.org/drawingml/2006/main" xmlns:p="http://schemas.openxmlformats.org/presentationml/2006/main" xmlns:r="http://schemas.openxmlformats.org/officeDocument/2006/relationships" xmlns:p14="http://schemas.microsoft.com/office/powerpoint/2010/main" xmlns:p15="http://schemas.microsoft.com/office/powerpoint/2012/main" xmlns:mc="http://schemas.openxmlformats.org/markup-compatibility/2006" type="vertTitleAndTx" preserve="1">
-  <p:cSld name="Default 35">
+  <p:cSld name="Default 37">
     <p:spTree>
       <p:nvGrpSpPr>
         <p:cNvPr id="1" name=""/>
@@ -5764,7 +5770,7 @@
             <a:spLocks noGrp="1"/>
           </p:cNvSpPr>
           <p:nvPr>
-            <p:ph type="ftr" idx="145"/>
+            <p:ph type="ftr" idx="151"/>
           </p:nvPr>
         </p:nvSpPr>
         <p:spPr/>
@@ -5784,14 +5790,14 @@
             <a:spLocks noGrp="1"/>
           </p:cNvSpPr>
           <p:nvPr>
-            <p:ph type="sldNum" idx="146"/>
+            <p:ph type="sldNum" idx="152"/>
           </p:nvPr>
         </p:nvSpPr>
         <p:spPr/>
         <p:txBody>
           <a:bodyPr/>
           <a:p>
-            <a:fld id="{D42576B1-FAD9-4B0D-8E04-4701F2895408}" type="slidenum">
+            <a:fld id="{CC6FBC18-28E2-4DEE-9DEB-EA63A1E8EBFC}" type="slidenum">
               <a:t>&lt;#&gt;</a:t>
             </a:fld>
           </a:p>
@@ -5804,7 +5810,7 @@
             <a:spLocks noGrp="1"/>
           </p:cNvSpPr>
           <p:nvPr>
-            <p:ph type="dt" idx="147"/>
+            <p:ph type="dt" idx="153"/>
           </p:nvPr>
         </p:nvSpPr>
         <p:spPr/>
@@ -5825,7 +5831,7 @@
 
 <file path=ppt/slideLayouts/slideLayout52.xml><?xml version="1.0" encoding="utf-8"?>
 <p:sldLayout xmlns:a="http://schemas.openxmlformats.org/drawingml/2006/main" xmlns:p="http://schemas.openxmlformats.org/presentationml/2006/main" xmlns:r="http://schemas.openxmlformats.org/officeDocument/2006/relationships" xmlns:p14="http://schemas.microsoft.com/office/powerpoint/2010/main" xmlns:p15="http://schemas.microsoft.com/office/powerpoint/2012/main" xmlns:mc="http://schemas.openxmlformats.org/markup-compatibility/2006" type="tx" preserve="1">
-  <p:cSld name="Default 35">
+  <p:cSld name="Default 38">
     <p:spTree>
       <p:nvGrpSpPr>
         <p:cNvPr id="1" name=""/>
@@ -5842,7 +5848,7 @@
       </p:grpSpPr>
       <p:sp>
         <p:nvSpPr>
-          <p:cNvPr id="311" name="PlaceHolder 1"/>
+          <p:cNvPr id="326" name="PlaceHolder 1"/>
           <p:cNvSpPr>
             <a:spLocks noGrp="1"/>
           </p:cNvSpPr>
@@ -5853,7 +5859,7 @@
         <p:spPr>
           <a:xfrm>
             <a:off x="727560" y="1122480"/>
-            <a:ext cx="8245080" cy="2386440"/>
+            <a:ext cx="8244720" cy="2386080"/>
           </a:xfrm>
           <a:prstGeom prst="rect">
             <a:avLst/>
@@ -5883,7 +5889,7 @@
       </p:sp>
       <p:sp>
         <p:nvSpPr>
-          <p:cNvPr id="312" name="PlaceHolder 2"/>
+          <p:cNvPr id="327" name="PlaceHolder 2"/>
           <p:cNvSpPr>
             <a:spLocks noGrp="1"/>
           </p:cNvSpPr>
@@ -5932,7 +5938,7 @@
             <a:spLocks noGrp="1"/>
           </p:cNvSpPr>
           <p:nvPr>
-            <p:ph type="ftr" idx="145"/>
+            <p:ph type="ftr" idx="154"/>
           </p:nvPr>
         </p:nvSpPr>
         <p:spPr/>
@@ -5952,14 +5958,14 @@
             <a:spLocks noGrp="1"/>
           </p:cNvSpPr>
           <p:nvPr>
-            <p:ph type="sldNum" idx="146"/>
+            <p:ph type="sldNum" idx="155"/>
           </p:nvPr>
         </p:nvSpPr>
         <p:spPr/>
         <p:txBody>
           <a:bodyPr/>
           <a:p>
-            <a:fld id="{F13B8DF3-A564-4019-AA0A-D7D3B179A0F5}" type="slidenum">
+            <a:fld id="{A205FA46-9EEF-409F-B6AE-2D7733623B57}" type="slidenum">
               <a:t>&lt;#&gt;</a:t>
             </a:fld>
           </a:p>
@@ -5972,7 +5978,7 @@
             <a:spLocks noGrp="1"/>
           </p:cNvSpPr>
           <p:nvPr>
-            <p:ph type="dt" idx="147"/>
+            <p:ph type="dt" idx="156"/>
           </p:nvPr>
         </p:nvSpPr>
         <p:spPr/>
@@ -5993,7 +5999,7 @@
 
 <file path=ppt/slideLayouts/slideLayout53.xml><?xml version="1.0" encoding="utf-8"?>
 <p:sldLayout xmlns:a="http://schemas.openxmlformats.org/drawingml/2006/main" xmlns:p="http://schemas.openxmlformats.org/presentationml/2006/main" xmlns:r="http://schemas.openxmlformats.org/officeDocument/2006/relationships" xmlns:p14="http://schemas.microsoft.com/office/powerpoint/2010/main" xmlns:p15="http://schemas.microsoft.com/office/powerpoint/2012/main" xmlns:mc="http://schemas.openxmlformats.org/markup-compatibility/2006" type="twoObj" preserve="1">
-  <p:cSld name="Default 35">
+  <p:cSld name="Default 39">
     <p:spTree>
       <p:nvGrpSpPr>
         <p:cNvPr id="1" name=""/>
@@ -6010,7 +6016,7 @@
       </p:grpSpPr>
       <p:sp>
         <p:nvSpPr>
-          <p:cNvPr id="313" name="PlaceHolder 1"/>
+          <p:cNvPr id="336" name="PlaceHolder 1"/>
           <p:cNvSpPr>
             <a:spLocks noGrp="1"/>
           </p:cNvSpPr>
@@ -6021,7 +6027,7 @@
         <p:spPr>
           <a:xfrm>
             <a:off x="727560" y="1122480"/>
-            <a:ext cx="8245080" cy="2386440"/>
+            <a:ext cx="8244720" cy="2386080"/>
           </a:xfrm>
           <a:prstGeom prst="rect">
             <a:avLst/>
@@ -6051,7 +6057,7 @@
       </p:sp>
       <p:sp>
         <p:nvSpPr>
-          <p:cNvPr id="314" name="PlaceHolder 2"/>
+          <p:cNvPr id="337" name="PlaceHolder 2"/>
           <p:cNvSpPr>
             <a:spLocks noGrp="1"/>
           </p:cNvSpPr>
@@ -6095,7 +6101,7 @@
       </p:sp>
       <p:sp>
         <p:nvSpPr>
-          <p:cNvPr id="315" name="PlaceHolder 3"/>
+          <p:cNvPr id="338" name="PlaceHolder 3"/>
           <p:cNvSpPr>
             <a:spLocks noGrp="1"/>
           </p:cNvSpPr>
@@ -6144,7 +6150,7 @@
             <a:spLocks noGrp="1"/>
           </p:cNvSpPr>
           <p:nvPr>
-            <p:ph type="ftr" idx="145"/>
+            <p:ph type="ftr" idx="157"/>
           </p:nvPr>
         </p:nvSpPr>
         <p:spPr/>
@@ -6164,14 +6170,14 @@
             <a:spLocks noGrp="1"/>
           </p:cNvSpPr>
           <p:nvPr>
-            <p:ph type="sldNum" idx="146"/>
+            <p:ph type="sldNum" idx="158"/>
           </p:nvPr>
         </p:nvSpPr>
         <p:spPr/>
         <p:txBody>
           <a:bodyPr/>
           <a:p>
-            <a:fld id="{0D187988-6808-42D7-897F-7D37149D19FC}" type="slidenum">
+            <a:fld id="{D5BA0EBA-683A-4FBB-ADAD-E79D1696E089}" type="slidenum">
               <a:t>&lt;#&gt;</a:t>
             </a:fld>
           </a:p>
@@ -6184,7 +6190,7 @@
             <a:spLocks noGrp="1"/>
           </p:cNvSpPr>
           <p:nvPr>
-            <p:ph type="dt" idx="147"/>
+            <p:ph type="dt" idx="159"/>
           </p:nvPr>
         </p:nvSpPr>
         <p:spPr/>
@@ -6205,7 +6211,7 @@
 
 <file path=ppt/slideLayouts/slideLayout54.xml><?xml version="1.0" encoding="utf-8"?>
 <p:sldLayout xmlns:a="http://schemas.openxmlformats.org/drawingml/2006/main" xmlns:p="http://schemas.openxmlformats.org/presentationml/2006/main" xmlns:r="http://schemas.openxmlformats.org/officeDocument/2006/relationships" xmlns:p14="http://schemas.microsoft.com/office/powerpoint/2010/main" xmlns:p15="http://schemas.microsoft.com/office/powerpoint/2012/main" xmlns:mc="http://schemas.openxmlformats.org/markup-compatibility/2006" type="titleOnly" preserve="1">
-  <p:cSld name="Default 35">
+  <p:cSld name="Default 40">
     <p:spTree>
       <p:nvGrpSpPr>
         <p:cNvPr id="1" name=""/>
@@ -6222,7 +6228,7 @@
       </p:grpSpPr>
       <p:sp>
         <p:nvSpPr>
-          <p:cNvPr id="316" name="PlaceHolder 1"/>
+          <p:cNvPr id="345" name="PlaceHolder 1"/>
           <p:cNvSpPr>
             <a:spLocks noGrp="1"/>
           </p:cNvSpPr>
@@ -6233,7 +6239,7 @@
         <p:spPr>
           <a:xfrm>
             <a:off x="727560" y="1122480"/>
-            <a:ext cx="8245080" cy="2386440"/>
+            <a:ext cx="8244720" cy="2386080"/>
           </a:xfrm>
           <a:prstGeom prst="rect">
             <a:avLst/>
@@ -6268,7 +6274,7 @@
             <a:spLocks noGrp="1"/>
           </p:cNvSpPr>
           <p:nvPr>
-            <p:ph type="ftr" idx="145"/>
+            <p:ph type="ftr" idx="160"/>
           </p:nvPr>
         </p:nvSpPr>
         <p:spPr/>
@@ -6288,14 +6294,14 @@
             <a:spLocks noGrp="1"/>
           </p:cNvSpPr>
           <p:nvPr>
-            <p:ph type="sldNum" idx="146"/>
+            <p:ph type="sldNum" idx="161"/>
           </p:nvPr>
         </p:nvSpPr>
         <p:spPr/>
         <p:txBody>
           <a:bodyPr/>
           <a:p>
-            <a:fld id="{8653DE48-B149-4833-A320-BF22FDC9E030}" type="slidenum">
+            <a:fld id="{514EA803-574C-4631-8E75-4719B43CC37F}" type="slidenum">
               <a:t>&lt;#&gt;</a:t>
             </a:fld>
           </a:p>
@@ -6308,7 +6314,7 @@
             <a:spLocks noGrp="1"/>
           </p:cNvSpPr>
           <p:nvPr>
-            <p:ph type="dt" idx="147"/>
+            <p:ph type="dt" idx="162"/>
           </p:nvPr>
         </p:nvSpPr>
         <p:spPr/>
@@ -6328,8 +6334,8 @@
 </file>
 
 <file path=ppt/slideLayouts/slideLayout55.xml><?xml version="1.0" encoding="utf-8"?>
-<p:sldLayout xmlns:a="http://schemas.openxmlformats.org/drawingml/2006/main" xmlns:p="http://schemas.openxmlformats.org/presentationml/2006/main" xmlns:r="http://schemas.openxmlformats.org/officeDocument/2006/relationships" xmlns:p14="http://schemas.microsoft.com/office/powerpoint/2010/main" xmlns:p15="http://schemas.microsoft.com/office/powerpoint/2012/main" xmlns:mc="http://schemas.openxmlformats.org/markup-compatibility/2006" type="title" preserve="1">
-  <p:cSld name="Default 35">
+<p:sldLayout xmlns:a="http://schemas.openxmlformats.org/drawingml/2006/main" xmlns:p="http://schemas.openxmlformats.org/presentationml/2006/main" xmlns:r="http://schemas.openxmlformats.org/officeDocument/2006/relationships" xmlns:p14="http://schemas.microsoft.com/office/powerpoint/2010/main" xmlns:p15="http://schemas.microsoft.com/office/powerpoint/2012/main" xmlns:mc="http://schemas.openxmlformats.org/markup-compatibility/2006" type="vertTitleAndTx" preserve="1">
+  <p:cSld name="Default 41">
     <p:spTree>
       <p:nvGrpSpPr>
         <p:cNvPr id="1" name=""/>
@@ -6346,7 +6352,173 @@
       </p:grpSpPr>
       <p:sp>
         <p:nvSpPr>
-          <p:cNvPr id="317" name="PlaceHolder 1"/>
+          <p:cNvPr id="2" name="PlaceHolder 1"/>
+          <p:cNvSpPr>
+            <a:spLocks noGrp="1"/>
+          </p:cNvSpPr>
+          <p:nvPr>
+            <p:ph type="ftr" idx="163"/>
+          </p:nvPr>
+        </p:nvSpPr>
+        <p:spPr/>
+        <p:txBody>
+          <a:bodyPr/>
+          <a:p>
+            <a:r>
+              <a:t>Footer</a:t>
+            </a:r>
+          </a:p>
+        </p:txBody>
+      </p:sp>
+      <p:sp>
+        <p:nvSpPr>
+          <p:cNvPr id="3" name="PlaceHolder 2"/>
+          <p:cNvSpPr>
+            <a:spLocks noGrp="1"/>
+          </p:cNvSpPr>
+          <p:nvPr>
+            <p:ph type="sldNum" idx="164"/>
+          </p:nvPr>
+        </p:nvSpPr>
+        <p:spPr/>
+        <p:txBody>
+          <a:bodyPr/>
+          <a:p>
+            <a:fld id="{0AD96700-7CFA-4FE6-AFC0-73EE5C88B3F3}" type="slidenum">
+              <a:t>&lt;#&gt;</a:t>
+            </a:fld>
+          </a:p>
+        </p:txBody>
+      </p:sp>
+      <p:sp>
+        <p:nvSpPr>
+          <p:cNvPr id="4" name="PlaceHolder 3"/>
+          <p:cNvSpPr>
+            <a:spLocks noGrp="1"/>
+          </p:cNvSpPr>
+          <p:nvPr>
+            <p:ph type="dt" idx="165"/>
+          </p:nvPr>
+        </p:nvSpPr>
+        <p:spPr/>
+        <p:txBody>
+          <a:bodyPr/>
+          <a:p>
+            <a:r>
+              <a:rPr lang="en-US"/>
+              <a:t/>
+            </a:r>
+          </a:p>
+        </p:txBody>
+      </p:sp>
+    </p:spTree>
+  </p:cSld>
+</p:sldLayout>
+</file>
+
+<file path=ppt/slideLayouts/slideLayout56.xml><?xml version="1.0" encoding="utf-8"?>
+<p:sldLayout xmlns:a="http://schemas.openxmlformats.org/drawingml/2006/main" xmlns:p="http://schemas.openxmlformats.org/presentationml/2006/main" xmlns:r="http://schemas.openxmlformats.org/officeDocument/2006/relationships" xmlns:p14="http://schemas.microsoft.com/office/powerpoint/2010/main" xmlns:p15="http://schemas.microsoft.com/office/powerpoint/2012/main" xmlns:mc="http://schemas.openxmlformats.org/markup-compatibility/2006" type="vertTx" preserve="1">
+  <p:cSld name="Default 41">
+    <p:spTree>
+      <p:nvGrpSpPr>
+        <p:cNvPr id="1" name=""/>
+        <p:cNvGrpSpPr/>
+        <p:nvPr/>
+      </p:nvGrpSpPr>
+      <p:grpSpPr>
+        <a:xfrm>
+          <a:off x="0" y="0"/>
+          <a:ext cx="0" cy="0"/>
+          <a:chOff x="0" y="0"/>
+          <a:chExt cx="0" cy="0"/>
+        </a:xfrm>
+      </p:grpSpPr>
+      <p:sp>
+        <p:nvSpPr>
+          <p:cNvPr id="2" name="PlaceHolder 1"/>
+          <p:cNvSpPr>
+            <a:spLocks noGrp="1"/>
+          </p:cNvSpPr>
+          <p:nvPr>
+            <p:ph type="ftr" idx="163"/>
+          </p:nvPr>
+        </p:nvSpPr>
+        <p:spPr/>
+        <p:txBody>
+          <a:bodyPr/>
+          <a:p>
+            <a:r>
+              <a:t>Footer</a:t>
+            </a:r>
+          </a:p>
+        </p:txBody>
+      </p:sp>
+      <p:sp>
+        <p:nvSpPr>
+          <p:cNvPr id="3" name="PlaceHolder 2"/>
+          <p:cNvSpPr>
+            <a:spLocks noGrp="1"/>
+          </p:cNvSpPr>
+          <p:nvPr>
+            <p:ph type="sldNum" idx="164"/>
+          </p:nvPr>
+        </p:nvSpPr>
+        <p:spPr/>
+        <p:txBody>
+          <a:bodyPr/>
+          <a:p>
+            <a:fld id="{14751DCC-FC95-423D-BDE8-5CA220897BBF}" type="slidenum">
+              <a:t>&lt;#&gt;</a:t>
+            </a:fld>
+          </a:p>
+        </p:txBody>
+      </p:sp>
+      <p:sp>
+        <p:nvSpPr>
+          <p:cNvPr id="4" name="PlaceHolder 3"/>
+          <p:cNvSpPr>
+            <a:spLocks noGrp="1"/>
+          </p:cNvSpPr>
+          <p:nvPr>
+            <p:ph type="dt" idx="165"/>
+          </p:nvPr>
+        </p:nvSpPr>
+        <p:spPr/>
+        <p:txBody>
+          <a:bodyPr/>
+          <a:p>
+            <a:r>
+              <a:rPr lang="en-US"/>
+              <a:t/>
+            </a:r>
+          </a:p>
+        </p:txBody>
+      </p:sp>
+    </p:spTree>
+  </p:cSld>
+</p:sldLayout>
+</file>
+
+<file path=ppt/slideLayouts/slideLayout57.xml><?xml version="1.0" encoding="utf-8"?>
+<p:sldLayout xmlns:a="http://schemas.openxmlformats.org/drawingml/2006/main" xmlns:p="http://schemas.openxmlformats.org/presentationml/2006/main" xmlns:r="http://schemas.openxmlformats.org/officeDocument/2006/relationships" xmlns:p14="http://schemas.microsoft.com/office/powerpoint/2010/main" xmlns:p15="http://schemas.microsoft.com/office/powerpoint/2012/main" xmlns:mc="http://schemas.openxmlformats.org/markup-compatibility/2006" type="titleOnly" preserve="1">
+  <p:cSld name="Default 41">
+    <p:spTree>
+      <p:nvGrpSpPr>
+        <p:cNvPr id="1" name=""/>
+        <p:cNvGrpSpPr/>
+        <p:nvPr/>
+      </p:nvGrpSpPr>
+      <p:grpSpPr>
+        <a:xfrm>
+          <a:off x="0" y="0"/>
+          <a:ext cx="0" cy="0"/>
+          <a:chOff x="0" y="0"/>
+          <a:chExt cx="0" cy="0"/>
+        </a:xfrm>
+      </p:grpSpPr>
+      <p:sp>
+        <p:nvSpPr>
+          <p:cNvPr id="353" name="PlaceHolder 1"/>
           <p:cNvSpPr>
             <a:spLocks noGrp="1"/>
           </p:cNvSpPr>
@@ -6357,7 +6529,7 @@
         <p:spPr>
           <a:xfrm>
             <a:off x="727560" y="1122480"/>
-            <a:ext cx="8245080" cy="2386440"/>
+            <a:ext cx="8244720" cy="2386080"/>
           </a:xfrm>
           <a:prstGeom prst="rect">
             <a:avLst/>
@@ -6387,18 +6559,101 @@
       </p:sp>
       <p:sp>
         <p:nvSpPr>
-          <p:cNvPr id="318" name="PlaceHolder 2"/>
-          <p:cNvSpPr>
-            <a:spLocks noGrp="1"/>
-          </p:cNvSpPr>
-          <p:nvPr>
-            <p:ph type="subTitle"/>
+          <p:cNvPr id="3" name="PlaceHolder 2"/>
+          <p:cNvSpPr>
+            <a:spLocks noGrp="1"/>
+          </p:cNvSpPr>
+          <p:nvPr>
+            <p:ph type="ftr" idx="163"/>
+          </p:nvPr>
+        </p:nvSpPr>
+        <p:spPr/>
+        <p:txBody>
+          <a:bodyPr/>
+          <a:p>
+            <a:r>
+              <a:t>Footer</a:t>
+            </a:r>
+          </a:p>
+        </p:txBody>
+      </p:sp>
+      <p:sp>
+        <p:nvSpPr>
+          <p:cNvPr id="4" name="PlaceHolder 3"/>
+          <p:cNvSpPr>
+            <a:spLocks noGrp="1"/>
+          </p:cNvSpPr>
+          <p:nvPr>
+            <p:ph type="sldNum" idx="164"/>
+          </p:nvPr>
+        </p:nvSpPr>
+        <p:spPr/>
+        <p:txBody>
+          <a:bodyPr/>
+          <a:p>
+            <a:fld id="{CE6865E9-8134-415D-9BCC-9B384BCAA22B}" type="slidenum">
+              <a:t>&lt;#&gt;</a:t>
+            </a:fld>
+          </a:p>
+        </p:txBody>
+      </p:sp>
+      <p:sp>
+        <p:nvSpPr>
+          <p:cNvPr id="5" name="PlaceHolder 4"/>
+          <p:cNvSpPr>
+            <a:spLocks noGrp="1"/>
+          </p:cNvSpPr>
+          <p:nvPr>
+            <p:ph type="dt" idx="165"/>
+          </p:nvPr>
+        </p:nvSpPr>
+        <p:spPr/>
+        <p:txBody>
+          <a:bodyPr/>
+          <a:p>
+            <a:r>
+              <a:rPr lang="en-US"/>
+              <a:t/>
+            </a:r>
+          </a:p>
+        </p:txBody>
+      </p:sp>
+    </p:spTree>
+  </p:cSld>
+</p:sldLayout>
+</file>
+
+<file path=ppt/slideLayouts/slideLayout58.xml><?xml version="1.0" encoding="utf-8"?>
+<p:sldLayout xmlns:a="http://schemas.openxmlformats.org/drawingml/2006/main" xmlns:p="http://schemas.openxmlformats.org/presentationml/2006/main" xmlns:r="http://schemas.openxmlformats.org/officeDocument/2006/relationships" xmlns:p14="http://schemas.microsoft.com/office/powerpoint/2010/main" xmlns:p15="http://schemas.microsoft.com/office/powerpoint/2012/main" xmlns:mc="http://schemas.openxmlformats.org/markup-compatibility/2006" type="twoObj" preserve="1">
+  <p:cSld name="Default 41">
+    <p:spTree>
+      <p:nvGrpSpPr>
+        <p:cNvPr id="1" name=""/>
+        <p:cNvGrpSpPr/>
+        <p:nvPr/>
+      </p:nvGrpSpPr>
+      <p:grpSpPr>
+        <a:xfrm>
+          <a:off x="0" y="0"/>
+          <a:ext cx="0" cy="0"/>
+          <a:chOff x="0" y="0"/>
+          <a:chExt cx="0" cy="0"/>
+        </a:xfrm>
+      </p:grpSpPr>
+      <p:sp>
+        <p:nvSpPr>
+          <p:cNvPr id="354" name="PlaceHolder 1"/>
+          <p:cNvSpPr>
+            <a:spLocks noGrp="1"/>
+          </p:cNvSpPr>
+          <p:nvPr>
+            <p:ph type="title"/>
           </p:nvPr>
         </p:nvSpPr>
         <p:spPr>
           <a:xfrm>
-            <a:off x="484920" y="1604520"/>
-            <a:ext cx="8730720" cy="3977280"/>
+            <a:off x="727560" y="1122480"/>
+            <a:ext cx="8244720" cy="2386080"/>
           </a:xfrm>
           <a:prstGeom prst="rect">
             <a:avLst/>
@@ -6416,6 +6671,50 @@
             <a:pPr indent="0" algn="ctr">
               <a:buNone/>
             </a:pPr>
+            <a:endParaRPr b="0" lang="en-US" sz="4400" strike="noStrike" u="none">
+              <a:solidFill>
+                <a:srgbClr val="000000"/>
+              </a:solidFill>
+              <a:uFillTx/>
+              <a:latin typeface="Arial"/>
+            </a:endParaRPr>
+          </a:p>
+        </p:txBody>
+      </p:sp>
+      <p:sp>
+        <p:nvSpPr>
+          <p:cNvPr id="355" name="PlaceHolder 2"/>
+          <p:cNvSpPr>
+            <a:spLocks noGrp="1"/>
+          </p:cNvSpPr>
+          <p:nvPr>
+            <p:ph/>
+          </p:nvPr>
+        </p:nvSpPr>
+        <p:spPr>
+          <a:xfrm>
+            <a:off x="484920" y="1604520"/>
+            <a:ext cx="4260240" cy="3977280"/>
+          </a:xfrm>
+          <a:prstGeom prst="rect">
+            <a:avLst/>
+          </a:prstGeom>
+          <a:noFill/>
+          <a:ln w="0">
+            <a:noFill/>
+          </a:ln>
+        </p:spPr>
+        <p:txBody>
+          <a:bodyPr lIns="0" rIns="0" tIns="0" bIns="0" anchor="t">
+            <a:normAutofit/>
+          </a:bodyPr>
+          <a:p>
+            <a:pPr indent="0">
+              <a:spcBef>
+                <a:spcPts val="1417"/>
+              </a:spcBef>
+              <a:buNone/>
+            </a:pPr>
             <a:endParaRPr b="0" lang="en-US" sz="3200" strike="noStrike" u="none">
               <a:solidFill>
                 <a:srgbClr val="000000"/>
@@ -6428,12 +6727,56 @@
       </p:sp>
       <p:sp>
         <p:nvSpPr>
-          <p:cNvPr id="4" name="PlaceHolder 3"/>
-          <p:cNvSpPr>
-            <a:spLocks noGrp="1"/>
-          </p:cNvSpPr>
-          <p:nvPr>
-            <p:ph type="ftr" idx="145"/>
+          <p:cNvPr id="356" name="PlaceHolder 3"/>
+          <p:cNvSpPr>
+            <a:spLocks noGrp="1"/>
+          </p:cNvSpPr>
+          <p:nvPr>
+            <p:ph/>
+          </p:nvPr>
+        </p:nvSpPr>
+        <p:spPr>
+          <a:xfrm>
+            <a:off x="4958640" y="1604520"/>
+            <a:ext cx="4260240" cy="3977280"/>
+          </a:xfrm>
+          <a:prstGeom prst="rect">
+            <a:avLst/>
+          </a:prstGeom>
+          <a:noFill/>
+          <a:ln w="0">
+            <a:noFill/>
+          </a:ln>
+        </p:spPr>
+        <p:txBody>
+          <a:bodyPr lIns="0" rIns="0" tIns="0" bIns="0" anchor="t">
+            <a:normAutofit/>
+          </a:bodyPr>
+          <a:p>
+            <a:pPr indent="0">
+              <a:spcBef>
+                <a:spcPts val="1417"/>
+              </a:spcBef>
+              <a:buNone/>
+            </a:pPr>
+            <a:endParaRPr b="0" lang="en-US" sz="3200" strike="noStrike" u="none">
+              <a:solidFill>
+                <a:srgbClr val="000000"/>
+              </a:solidFill>
+              <a:uFillTx/>
+              <a:latin typeface="Arial"/>
+            </a:endParaRPr>
+          </a:p>
+        </p:txBody>
+      </p:sp>
+      <p:sp>
+        <p:nvSpPr>
+          <p:cNvPr id="5" name="PlaceHolder 4"/>
+          <p:cNvSpPr>
+            <a:spLocks noGrp="1"/>
+          </p:cNvSpPr>
+          <p:nvPr>
+            <p:ph type="ftr" idx="163"/>
           </p:nvPr>
         </p:nvSpPr>
         <p:spPr/>
@@ -6448,19 +6791,19 @@
       </p:sp>
       <p:sp>
         <p:nvSpPr>
-          <p:cNvPr id="5" name="PlaceHolder 4"/>
-          <p:cNvSpPr>
-            <a:spLocks noGrp="1"/>
-          </p:cNvSpPr>
-          <p:nvPr>
-            <p:ph type="sldNum" idx="146"/>
+          <p:cNvPr id="6" name="PlaceHolder 5"/>
+          <p:cNvSpPr>
+            <a:spLocks noGrp="1"/>
+          </p:cNvSpPr>
+          <p:nvPr>
+            <p:ph type="sldNum" idx="164"/>
           </p:nvPr>
         </p:nvSpPr>
         <p:spPr/>
         <p:txBody>
           <a:bodyPr/>
           <a:p>
-            <a:fld id="{BD05D223-B50B-49F8-9ADC-5DC90A8C913F}" type="slidenum">
+            <a:fld id="{8FD6DE5C-85D2-415E-9477-8A50C461C054}" type="slidenum">
               <a:t>&lt;#&gt;</a:t>
             </a:fld>
           </a:p>
@@ -6468,12 +6811,95 @@
       </p:sp>
       <p:sp>
         <p:nvSpPr>
-          <p:cNvPr id="6" name="PlaceHolder 5"/>
-          <p:cNvSpPr>
-            <a:spLocks noGrp="1"/>
-          </p:cNvSpPr>
-          <p:nvPr>
-            <p:ph type="dt" idx="147"/>
+          <p:cNvPr id="7" name="PlaceHolder 6"/>
+          <p:cNvSpPr>
+            <a:spLocks noGrp="1"/>
+          </p:cNvSpPr>
+          <p:nvPr>
+            <p:ph type="dt" idx="165"/>
+          </p:nvPr>
+        </p:nvSpPr>
+        <p:spPr/>
+        <p:txBody>
+          <a:bodyPr/>
+          <a:p>
+            <a:r>
+              <a:rPr lang="en-US"/>
+              <a:t/>
+            </a:r>
+          </a:p>
+        </p:txBody>
+      </p:sp>
+    </p:spTree>
+  </p:cSld>
+</p:sldLayout>
+</file>
+
+<file path=ppt/slideLayouts/slideLayout59.xml><?xml version="1.0" encoding="utf-8"?>
+<p:sldLayout xmlns:a="http://schemas.openxmlformats.org/drawingml/2006/main" xmlns:p="http://schemas.openxmlformats.org/presentationml/2006/main" xmlns:r="http://schemas.openxmlformats.org/officeDocument/2006/relationships" xmlns:p14="http://schemas.microsoft.com/office/powerpoint/2010/main" xmlns:p15="http://schemas.microsoft.com/office/powerpoint/2012/main" xmlns:mc="http://schemas.openxmlformats.org/markup-compatibility/2006" type="blank" preserve="1">
+  <p:cSld name="Default 41">
+    <p:spTree>
+      <p:nvGrpSpPr>
+        <p:cNvPr id="1" name=""/>
+        <p:cNvGrpSpPr/>
+        <p:nvPr/>
+      </p:nvGrpSpPr>
+      <p:grpSpPr>
+        <a:xfrm>
+          <a:off x="0" y="0"/>
+          <a:ext cx="0" cy="0"/>
+          <a:chOff x="0" y="0"/>
+          <a:chExt cx="0" cy="0"/>
+        </a:xfrm>
+      </p:grpSpPr>
+      <p:sp>
+        <p:nvSpPr>
+          <p:cNvPr id="2" name="PlaceHolder 1"/>
+          <p:cNvSpPr>
+            <a:spLocks noGrp="1"/>
+          </p:cNvSpPr>
+          <p:nvPr>
+            <p:ph type="ftr" idx="163"/>
+          </p:nvPr>
+        </p:nvSpPr>
+        <p:spPr/>
+        <p:txBody>
+          <a:bodyPr/>
+          <a:p>
+            <a:r>
+              <a:t>Footer</a:t>
+            </a:r>
+          </a:p>
+        </p:txBody>
+      </p:sp>
+      <p:sp>
+        <p:nvSpPr>
+          <p:cNvPr id="3" name="PlaceHolder 2"/>
+          <p:cNvSpPr>
+            <a:spLocks noGrp="1"/>
+          </p:cNvSpPr>
+          <p:nvPr>
+            <p:ph type="sldNum" idx="164"/>
+          </p:nvPr>
+        </p:nvSpPr>
+        <p:spPr/>
+        <p:txBody>
+          <a:bodyPr/>
+          <a:p>
+            <a:fld id="{4C71C8D4-54D3-41BA-BD27-2D6C239C2814}" type="slidenum">
+              <a:t>&lt;#&gt;</a:t>
+            </a:fld>
+          </a:p>
+        </p:txBody>
+      </p:sp>
+      <p:sp>
+        <p:nvSpPr>
+          <p:cNvPr id="4" name="PlaceHolder 3"/>
+          <p:cNvSpPr>
+            <a:spLocks noGrp="1"/>
+          </p:cNvSpPr>
+          <p:nvPr>
+            <p:ph type="dt" idx="165"/>
           </p:nvPr>
         </p:nvSpPr>
         <p:spPr/>
@@ -6543,7 +6969,7 @@
         <p:txBody>
           <a:bodyPr/>
           <a:p>
-            <a:fld id="{0D882927-936E-415F-A561-C2C3B90D2F86}" type="slidenum">
+            <a:fld id="{0555E712-5156-4FEF-A8A3-BCA1C64F7F20}" type="slidenum">
               <a:t>&lt;#&gt;</a:t>
             </a:fld>
           </a:p>
@@ -6557,6 +6983,339 @@
           </p:cNvSpPr>
           <p:nvPr>
             <p:ph type="dt" idx="18"/>
+          </p:nvPr>
+        </p:nvSpPr>
+        <p:spPr/>
+        <p:txBody>
+          <a:bodyPr/>
+          <a:p>
+            <a:r>
+              <a:rPr lang="en-US"/>
+              <a:t/>
+            </a:r>
+          </a:p>
+        </p:txBody>
+      </p:sp>
+    </p:spTree>
+  </p:cSld>
+</p:sldLayout>
+</file>
+
+<file path=ppt/slideLayouts/slideLayout60.xml><?xml version="1.0" encoding="utf-8"?>
+<p:sldLayout xmlns:a="http://schemas.openxmlformats.org/drawingml/2006/main" xmlns:p="http://schemas.openxmlformats.org/presentationml/2006/main" xmlns:r="http://schemas.openxmlformats.org/officeDocument/2006/relationships" xmlns:p14="http://schemas.microsoft.com/office/powerpoint/2010/main" xmlns:p15="http://schemas.microsoft.com/office/powerpoint/2012/main" xmlns:mc="http://schemas.openxmlformats.org/markup-compatibility/2006" type="tx" preserve="1">
+  <p:cSld name="Default 41">
+    <p:spTree>
+      <p:nvGrpSpPr>
+        <p:cNvPr id="1" name=""/>
+        <p:cNvGrpSpPr/>
+        <p:nvPr/>
+      </p:nvGrpSpPr>
+      <p:grpSpPr>
+        <a:xfrm>
+          <a:off x="0" y="0"/>
+          <a:ext cx="0" cy="0"/>
+          <a:chOff x="0" y="0"/>
+          <a:chExt cx="0" cy="0"/>
+        </a:xfrm>
+      </p:grpSpPr>
+      <p:sp>
+        <p:nvSpPr>
+          <p:cNvPr id="357" name="PlaceHolder 1"/>
+          <p:cNvSpPr>
+            <a:spLocks noGrp="1"/>
+          </p:cNvSpPr>
+          <p:nvPr>
+            <p:ph type="title"/>
+          </p:nvPr>
+        </p:nvSpPr>
+        <p:spPr>
+          <a:xfrm>
+            <a:off x="727560" y="1122480"/>
+            <a:ext cx="8244720" cy="2386080"/>
+          </a:xfrm>
+          <a:prstGeom prst="rect">
+            <a:avLst/>
+          </a:prstGeom>
+          <a:noFill/>
+          <a:ln w="0">
+            <a:noFill/>
+          </a:ln>
+        </p:spPr>
+        <p:txBody>
+          <a:bodyPr lIns="0" rIns="0" tIns="0" bIns="0" anchor="ctr">
+            <a:noAutofit/>
+          </a:bodyPr>
+          <a:p>
+            <a:pPr indent="0" algn="ctr">
+              <a:buNone/>
+            </a:pPr>
+            <a:endParaRPr b="0" lang="en-US" sz="4400" strike="noStrike" u="none">
+              <a:solidFill>
+                <a:srgbClr val="000000"/>
+              </a:solidFill>
+              <a:uFillTx/>
+              <a:latin typeface="Arial"/>
+            </a:endParaRPr>
+          </a:p>
+        </p:txBody>
+      </p:sp>
+      <p:sp>
+        <p:nvSpPr>
+          <p:cNvPr id="358" name="PlaceHolder 2"/>
+          <p:cNvSpPr>
+            <a:spLocks noGrp="1"/>
+          </p:cNvSpPr>
+          <p:nvPr>
+            <p:ph/>
+          </p:nvPr>
+        </p:nvSpPr>
+        <p:spPr>
+          <a:xfrm>
+            <a:off x="484920" y="1604520"/>
+            <a:ext cx="8730720" cy="3977280"/>
+          </a:xfrm>
+          <a:prstGeom prst="rect">
+            <a:avLst/>
+          </a:prstGeom>
+          <a:noFill/>
+          <a:ln w="0">
+            <a:noFill/>
+          </a:ln>
+        </p:spPr>
+        <p:txBody>
+          <a:bodyPr lIns="0" rIns="0" tIns="0" bIns="0" anchor="t">
+            <a:normAutofit/>
+          </a:bodyPr>
+          <a:p>
+            <a:pPr indent="0">
+              <a:spcBef>
+                <a:spcPts val="1417"/>
+              </a:spcBef>
+              <a:buNone/>
+            </a:pPr>
+            <a:endParaRPr b="0" lang="en-US" sz="3200" strike="noStrike" u="none">
+              <a:solidFill>
+                <a:srgbClr val="000000"/>
+              </a:solidFill>
+              <a:uFillTx/>
+              <a:latin typeface="Arial"/>
+            </a:endParaRPr>
+          </a:p>
+        </p:txBody>
+      </p:sp>
+      <p:sp>
+        <p:nvSpPr>
+          <p:cNvPr id="4" name="PlaceHolder 3"/>
+          <p:cNvSpPr>
+            <a:spLocks noGrp="1"/>
+          </p:cNvSpPr>
+          <p:nvPr>
+            <p:ph type="ftr" idx="163"/>
+          </p:nvPr>
+        </p:nvSpPr>
+        <p:spPr/>
+        <p:txBody>
+          <a:bodyPr/>
+          <a:p>
+            <a:r>
+              <a:t>Footer</a:t>
+            </a:r>
+          </a:p>
+        </p:txBody>
+      </p:sp>
+      <p:sp>
+        <p:nvSpPr>
+          <p:cNvPr id="5" name="PlaceHolder 4"/>
+          <p:cNvSpPr>
+            <a:spLocks noGrp="1"/>
+          </p:cNvSpPr>
+          <p:nvPr>
+            <p:ph type="sldNum" idx="164"/>
+          </p:nvPr>
+        </p:nvSpPr>
+        <p:spPr/>
+        <p:txBody>
+          <a:bodyPr/>
+          <a:p>
+            <a:fld id="{6120A55B-097D-4BBE-AEFF-97649288D8ED}" type="slidenum">
+              <a:t>&lt;#&gt;</a:t>
+            </a:fld>
+          </a:p>
+        </p:txBody>
+      </p:sp>
+      <p:sp>
+        <p:nvSpPr>
+          <p:cNvPr id="6" name="PlaceHolder 5"/>
+          <p:cNvSpPr>
+            <a:spLocks noGrp="1"/>
+          </p:cNvSpPr>
+          <p:nvPr>
+            <p:ph type="dt" idx="165"/>
+          </p:nvPr>
+        </p:nvSpPr>
+        <p:spPr/>
+        <p:txBody>
+          <a:bodyPr/>
+          <a:p>
+            <a:r>
+              <a:rPr lang="en-US"/>
+              <a:t/>
+            </a:r>
+          </a:p>
+        </p:txBody>
+      </p:sp>
+    </p:spTree>
+  </p:cSld>
+</p:sldLayout>
+</file>
+
+<file path=ppt/slideLayouts/slideLayout61.xml><?xml version="1.0" encoding="utf-8"?>
+<p:sldLayout xmlns:a="http://schemas.openxmlformats.org/drawingml/2006/main" xmlns:p="http://schemas.openxmlformats.org/presentationml/2006/main" xmlns:r="http://schemas.openxmlformats.org/officeDocument/2006/relationships" xmlns:p14="http://schemas.microsoft.com/office/powerpoint/2010/main" xmlns:p15="http://schemas.microsoft.com/office/powerpoint/2012/main" xmlns:mc="http://schemas.openxmlformats.org/markup-compatibility/2006" type="title" preserve="1">
+  <p:cSld name="Default 41">
+    <p:spTree>
+      <p:nvGrpSpPr>
+        <p:cNvPr id="1" name=""/>
+        <p:cNvGrpSpPr/>
+        <p:nvPr/>
+      </p:nvGrpSpPr>
+      <p:grpSpPr>
+        <a:xfrm>
+          <a:off x="0" y="0"/>
+          <a:ext cx="0" cy="0"/>
+          <a:chOff x="0" y="0"/>
+          <a:chExt cx="0" cy="0"/>
+        </a:xfrm>
+      </p:grpSpPr>
+      <p:sp>
+        <p:nvSpPr>
+          <p:cNvPr id="359" name="PlaceHolder 1"/>
+          <p:cNvSpPr>
+            <a:spLocks noGrp="1"/>
+          </p:cNvSpPr>
+          <p:nvPr>
+            <p:ph type="title"/>
+          </p:nvPr>
+        </p:nvSpPr>
+        <p:spPr>
+          <a:xfrm>
+            <a:off x="727560" y="1122480"/>
+            <a:ext cx="8244720" cy="2386080"/>
+          </a:xfrm>
+          <a:prstGeom prst="rect">
+            <a:avLst/>
+          </a:prstGeom>
+          <a:noFill/>
+          <a:ln w="0">
+            <a:noFill/>
+          </a:ln>
+        </p:spPr>
+        <p:txBody>
+          <a:bodyPr lIns="0" rIns="0" tIns="0" bIns="0" anchor="ctr">
+            <a:noAutofit/>
+          </a:bodyPr>
+          <a:p>
+            <a:pPr indent="0" algn="ctr">
+              <a:buNone/>
+            </a:pPr>
+            <a:endParaRPr b="0" lang="en-US" sz="4400" strike="noStrike" u="none">
+              <a:solidFill>
+                <a:srgbClr val="000000"/>
+              </a:solidFill>
+              <a:uFillTx/>
+              <a:latin typeface="Arial"/>
+            </a:endParaRPr>
+          </a:p>
+        </p:txBody>
+      </p:sp>
+      <p:sp>
+        <p:nvSpPr>
+          <p:cNvPr id="360" name="PlaceHolder 2"/>
+          <p:cNvSpPr>
+            <a:spLocks noGrp="1"/>
+          </p:cNvSpPr>
+          <p:nvPr>
+            <p:ph type="subTitle"/>
+          </p:nvPr>
+        </p:nvSpPr>
+        <p:spPr>
+          <a:xfrm>
+            <a:off x="484920" y="1604520"/>
+            <a:ext cx="8730720" cy="3977280"/>
+          </a:xfrm>
+          <a:prstGeom prst="rect">
+            <a:avLst/>
+          </a:prstGeom>
+          <a:noFill/>
+          <a:ln w="0">
+            <a:noFill/>
+          </a:ln>
+        </p:spPr>
+        <p:txBody>
+          <a:bodyPr lIns="0" rIns="0" tIns="0" bIns="0" anchor="ctr">
+            <a:noAutofit/>
+          </a:bodyPr>
+          <a:p>
+            <a:pPr indent="0" algn="ctr">
+              <a:buNone/>
+            </a:pPr>
+            <a:endParaRPr b="0" lang="en-US" sz="3200" strike="noStrike" u="none">
+              <a:solidFill>
+                <a:srgbClr val="000000"/>
+              </a:solidFill>
+              <a:uFillTx/>
+              <a:latin typeface="Arial"/>
+            </a:endParaRPr>
+          </a:p>
+        </p:txBody>
+      </p:sp>
+      <p:sp>
+        <p:nvSpPr>
+          <p:cNvPr id="4" name="PlaceHolder 3"/>
+          <p:cNvSpPr>
+            <a:spLocks noGrp="1"/>
+          </p:cNvSpPr>
+          <p:nvPr>
+            <p:ph type="ftr" idx="163"/>
+          </p:nvPr>
+        </p:nvSpPr>
+        <p:spPr/>
+        <p:txBody>
+          <a:bodyPr/>
+          <a:p>
+            <a:r>
+              <a:t>Footer</a:t>
+            </a:r>
+          </a:p>
+        </p:txBody>
+      </p:sp>
+      <p:sp>
+        <p:nvSpPr>
+          <p:cNvPr id="5" name="PlaceHolder 4"/>
+          <p:cNvSpPr>
+            <a:spLocks noGrp="1"/>
+          </p:cNvSpPr>
+          <p:nvPr>
+            <p:ph type="sldNum" idx="164"/>
+          </p:nvPr>
+        </p:nvSpPr>
+        <p:spPr/>
+        <p:txBody>
+          <a:bodyPr/>
+          <a:p>
+            <a:fld id="{C79EBF27-C31B-4324-9A19-99AC23F5EBAC}" type="slidenum">
+              <a:t>&lt;#&gt;</a:t>
+            </a:fld>
+          </a:p>
+        </p:txBody>
+      </p:sp>
+      <p:sp>
+        <p:nvSpPr>
+          <p:cNvPr id="6" name="PlaceHolder 5"/>
+          <p:cNvSpPr>
+            <a:spLocks noGrp="1"/>
+          </p:cNvSpPr>
+          <p:nvPr>
+            <p:ph type="dt" idx="165"/>
           </p:nvPr>
         </p:nvSpPr>
         <p:spPr/>
@@ -6626,7 +7385,7 @@
         <p:txBody>
           <a:bodyPr/>
           <a:p>
-            <a:fld id="{7057EE9E-7B40-4E18-A171-F035DA18E6D6}" type="slidenum">
+            <a:fld id="{D3B19698-0782-453C-99AE-52C073A822AF}" type="slidenum">
               <a:t>&lt;#&gt;</a:t>
             </a:fld>
           </a:p>
@@ -6709,7 +7468,7 @@
         <p:txBody>
           <a:bodyPr/>
           <a:p>
-            <a:fld id="{6FEBF1D5-8047-4A64-9FC1-41302CD4AF74}" type="slidenum">
+            <a:fld id="{A1C31337-8D76-4989-BD59-6DD81DBF7FA4}" type="slidenum">
               <a:t>&lt;#&gt;</a:t>
             </a:fld>
           </a:p>
@@ -6792,7 +7551,7 @@
         <p:txBody>
           <a:bodyPr/>
           <a:p>
-            <a:fld id="{095FD587-0CF5-4C98-8F50-0AF6C22BBF90}" type="slidenum">
+            <a:fld id="{C0C4EFC2-59BF-4D82-9750-7E86D11AA178}" type="slidenum">
               <a:t>&lt;#&gt;</a:t>
             </a:fld>
           </a:p>
@@ -6861,7 +7620,7 @@
         <p:spPr>
           <a:xfrm>
             <a:off x="360" y="0"/>
-            <a:ext cx="9699120" cy="6856200"/>
+            <a:ext cx="9698760" cy="6855840"/>
           </a:xfrm>
           <a:prstGeom prst="rect">
             <a:avLst/>
@@ -6880,7 +7639,7 @@
         <p:spPr>
           <a:xfrm>
             <a:off x="2697120" y="6330240"/>
-            <a:ext cx="3999600" cy="227160"/>
+            <a:ext cx="3999240" cy="227160"/>
           </a:xfrm>
           <a:prstGeom prst="rect">
             <a:avLst/>
@@ -6939,7 +7698,7 @@
         <p:spPr>
           <a:xfrm>
             <a:off x="727560" y="1122480"/>
-            <a:ext cx="8245080" cy="2386440"/>
+            <a:ext cx="8244720" cy="2386080"/>
           </a:xfrm>
           <a:prstGeom prst="rect">
             <a:avLst/>
@@ -6965,7 +7724,17 @@
                 <a:uFillTx/>
                 <a:latin typeface="Arial"/>
               </a:rPr>
-              <a:t>Click to edit the title text format</a:t>
+              <a:t>Click to edit the title </a:t>
+            </a:r>
+            <a:r>
+              <a:rPr b="0" lang="en-US" sz="1800" strike="noStrike" u="none">
+                <a:solidFill>
+                  <a:srgbClr val="000000"/>
+                </a:solidFill>
+                <a:uFillTx/>
+                <a:latin typeface="Arial"/>
+              </a:rPr>
+              <a:t>text format</a:t>
             </a:r>
             <a:endParaRPr b="0" lang="en-US" sz="1800" strike="noStrike" u="none">
               <a:solidFill>
@@ -6990,7 +7759,7 @@
         <p:spPr>
           <a:xfrm>
             <a:off x="3213360" y="6356520"/>
-            <a:ext cx="3272400" cy="363240"/>
+            <a:ext cx="3272040" cy="362880"/>
           </a:xfrm>
           <a:prstGeom prst="rect">
             <a:avLst/>
@@ -7040,7 +7809,7 @@
                 <a:uFillTx/>
                 <a:latin typeface="Times New Roman"/>
               </a:rPr>
-              <a:t> </a:t>
+              <a:t>&lt;footer&gt;</a:t>
             </a:r>
             <a:endParaRPr b="0" lang="en-US" sz="1400" strike="noStrike" u="none">
               <a:solidFill>
@@ -7065,7 +7834,7 @@
         <p:spPr>
           <a:xfrm>
             <a:off x="6851520" y="6356520"/>
-            <a:ext cx="2180880" cy="363240"/>
+            <a:ext cx="2180520" cy="362880"/>
           </a:xfrm>
           <a:prstGeom prst="rect">
             <a:avLst/>
@@ -7107,7 +7876,7 @@
                 <a:tab algn="l" pos="0"/>
               </a:tabLst>
             </a:pPr>
-            <a:fld id="{06A473A6-9E75-4440-B017-A2B6094EE0BA}" type="slidenum">
+            <a:fld id="{D9A3D55E-C1D3-41A5-8D80-DA5D711004DB}" type="slidenum">
               <a:rPr b="0" lang="pt-BR" sz="1800" strike="noStrike" u="none">
                 <a:solidFill>
                   <a:schemeClr val="dk1"/>
@@ -7115,7 +7884,7 @@
                 <a:uFillTx/>
                 <a:latin typeface="Calibri"/>
               </a:rPr>
-              <a:t>2</a:t>
+              <a:t>&lt;number&gt;</a:t>
             </a:fld>
             <a:endParaRPr b="0" lang="en-US" sz="1800" strike="noStrike" u="none">
               <a:solidFill>
@@ -7140,7 +7909,7 @@
         <p:spPr>
           <a:xfrm>
             <a:off x="667080" y="6356520"/>
-            <a:ext cx="2180880" cy="363240"/>
+            <a:ext cx="2180520" cy="362880"/>
           </a:xfrm>
           <a:prstGeom prst="rect">
             <a:avLst/>
@@ -7178,7 +7947,7 @@
                 <a:uFillTx/>
                 <a:latin typeface="Times New Roman"/>
               </a:rPr>
-              <a:t> </a:t>
+              <a:t>&lt;date/time&gt;</a:t>
             </a:r>
             <a:endParaRPr b="0" lang="en-US" sz="1400" strike="noStrike" u="none">
               <a:solidFill>
@@ -7236,7 +8005,7 @@
         <p:spPr>
           <a:xfrm>
             <a:off x="360" y="0"/>
-            <a:ext cx="9699120" cy="6856200"/>
+            <a:ext cx="9698760" cy="6855840"/>
           </a:xfrm>
           <a:prstGeom prst="rect">
             <a:avLst/>
@@ -7255,7 +8024,7 @@
         <p:spPr>
           <a:xfrm>
             <a:off x="2697120" y="6330240"/>
-            <a:ext cx="3999600" cy="227160"/>
+            <a:ext cx="3999240" cy="227160"/>
           </a:xfrm>
           <a:prstGeom prst="rect">
             <a:avLst/>
@@ -7314,7 +8083,7 @@
         <p:spPr>
           <a:xfrm>
             <a:off x="727560" y="1122480"/>
-            <a:ext cx="8245080" cy="2386440"/>
+            <a:ext cx="8244720" cy="2386080"/>
           </a:xfrm>
           <a:prstGeom prst="rect">
             <a:avLst/>
@@ -7604,7 +8373,7 @@
         <p:spPr>
           <a:xfrm>
             <a:off x="3213360" y="6356520"/>
-            <a:ext cx="3272400" cy="363240"/>
+            <a:ext cx="3272040" cy="362880"/>
           </a:xfrm>
           <a:prstGeom prst="rect">
             <a:avLst/>
@@ -7679,7 +8448,7 @@
         <p:spPr>
           <a:xfrm>
             <a:off x="6851520" y="6356520"/>
-            <a:ext cx="2180880" cy="363240"/>
+            <a:ext cx="2180520" cy="362880"/>
           </a:xfrm>
           <a:prstGeom prst="rect">
             <a:avLst/>
@@ -7721,7 +8490,7 @@
                 <a:tab algn="l" pos="0"/>
               </a:tabLst>
             </a:pPr>
-            <a:fld id="{5B2E846C-F4F5-4392-A6A7-18CD504E718B}" type="slidenum">
+            <a:fld id="{6331CC2D-D46B-4122-BAB7-06F71CFA7A87}" type="slidenum">
               <a:rPr b="0" lang="pt-BR" sz="1800" strike="noStrike" u="none">
                 <a:solidFill>
                   <a:schemeClr val="dk1"/>
@@ -7754,7 +8523,7 @@
         <p:spPr>
           <a:xfrm>
             <a:off x="667080" y="6356520"/>
-            <a:ext cx="2180880" cy="363240"/>
+            <a:ext cx="2180520" cy="362880"/>
           </a:xfrm>
           <a:prstGeom prst="rect">
             <a:avLst/>
@@ -7850,7 +8619,7 @@
         <p:spPr>
           <a:xfrm>
             <a:off x="360" y="0"/>
-            <a:ext cx="9699120" cy="6856200"/>
+            <a:ext cx="9698760" cy="6855840"/>
           </a:xfrm>
           <a:prstGeom prst="rect">
             <a:avLst/>
@@ -7869,7 +8638,7 @@
         <p:spPr>
           <a:xfrm>
             <a:off x="2697120" y="6330240"/>
-            <a:ext cx="3999600" cy="227160"/>
+            <a:ext cx="3999240" cy="227160"/>
           </a:xfrm>
           <a:prstGeom prst="rect">
             <a:avLst/>
@@ -7928,7 +8697,7 @@
         <p:spPr>
           <a:xfrm>
             <a:off x="727560" y="1122480"/>
-            <a:ext cx="8245080" cy="2386440"/>
+            <a:ext cx="8244720" cy="2386080"/>
           </a:xfrm>
           <a:prstGeom prst="rect">
             <a:avLst/>
@@ -8457,7 +9226,7 @@
         <p:spPr>
           <a:xfrm>
             <a:off x="3213360" y="6356520"/>
-            <a:ext cx="3272400" cy="363240"/>
+            <a:ext cx="3272040" cy="362880"/>
           </a:xfrm>
           <a:prstGeom prst="rect">
             <a:avLst/>
@@ -8532,7 +9301,7 @@
         <p:spPr>
           <a:xfrm>
             <a:off x="6851520" y="6356520"/>
-            <a:ext cx="2180880" cy="363240"/>
+            <a:ext cx="2180520" cy="362880"/>
           </a:xfrm>
           <a:prstGeom prst="rect">
             <a:avLst/>
@@ -8574,7 +9343,7 @@
                 <a:tab algn="l" pos="0"/>
               </a:tabLst>
             </a:pPr>
-            <a:fld id="{0A2117D8-005F-4FAA-BE2E-68E4BAFEDD24}" type="slidenum">
+            <a:fld id="{5A790F4E-31A3-48D2-99D9-FCBB30D4FFA5}" type="slidenum">
               <a:rPr b="0" lang="pt-BR" sz="1800" strike="noStrike" u="none">
                 <a:solidFill>
                   <a:schemeClr val="dk1"/>
@@ -8607,7 +9376,7 @@
         <p:spPr>
           <a:xfrm>
             <a:off x="667080" y="6356520"/>
-            <a:ext cx="2180880" cy="363240"/>
+            <a:ext cx="2180520" cy="362880"/>
           </a:xfrm>
           <a:prstGeom prst="rect">
             <a:avLst/>
@@ -8703,7 +9472,7 @@
         <p:spPr>
           <a:xfrm>
             <a:off x="360" y="0"/>
-            <a:ext cx="9699120" cy="6856200"/>
+            <a:ext cx="9698760" cy="6855840"/>
           </a:xfrm>
           <a:prstGeom prst="rect">
             <a:avLst/>
@@ -8722,7 +9491,7 @@
         <p:spPr>
           <a:xfrm>
             <a:off x="2697120" y="6330240"/>
-            <a:ext cx="3999600" cy="227160"/>
+            <a:ext cx="3999240" cy="227160"/>
           </a:xfrm>
           <a:prstGeom prst="rect">
             <a:avLst/>
@@ -8781,7 +9550,7 @@
         <p:spPr>
           <a:xfrm>
             <a:off x="727560" y="1122480"/>
-            <a:ext cx="8245080" cy="2386440"/>
+            <a:ext cx="8244720" cy="2386080"/>
           </a:xfrm>
           <a:prstGeom prst="rect">
             <a:avLst/>
@@ -8832,7 +9601,7 @@
         <p:spPr>
           <a:xfrm>
             <a:off x="3213360" y="6356520"/>
-            <a:ext cx="3272400" cy="363240"/>
+            <a:ext cx="3272040" cy="362880"/>
           </a:xfrm>
           <a:prstGeom prst="rect">
             <a:avLst/>
@@ -8882,7 +9651,7 @@
                 <a:uFillTx/>
                 <a:latin typeface="Times New Roman"/>
               </a:rPr>
-              <a:t>&lt;footer&gt;</a:t>
+              <a:t> </a:t>
             </a:r>
             <a:endParaRPr b="0" lang="en-US" sz="1400" strike="noStrike" u="none">
               <a:solidFill>
@@ -8907,7 +9676,7 @@
         <p:spPr>
           <a:xfrm>
             <a:off x="6851520" y="6356520"/>
-            <a:ext cx="2180880" cy="363240"/>
+            <a:ext cx="2180520" cy="362880"/>
           </a:xfrm>
           <a:prstGeom prst="rect">
             <a:avLst/>
@@ -8949,7 +9718,7 @@
                 <a:tab algn="l" pos="0"/>
               </a:tabLst>
             </a:pPr>
-            <a:fld id="{BEB765EC-0D69-47FC-B7DA-971BCC0D75C3}" type="slidenum">
+            <a:fld id="{61D01B79-325E-443D-A3CD-1D4BD165DCC9}" type="slidenum">
               <a:rPr b="0" lang="pt-BR" sz="1800" strike="noStrike" u="none">
                 <a:solidFill>
                   <a:schemeClr val="dk1"/>
@@ -8957,7 +9726,7 @@
                 <a:uFillTx/>
                 <a:latin typeface="Calibri"/>
               </a:rPr>
-              <a:t>&lt;number&gt;</a:t>
+              <a:t>1</a:t>
             </a:fld>
             <a:endParaRPr b="0" lang="en-US" sz="1800" strike="noStrike" u="none">
               <a:solidFill>
@@ -8982,7 +9751,7 @@
         <p:spPr>
           <a:xfrm>
             <a:off x="667080" y="6356520"/>
-            <a:ext cx="2180880" cy="363240"/>
+            <a:ext cx="2180520" cy="362880"/>
           </a:xfrm>
           <a:prstGeom prst="rect">
             <a:avLst/>
@@ -9020,7 +9789,7 @@
                 <a:uFillTx/>
                 <a:latin typeface="Times New Roman"/>
               </a:rPr>
-              <a:t>&lt;date/time&gt;</a:t>
+              <a:t> </a:t>
             </a:r>
             <a:endParaRPr b="0" lang="en-US" sz="1400" strike="noStrike" u="none">
               <a:solidFill>
@@ -9078,7 +9847,7 @@
         <p:spPr>
           <a:xfrm>
             <a:off x="360" y="0"/>
-            <a:ext cx="9699120" cy="6856200"/>
+            <a:ext cx="9698760" cy="6855840"/>
           </a:xfrm>
           <a:prstGeom prst="rect">
             <a:avLst/>
@@ -9097,7 +9866,7 @@
         <p:spPr>
           <a:xfrm>
             <a:off x="2697120" y="6330240"/>
-            <a:ext cx="3999600" cy="227160"/>
+            <a:ext cx="3999240" cy="227160"/>
           </a:xfrm>
           <a:prstGeom prst="rect">
             <a:avLst/>
@@ -9156,7 +9925,7 @@
         <p:spPr>
           <a:xfrm>
             <a:off x="727560" y="1122480"/>
-            <a:ext cx="8245080" cy="2386440"/>
+            <a:ext cx="8244720" cy="2386080"/>
           </a:xfrm>
           <a:prstGeom prst="rect">
             <a:avLst/>
@@ -9446,7 +10215,7 @@
         <p:spPr>
           <a:xfrm>
             <a:off x="3213360" y="6356520"/>
-            <a:ext cx="3272400" cy="363240"/>
+            <a:ext cx="3272040" cy="362880"/>
           </a:xfrm>
           <a:prstGeom prst="rect">
             <a:avLst/>
@@ -9521,7 +10290,7 @@
         <p:spPr>
           <a:xfrm>
             <a:off x="6851520" y="6356520"/>
-            <a:ext cx="2180880" cy="363240"/>
+            <a:ext cx="2180520" cy="362880"/>
           </a:xfrm>
           <a:prstGeom prst="rect">
             <a:avLst/>
@@ -9563,7 +10332,7 @@
                 <a:tab algn="l" pos="0"/>
               </a:tabLst>
             </a:pPr>
-            <a:fld id="{3BBF1C92-F0DB-40F8-91AD-31862FA86DA7}" type="slidenum">
+            <a:fld id="{FE7A4CDC-B1CD-4F86-BEE4-B426AA5494BC}" type="slidenum">
               <a:rPr b="0" lang="pt-BR" sz="1800" strike="noStrike" u="none">
                 <a:solidFill>
                   <a:schemeClr val="dk1"/>
@@ -9596,7 +10365,7 @@
         <p:spPr>
           <a:xfrm>
             <a:off x="667080" y="6356520"/>
-            <a:ext cx="2180880" cy="363240"/>
+            <a:ext cx="2180520" cy="362880"/>
           </a:xfrm>
           <a:prstGeom prst="rect">
             <a:avLst/>
@@ -9692,7 +10461,7 @@
         <p:spPr>
           <a:xfrm>
             <a:off x="360" y="0"/>
-            <a:ext cx="9699120" cy="6856200"/>
+            <a:ext cx="9698760" cy="6855840"/>
           </a:xfrm>
           <a:prstGeom prst="rect">
             <a:avLst/>
@@ -9711,7 +10480,7 @@
         <p:spPr>
           <a:xfrm>
             <a:off x="2697120" y="6330240"/>
-            <a:ext cx="3999600" cy="227160"/>
+            <a:ext cx="3999240" cy="227160"/>
           </a:xfrm>
           <a:prstGeom prst="rect">
             <a:avLst/>
@@ -9770,7 +10539,7 @@
         <p:spPr>
           <a:xfrm>
             <a:off x="727560" y="1122480"/>
-            <a:ext cx="8245080" cy="2386440"/>
+            <a:ext cx="8244720" cy="2386080"/>
           </a:xfrm>
           <a:prstGeom prst="rect">
             <a:avLst/>
@@ -9821,7 +10590,7 @@
         <p:spPr>
           <a:xfrm>
             <a:off x="3213360" y="6356520"/>
-            <a:ext cx="3272400" cy="363240"/>
+            <a:ext cx="3272040" cy="362880"/>
           </a:xfrm>
           <a:prstGeom prst="rect">
             <a:avLst/>
@@ -9871,7 +10640,7 @@
                 <a:uFillTx/>
                 <a:latin typeface="Times New Roman"/>
               </a:rPr>
-              <a:t>&lt;footer&gt;</a:t>
+              <a:t> </a:t>
             </a:r>
             <a:endParaRPr b="0" lang="en-US" sz="1400" strike="noStrike" u="none">
               <a:solidFill>
@@ -9896,7 +10665,7 @@
         <p:spPr>
           <a:xfrm>
             <a:off x="6851520" y="6356520"/>
-            <a:ext cx="2180880" cy="363240"/>
+            <a:ext cx="2180520" cy="362880"/>
           </a:xfrm>
           <a:prstGeom prst="rect">
             <a:avLst/>
@@ -9938,7 +10707,7 @@
                 <a:tab algn="l" pos="0"/>
               </a:tabLst>
             </a:pPr>
-            <a:fld id="{404DA90D-E0E5-471C-88B2-738C1680838C}" type="slidenum">
+            <a:fld id="{7B1A697E-5EE8-46C2-8A5C-B8C62B9B4D72}" type="slidenum">
               <a:rPr b="0" lang="pt-BR" sz="1800" strike="noStrike" u="none">
                 <a:solidFill>
                   <a:schemeClr val="dk1"/>
@@ -9946,7 +10715,7 @@
                 <a:uFillTx/>
                 <a:latin typeface="Calibri"/>
               </a:rPr>
-              <a:t>&lt;number&gt;</a:t>
+              <a:t>1</a:t>
             </a:fld>
             <a:endParaRPr b="0" lang="en-US" sz="1800" strike="noStrike" u="none">
               <a:solidFill>
@@ -9971,7 +10740,7 @@
         <p:spPr>
           <a:xfrm>
             <a:off x="667080" y="6356520"/>
-            <a:ext cx="2180880" cy="363240"/>
+            <a:ext cx="2180520" cy="362880"/>
           </a:xfrm>
           <a:prstGeom prst="rect">
             <a:avLst/>
@@ -10009,7 +10778,7 @@
                 <a:uFillTx/>
                 <a:latin typeface="Times New Roman"/>
               </a:rPr>
-              <a:t>&lt;date/time&gt;</a:t>
+              <a:t> </a:t>
             </a:r>
             <a:endParaRPr b="0" lang="en-US" sz="1400" strike="noStrike" u="none">
               <a:solidFill>
@@ -10306,7 +11075,7 @@
         <p:spPr>
           <a:xfrm>
             <a:off x="360" y="0"/>
-            <a:ext cx="9699120" cy="6856200"/>
+            <a:ext cx="9698760" cy="6855840"/>
           </a:xfrm>
           <a:prstGeom prst="rect">
             <a:avLst/>
@@ -10325,7 +11094,7 @@
         <p:spPr>
           <a:xfrm>
             <a:off x="2697120" y="6330240"/>
-            <a:ext cx="3999600" cy="227160"/>
+            <a:ext cx="3999240" cy="227160"/>
           </a:xfrm>
           <a:prstGeom prst="rect">
             <a:avLst/>
@@ -10384,7 +11153,7 @@
         <p:spPr>
           <a:xfrm>
             <a:off x="3213360" y="6356520"/>
-            <a:ext cx="3272400" cy="363240"/>
+            <a:ext cx="3272040" cy="362880"/>
           </a:xfrm>
           <a:prstGeom prst="rect">
             <a:avLst/>
@@ -10459,7 +11228,7 @@
         <p:spPr>
           <a:xfrm>
             <a:off x="6851520" y="6356520"/>
-            <a:ext cx="2180880" cy="363240"/>
+            <a:ext cx="2180520" cy="362880"/>
           </a:xfrm>
           <a:prstGeom prst="rect">
             <a:avLst/>
@@ -10501,7 +11270,7 @@
                 <a:tab algn="l" pos="0"/>
               </a:tabLst>
             </a:pPr>
-            <a:fld id="{5A7B170A-1697-4E6E-8983-ECD6C9EDBC96}" type="slidenum">
+            <a:fld id="{3FA8F796-B35D-4AED-9FD5-C9083427098D}" type="slidenum">
               <a:rPr b="0" lang="pt-BR" sz="1800" strike="noStrike" u="none">
                 <a:solidFill>
                   <a:schemeClr val="dk1"/>
@@ -10534,7 +11303,7 @@
         <p:spPr>
           <a:xfrm>
             <a:off x="667080" y="6356520"/>
-            <a:ext cx="2180880" cy="363240"/>
+            <a:ext cx="2180520" cy="362880"/>
           </a:xfrm>
           <a:prstGeom prst="rect">
             <a:avLst/>
@@ -10630,7 +11399,7 @@
         <p:spPr>
           <a:xfrm>
             <a:off x="360" y="0"/>
-            <a:ext cx="9699120" cy="6856200"/>
+            <a:ext cx="9698760" cy="6855840"/>
           </a:xfrm>
           <a:prstGeom prst="rect">
             <a:avLst/>
@@ -10649,7 +11418,7 @@
         <p:spPr>
           <a:xfrm>
             <a:off x="2697120" y="6330240"/>
-            <a:ext cx="3999600" cy="227160"/>
+            <a:ext cx="3999240" cy="227160"/>
           </a:xfrm>
           <a:prstGeom prst="rect">
             <a:avLst/>
@@ -10708,7 +11477,7 @@
         <p:spPr>
           <a:xfrm>
             <a:off x="3213360" y="6356520"/>
-            <a:ext cx="3272400" cy="363240"/>
+            <a:ext cx="3272040" cy="362880"/>
           </a:xfrm>
           <a:prstGeom prst="rect">
             <a:avLst/>
@@ -10783,7 +11552,7 @@
         <p:spPr>
           <a:xfrm>
             <a:off x="6851520" y="6356520"/>
-            <a:ext cx="2180880" cy="363240"/>
+            <a:ext cx="2180520" cy="362880"/>
           </a:xfrm>
           <a:prstGeom prst="rect">
             <a:avLst/>
@@ -10825,7 +11594,7 @@
                 <a:tab algn="l" pos="0"/>
               </a:tabLst>
             </a:pPr>
-            <a:fld id="{EA34AFD2-B202-4896-96F3-DCAD7D937544}" type="slidenum">
+            <a:fld id="{908981CF-864B-4F0E-8354-148FF27652D1}" type="slidenum">
               <a:rPr b="0" lang="pt-BR" sz="1800" strike="noStrike" u="none">
                 <a:solidFill>
                   <a:schemeClr val="dk1"/>
@@ -10858,7 +11627,7 @@
         <p:spPr>
           <a:xfrm>
             <a:off x="667080" y="6356520"/>
-            <a:ext cx="2180880" cy="363240"/>
+            <a:ext cx="2180520" cy="362880"/>
           </a:xfrm>
           <a:prstGeom prst="rect">
             <a:avLst/>
@@ -10954,7 +11723,7 @@
         <p:spPr>
           <a:xfrm>
             <a:off x="360" y="0"/>
-            <a:ext cx="9699120" cy="6856200"/>
+            <a:ext cx="9698760" cy="6855840"/>
           </a:xfrm>
           <a:prstGeom prst="rect">
             <a:avLst/>
@@ -10973,7 +11742,7 @@
         <p:spPr>
           <a:xfrm>
             <a:off x="2697120" y="6330240"/>
-            <a:ext cx="3999600" cy="227160"/>
+            <a:ext cx="3999240" cy="227160"/>
           </a:xfrm>
           <a:prstGeom prst="rect">
             <a:avLst/>
@@ -11032,7 +11801,7 @@
         <p:spPr>
           <a:xfrm>
             <a:off x="727560" y="1122480"/>
-            <a:ext cx="8245080" cy="2386440"/>
+            <a:ext cx="8244720" cy="2386080"/>
           </a:xfrm>
           <a:prstGeom prst="rect">
             <a:avLst/>
@@ -11322,7 +12091,7 @@
         <p:spPr>
           <a:xfrm>
             <a:off x="3213360" y="6356520"/>
-            <a:ext cx="3272400" cy="363240"/>
+            <a:ext cx="3272040" cy="362880"/>
           </a:xfrm>
           <a:prstGeom prst="rect">
             <a:avLst/>
@@ -11397,7 +12166,7 @@
         <p:spPr>
           <a:xfrm>
             <a:off x="6851520" y="6356520"/>
-            <a:ext cx="2180880" cy="363240"/>
+            <a:ext cx="2180520" cy="362880"/>
           </a:xfrm>
           <a:prstGeom prst="rect">
             <a:avLst/>
@@ -11439,7 +12208,7 @@
                 <a:tab algn="l" pos="0"/>
               </a:tabLst>
             </a:pPr>
-            <a:fld id="{2D2B95DC-B078-4FAD-AE74-52B64EE2DE42}" type="slidenum">
+            <a:fld id="{EE4FDC51-7956-4691-884A-50CBDEA31007}" type="slidenum">
               <a:rPr b="0" lang="pt-BR" sz="1800" strike="noStrike" u="none">
                 <a:solidFill>
                   <a:schemeClr val="dk1"/>
@@ -11472,7 +12241,7 @@
         <p:spPr>
           <a:xfrm>
             <a:off x="667080" y="6356520"/>
-            <a:ext cx="2180880" cy="363240"/>
+            <a:ext cx="2180520" cy="362880"/>
           </a:xfrm>
           <a:prstGeom prst="rect">
             <a:avLst/>
@@ -11568,7 +12337,7 @@
         <p:spPr>
           <a:xfrm>
             <a:off x="360" y="0"/>
-            <a:ext cx="9699120" cy="6856200"/>
+            <a:ext cx="9698760" cy="6855840"/>
           </a:xfrm>
           <a:prstGeom prst="rect">
             <a:avLst/>
@@ -11587,7 +12356,7 @@
         <p:spPr>
           <a:xfrm>
             <a:off x="2697120" y="6330240"/>
-            <a:ext cx="3999600" cy="227160"/>
+            <a:ext cx="3999240" cy="227160"/>
           </a:xfrm>
           <a:prstGeom prst="rect">
             <a:avLst/>
@@ -11646,7 +12415,7 @@
         <p:spPr>
           <a:xfrm>
             <a:off x="3213360" y="6356520"/>
-            <a:ext cx="3272400" cy="363240"/>
+            <a:ext cx="3272040" cy="362880"/>
           </a:xfrm>
           <a:prstGeom prst="rect">
             <a:avLst/>
@@ -11696,7 +12465,7 @@
                 <a:uFillTx/>
                 <a:latin typeface="Times New Roman"/>
               </a:rPr>
-              <a:t>&lt;footer&gt;</a:t>
+              <a:t> </a:t>
             </a:r>
             <a:endParaRPr b="0" lang="en-US" sz="1400" strike="noStrike" u="none">
               <a:solidFill>
@@ -11721,7 +12490,7 @@
         <p:spPr>
           <a:xfrm>
             <a:off x="6851520" y="6356520"/>
-            <a:ext cx="2180880" cy="363240"/>
+            <a:ext cx="2180520" cy="362880"/>
           </a:xfrm>
           <a:prstGeom prst="rect">
             <a:avLst/>
@@ -11763,7 +12532,7 @@
                 <a:tab algn="l" pos="0"/>
               </a:tabLst>
             </a:pPr>
-            <a:fld id="{F0938B1D-3F6F-4C3A-8901-D5347D1C9344}" type="slidenum">
+            <a:fld id="{62E8FAD9-7A59-443B-8B4F-852BE80642EC}" type="slidenum">
               <a:rPr b="0" lang="pt-BR" sz="1800" strike="noStrike" u="none">
                 <a:solidFill>
                   <a:schemeClr val="dk1"/>
@@ -11771,7 +12540,7 @@
                 <a:uFillTx/>
                 <a:latin typeface="Calibri"/>
               </a:rPr>
-              <a:t>&lt;number&gt;</a:t>
+              <a:t>1</a:t>
             </a:fld>
             <a:endParaRPr b="0" lang="en-US" sz="1800" strike="noStrike" u="none">
               <a:solidFill>
@@ -11796,7 +12565,7 @@
         <p:spPr>
           <a:xfrm>
             <a:off x="667080" y="6356520"/>
-            <a:ext cx="2180880" cy="363240"/>
+            <a:ext cx="2180520" cy="362880"/>
           </a:xfrm>
           <a:prstGeom prst="rect">
             <a:avLst/>
@@ -11834,7 +12603,7 @@
                 <a:uFillTx/>
                 <a:latin typeface="Times New Roman"/>
               </a:rPr>
-              <a:t>&lt;date/time&gt;</a:t>
+              <a:t> </a:t>
             </a:r>
             <a:endParaRPr b="0" lang="en-US" sz="1400" strike="noStrike" u="none">
               <a:solidFill>
@@ -11892,7 +12661,7 @@
         <p:spPr>
           <a:xfrm>
             <a:off x="360" y="0"/>
-            <a:ext cx="9699120" cy="6856200"/>
+            <a:ext cx="9698760" cy="6855840"/>
           </a:xfrm>
           <a:prstGeom prst="rect">
             <a:avLst/>
@@ -11911,7 +12680,7 @@
         <p:spPr>
           <a:xfrm>
             <a:off x="2697120" y="6330240"/>
-            <a:ext cx="3999600" cy="227160"/>
+            <a:ext cx="3999240" cy="227160"/>
           </a:xfrm>
           <a:prstGeom prst="rect">
             <a:avLst/>
@@ -11970,7 +12739,7 @@
         <p:spPr>
           <a:xfrm>
             <a:off x="727560" y="1122480"/>
-            <a:ext cx="8245080" cy="2386440"/>
+            <a:ext cx="8244720" cy="2386080"/>
           </a:xfrm>
           <a:prstGeom prst="rect">
             <a:avLst/>
@@ -12499,7 +13268,7 @@
         <p:spPr>
           <a:xfrm>
             <a:off x="3213360" y="6356520"/>
-            <a:ext cx="3272400" cy="363240"/>
+            <a:ext cx="3272040" cy="362880"/>
           </a:xfrm>
           <a:prstGeom prst="rect">
             <a:avLst/>
@@ -12574,7 +13343,7 @@
         <p:spPr>
           <a:xfrm>
             <a:off x="6851520" y="6356520"/>
-            <a:ext cx="2180880" cy="363240"/>
+            <a:ext cx="2180520" cy="362880"/>
           </a:xfrm>
           <a:prstGeom prst="rect">
             <a:avLst/>
@@ -12616,7 +13385,7 @@
                 <a:tab algn="l" pos="0"/>
               </a:tabLst>
             </a:pPr>
-            <a:fld id="{177FF1EB-29DA-4C1B-91DA-FBC9B0FFBE21}" type="slidenum">
+            <a:fld id="{F6D81919-E847-4DA2-8E56-2E8F111E8999}" type="slidenum">
               <a:rPr b="0" lang="pt-BR" sz="1800" strike="noStrike" u="none">
                 <a:solidFill>
                   <a:schemeClr val="dk1"/>
@@ -12649,7 +13418,7 @@
         <p:spPr>
           <a:xfrm>
             <a:off x="667080" y="6356520"/>
-            <a:ext cx="2180880" cy="363240"/>
+            <a:ext cx="2180520" cy="362880"/>
           </a:xfrm>
           <a:prstGeom prst="rect">
             <a:avLst/>
@@ -12745,7 +13514,7 @@
         <p:spPr>
           <a:xfrm>
             <a:off x="360" y="0"/>
-            <a:ext cx="9699120" cy="6856200"/>
+            <a:ext cx="9698760" cy="6855840"/>
           </a:xfrm>
           <a:prstGeom prst="rect">
             <a:avLst/>
@@ -12764,7 +13533,7 @@
         <p:spPr>
           <a:xfrm>
             <a:off x="2697120" y="6330240"/>
-            <a:ext cx="3999600" cy="227160"/>
+            <a:ext cx="3999240" cy="227160"/>
           </a:xfrm>
           <a:prstGeom prst="rect">
             <a:avLst/>
@@ -12823,7 +13592,7 @@
         <p:spPr>
           <a:xfrm>
             <a:off x="727560" y="1122480"/>
-            <a:ext cx="8245080" cy="2386440"/>
+            <a:ext cx="8244720" cy="2386080"/>
           </a:xfrm>
           <a:prstGeom prst="rect">
             <a:avLst/>
@@ -13352,7 +14121,7 @@
         <p:spPr>
           <a:xfrm>
             <a:off x="3213360" y="6356520"/>
-            <a:ext cx="3272400" cy="363240"/>
+            <a:ext cx="3272040" cy="362880"/>
           </a:xfrm>
           <a:prstGeom prst="rect">
             <a:avLst/>
@@ -13427,7 +14196,7 @@
         <p:spPr>
           <a:xfrm>
             <a:off x="6851520" y="6356520"/>
-            <a:ext cx="2180880" cy="363240"/>
+            <a:ext cx="2180520" cy="362880"/>
           </a:xfrm>
           <a:prstGeom prst="rect">
             <a:avLst/>
@@ -13469,7 +14238,7 @@
                 <a:tab algn="l" pos="0"/>
               </a:tabLst>
             </a:pPr>
-            <a:fld id="{6D268D38-C5C3-48A6-BB62-979BCA76158B}" type="slidenum">
+            <a:fld id="{5FA8A2D4-09E0-4D7E-BDDF-E386761F9DE1}" type="slidenum">
               <a:rPr b="0" lang="pt-BR" sz="1800" strike="noStrike" u="none">
                 <a:solidFill>
                   <a:schemeClr val="dk1"/>
@@ -13502,7 +14271,7 @@
         <p:spPr>
           <a:xfrm>
             <a:off x="667080" y="6356520"/>
-            <a:ext cx="2180880" cy="363240"/>
+            <a:ext cx="2180520" cy="362880"/>
           </a:xfrm>
           <a:prstGeom prst="rect">
             <a:avLst/>
@@ -13598,7 +14367,7 @@
         <p:spPr>
           <a:xfrm>
             <a:off x="360" y="0"/>
-            <a:ext cx="9699120" cy="6856200"/>
+            <a:ext cx="9698760" cy="6855840"/>
           </a:xfrm>
           <a:prstGeom prst="rect">
             <a:avLst/>
@@ -13617,7 +14386,7 @@
         <p:spPr>
           <a:xfrm>
             <a:off x="2697120" y="6330240"/>
-            <a:ext cx="3999600" cy="227160"/>
+            <a:ext cx="3999240" cy="227160"/>
           </a:xfrm>
           <a:prstGeom prst="rect">
             <a:avLst/>
@@ -13676,7 +14445,7 @@
         <p:spPr>
           <a:xfrm>
             <a:off x="3213360" y="6356520"/>
-            <a:ext cx="3272400" cy="363240"/>
+            <a:ext cx="3272040" cy="362880"/>
           </a:xfrm>
           <a:prstGeom prst="rect">
             <a:avLst/>
@@ -13726,7 +14495,7 @@
                 <a:uFillTx/>
                 <a:latin typeface="Times New Roman"/>
               </a:rPr>
-              <a:t>&lt;footer&gt;</a:t>
+              <a:t> </a:t>
             </a:r>
             <a:endParaRPr b="0" lang="en-US" sz="1400" strike="noStrike" u="none">
               <a:solidFill>
@@ -13751,7 +14520,7 @@
         <p:spPr>
           <a:xfrm>
             <a:off x="6851520" y="6356520"/>
-            <a:ext cx="2180880" cy="363240"/>
+            <a:ext cx="2180520" cy="362880"/>
           </a:xfrm>
           <a:prstGeom prst="rect">
             <a:avLst/>
@@ -13793,7 +14562,7 @@
                 <a:tab algn="l" pos="0"/>
               </a:tabLst>
             </a:pPr>
-            <a:fld id="{9DDBE247-A3CE-4362-8BA3-80F1A37829FB}" type="slidenum">
+            <a:fld id="{406E10B8-5A4C-42BE-86CE-C721BFBD32C1}" type="slidenum">
               <a:rPr b="0" lang="pt-BR" sz="1800" strike="noStrike" u="none">
                 <a:solidFill>
                   <a:schemeClr val="dk1"/>
@@ -13801,7 +14570,7 @@
                 <a:uFillTx/>
                 <a:latin typeface="Calibri"/>
               </a:rPr>
-              <a:t>&lt;number&gt;</a:t>
+              <a:t>1</a:t>
             </a:fld>
             <a:endParaRPr b="0" lang="en-US" sz="1800" strike="noStrike" u="none">
               <a:solidFill>
@@ -13826,7 +14595,7 @@
         <p:spPr>
           <a:xfrm>
             <a:off x="667080" y="6356520"/>
-            <a:ext cx="2180880" cy="363240"/>
+            <a:ext cx="2180520" cy="362880"/>
           </a:xfrm>
           <a:prstGeom prst="rect">
             <a:avLst/>
@@ -13864,7 +14633,7 @@
                 <a:uFillTx/>
                 <a:latin typeface="Times New Roman"/>
               </a:rPr>
-              <a:t>&lt;date/time&gt;</a:t>
+              <a:t> </a:t>
             </a:r>
             <a:endParaRPr b="0" lang="en-US" sz="1400" strike="noStrike" u="none">
               <a:solidFill>
@@ -13922,7 +14691,7 @@
         <p:spPr>
           <a:xfrm>
             <a:off x="360" y="0"/>
-            <a:ext cx="9699120" cy="6856200"/>
+            <a:ext cx="9698760" cy="6855840"/>
           </a:xfrm>
           <a:prstGeom prst="rect">
             <a:avLst/>
@@ -13941,7 +14710,7 @@
         <p:spPr>
           <a:xfrm>
             <a:off x="2697120" y="6330240"/>
-            <a:ext cx="3999600" cy="227160"/>
+            <a:ext cx="3999240" cy="227160"/>
           </a:xfrm>
           <a:prstGeom prst="rect">
             <a:avLst/>
@@ -14000,7 +14769,7 @@
         <p:spPr>
           <a:xfrm>
             <a:off x="727560" y="1122480"/>
-            <a:ext cx="8245080" cy="2386440"/>
+            <a:ext cx="8244720" cy="2386080"/>
           </a:xfrm>
           <a:prstGeom prst="rect">
             <a:avLst/>
@@ -14051,7 +14820,7 @@
         <p:spPr>
           <a:xfrm>
             <a:off x="3213360" y="6356520"/>
-            <a:ext cx="3272400" cy="363240"/>
+            <a:ext cx="3272040" cy="362880"/>
           </a:xfrm>
           <a:prstGeom prst="rect">
             <a:avLst/>
@@ -14126,7 +14895,7 @@
         <p:spPr>
           <a:xfrm>
             <a:off x="6851520" y="6356520"/>
-            <a:ext cx="2180880" cy="363240"/>
+            <a:ext cx="2180520" cy="362880"/>
           </a:xfrm>
           <a:prstGeom prst="rect">
             <a:avLst/>
@@ -14168,7 +14937,7 @@
                 <a:tab algn="l" pos="0"/>
               </a:tabLst>
             </a:pPr>
-            <a:fld id="{E3CA6663-6B4E-4BED-A75A-3EEE72C29011}" type="slidenum">
+            <a:fld id="{FECF1395-8113-42EE-9D59-BEA5CCC55B4A}" type="slidenum">
               <a:rPr b="0" lang="pt-BR" sz="1800" strike="noStrike" u="none">
                 <a:solidFill>
                   <a:schemeClr val="dk1"/>
@@ -14201,7 +14970,7 @@
         <p:spPr>
           <a:xfrm>
             <a:off x="667080" y="6356520"/>
-            <a:ext cx="2180880" cy="363240"/>
+            <a:ext cx="2180520" cy="362880"/>
           </a:xfrm>
           <a:prstGeom prst="rect">
             <a:avLst/>
@@ -14297,7 +15066,7 @@
         <p:spPr>
           <a:xfrm>
             <a:off x="360" y="0"/>
-            <a:ext cx="9699120" cy="6856200"/>
+            <a:ext cx="9698760" cy="6855840"/>
           </a:xfrm>
           <a:prstGeom prst="rect">
             <a:avLst/>
@@ -14316,7 +15085,7 @@
         <p:spPr>
           <a:xfrm>
             <a:off x="2697120" y="6330240"/>
-            <a:ext cx="3999600" cy="227160"/>
+            <a:ext cx="3999240" cy="227160"/>
           </a:xfrm>
           <a:prstGeom prst="rect">
             <a:avLst/>
@@ -14375,7 +15144,7 @@
         <p:spPr>
           <a:xfrm>
             <a:off x="3213360" y="6356520"/>
-            <a:ext cx="3272400" cy="363240"/>
+            <a:ext cx="3272040" cy="362880"/>
           </a:xfrm>
           <a:prstGeom prst="rect">
             <a:avLst/>
@@ -14450,7 +15219,7 @@
         <p:spPr>
           <a:xfrm>
             <a:off x="6851520" y="6356520"/>
-            <a:ext cx="2180880" cy="363240"/>
+            <a:ext cx="2180520" cy="362880"/>
           </a:xfrm>
           <a:prstGeom prst="rect">
             <a:avLst/>
@@ -14492,7 +15261,7 @@
                 <a:tab algn="l" pos="0"/>
               </a:tabLst>
             </a:pPr>
-            <a:fld id="{268EB42B-D855-4B64-93F7-614D26BD63B6}" type="slidenum">
+            <a:fld id="{AAE1D03A-B23F-43B5-91D8-575E6997B598}" type="slidenum">
               <a:rPr b="0" lang="pt-BR" sz="1800" strike="noStrike" u="none">
                 <a:solidFill>
                   <a:schemeClr val="dk1"/>
@@ -14525,7 +15294,7 @@
         <p:spPr>
           <a:xfrm>
             <a:off x="667080" y="6356520"/>
-            <a:ext cx="2180880" cy="363240"/>
+            <a:ext cx="2180520" cy="362880"/>
           </a:xfrm>
           <a:prstGeom prst="rect">
             <a:avLst/>
@@ -14621,7 +15390,7 @@
         <p:spPr>
           <a:xfrm>
             <a:off x="360" y="0"/>
-            <a:ext cx="9699120" cy="6856200"/>
+            <a:ext cx="9698760" cy="6855840"/>
           </a:xfrm>
           <a:prstGeom prst="rect">
             <a:avLst/>
@@ -14640,7 +15409,7 @@
         <p:spPr>
           <a:xfrm>
             <a:off x="2697120" y="6330240"/>
-            <a:ext cx="3999600" cy="227160"/>
+            <a:ext cx="3999240" cy="227160"/>
           </a:xfrm>
           <a:prstGeom prst="rect">
             <a:avLst/>
@@ -14699,7 +15468,7 @@
         <p:spPr>
           <a:xfrm>
             <a:off x="3213360" y="6356520"/>
-            <a:ext cx="3272400" cy="363240"/>
+            <a:ext cx="3272040" cy="362880"/>
           </a:xfrm>
           <a:prstGeom prst="rect">
             <a:avLst/>
@@ -14774,7 +15543,7 @@
         <p:spPr>
           <a:xfrm>
             <a:off x="6851520" y="6356520"/>
-            <a:ext cx="2180880" cy="363240"/>
+            <a:ext cx="2180520" cy="362880"/>
           </a:xfrm>
           <a:prstGeom prst="rect">
             <a:avLst/>
@@ -14816,7 +15585,7 @@
                 <a:tab algn="l" pos="0"/>
               </a:tabLst>
             </a:pPr>
-            <a:fld id="{7AA171EB-865C-4F69-9A0C-E6A7B8AF1B85}" type="slidenum">
+            <a:fld id="{662CA045-FD17-4843-AC82-B7380E7B946A}" type="slidenum">
               <a:rPr b="0" lang="pt-BR" sz="1800" strike="noStrike" u="none">
                 <a:solidFill>
                   <a:schemeClr val="dk1"/>
@@ -14849,7 +15618,7 @@
         <p:spPr>
           <a:xfrm>
             <a:off x="667080" y="6356520"/>
-            <a:ext cx="2180880" cy="363240"/>
+            <a:ext cx="2180520" cy="362880"/>
           </a:xfrm>
           <a:prstGeom prst="rect">
             <a:avLst/>
@@ -14945,7 +15714,7 @@
         <p:spPr>
           <a:xfrm>
             <a:off x="360" y="0"/>
-            <a:ext cx="9699120" cy="6856200"/>
+            <a:ext cx="9698760" cy="6855840"/>
           </a:xfrm>
           <a:prstGeom prst="rect">
             <a:avLst/>
@@ -14964,7 +15733,7 @@
         <p:spPr>
           <a:xfrm>
             <a:off x="2697120" y="6330240"/>
-            <a:ext cx="3999600" cy="227160"/>
+            <a:ext cx="3999240" cy="227160"/>
           </a:xfrm>
           <a:prstGeom prst="rect">
             <a:avLst/>
@@ -15023,7 +15792,7 @@
         <p:spPr>
           <a:xfrm>
             <a:off x="3213360" y="6356520"/>
-            <a:ext cx="3272400" cy="363240"/>
+            <a:ext cx="3272040" cy="362880"/>
           </a:xfrm>
           <a:prstGeom prst="rect">
             <a:avLst/>
@@ -15098,7 +15867,7 @@
         <p:spPr>
           <a:xfrm>
             <a:off x="6851520" y="6356520"/>
-            <a:ext cx="2180880" cy="363240"/>
+            <a:ext cx="2180520" cy="362880"/>
           </a:xfrm>
           <a:prstGeom prst="rect">
             <a:avLst/>
@@ -15140,7 +15909,7 @@
                 <a:tab algn="l" pos="0"/>
               </a:tabLst>
             </a:pPr>
-            <a:fld id="{16AC2D88-9393-410D-A6A5-B7016B87E3F4}" type="slidenum">
+            <a:fld id="{B01C8D2E-6A26-40D6-BF16-CF9A9DEBD257}" type="slidenum">
               <a:rPr b="0" lang="pt-BR" sz="1800" strike="noStrike" u="none">
                 <a:solidFill>
                   <a:schemeClr val="dk1"/>
@@ -15173,7 +15942,7 @@
         <p:spPr>
           <a:xfrm>
             <a:off x="667080" y="6356520"/>
-            <a:ext cx="2180880" cy="363240"/>
+            <a:ext cx="2180520" cy="362880"/>
           </a:xfrm>
           <a:prstGeom prst="rect">
             <a:avLst/>
@@ -15269,7 +16038,7 @@
         <p:spPr>
           <a:xfrm>
             <a:off x="727560" y="1122480"/>
-            <a:ext cx="8245080" cy="2386440"/>
+            <a:ext cx="8244720" cy="2386080"/>
           </a:xfrm>
           <a:prstGeom prst="rect">
             <a:avLst/>
@@ -15320,7 +16089,7 @@
         <p:spPr>
           <a:xfrm>
             <a:off x="3213000" y="6356520"/>
-            <a:ext cx="3273120" cy="363240"/>
+            <a:ext cx="3272760" cy="362880"/>
           </a:xfrm>
           <a:prstGeom prst="rect">
             <a:avLst/>
@@ -15395,7 +16164,7 @@
         <p:spPr>
           <a:xfrm>
             <a:off x="6851520" y="6356520"/>
-            <a:ext cx="2180880" cy="363240"/>
+            <a:ext cx="2180520" cy="362880"/>
           </a:xfrm>
           <a:prstGeom prst="rect">
             <a:avLst/>
@@ -15439,7 +16208,7 @@
                 <a:tab algn="l" pos="0"/>
               </a:tabLst>
             </a:pPr>
-            <a:fld id="{FFEAC097-8AAE-4775-9B69-8C006900FEB4}" type="slidenum">
+            <a:fld id="{6F05DA33-38A2-46E4-8FE6-169ED6B4DA79}" type="slidenum">
               <a:rPr b="0" lang="pt-BR" sz="1200" strike="noStrike" u="none">
                 <a:solidFill>
                   <a:schemeClr val="dk1">
@@ -15474,7 +16243,7 @@
         <p:spPr>
           <a:xfrm>
             <a:off x="666720" y="6356520"/>
-            <a:ext cx="2180880" cy="363240"/>
+            <a:ext cx="2180520" cy="362880"/>
           </a:xfrm>
           <a:prstGeom prst="rect">
             <a:avLst/>
@@ -15570,7 +16339,7 @@
         <p:spPr>
           <a:xfrm>
             <a:off x="3213000" y="6356520"/>
-            <a:ext cx="3273120" cy="363240"/>
+            <a:ext cx="3272760" cy="362880"/>
           </a:xfrm>
           <a:prstGeom prst="rect">
             <a:avLst/>
@@ -15645,7 +16414,7 @@
         <p:spPr>
           <a:xfrm>
             <a:off x="6851520" y="6356520"/>
-            <a:ext cx="2180880" cy="363240"/>
+            <a:ext cx="2180520" cy="362880"/>
           </a:xfrm>
           <a:prstGeom prst="rect">
             <a:avLst/>
@@ -15689,7 +16458,7 @@
                 <a:tab algn="l" pos="0"/>
               </a:tabLst>
             </a:pPr>
-            <a:fld id="{EBDE942E-B600-40D6-8E1A-9B246151A386}" type="slidenum">
+            <a:fld id="{2DB3863A-5002-4C17-95D8-4FF65F7843D8}" type="slidenum">
               <a:rPr b="0" lang="pt-BR" sz="1200" strike="noStrike" u="none">
                 <a:solidFill>
                   <a:schemeClr val="dk1">
@@ -15724,7 +16493,7 @@
         <p:spPr>
           <a:xfrm>
             <a:off x="666720" y="6356520"/>
-            <a:ext cx="2180880" cy="363240"/>
+            <a:ext cx="2180520" cy="362880"/>
           </a:xfrm>
           <a:prstGeom prst="rect">
             <a:avLst/>
@@ -15820,7 +16589,7 @@
         <p:spPr>
           <a:xfrm>
             <a:off x="3213000" y="6356520"/>
-            <a:ext cx="3273120" cy="363240"/>
+            <a:ext cx="3272760" cy="362880"/>
           </a:xfrm>
           <a:prstGeom prst="rect">
             <a:avLst/>
@@ -15895,7 +16664,7 @@
         <p:spPr>
           <a:xfrm>
             <a:off x="6851520" y="6356520"/>
-            <a:ext cx="2180880" cy="363240"/>
+            <a:ext cx="2180520" cy="362880"/>
           </a:xfrm>
           <a:prstGeom prst="rect">
             <a:avLst/>
@@ -15939,7 +16708,7 @@
                 <a:tab algn="l" pos="0"/>
               </a:tabLst>
             </a:pPr>
-            <a:fld id="{BF07F6DD-069E-4E52-9ECC-B8395E062714}" type="slidenum">
+            <a:fld id="{6105FE3A-972C-4C23-94DA-0DFCEE4EBF12}" type="slidenum">
               <a:rPr b="0" lang="pt-BR" sz="1200" strike="noStrike" u="none">
                 <a:solidFill>
                   <a:schemeClr val="dk1">
@@ -15974,7 +16743,7 @@
         <p:spPr>
           <a:xfrm>
             <a:off x="666720" y="6356520"/>
-            <a:ext cx="2180880" cy="363240"/>
+            <a:ext cx="2180520" cy="362880"/>
           </a:xfrm>
           <a:prstGeom prst="rect">
             <a:avLst/>
@@ -16070,7 +16839,7 @@
         <p:spPr>
           <a:xfrm>
             <a:off x="727560" y="1122480"/>
-            <a:ext cx="8245080" cy="2386440"/>
+            <a:ext cx="8244720" cy="2386080"/>
           </a:xfrm>
           <a:prstGeom prst="rect">
             <a:avLst/>
@@ -16360,7 +17129,7 @@
         <p:spPr>
           <a:xfrm>
             <a:off x="3213000" y="6356520"/>
-            <a:ext cx="3273120" cy="363240"/>
+            <a:ext cx="3272760" cy="362880"/>
           </a:xfrm>
           <a:prstGeom prst="rect">
             <a:avLst/>
@@ -16435,7 +17204,7 @@
         <p:spPr>
           <a:xfrm>
             <a:off x="6851520" y="6356520"/>
-            <a:ext cx="2180880" cy="363240"/>
+            <a:ext cx="2180520" cy="362880"/>
           </a:xfrm>
           <a:prstGeom prst="rect">
             <a:avLst/>
@@ -16479,7 +17248,7 @@
                 <a:tab algn="l" pos="0"/>
               </a:tabLst>
             </a:pPr>
-            <a:fld id="{4D3365C5-E801-4D16-85CA-AF7EA323B767}" type="slidenum">
+            <a:fld id="{1AE4AE06-3ADB-49CE-8FDF-79C61B57D6D6}" type="slidenum">
               <a:rPr b="0" lang="pt-BR" sz="1200" strike="noStrike" u="none">
                 <a:solidFill>
                   <a:schemeClr val="dk1">
@@ -16514,7 +17283,7 @@
         <p:spPr>
           <a:xfrm>
             <a:off x="666720" y="6356520"/>
-            <a:ext cx="2180880" cy="363240"/>
+            <a:ext cx="2180520" cy="362880"/>
           </a:xfrm>
           <a:prstGeom prst="rect">
             <a:avLst/>
@@ -16610,7 +17379,7 @@
         <p:spPr>
           <a:xfrm>
             <a:off x="3213000" y="6356520"/>
-            <a:ext cx="3273120" cy="363240"/>
+            <a:ext cx="3272760" cy="362880"/>
           </a:xfrm>
           <a:prstGeom prst="rect">
             <a:avLst/>
@@ -16660,7 +17429,7 @@
                 <a:uFillTx/>
                 <a:latin typeface="Times New Roman"/>
               </a:rPr>
-              <a:t>&lt;footer&gt;</a:t>
+              <a:t> </a:t>
             </a:r>
             <a:endParaRPr b="0" lang="en-US" sz="1400" strike="noStrike" u="none">
               <a:solidFill>
@@ -16685,7 +17454,7 @@
         <p:spPr>
           <a:xfrm>
             <a:off x="6851520" y="6356520"/>
-            <a:ext cx="2180880" cy="363240"/>
+            <a:ext cx="2180520" cy="362880"/>
           </a:xfrm>
           <a:prstGeom prst="rect">
             <a:avLst/>
@@ -16729,7 +17498,7 @@
                 <a:tab algn="l" pos="0"/>
               </a:tabLst>
             </a:pPr>
-            <a:fld id="{2A7170A3-472C-4E58-AF57-AA8A7943805C}" type="slidenum">
+            <a:fld id="{E3C1EBDC-434D-4D68-9384-A0D8A7D13C44}" type="slidenum">
               <a:rPr b="0" lang="pt-BR" sz="1200" strike="noStrike" u="none">
                 <a:solidFill>
                   <a:schemeClr val="dk1">
@@ -16739,7 +17508,7 @@
                 <a:uFillTx/>
                 <a:latin typeface="Calibri"/>
               </a:rPr>
-              <a:t>&lt;number&gt;</a:t>
+              <a:t>1</a:t>
             </a:fld>
             <a:endParaRPr b="0" lang="en-US" sz="1200" strike="noStrike" u="none">
               <a:solidFill>
@@ -16764,7 +17533,7 @@
         <p:spPr>
           <a:xfrm>
             <a:off x="666720" y="6356520"/>
-            <a:ext cx="2180880" cy="363240"/>
+            <a:ext cx="2180520" cy="362880"/>
           </a:xfrm>
           <a:prstGeom prst="rect">
             <a:avLst/>
@@ -16802,7 +17571,7 @@
                 <a:uFillTx/>
                 <a:latin typeface="Times New Roman"/>
               </a:rPr>
-              <a:t>&lt;date/time&gt;</a:t>
+              <a:t> </a:t>
             </a:r>
             <a:endParaRPr b="0" lang="en-US" sz="1400" strike="noStrike" u="none">
               <a:solidFill>
@@ -16860,7 +17629,7 @@
         <p:spPr>
           <a:xfrm>
             <a:off x="360" y="0"/>
-            <a:ext cx="9699120" cy="6856200"/>
+            <a:ext cx="9698760" cy="6855840"/>
           </a:xfrm>
           <a:prstGeom prst="rect">
             <a:avLst/>
@@ -16879,7 +17648,7 @@
         <p:spPr>
           <a:xfrm>
             <a:off x="2697120" y="6330240"/>
-            <a:ext cx="3999600" cy="227160"/>
+            <a:ext cx="3999240" cy="227160"/>
           </a:xfrm>
           <a:prstGeom prst="rect">
             <a:avLst/>
@@ -16938,7 +17707,7 @@
         <p:spPr>
           <a:xfrm>
             <a:off x="727560" y="1122480"/>
-            <a:ext cx="8245080" cy="2386440"/>
+            <a:ext cx="8244720" cy="2386080"/>
           </a:xfrm>
           <a:prstGeom prst="rect">
             <a:avLst/>
@@ -17228,7 +17997,7 @@
         <p:spPr>
           <a:xfrm>
             <a:off x="3213360" y="6356520"/>
-            <a:ext cx="3272400" cy="363240"/>
+            <a:ext cx="3272040" cy="362880"/>
           </a:xfrm>
           <a:prstGeom prst="rect">
             <a:avLst/>
@@ -17303,7 +18072,7 @@
         <p:spPr>
           <a:xfrm>
             <a:off x="6851520" y="6356520"/>
-            <a:ext cx="2180880" cy="363240"/>
+            <a:ext cx="2180520" cy="362880"/>
           </a:xfrm>
           <a:prstGeom prst="rect">
             <a:avLst/>
@@ -17345,7 +18114,7 @@
                 <a:tab algn="l" pos="0"/>
               </a:tabLst>
             </a:pPr>
-            <a:fld id="{44DEE6B4-F4D5-4371-9772-25E66C8D2A76}" type="slidenum">
+            <a:fld id="{B79C2877-1735-4B06-96D6-207C939A309D}" type="slidenum">
               <a:rPr b="0" lang="pt-BR" sz="1800" strike="noStrike" u="none">
                 <a:solidFill>
                   <a:schemeClr val="dk1"/>
@@ -17378,7 +18147,7 @@
         <p:spPr>
           <a:xfrm>
             <a:off x="667080" y="6356520"/>
-            <a:ext cx="2180880" cy="363240"/>
+            <a:ext cx="2180520" cy="362880"/>
           </a:xfrm>
           <a:prstGeom prst="rect">
             <a:avLst/>
@@ -17474,7 +18243,7 @@
         <p:spPr>
           <a:xfrm>
             <a:off x="727560" y="1122480"/>
-            <a:ext cx="8245080" cy="2386440"/>
+            <a:ext cx="8244720" cy="2386080"/>
           </a:xfrm>
           <a:prstGeom prst="rect">
             <a:avLst/>
@@ -18003,7 +18772,7 @@
         <p:spPr>
           <a:xfrm>
             <a:off x="3213000" y="6356520"/>
-            <a:ext cx="3273120" cy="363240"/>
+            <a:ext cx="3272760" cy="362880"/>
           </a:xfrm>
           <a:prstGeom prst="rect">
             <a:avLst/>
@@ -18078,7 +18847,7 @@
         <p:spPr>
           <a:xfrm>
             <a:off x="6851520" y="6356520"/>
-            <a:ext cx="2180880" cy="363240"/>
+            <a:ext cx="2180520" cy="362880"/>
           </a:xfrm>
           <a:prstGeom prst="rect">
             <a:avLst/>
@@ -18122,7 +18891,7 @@
                 <a:tab algn="l" pos="0"/>
               </a:tabLst>
             </a:pPr>
-            <a:fld id="{1D6A7C8F-5A3A-466E-9FFB-E3CADBCD3316}" type="slidenum">
+            <a:fld id="{FBA341BD-8625-4A60-82B4-932D3CD57A69}" type="slidenum">
               <a:rPr b="0" lang="pt-BR" sz="1200" strike="noStrike" u="none">
                 <a:solidFill>
                   <a:schemeClr val="dk1">
@@ -18157,7 +18926,7 @@
         <p:spPr>
           <a:xfrm>
             <a:off x="666720" y="6356520"/>
-            <a:ext cx="2180880" cy="363240"/>
+            <a:ext cx="2180520" cy="362880"/>
           </a:xfrm>
           <a:prstGeom prst="rect">
             <a:avLst/>
@@ -18253,7 +19022,7 @@
         <p:spPr>
           <a:xfrm>
             <a:off x="3213000" y="6356520"/>
-            <a:ext cx="3273120" cy="363240"/>
+            <a:ext cx="3272760" cy="362880"/>
           </a:xfrm>
           <a:prstGeom prst="rect">
             <a:avLst/>
@@ -18303,7 +19072,7 @@
                 <a:uFillTx/>
                 <a:latin typeface="Times New Roman"/>
               </a:rPr>
-              <a:t>&lt;footer&gt;</a:t>
+              <a:t> </a:t>
             </a:r>
             <a:endParaRPr b="0" lang="en-US" sz="1400" strike="noStrike" u="none">
               <a:solidFill>
@@ -18328,7 +19097,7 @@
         <p:spPr>
           <a:xfrm>
             <a:off x="6851520" y="6356520"/>
-            <a:ext cx="2180880" cy="363240"/>
+            <a:ext cx="2180520" cy="362880"/>
           </a:xfrm>
           <a:prstGeom prst="rect">
             <a:avLst/>
@@ -18372,7 +19141,7 @@
                 <a:tab algn="l" pos="0"/>
               </a:tabLst>
             </a:pPr>
-            <a:fld id="{7224EA3F-4623-45F4-A1A7-9637D2D0DBDA}" type="slidenum">
+            <a:fld id="{5E5619BE-326A-4B87-ABBA-CA2CEA4CDDFA}" type="slidenum">
               <a:rPr b="0" lang="pt-BR" sz="1200" strike="noStrike" u="none">
                 <a:solidFill>
                   <a:schemeClr val="dk1">
@@ -18382,7 +19151,7 @@
                 <a:uFillTx/>
                 <a:latin typeface="Calibri"/>
               </a:rPr>
-              <a:t>&lt;number&gt;</a:t>
+              <a:t>1</a:t>
             </a:fld>
             <a:endParaRPr b="0" lang="en-US" sz="1200" strike="noStrike" u="none">
               <a:solidFill>
@@ -18407,7 +19176,7 @@
         <p:spPr>
           <a:xfrm>
             <a:off x="666720" y="6356520"/>
-            <a:ext cx="2180880" cy="363240"/>
+            <a:ext cx="2180520" cy="362880"/>
           </a:xfrm>
           <a:prstGeom prst="rect">
             <a:avLst/>
@@ -18445,7 +19214,7 @@
                 <a:uFillTx/>
                 <a:latin typeface="Times New Roman"/>
               </a:rPr>
-              <a:t>&lt;date/time&gt;</a:t>
+              <a:t> </a:t>
             </a:r>
             <a:endParaRPr b="0" lang="en-US" sz="1400" strike="noStrike" u="none">
               <a:solidFill>
@@ -18503,7 +19272,7 @@
         <p:spPr>
           <a:xfrm>
             <a:off x="727560" y="1122480"/>
-            <a:ext cx="8245080" cy="2386440"/>
+            <a:ext cx="8244720" cy="2386080"/>
           </a:xfrm>
           <a:prstGeom prst="rect">
             <a:avLst/>
@@ -18554,7 +19323,7 @@
         <p:spPr>
           <a:xfrm>
             <a:off x="3213000" y="6356520"/>
-            <a:ext cx="3273120" cy="363240"/>
+            <a:ext cx="3272760" cy="362880"/>
           </a:xfrm>
           <a:prstGeom prst="rect">
             <a:avLst/>
@@ -18604,7 +19373,7 @@
                 <a:uFillTx/>
                 <a:latin typeface="Times New Roman"/>
               </a:rPr>
-              <a:t>&lt;footer&gt;</a:t>
+              <a:t> </a:t>
             </a:r>
             <a:endParaRPr b="0" lang="en-US" sz="1400" strike="noStrike" u="none">
               <a:solidFill>
@@ -18629,7 +19398,7 @@
         <p:spPr>
           <a:xfrm>
             <a:off x="6851520" y="6356520"/>
-            <a:ext cx="2180880" cy="363240"/>
+            <a:ext cx="2180520" cy="362880"/>
           </a:xfrm>
           <a:prstGeom prst="rect">
             <a:avLst/>
@@ -18673,7 +19442,7 @@
                 <a:tab algn="l" pos="0"/>
               </a:tabLst>
             </a:pPr>
-            <a:fld id="{FC8E4F7F-0DD7-4FA8-A833-76AE1023FB0A}" type="slidenum">
+            <a:fld id="{EEC8E9A9-45C1-4D7C-9987-DE01F5B48C29}" type="slidenum">
               <a:rPr b="0" lang="pt-BR" sz="1200" strike="noStrike" u="none">
                 <a:solidFill>
                   <a:schemeClr val="dk1">
@@ -18683,7 +19452,7 @@
                 <a:uFillTx/>
                 <a:latin typeface="Calibri"/>
               </a:rPr>
-              <a:t>&lt;number&gt;</a:t>
+              <a:t>1</a:t>
             </a:fld>
             <a:endParaRPr b="0" lang="en-US" sz="1200" strike="noStrike" u="none">
               <a:solidFill>
@@ -18708,7 +19477,7 @@
         <p:spPr>
           <a:xfrm>
             <a:off x="666720" y="6356520"/>
-            <a:ext cx="2180880" cy="363240"/>
+            <a:ext cx="2180520" cy="362880"/>
           </a:xfrm>
           <a:prstGeom prst="rect">
             <a:avLst/>
@@ -18746,7 +19515,7 @@
                 <a:uFillTx/>
                 <a:latin typeface="Times New Roman"/>
               </a:rPr>
-              <a:t>&lt;date/time&gt;</a:t>
+              <a:t> </a:t>
             </a:r>
             <a:endParaRPr b="0" lang="en-US" sz="1400" strike="noStrike" u="none">
               <a:solidFill>
@@ -18804,7 +19573,7 @@
         <p:spPr>
           <a:xfrm>
             <a:off x="3213000" y="6356520"/>
-            <a:ext cx="3273120" cy="363240"/>
+            <a:ext cx="3272760" cy="362880"/>
           </a:xfrm>
           <a:prstGeom prst="rect">
             <a:avLst/>
@@ -18854,7 +19623,7 @@
                 <a:uFillTx/>
                 <a:latin typeface="Times New Roman"/>
               </a:rPr>
-              <a:t>&lt;footer&gt;</a:t>
+              <a:t> </a:t>
             </a:r>
             <a:endParaRPr b="0" lang="en-US" sz="1400" strike="noStrike" u="none">
               <a:solidFill>
@@ -18879,7 +19648,7 @@
         <p:spPr>
           <a:xfrm>
             <a:off x="6851520" y="6356520"/>
-            <a:ext cx="2180880" cy="363240"/>
+            <a:ext cx="2180520" cy="362880"/>
           </a:xfrm>
           <a:prstGeom prst="rect">
             <a:avLst/>
@@ -18923,7 +19692,7 @@
                 <a:tab algn="l" pos="0"/>
               </a:tabLst>
             </a:pPr>
-            <a:fld id="{C619557B-BAAD-444F-8630-BC549FDD73A7}" type="slidenum">
+            <a:fld id="{F31C20C6-C129-498B-8CBB-2A52B0C5A9E8}" type="slidenum">
               <a:rPr b="0" lang="pt-BR" sz="1200" strike="noStrike" u="none">
                 <a:solidFill>
                   <a:schemeClr val="dk1">
@@ -18933,7 +19702,7 @@
                 <a:uFillTx/>
                 <a:latin typeface="Calibri"/>
               </a:rPr>
-              <a:t>&lt;number&gt;</a:t>
+              <a:t>1</a:t>
             </a:fld>
             <a:endParaRPr b="0" lang="en-US" sz="1200" strike="noStrike" u="none">
               <a:solidFill>
@@ -18958,7 +19727,7 @@
         <p:spPr>
           <a:xfrm>
             <a:off x="666720" y="6356520"/>
-            <a:ext cx="2180880" cy="363240"/>
+            <a:ext cx="2180520" cy="362880"/>
           </a:xfrm>
           <a:prstGeom prst="rect">
             <a:avLst/>
@@ -18996,7 +19765,7 @@
                 <a:uFillTx/>
                 <a:latin typeface="Times New Roman"/>
               </a:rPr>
-              <a:t>&lt;date/time&gt;</a:t>
+              <a:t> </a:t>
             </a:r>
             <a:endParaRPr b="0" lang="en-US" sz="1400" strike="noStrike" u="none">
               <a:solidFill>
@@ -19054,7 +19823,7 @@
         <p:spPr>
           <a:xfrm>
             <a:off x="3213000" y="6356520"/>
-            <a:ext cx="3273120" cy="363240"/>
+            <a:ext cx="3272760" cy="362880"/>
           </a:xfrm>
           <a:prstGeom prst="rect">
             <a:avLst/>
@@ -19104,7 +19873,7 @@
                 <a:uFillTx/>
                 <a:latin typeface="Times New Roman"/>
               </a:rPr>
-              <a:t>&lt;footer&gt;</a:t>
+              <a:t> </a:t>
             </a:r>
             <a:endParaRPr b="0" lang="en-US" sz="1400" strike="noStrike" u="none">
               <a:solidFill>
@@ -19129,7 +19898,7 @@
         <p:spPr>
           <a:xfrm>
             <a:off x="6851520" y="6356520"/>
-            <a:ext cx="2180880" cy="363240"/>
+            <a:ext cx="2180520" cy="362880"/>
           </a:xfrm>
           <a:prstGeom prst="rect">
             <a:avLst/>
@@ -19173,7 +19942,7 @@
                 <a:tab algn="l" pos="0"/>
               </a:tabLst>
             </a:pPr>
-            <a:fld id="{081B16DC-4BFA-4CD8-8345-A089C506A561}" type="slidenum">
+            <a:fld id="{CBC9BB10-86EC-4FD3-9E3A-E113E036CA56}" type="slidenum">
               <a:rPr b="0" lang="pt-BR" sz="1200" strike="noStrike" u="none">
                 <a:solidFill>
                   <a:schemeClr val="dk1">
@@ -19183,7 +19952,7 @@
                 <a:uFillTx/>
                 <a:latin typeface="Calibri"/>
               </a:rPr>
-              <a:t>&lt;number&gt;</a:t>
+              <a:t>1</a:t>
             </a:fld>
             <a:endParaRPr b="0" lang="en-US" sz="1200" strike="noStrike" u="none">
               <a:solidFill>
@@ -19208,7 +19977,7 @@
         <p:spPr>
           <a:xfrm>
             <a:off x="666720" y="6356520"/>
-            <a:ext cx="2180880" cy="363240"/>
+            <a:ext cx="2180520" cy="362880"/>
           </a:xfrm>
           <a:prstGeom prst="rect">
             <a:avLst/>
@@ -19246,7 +20015,7 @@
                 <a:uFillTx/>
                 <a:latin typeface="Times New Roman"/>
               </a:rPr>
-              <a:t>&lt;date/time&gt;</a:t>
+              <a:t> </a:t>
             </a:r>
             <a:endParaRPr b="0" lang="en-US" sz="1400" strike="noStrike" u="none">
               <a:solidFill>
@@ -19304,7 +20073,7 @@
         <p:spPr>
           <a:xfrm>
             <a:off x="3213000" y="6356520"/>
-            <a:ext cx="3273120" cy="363240"/>
+            <a:ext cx="3272760" cy="362880"/>
           </a:xfrm>
           <a:prstGeom prst="rect">
             <a:avLst/>
@@ -19354,7 +20123,7 @@
                 <a:uFillTx/>
                 <a:latin typeface="Times New Roman"/>
               </a:rPr>
-              <a:t>&lt;footer&gt;</a:t>
+              <a:t> </a:t>
             </a:r>
             <a:endParaRPr b="0" lang="en-US" sz="1400" strike="noStrike" u="none">
               <a:solidFill>
@@ -19379,7 +20148,7 @@
         <p:spPr>
           <a:xfrm>
             <a:off x="6851520" y="6356520"/>
-            <a:ext cx="2180880" cy="363240"/>
+            <a:ext cx="2180520" cy="362880"/>
           </a:xfrm>
           <a:prstGeom prst="rect">
             <a:avLst/>
@@ -19423,7 +20192,7 @@
                 <a:tab algn="l" pos="0"/>
               </a:tabLst>
             </a:pPr>
-            <a:fld id="{A33EF8D3-5E12-4D43-A0DC-3BA568E98053}" type="slidenum">
+            <a:fld id="{A64BB6AE-DE7C-4EF3-A2FF-17EBF268A056}" type="slidenum">
               <a:rPr b="0" lang="pt-BR" sz="1200" strike="noStrike" u="none">
                 <a:solidFill>
                   <a:schemeClr val="dk1">
@@ -19433,7 +20202,7 @@
                 <a:uFillTx/>
                 <a:latin typeface="Calibri"/>
               </a:rPr>
-              <a:t>&lt;number&gt;</a:t>
+              <a:t>1</a:t>
             </a:fld>
             <a:endParaRPr b="0" lang="en-US" sz="1200" strike="noStrike" u="none">
               <a:solidFill>
@@ -19458,7 +20227,7 @@
         <p:spPr>
           <a:xfrm>
             <a:off x="666720" y="6356520"/>
-            <a:ext cx="2180880" cy="363240"/>
+            <a:ext cx="2180520" cy="362880"/>
           </a:xfrm>
           <a:prstGeom prst="rect">
             <a:avLst/>
@@ -19496,7 +20265,7 @@
                 <a:uFillTx/>
                 <a:latin typeface="Times New Roman"/>
               </a:rPr>
-              <a:t>&lt;date/time&gt;</a:t>
+              <a:t> </a:t>
             </a:r>
             <a:endParaRPr b="0" lang="en-US" sz="1400" strike="noStrike" u="none">
               <a:solidFill>
@@ -19554,7 +20323,7 @@
         <p:spPr>
           <a:xfrm>
             <a:off x="360" y="0"/>
-            <a:ext cx="9699120" cy="6856200"/>
+            <a:ext cx="9698760" cy="6855840"/>
           </a:xfrm>
           <a:prstGeom prst="rect">
             <a:avLst/>
@@ -19573,7 +20342,7 @@
         <p:spPr>
           <a:xfrm>
             <a:off x="2697120" y="6330240"/>
-            <a:ext cx="3999600" cy="227160"/>
+            <a:ext cx="3999240" cy="227160"/>
           </a:xfrm>
           <a:prstGeom prst="rect">
             <a:avLst/>
@@ -19632,7 +20401,7 @@
         <p:spPr>
           <a:xfrm>
             <a:off x="727560" y="1122480"/>
-            <a:ext cx="8245080" cy="2386440"/>
+            <a:ext cx="8244720" cy="2386080"/>
           </a:xfrm>
           <a:prstGeom prst="rect">
             <a:avLst/>
@@ -19683,7 +20452,7 @@
         <p:spPr>
           <a:xfrm>
             <a:off x="3213360" y="6356520"/>
-            <a:ext cx="3272400" cy="363240"/>
+            <a:ext cx="3272040" cy="362880"/>
           </a:xfrm>
           <a:prstGeom prst="rect">
             <a:avLst/>
@@ -19733,7 +20502,7 @@
                 <a:uFillTx/>
                 <a:latin typeface="Times New Roman"/>
               </a:rPr>
-              <a:t>&lt;footer&gt;</a:t>
+              <a:t> </a:t>
             </a:r>
             <a:endParaRPr b="0" lang="en-US" sz="1400" strike="noStrike" u="none">
               <a:solidFill>
@@ -19758,7 +20527,7 @@
         <p:spPr>
           <a:xfrm>
             <a:off x="6851520" y="6356520"/>
-            <a:ext cx="2180880" cy="363240"/>
+            <a:ext cx="2180520" cy="362880"/>
           </a:xfrm>
           <a:prstGeom prst="rect">
             <a:avLst/>
@@ -19800,7 +20569,7 @@
                 <a:tab algn="l" pos="0"/>
               </a:tabLst>
             </a:pPr>
-            <a:fld id="{C1C47F40-1343-48AA-AB07-169DFE27A7A7}" type="slidenum">
+            <a:fld id="{D235A3EB-30E1-438B-BCFC-E58826C90F26}" type="slidenum">
               <a:rPr b="0" lang="pt-BR" sz="1800" strike="noStrike" u="none">
                 <a:solidFill>
                   <a:schemeClr val="dk1"/>
@@ -19808,7 +20577,7 @@
                 <a:uFillTx/>
                 <a:latin typeface="Calibri"/>
               </a:rPr>
-              <a:t>&lt;number&gt;</a:t>
+              <a:t>1</a:t>
             </a:fld>
             <a:endParaRPr b="0" lang="en-US" sz="1800" strike="noStrike" u="none">
               <a:solidFill>
@@ -19833,7 +20602,7 @@
         <p:spPr>
           <a:xfrm>
             <a:off x="667080" y="6356520"/>
-            <a:ext cx="2180880" cy="363240"/>
+            <a:ext cx="2180520" cy="362880"/>
           </a:xfrm>
           <a:prstGeom prst="rect">
             <a:avLst/>
@@ -19871,7 +20640,7 @@
                 <a:uFillTx/>
                 <a:latin typeface="Times New Roman"/>
               </a:rPr>
-              <a:t>&lt;date/time&gt;</a:t>
+              <a:t> </a:t>
             </a:r>
             <a:endParaRPr b="0" lang="en-US" sz="1400" strike="noStrike" u="none">
               <a:solidFill>
@@ -19929,7 +20698,7 @@
         <p:spPr>
           <a:xfrm>
             <a:off x="360" y="0"/>
-            <a:ext cx="9699840" cy="6856920"/>
+            <a:ext cx="9699480" cy="6856560"/>
           </a:xfrm>
           <a:prstGeom prst="rect">
             <a:avLst/>
@@ -19947,8 +20716,8 @@
         </p:nvSpPr>
         <p:spPr>
           <a:xfrm rot="16200000">
-            <a:off x="-1764000" y="2941920"/>
-            <a:ext cx="4000320" cy="227160"/>
+            <a:off x="-1763280" y="2942280"/>
+            <a:ext cx="3999960" cy="227160"/>
           </a:xfrm>
           <a:prstGeom prst="rect">
             <a:avLst/>
@@ -20007,7 +20776,7 @@
         <p:spPr>
           <a:xfrm>
             <a:off x="3213360" y="6356520"/>
-            <a:ext cx="3273120" cy="363960"/>
+            <a:ext cx="3272760" cy="363600"/>
           </a:xfrm>
           <a:prstGeom prst="rect">
             <a:avLst/>
@@ -20057,7 +20826,7 @@
                 <a:uFillTx/>
                 <a:latin typeface="Times New Roman"/>
               </a:rPr>
-              <a:t>&lt;footer&gt;</a:t>
+              <a:t> </a:t>
             </a:r>
             <a:endParaRPr b="0" lang="en-US" sz="1400" strike="noStrike" u="none">
               <a:solidFill>
@@ -20082,7 +20851,7 @@
         <p:spPr>
           <a:xfrm>
             <a:off x="6851520" y="6356520"/>
-            <a:ext cx="2181600" cy="363960"/>
+            <a:ext cx="2181240" cy="363600"/>
           </a:xfrm>
           <a:prstGeom prst="rect">
             <a:avLst/>
@@ -20124,7 +20893,7 @@
                 <a:tab algn="l" pos="0"/>
               </a:tabLst>
             </a:pPr>
-            <a:fld id="{D513D880-79D8-4EDB-950E-C833AE65DFE8}" type="slidenum">
+            <a:fld id="{E1672AC1-1DCA-4E80-837C-81C0DF2C037A}" type="slidenum">
               <a:rPr b="0" lang="pt-BR" sz="1800" strike="noStrike" u="none">
                 <a:solidFill>
                   <a:schemeClr val="dk1"/>
@@ -20132,7 +20901,7 @@
                 <a:uFillTx/>
                 <a:latin typeface="Calibri"/>
               </a:rPr>
-              <a:t>&lt;number&gt;</a:t>
+              <a:t>1</a:t>
             </a:fld>
             <a:endParaRPr b="0" lang="en-US" sz="1800" strike="noStrike" u="none">
               <a:solidFill>
@@ -20157,7 +20926,7 @@
         <p:spPr>
           <a:xfrm>
             <a:off x="667080" y="6356520"/>
-            <a:ext cx="2181600" cy="363960"/>
+            <a:ext cx="2181240" cy="363600"/>
           </a:xfrm>
           <a:prstGeom prst="rect">
             <a:avLst/>
@@ -20195,7 +20964,7 @@
                 <a:uFillTx/>
                 <a:latin typeface="Times New Roman"/>
               </a:rPr>
-              <a:t>&lt;date/time&gt;</a:t>
+              <a:t> </a:t>
             </a:r>
             <a:endParaRPr b="0" lang="en-US" sz="1400" strike="noStrike" u="none">
               <a:solidFill>
@@ -20253,7 +21022,7 @@
         <p:spPr>
           <a:xfrm>
             <a:off x="360" y="0"/>
-            <a:ext cx="9699840" cy="6856920"/>
+            <a:ext cx="9699480" cy="6856560"/>
           </a:xfrm>
           <a:prstGeom prst="rect">
             <a:avLst/>
@@ -20271,8 +21040,8 @@
         </p:nvSpPr>
         <p:spPr>
           <a:xfrm rot="16200000">
-            <a:off x="-1764000" y="2941920"/>
-            <a:ext cx="4000320" cy="227160"/>
+            <a:off x="-1763280" y="2942280"/>
+            <a:ext cx="3999960" cy="227160"/>
           </a:xfrm>
           <a:prstGeom prst="rect">
             <a:avLst/>
@@ -20331,7 +21100,7 @@
         <p:spPr>
           <a:xfrm>
             <a:off x="3213360" y="6356520"/>
-            <a:ext cx="3273120" cy="363960"/>
+            <a:ext cx="3272760" cy="363600"/>
           </a:xfrm>
           <a:prstGeom prst="rect">
             <a:avLst/>
@@ -20381,7 +21150,7 @@
                 <a:uFillTx/>
                 <a:latin typeface="Times New Roman"/>
               </a:rPr>
-              <a:t>&lt;footer&gt;</a:t>
+              <a:t> </a:t>
             </a:r>
             <a:endParaRPr b="0" lang="en-US" sz="1400" strike="noStrike" u="none">
               <a:solidFill>
@@ -20406,7 +21175,7 @@
         <p:spPr>
           <a:xfrm>
             <a:off x="6851520" y="6356520"/>
-            <a:ext cx="2181600" cy="363960"/>
+            <a:ext cx="2181240" cy="363600"/>
           </a:xfrm>
           <a:prstGeom prst="rect">
             <a:avLst/>
@@ -20448,7 +21217,7 @@
                 <a:tab algn="l" pos="0"/>
               </a:tabLst>
             </a:pPr>
-            <a:fld id="{8F148DC8-83BB-417B-A8FE-02AE9E6909C2}" type="slidenum">
+            <a:fld id="{583DA486-D91B-4BB6-98D9-D93DC7CD7710}" type="slidenum">
               <a:rPr b="0" lang="pt-BR" sz="1800" strike="noStrike" u="none">
                 <a:solidFill>
                   <a:schemeClr val="dk1"/>
@@ -20456,7 +21225,7 @@
                 <a:uFillTx/>
                 <a:latin typeface="Calibri"/>
               </a:rPr>
-              <a:t>&lt;number&gt;</a:t>
+              <a:t>1</a:t>
             </a:fld>
             <a:endParaRPr b="0" lang="en-US" sz="1800" strike="noStrike" u="none">
               <a:solidFill>
@@ -20481,7 +21250,7 @@
         <p:spPr>
           <a:xfrm>
             <a:off x="667080" y="6356520"/>
-            <a:ext cx="2181600" cy="363960"/>
+            <a:ext cx="2181240" cy="363600"/>
           </a:xfrm>
           <a:prstGeom prst="rect">
             <a:avLst/>
@@ -20519,7 +21288,7 @@
                 <a:uFillTx/>
                 <a:latin typeface="Times New Roman"/>
               </a:rPr>
-              <a:t>&lt;date/time&gt;</a:t>
+              <a:t> </a:t>
             </a:r>
             <a:endParaRPr b="0" lang="en-US" sz="1400" strike="noStrike" u="none">
               <a:solidFill>
@@ -20577,7 +21346,7 @@
         <p:spPr>
           <a:xfrm>
             <a:off x="360" y="0"/>
-            <a:ext cx="9699840" cy="6856920"/>
+            <a:ext cx="9699480" cy="6856560"/>
           </a:xfrm>
           <a:prstGeom prst="rect">
             <a:avLst/>
@@ -20595,8 +21364,8 @@
         </p:nvSpPr>
         <p:spPr>
           <a:xfrm rot="16200000">
-            <a:off x="-1764000" y="2941920"/>
-            <a:ext cx="4000320" cy="227160"/>
+            <a:off x="-1763280" y="2942280"/>
+            <a:ext cx="3999960" cy="227160"/>
           </a:xfrm>
           <a:prstGeom prst="rect">
             <a:avLst/>
@@ -20655,7 +21424,7 @@
         <p:spPr>
           <a:xfrm>
             <a:off x="3213360" y="6356520"/>
-            <a:ext cx="3273120" cy="363960"/>
+            <a:ext cx="3272760" cy="363600"/>
           </a:xfrm>
           <a:prstGeom prst="rect">
             <a:avLst/>
@@ -20705,7 +21474,7 @@
                 <a:uFillTx/>
                 <a:latin typeface="Times New Roman"/>
               </a:rPr>
-              <a:t>&lt;footer&gt;</a:t>
+              <a:t> </a:t>
             </a:r>
             <a:endParaRPr b="0" lang="en-US" sz="1400" strike="noStrike" u="none">
               <a:solidFill>
@@ -20730,7 +21499,7 @@
         <p:spPr>
           <a:xfrm>
             <a:off x="6851520" y="6356520"/>
-            <a:ext cx="2181600" cy="363960"/>
+            <a:ext cx="2181240" cy="363600"/>
           </a:xfrm>
           <a:prstGeom prst="rect">
             <a:avLst/>
@@ -20772,7 +21541,7 @@
                 <a:tab algn="l" pos="0"/>
               </a:tabLst>
             </a:pPr>
-            <a:fld id="{CA528043-8FB0-4436-9590-2380B41B1C4C}" type="slidenum">
+            <a:fld id="{FB30E158-9B47-4CD8-82E9-0A0055F6A868}" type="slidenum">
               <a:rPr b="0" lang="pt-BR" sz="1800" strike="noStrike" u="none">
                 <a:solidFill>
                   <a:schemeClr val="dk1"/>
@@ -20780,7 +21549,7 @@
                 <a:uFillTx/>
                 <a:latin typeface="Calibri"/>
               </a:rPr>
-              <a:t>&lt;number&gt;</a:t>
+              <a:t>1</a:t>
             </a:fld>
             <a:endParaRPr b="0" lang="en-US" sz="1800" strike="noStrike" u="none">
               <a:solidFill>
@@ -20805,7 +21574,7 @@
         <p:spPr>
           <a:xfrm>
             <a:off x="667080" y="6356520"/>
-            <a:ext cx="2181600" cy="363960"/>
+            <a:ext cx="2181240" cy="363600"/>
           </a:xfrm>
           <a:prstGeom prst="rect">
             <a:avLst/>
@@ -20843,7 +21612,7 @@
                 <a:uFillTx/>
                 <a:latin typeface="Times New Roman"/>
               </a:rPr>
-              <a:t>&lt;date/time&gt;</a:t>
+              <a:t> </a:t>
             </a:r>
             <a:endParaRPr b="0" lang="en-US" sz="1400" strike="noStrike" u="none">
               <a:solidFill>
@@ -20901,7 +21670,7 @@
         <p:spPr>
           <a:xfrm>
             <a:off x="360" y="0"/>
-            <a:ext cx="9699120" cy="6856200"/>
+            <a:ext cx="9698760" cy="6855840"/>
           </a:xfrm>
           <a:prstGeom prst="rect">
             <a:avLst/>
@@ -20920,7 +21689,7 @@
         <p:spPr>
           <a:xfrm>
             <a:off x="2697120" y="6330240"/>
-            <a:ext cx="3999600" cy="227160"/>
+            <a:ext cx="3999240" cy="227160"/>
           </a:xfrm>
           <a:prstGeom prst="rect">
             <a:avLst/>
@@ -20979,7 +21748,7 @@
         <p:spPr>
           <a:xfrm>
             <a:off x="3213360" y="6356520"/>
-            <a:ext cx="3272400" cy="363240"/>
+            <a:ext cx="3272040" cy="362880"/>
           </a:xfrm>
           <a:prstGeom prst="rect">
             <a:avLst/>
@@ -21029,7 +21798,7 @@
                 <a:uFillTx/>
                 <a:latin typeface="Times New Roman"/>
               </a:rPr>
-              <a:t>&lt;footer&gt;</a:t>
+              <a:t> </a:t>
             </a:r>
             <a:endParaRPr b="0" lang="en-US" sz="1400" strike="noStrike" u="none">
               <a:solidFill>
@@ -21054,7 +21823,7 @@
         <p:spPr>
           <a:xfrm>
             <a:off x="6851520" y="6356520"/>
-            <a:ext cx="2180880" cy="363240"/>
+            <a:ext cx="2180520" cy="362880"/>
           </a:xfrm>
           <a:prstGeom prst="rect">
             <a:avLst/>
@@ -21096,7 +21865,7 @@
                 <a:tab algn="l" pos="0"/>
               </a:tabLst>
             </a:pPr>
-            <a:fld id="{566B7BFD-38DF-4D5E-A02C-8F4D1E2732E5}" type="slidenum">
+            <a:fld id="{1BD96F1F-F72D-45D0-A9F1-46C03CDB02AD}" type="slidenum">
               <a:rPr b="0" lang="pt-BR" sz="1800" strike="noStrike" u="none">
                 <a:solidFill>
                   <a:schemeClr val="dk1"/>
@@ -21104,7 +21873,7 @@
                 <a:uFillTx/>
                 <a:latin typeface="Calibri"/>
               </a:rPr>
-              <a:t>&lt;number&gt;</a:t>
+              <a:t>1</a:t>
             </a:fld>
             <a:endParaRPr b="0" lang="en-US" sz="1800" strike="noStrike" u="none">
               <a:solidFill>
@@ -21129,7 +21898,7 @@
         <p:spPr>
           <a:xfrm>
             <a:off x="667080" y="6356520"/>
-            <a:ext cx="2180880" cy="363240"/>
+            <a:ext cx="2180520" cy="362880"/>
           </a:xfrm>
           <a:prstGeom prst="rect">
             <a:avLst/>
@@ -21167,7 +21936,7 @@
                 <a:uFillTx/>
                 <a:latin typeface="Times New Roman"/>
               </a:rPr>
-              <a:t>&lt;date/time&gt;</a:t>
+              <a:t> </a:t>
             </a:r>
             <a:endParaRPr b="0" lang="en-US" sz="1400" strike="noStrike" u="none">
               <a:solidFill>
@@ -21225,7 +21994,7 @@
         <p:spPr>
           <a:xfrm>
             <a:off x="360" y="0"/>
-            <a:ext cx="9699840" cy="6856920"/>
+            <a:ext cx="9699480" cy="6856560"/>
           </a:xfrm>
           <a:prstGeom prst="rect">
             <a:avLst/>
@@ -21243,8 +22012,8 @@
         </p:nvSpPr>
         <p:spPr>
           <a:xfrm rot="16200000">
-            <a:off x="-1764000" y="2941920"/>
-            <a:ext cx="4000320" cy="227160"/>
+            <a:off x="-1763280" y="2942280"/>
+            <a:ext cx="3999960" cy="227160"/>
           </a:xfrm>
           <a:prstGeom prst="rect">
             <a:avLst/>
@@ -21303,7 +22072,7 @@
         <p:spPr>
           <a:xfrm>
             <a:off x="727560" y="1122480"/>
-            <a:ext cx="8245080" cy="2386440"/>
+            <a:ext cx="8244720" cy="2386080"/>
           </a:xfrm>
           <a:prstGeom prst="rect">
             <a:avLst/>
@@ -21593,7 +22362,7 @@
         <p:spPr>
           <a:xfrm>
             <a:off x="3213360" y="6356520"/>
-            <a:ext cx="3273120" cy="363960"/>
+            <a:ext cx="3272760" cy="363600"/>
           </a:xfrm>
           <a:prstGeom prst="rect">
             <a:avLst/>
@@ -21668,7 +22437,7 @@
         <p:spPr>
           <a:xfrm>
             <a:off x="6851520" y="6356520"/>
-            <a:ext cx="2181600" cy="363960"/>
+            <a:ext cx="2181240" cy="363600"/>
           </a:xfrm>
           <a:prstGeom prst="rect">
             <a:avLst/>
@@ -21710,7 +22479,7 @@
                 <a:tab algn="l" pos="0"/>
               </a:tabLst>
             </a:pPr>
-            <a:fld id="{5F24526E-01C0-4647-9801-1795BE87BBF9}" type="slidenum">
+            <a:fld id="{109D4F48-312A-4F3C-9B6F-4189CCD03F47}" type="slidenum">
               <a:rPr b="0" lang="pt-BR" sz="1800" strike="noStrike" u="none">
                 <a:solidFill>
                   <a:schemeClr val="dk1"/>
@@ -21743,7 +22512,7 @@
         <p:spPr>
           <a:xfrm>
             <a:off x="667080" y="6356520"/>
-            <a:ext cx="2181600" cy="363960"/>
+            <a:ext cx="2181240" cy="363600"/>
           </a:xfrm>
           <a:prstGeom prst="rect">
             <a:avLst/>
@@ -21839,7 +22608,7 @@
         <p:spPr>
           <a:xfrm>
             <a:off x="360" y="0"/>
-            <a:ext cx="9699840" cy="6856920"/>
+            <a:ext cx="9699480" cy="6856560"/>
           </a:xfrm>
           <a:prstGeom prst="rect">
             <a:avLst/>
@@ -21857,8 +22626,8 @@
         </p:nvSpPr>
         <p:spPr>
           <a:xfrm rot="16200000">
-            <a:off x="-1764000" y="2941920"/>
-            <a:ext cx="4000320" cy="227160"/>
+            <a:off x="-1763280" y="2942280"/>
+            <a:ext cx="3999960" cy="227160"/>
           </a:xfrm>
           <a:prstGeom prst="rect">
             <a:avLst/>
@@ -21917,7 +22686,7 @@
         <p:spPr>
           <a:xfrm>
             <a:off x="727560" y="1122480"/>
-            <a:ext cx="8245080" cy="2386440"/>
+            <a:ext cx="8244720" cy="2386080"/>
           </a:xfrm>
           <a:prstGeom prst="rect">
             <a:avLst/>
@@ -22446,7 +23215,7 @@
         <p:spPr>
           <a:xfrm>
             <a:off x="3213360" y="6356520"/>
-            <a:ext cx="3273120" cy="363960"/>
+            <a:ext cx="3272760" cy="363600"/>
           </a:xfrm>
           <a:prstGeom prst="rect">
             <a:avLst/>
@@ -22521,7 +23290,7 @@
         <p:spPr>
           <a:xfrm>
             <a:off x="6851520" y="6356520"/>
-            <a:ext cx="2181600" cy="363960"/>
+            <a:ext cx="2181240" cy="363600"/>
           </a:xfrm>
           <a:prstGeom prst="rect">
             <a:avLst/>
@@ -22563,7 +23332,7 @@
                 <a:tab algn="l" pos="0"/>
               </a:tabLst>
             </a:pPr>
-            <a:fld id="{CDA97AB0-BB45-4E14-8355-C5973224A752}" type="slidenum">
+            <a:fld id="{87709ECE-2F8F-4D8D-BD91-ADCE1349AFB4}" type="slidenum">
               <a:rPr b="0" lang="pt-BR" sz="1800" strike="noStrike" u="none">
                 <a:solidFill>
                   <a:schemeClr val="dk1"/>
@@ -22596,7 +23365,7 @@
         <p:spPr>
           <a:xfrm>
             <a:off x="667080" y="6356520"/>
-            <a:ext cx="2181600" cy="363960"/>
+            <a:ext cx="2181240" cy="363600"/>
           </a:xfrm>
           <a:prstGeom prst="rect">
             <a:avLst/>
@@ -22692,7 +23461,7 @@
         <p:spPr>
           <a:xfrm>
             <a:off x="360" y="0"/>
-            <a:ext cx="9699840" cy="6856920"/>
+            <a:ext cx="9699480" cy="6856560"/>
           </a:xfrm>
           <a:prstGeom prst="rect">
             <a:avLst/>
@@ -22710,8 +23479,8 @@
         </p:nvSpPr>
         <p:spPr>
           <a:xfrm rot="16200000">
-            <a:off x="-1764000" y="2941920"/>
-            <a:ext cx="4000320" cy="227160"/>
+            <a:off x="-1763280" y="2942280"/>
+            <a:ext cx="3999960" cy="227160"/>
           </a:xfrm>
           <a:prstGeom prst="rect">
             <a:avLst/>
@@ -22770,7 +23539,7 @@
         <p:spPr>
           <a:xfrm>
             <a:off x="727560" y="1122480"/>
-            <a:ext cx="8245080" cy="2386440"/>
+            <a:ext cx="8244720" cy="2386080"/>
           </a:xfrm>
           <a:prstGeom prst="rect">
             <a:avLst/>
@@ -22821,7 +23590,7 @@
         <p:spPr>
           <a:xfrm>
             <a:off x="3213360" y="6356520"/>
-            <a:ext cx="3273120" cy="363960"/>
+            <a:ext cx="3272760" cy="363600"/>
           </a:xfrm>
           <a:prstGeom prst="rect">
             <a:avLst/>
@@ -22871,7 +23640,7 @@
                 <a:uFillTx/>
                 <a:latin typeface="Times New Roman"/>
               </a:rPr>
-              <a:t>&lt;footer&gt;</a:t>
+              <a:t> </a:t>
             </a:r>
             <a:endParaRPr b="0" lang="en-US" sz="1400" strike="noStrike" u="none">
               <a:solidFill>
@@ -22896,7 +23665,7 @@
         <p:spPr>
           <a:xfrm>
             <a:off x="6851520" y="6356520"/>
-            <a:ext cx="2181600" cy="363960"/>
+            <a:ext cx="2181240" cy="363600"/>
           </a:xfrm>
           <a:prstGeom prst="rect">
             <a:avLst/>
@@ -22938,7 +23707,7 @@
                 <a:tab algn="l" pos="0"/>
               </a:tabLst>
             </a:pPr>
-            <a:fld id="{62C96E57-0C2F-4C0A-8389-CCF8EC07AE41}" type="slidenum">
+            <a:fld id="{5A7B3EE4-47A8-4BC5-B4E5-79F7249B5EC0}" type="slidenum">
               <a:rPr b="0" lang="pt-BR" sz="1800" strike="noStrike" u="none">
                 <a:solidFill>
                   <a:schemeClr val="dk1"/>
@@ -22946,7 +23715,7 @@
                 <a:uFillTx/>
                 <a:latin typeface="Calibri"/>
               </a:rPr>
-              <a:t>&lt;number&gt;</a:t>
+              <a:t>1</a:t>
             </a:fld>
             <a:endParaRPr b="0" lang="en-US" sz="1800" strike="noStrike" u="none">
               <a:solidFill>
@@ -22971,7 +23740,7 @@
         <p:spPr>
           <a:xfrm>
             <a:off x="667080" y="6356520"/>
-            <a:ext cx="2181600" cy="363960"/>
+            <a:ext cx="2181240" cy="363600"/>
           </a:xfrm>
           <a:prstGeom prst="rect">
             <a:avLst/>
@@ -23009,7 +23778,7 @@
                 <a:uFillTx/>
                 <a:latin typeface="Times New Roman"/>
               </a:rPr>
-              <a:t>&lt;date/time&gt;</a:t>
+              <a:t> </a:t>
             </a:r>
             <a:endParaRPr b="0" lang="en-US" sz="1400" strike="noStrike" u="none">
               <a:solidFill>
@@ -23067,7 +23836,7 @@
         <p:spPr>
           <a:xfrm>
             <a:off x="360" y="0"/>
-            <a:ext cx="9699840" cy="6856920"/>
+            <a:ext cx="9699480" cy="6856560"/>
           </a:xfrm>
           <a:prstGeom prst="rect">
             <a:avLst/>
@@ -23085,8 +23854,8 @@
         </p:nvSpPr>
         <p:spPr>
           <a:xfrm rot="16200000">
-            <a:off x="-1764000" y="2941920"/>
-            <a:ext cx="4000320" cy="227160"/>
+            <a:off x="-1763280" y="2942280"/>
+            <a:ext cx="3999960" cy="227160"/>
           </a:xfrm>
           <a:prstGeom prst="rect">
             <a:avLst/>
@@ -23145,7 +23914,7 @@
         <p:spPr>
           <a:xfrm>
             <a:off x="3213360" y="6356520"/>
-            <a:ext cx="3273120" cy="363960"/>
+            <a:ext cx="3272760" cy="363600"/>
           </a:xfrm>
           <a:prstGeom prst="rect">
             <a:avLst/>
@@ -23195,7 +23964,7 @@
                 <a:uFillTx/>
                 <a:latin typeface="Times New Roman"/>
               </a:rPr>
-              <a:t>&lt;footer&gt;</a:t>
+              <a:t> </a:t>
             </a:r>
             <a:endParaRPr b="0" lang="en-US" sz="1400" strike="noStrike" u="none">
               <a:solidFill>
@@ -23220,7 +23989,7 @@
         <p:spPr>
           <a:xfrm>
             <a:off x="6851520" y="6356520"/>
-            <a:ext cx="2181600" cy="363960"/>
+            <a:ext cx="2181240" cy="363600"/>
           </a:xfrm>
           <a:prstGeom prst="rect">
             <a:avLst/>
@@ -23262,7 +24031,7 @@
                 <a:tab algn="l" pos="0"/>
               </a:tabLst>
             </a:pPr>
-            <a:fld id="{163B2B43-9B31-4845-A135-7C106CE0D07A}" type="slidenum">
+            <a:fld id="{7C80AADE-E989-45B1-9254-6EFE6014A71D}" type="slidenum">
               <a:rPr b="0" lang="pt-BR" sz="1800" strike="noStrike" u="none">
                 <a:solidFill>
                   <a:schemeClr val="dk1"/>
@@ -23270,7 +24039,7 @@
                 <a:uFillTx/>
                 <a:latin typeface="Calibri"/>
               </a:rPr>
-              <a:t>&lt;number&gt;</a:t>
+              <a:t>1</a:t>
             </a:fld>
             <a:endParaRPr b="0" lang="en-US" sz="1800" strike="noStrike" u="none">
               <a:solidFill>
@@ -23295,7 +24064,7 @@
         <p:spPr>
           <a:xfrm>
             <a:off x="667080" y="6356520"/>
-            <a:ext cx="2181600" cy="363960"/>
+            <a:ext cx="2181240" cy="363600"/>
           </a:xfrm>
           <a:prstGeom prst="rect">
             <a:avLst/>
@@ -23333,7 +24102,7 @@
                 <a:uFillTx/>
                 <a:latin typeface="Times New Roman"/>
               </a:rPr>
-              <a:t>&lt;date/time&gt;</a:t>
+              <a:t> </a:t>
             </a:r>
             <a:endParaRPr b="0" lang="en-US" sz="1400" strike="noStrike" u="none">
               <a:solidFill>
@@ -23391,7 +24160,7 @@
         <p:spPr>
           <a:xfrm>
             <a:off x="360" y="0"/>
-            <a:ext cx="9699840" cy="6856920"/>
+            <a:ext cx="9699480" cy="6856560"/>
           </a:xfrm>
           <a:prstGeom prst="rect">
             <a:avLst/>
@@ -23409,8 +24178,8 @@
         </p:nvSpPr>
         <p:spPr>
           <a:xfrm rot="16200000">
-            <a:off x="-1764000" y="2941920"/>
-            <a:ext cx="4000320" cy="227160"/>
+            <a:off x="-1763280" y="2942280"/>
+            <a:ext cx="3999960" cy="227160"/>
           </a:xfrm>
           <a:prstGeom prst="rect">
             <a:avLst/>
@@ -23469,7 +24238,7 @@
         <p:spPr>
           <a:xfrm>
             <a:off x="3213360" y="6356520"/>
-            <a:ext cx="3273120" cy="363960"/>
+            <a:ext cx="3272760" cy="363600"/>
           </a:xfrm>
           <a:prstGeom prst="rect">
             <a:avLst/>
@@ -23519,7 +24288,7 @@
                 <a:uFillTx/>
                 <a:latin typeface="Times New Roman"/>
               </a:rPr>
-              <a:t>&lt;footer&gt;</a:t>
+              <a:t> </a:t>
             </a:r>
             <a:endParaRPr b="0" lang="en-US" sz="1400" strike="noStrike" u="none">
               <a:solidFill>
@@ -23544,7 +24313,7 @@
         <p:spPr>
           <a:xfrm>
             <a:off x="6851520" y="6356520"/>
-            <a:ext cx="2181600" cy="363960"/>
+            <a:ext cx="2181240" cy="363600"/>
           </a:xfrm>
           <a:prstGeom prst="rect">
             <a:avLst/>
@@ -23586,7 +24355,7 @@
                 <a:tab algn="l" pos="0"/>
               </a:tabLst>
             </a:pPr>
-            <a:fld id="{36AA0F93-BD37-43F3-AECE-DDB04575E900}" type="slidenum">
+            <a:fld id="{06502CD7-4DAD-43D6-8E19-3B9138535070}" type="slidenum">
               <a:rPr b="0" lang="pt-BR" sz="1800" strike="noStrike" u="none">
                 <a:solidFill>
                   <a:schemeClr val="dk1"/>
@@ -23594,7 +24363,7 @@
                 <a:uFillTx/>
                 <a:latin typeface="Calibri"/>
               </a:rPr>
-              <a:t>&lt;number&gt;</a:t>
+              <a:t>1</a:t>
             </a:fld>
             <a:endParaRPr b="0" lang="en-US" sz="1800" strike="noStrike" u="none">
               <a:solidFill>
@@ -23619,7 +24388,7 @@
         <p:spPr>
           <a:xfrm>
             <a:off x="667080" y="6356520"/>
-            <a:ext cx="2181600" cy="363960"/>
+            <a:ext cx="2181240" cy="363600"/>
           </a:xfrm>
           <a:prstGeom prst="rect">
             <a:avLst/>
@@ -23657,7 +24426,7 @@
                 <a:uFillTx/>
                 <a:latin typeface="Times New Roman"/>
               </a:rPr>
-              <a:t>&lt;date/time&gt;</a:t>
+              <a:t> </a:t>
             </a:r>
             <a:endParaRPr b="0" lang="en-US" sz="1400" strike="noStrike" u="none">
               <a:solidFill>
@@ -23715,7 +24484,7 @@
         <p:spPr>
           <a:xfrm>
             <a:off x="360" y="0"/>
-            <a:ext cx="9699840" cy="6856920"/>
+            <a:ext cx="9699480" cy="6856560"/>
           </a:xfrm>
           <a:prstGeom prst="rect">
             <a:avLst/>
@@ -23733,8 +24502,8 @@
         </p:nvSpPr>
         <p:spPr>
           <a:xfrm rot="16200000">
-            <a:off x="-1764000" y="2941920"/>
-            <a:ext cx="4000320" cy="227160"/>
+            <a:off x="-1763280" y="2942280"/>
+            <a:ext cx="3999960" cy="227160"/>
           </a:xfrm>
           <a:prstGeom prst="rect">
             <a:avLst/>
@@ -23793,7 +24562,7 @@
         <p:spPr>
           <a:xfrm>
             <a:off x="3213360" y="6356520"/>
-            <a:ext cx="3273120" cy="363960"/>
+            <a:ext cx="3272760" cy="363600"/>
           </a:xfrm>
           <a:prstGeom prst="rect">
             <a:avLst/>
@@ -23843,7 +24612,7 @@
                 <a:uFillTx/>
                 <a:latin typeface="Times New Roman"/>
               </a:rPr>
-              <a:t>&lt;footer&gt;</a:t>
+              <a:t> </a:t>
             </a:r>
             <a:endParaRPr b="0" lang="en-US" sz="1400" strike="noStrike" u="none">
               <a:solidFill>
@@ -23868,7 +24637,7 @@
         <p:spPr>
           <a:xfrm>
             <a:off x="6851520" y="6356520"/>
-            <a:ext cx="2181600" cy="363960"/>
+            <a:ext cx="2181240" cy="363600"/>
           </a:xfrm>
           <a:prstGeom prst="rect">
             <a:avLst/>
@@ -23910,7 +24679,7 @@
                 <a:tab algn="l" pos="0"/>
               </a:tabLst>
             </a:pPr>
-            <a:fld id="{6ED83770-5073-4AD9-A7BE-A1B9C2AAC814}" type="slidenum">
+            <a:fld id="{30AF39ED-59A0-4FEA-85B3-BE8E9705E8FB}" type="slidenum">
               <a:rPr b="0" lang="pt-BR" sz="1800" strike="noStrike" u="none">
                 <a:solidFill>
                   <a:schemeClr val="dk1"/>
@@ -23918,7 +24687,7 @@
                 <a:uFillTx/>
                 <a:latin typeface="Calibri"/>
               </a:rPr>
-              <a:t>&lt;number&gt;</a:t>
+              <a:t>1</a:t>
             </a:fld>
             <a:endParaRPr b="0" lang="en-US" sz="1800" strike="noStrike" u="none">
               <a:solidFill>
@@ -23943,7 +24712,7 @@
         <p:spPr>
           <a:xfrm>
             <a:off x="667080" y="6356520"/>
-            <a:ext cx="2181600" cy="363960"/>
+            <a:ext cx="2181240" cy="363600"/>
           </a:xfrm>
           <a:prstGeom prst="rect">
             <a:avLst/>
@@ -23981,7 +24750,7 @@
                 <a:uFillTx/>
                 <a:latin typeface="Times New Roman"/>
               </a:rPr>
-              <a:t>&lt;date/time&gt;</a:t>
+              <a:t> </a:t>
             </a:r>
             <a:endParaRPr b="0" lang="en-US" sz="1400" strike="noStrike" u="none">
               <a:solidFill>
@@ -24039,7 +24808,7 @@
         <p:spPr>
           <a:xfrm>
             <a:off x="360" y="0"/>
-            <a:ext cx="9699840" cy="6856920"/>
+            <a:ext cx="9699480" cy="6856560"/>
           </a:xfrm>
           <a:prstGeom prst="rect">
             <a:avLst/>
@@ -24057,8 +24826,8 @@
         </p:nvSpPr>
         <p:spPr>
           <a:xfrm rot="16200000">
-            <a:off x="-1764000" y="2941920"/>
-            <a:ext cx="4000320" cy="227160"/>
+            <a:off x="-1763280" y="2942280"/>
+            <a:ext cx="3999960" cy="227160"/>
           </a:xfrm>
           <a:prstGeom prst="rect">
             <a:avLst/>
@@ -24117,7 +24886,7 @@
         <p:spPr>
           <a:xfrm>
             <a:off x="727560" y="1122480"/>
-            <a:ext cx="8245080" cy="2386440"/>
+            <a:ext cx="8244720" cy="2386080"/>
           </a:xfrm>
           <a:prstGeom prst="rect">
             <a:avLst/>
@@ -24407,7 +25176,7 @@
         <p:spPr>
           <a:xfrm>
             <a:off x="3213360" y="6356520"/>
-            <a:ext cx="3273120" cy="363960"/>
+            <a:ext cx="3272760" cy="363600"/>
           </a:xfrm>
           <a:prstGeom prst="rect">
             <a:avLst/>
@@ -24482,7 +25251,7 @@
         <p:spPr>
           <a:xfrm>
             <a:off x="6851520" y="6356520"/>
-            <a:ext cx="2181600" cy="363960"/>
+            <a:ext cx="2181240" cy="363600"/>
           </a:xfrm>
           <a:prstGeom prst="rect">
             <a:avLst/>
@@ -24524,7 +25293,7 @@
                 <a:tab algn="l" pos="0"/>
               </a:tabLst>
             </a:pPr>
-            <a:fld id="{626E3045-25D0-4516-AF32-8F1D412C8BB9}" type="slidenum">
+            <a:fld id="{9F841135-D16A-48EA-8141-DC6D90E69808}" type="slidenum">
               <a:rPr b="0" lang="pt-BR" sz="1800" strike="noStrike" u="none">
                 <a:solidFill>
                   <a:schemeClr val="dk1"/>
@@ -24557,7 +25326,7 @@
         <p:spPr>
           <a:xfrm>
             <a:off x="667080" y="6356520"/>
-            <a:ext cx="2181600" cy="363960"/>
+            <a:ext cx="2181240" cy="363600"/>
           </a:xfrm>
           <a:prstGeom prst="rect">
             <a:avLst/>
@@ -24653,7 +25422,7 @@
         <p:spPr>
           <a:xfrm>
             <a:off x="360" y="0"/>
-            <a:ext cx="9699840" cy="6856920"/>
+            <a:ext cx="9699480" cy="6856560"/>
           </a:xfrm>
           <a:prstGeom prst="rect">
             <a:avLst/>
@@ -24671,8 +25440,8 @@
         </p:nvSpPr>
         <p:spPr>
           <a:xfrm rot="16200000">
-            <a:off x="-1764000" y="2941920"/>
-            <a:ext cx="4000320" cy="227160"/>
+            <a:off x="-1763280" y="2942280"/>
+            <a:ext cx="3999960" cy="227160"/>
           </a:xfrm>
           <a:prstGeom prst="rect">
             <a:avLst/>
@@ -24731,7 +25500,7 @@
         <p:spPr>
           <a:xfrm>
             <a:off x="727560" y="1122480"/>
-            <a:ext cx="8245080" cy="2386440"/>
+            <a:ext cx="8244720" cy="2386080"/>
           </a:xfrm>
           <a:prstGeom prst="rect">
             <a:avLst/>
@@ -25260,7 +26029,7 @@
         <p:spPr>
           <a:xfrm>
             <a:off x="3213360" y="6356520"/>
-            <a:ext cx="3273120" cy="363960"/>
+            <a:ext cx="3272760" cy="363600"/>
           </a:xfrm>
           <a:prstGeom prst="rect">
             <a:avLst/>
@@ -25335,7 +26104,7 @@
         <p:spPr>
           <a:xfrm>
             <a:off x="6851520" y="6356520"/>
-            <a:ext cx="2181600" cy="363960"/>
+            <a:ext cx="2181240" cy="363600"/>
           </a:xfrm>
           <a:prstGeom prst="rect">
             <a:avLst/>
@@ -25377,7 +26146,7 @@
                 <a:tab algn="l" pos="0"/>
               </a:tabLst>
             </a:pPr>
-            <a:fld id="{58EBD7E9-8B07-4E56-A271-D349FCEEC66A}" type="slidenum">
+            <a:fld id="{C9E011E3-331C-4338-B509-2FC317055A4C}" type="slidenum">
               <a:rPr b="0" lang="pt-BR" sz="1800" strike="noStrike" u="none">
                 <a:solidFill>
                   <a:schemeClr val="dk1"/>
@@ -25410,7 +26179,7 @@
         <p:spPr>
           <a:xfrm>
             <a:off x="667080" y="6356520"/>
-            <a:ext cx="2181600" cy="363960"/>
+            <a:ext cx="2181240" cy="363600"/>
           </a:xfrm>
           <a:prstGeom prst="rect">
             <a:avLst/>
@@ -25506,7 +26275,7 @@
         <p:spPr>
           <a:xfrm>
             <a:off x="360" y="0"/>
-            <a:ext cx="9699840" cy="6856920"/>
+            <a:ext cx="9699480" cy="6856560"/>
           </a:xfrm>
           <a:prstGeom prst="rect">
             <a:avLst/>
@@ -25524,8 +26293,8 @@
         </p:nvSpPr>
         <p:spPr>
           <a:xfrm rot="16200000">
-            <a:off x="-1764000" y="2941920"/>
-            <a:ext cx="4000320" cy="227160"/>
+            <a:off x="-1763280" y="2942280"/>
+            <a:ext cx="3999960" cy="227160"/>
           </a:xfrm>
           <a:prstGeom prst="rect">
             <a:avLst/>
@@ -25584,7 +26353,7 @@
         <p:spPr>
           <a:xfrm>
             <a:off x="727560" y="1122480"/>
-            <a:ext cx="8245080" cy="2386440"/>
+            <a:ext cx="8244720" cy="2386080"/>
           </a:xfrm>
           <a:prstGeom prst="rect">
             <a:avLst/>
@@ -25635,7 +26404,7 @@
         <p:spPr>
           <a:xfrm>
             <a:off x="3213360" y="6356520"/>
-            <a:ext cx="3273120" cy="363960"/>
+            <a:ext cx="3272760" cy="363600"/>
           </a:xfrm>
           <a:prstGeom prst="rect">
             <a:avLst/>
@@ -25685,7 +26454,7 @@
                 <a:uFillTx/>
                 <a:latin typeface="Times New Roman"/>
               </a:rPr>
-              <a:t>&lt;footer&gt;</a:t>
+              <a:t> </a:t>
             </a:r>
             <a:endParaRPr b="0" lang="en-US" sz="1400" strike="noStrike" u="none">
               <a:solidFill>
@@ -25710,7 +26479,7 @@
         <p:spPr>
           <a:xfrm>
             <a:off x="6851520" y="6356520"/>
-            <a:ext cx="2181600" cy="363960"/>
+            <a:ext cx="2181240" cy="363600"/>
           </a:xfrm>
           <a:prstGeom prst="rect">
             <a:avLst/>
@@ -25752,7 +26521,7 @@
                 <a:tab algn="l" pos="0"/>
               </a:tabLst>
             </a:pPr>
-            <a:fld id="{320C8A93-C204-4F98-A02B-804F2DC553DD}" type="slidenum">
+            <a:fld id="{F985CE7F-1E78-475D-8324-47ADCDCBF426}" type="slidenum">
               <a:rPr b="0" lang="pt-BR" sz="1800" strike="noStrike" u="none">
                 <a:solidFill>
                   <a:schemeClr val="dk1"/>
@@ -25760,7 +26529,7 @@
                 <a:uFillTx/>
                 <a:latin typeface="Calibri"/>
               </a:rPr>
-              <a:t>&lt;number&gt;</a:t>
+              <a:t>1</a:t>
             </a:fld>
             <a:endParaRPr b="0" lang="en-US" sz="1800" strike="noStrike" u="none">
               <a:solidFill>
@@ -25785,7 +26554,7 @@
         <p:spPr>
           <a:xfrm>
             <a:off x="667080" y="6356520"/>
-            <a:ext cx="2181600" cy="363960"/>
+            <a:ext cx="2181240" cy="363600"/>
           </a:xfrm>
           <a:prstGeom prst="rect">
             <a:avLst/>
@@ -25823,7 +26592,7 @@
                 <a:uFillTx/>
                 <a:latin typeface="Times New Roman"/>
               </a:rPr>
-              <a:t>&lt;date/time&gt;</a:t>
+              <a:t> </a:t>
             </a:r>
             <a:endParaRPr b="0" lang="en-US" sz="1400" strike="noStrike" u="none">
               <a:solidFill>
@@ -25881,7 +26650,7 @@
         <p:spPr>
           <a:xfrm>
             <a:off x="360" y="0"/>
-            <a:ext cx="9699840" cy="6856920"/>
+            <a:ext cx="9699480" cy="6856560"/>
           </a:xfrm>
           <a:prstGeom prst="rect">
             <a:avLst/>
@@ -25899,8 +26668,8 @@
         </p:nvSpPr>
         <p:spPr>
           <a:xfrm rot="16200000">
-            <a:off x="-1764000" y="2941920"/>
-            <a:ext cx="4000320" cy="227160"/>
+            <a:off x="-1763280" y="2942280"/>
+            <a:ext cx="3999960" cy="227160"/>
           </a:xfrm>
           <a:prstGeom prst="rect">
             <a:avLst/>
@@ -25953,64 +26722,13 @@
             <a:spLocks noGrp="1"/>
           </p:cNvSpPr>
           <p:nvPr>
-            <p:ph type="title"/>
-          </p:nvPr>
-        </p:nvSpPr>
-        <p:spPr>
-          <a:xfrm>
-            <a:off x="727560" y="1122480"/>
-            <a:ext cx="8245080" cy="2386440"/>
-          </a:xfrm>
-          <a:prstGeom prst="rect">
-            <a:avLst/>
-          </a:prstGeom>
-          <a:noFill/>
-          <a:ln w="0">
-            <a:noFill/>
-          </a:ln>
-        </p:spPr>
-        <p:txBody>
-          <a:bodyPr lIns="0" rIns="0" tIns="0" bIns="0" anchor="ctr">
-            <a:noAutofit/>
-          </a:bodyPr>
-          <a:p>
-            <a:pPr indent="0">
-              <a:buNone/>
-            </a:pPr>
-            <a:r>
-              <a:rPr b="0" lang="en-US" sz="1800" strike="noStrike" u="none">
-                <a:solidFill>
-                  <a:srgbClr val="000000"/>
-                </a:solidFill>
-                <a:uFillTx/>
-                <a:latin typeface="Arial"/>
-              </a:rPr>
-              <a:t>Click to edit the title text format</a:t>
-            </a:r>
-            <a:endParaRPr b="0" lang="en-US" sz="1800" strike="noStrike" u="none">
-              <a:solidFill>
-                <a:srgbClr val="000000"/>
-              </a:solidFill>
-              <a:uFillTx/>
-              <a:latin typeface="Arial"/>
-            </a:endParaRPr>
-          </a:p>
-        </p:txBody>
-      </p:sp>
-      <p:sp>
-        <p:nvSpPr>
-          <p:cNvPr id="307" name="PlaceHolder 2"/>
-          <p:cNvSpPr>
-            <a:spLocks noGrp="1"/>
-          </p:cNvSpPr>
-          <p:nvPr>
             <p:ph type="ftr" idx="145"/>
           </p:nvPr>
         </p:nvSpPr>
         <p:spPr>
           <a:xfrm>
             <a:off x="3213360" y="6356520"/>
-            <a:ext cx="3273120" cy="363960"/>
+            <a:ext cx="3272760" cy="363600"/>
           </a:xfrm>
           <a:prstGeom prst="rect">
             <a:avLst/>
@@ -26060,7 +26778,7 @@
                 <a:uFillTx/>
                 <a:latin typeface="Times New Roman"/>
               </a:rPr>
-              <a:t>&lt;footer&gt;</a:t>
+              <a:t> </a:t>
             </a:r>
             <a:endParaRPr b="0" lang="en-US" sz="1400" strike="noStrike" u="none">
               <a:solidFill>
@@ -26074,7 +26792,7 @@
       </p:sp>
       <p:sp>
         <p:nvSpPr>
-          <p:cNvPr id="308" name="PlaceHolder 3"/>
+          <p:cNvPr id="307" name="PlaceHolder 2"/>
           <p:cNvSpPr>
             <a:spLocks noGrp="1"/>
           </p:cNvSpPr>
@@ -26085,7 +26803,7 @@
         <p:spPr>
           <a:xfrm>
             <a:off x="6851520" y="6356520"/>
-            <a:ext cx="2181600" cy="363960"/>
+            <a:ext cx="2181240" cy="363600"/>
           </a:xfrm>
           <a:prstGeom prst="rect">
             <a:avLst/>
@@ -26127,7 +26845,7 @@
                 <a:tab algn="l" pos="0"/>
               </a:tabLst>
             </a:pPr>
-            <a:fld id="{D7CE3F49-4551-4CAF-A742-CF9D2DA8560F}" type="slidenum">
+            <a:fld id="{689E81C0-629D-49D4-8923-019E8A1E9F94}" type="slidenum">
               <a:rPr b="0" lang="pt-BR" sz="1800" strike="noStrike" u="none">
                 <a:solidFill>
                   <a:schemeClr val="dk1"/>
@@ -26135,7 +26853,7 @@
                 <a:uFillTx/>
                 <a:latin typeface="Calibri"/>
               </a:rPr>
-              <a:t>&lt;number&gt;</a:t>
+              <a:t>1</a:t>
             </a:fld>
             <a:endParaRPr b="0" lang="en-US" sz="1800" strike="noStrike" u="none">
               <a:solidFill>
@@ -26149,7 +26867,7 @@
       </p:sp>
       <p:sp>
         <p:nvSpPr>
-          <p:cNvPr id="309" name="PlaceHolder 4"/>
+          <p:cNvPr id="308" name="PlaceHolder 3"/>
           <p:cNvSpPr>
             <a:spLocks noGrp="1"/>
           </p:cNvSpPr>
@@ -26160,7 +26878,7 @@
         <p:spPr>
           <a:xfrm>
             <a:off x="667080" y="6356520"/>
-            <a:ext cx="2181600" cy="363960"/>
+            <a:ext cx="2181240" cy="363600"/>
           </a:xfrm>
           <a:prstGeom prst="rect">
             <a:avLst/>
@@ -26198,7 +26916,7 @@
                 <a:uFillTx/>
                 <a:latin typeface="Times New Roman"/>
               </a:rPr>
-              <a:t>&lt;date/time&gt;</a:t>
+              <a:t> </a:t>
             </a:r>
             <a:endParaRPr b="0" lang="en-US" sz="1400" strike="noStrike" u="none">
               <a:solidFill>
@@ -26206,245 +26924,6 @@
               </a:solidFill>
               <a:uFillTx/>
               <a:latin typeface="Times New Roman"/>
-            </a:endParaRPr>
-          </a:p>
-        </p:txBody>
-      </p:sp>
-      <p:sp>
-        <p:nvSpPr>
-          <p:cNvPr id="310" name="PlaceHolder 5"/>
-          <p:cNvSpPr>
-            <a:spLocks noGrp="1"/>
-          </p:cNvSpPr>
-          <p:nvPr>
-            <p:ph type="body"/>
-          </p:nvPr>
-        </p:nvSpPr>
-        <p:spPr>
-          <a:xfrm>
-            <a:off x="484920" y="1604520"/>
-            <a:ext cx="8730720" cy="3977280"/>
-          </a:xfrm>
-          <a:prstGeom prst="rect">
-            <a:avLst/>
-          </a:prstGeom>
-          <a:noFill/>
-          <a:ln w="0">
-            <a:noFill/>
-          </a:ln>
-        </p:spPr>
-        <p:txBody>
-          <a:bodyPr lIns="0" rIns="0" tIns="0" bIns="0" anchor="t">
-            <a:normAutofit/>
-          </a:bodyPr>
-          <a:p>
-            <a:pPr marL="432000" indent="-324000">
-              <a:spcBef>
-                <a:spcPts val="1417"/>
-              </a:spcBef>
-              <a:buClr>
-                <a:srgbClr val="000000"/>
-              </a:buClr>
-              <a:buSzPct val="45000"/>
-              <a:buFont typeface="Wingdings" charset="2"/>
-              <a:buChar char=""/>
-            </a:pPr>
-            <a:r>
-              <a:rPr b="0" lang="en-US" sz="3200" strike="noStrike" u="none">
-                <a:solidFill>
-                  <a:srgbClr val="000000"/>
-                </a:solidFill>
-                <a:uFillTx/>
-                <a:latin typeface="Arial"/>
-              </a:rPr>
-              <a:t>Click to edit the outline text format</a:t>
-            </a:r>
-            <a:endParaRPr b="0" lang="en-US" sz="3200" strike="noStrike" u="none">
-              <a:solidFill>
-                <a:srgbClr val="000000"/>
-              </a:solidFill>
-              <a:uFillTx/>
-              <a:latin typeface="Arial"/>
-            </a:endParaRPr>
-          </a:p>
-          <a:p>
-            <a:pPr lvl="1" marL="864000" indent="-324000">
-              <a:spcBef>
-                <a:spcPts val="1134"/>
-              </a:spcBef>
-              <a:buClr>
-                <a:srgbClr val="000000"/>
-              </a:buClr>
-              <a:buSzPct val="75000"/>
-              <a:buFont typeface="Symbol" charset="2"/>
-              <a:buChar char=""/>
-            </a:pPr>
-            <a:r>
-              <a:rPr b="0" lang="en-US" sz="2800" strike="noStrike" u="none">
-                <a:solidFill>
-                  <a:srgbClr val="000000"/>
-                </a:solidFill>
-                <a:uFillTx/>
-                <a:latin typeface="Arial"/>
-              </a:rPr>
-              <a:t>Second Outline Level</a:t>
-            </a:r>
-            <a:endParaRPr b="0" lang="en-US" sz="2800" strike="noStrike" u="none">
-              <a:solidFill>
-                <a:srgbClr val="000000"/>
-              </a:solidFill>
-              <a:uFillTx/>
-              <a:latin typeface="Arial"/>
-            </a:endParaRPr>
-          </a:p>
-          <a:p>
-            <a:pPr lvl="2" marL="1296000" indent="-288000">
-              <a:spcBef>
-                <a:spcPts val="850"/>
-              </a:spcBef>
-              <a:buClr>
-                <a:srgbClr val="000000"/>
-              </a:buClr>
-              <a:buSzPct val="45000"/>
-              <a:buFont typeface="Wingdings" charset="2"/>
-              <a:buChar char=""/>
-            </a:pPr>
-            <a:r>
-              <a:rPr b="0" lang="en-US" sz="2400" strike="noStrike" u="none">
-                <a:solidFill>
-                  <a:srgbClr val="000000"/>
-                </a:solidFill>
-                <a:uFillTx/>
-                <a:latin typeface="Arial"/>
-              </a:rPr>
-              <a:t>Third Outline Level</a:t>
-            </a:r>
-            <a:endParaRPr b="0" lang="en-US" sz="2400" strike="noStrike" u="none">
-              <a:solidFill>
-                <a:srgbClr val="000000"/>
-              </a:solidFill>
-              <a:uFillTx/>
-              <a:latin typeface="Arial"/>
-            </a:endParaRPr>
-          </a:p>
-          <a:p>
-            <a:pPr lvl="3" marL="1728000" indent="-216000">
-              <a:spcBef>
-                <a:spcPts val="567"/>
-              </a:spcBef>
-              <a:buClr>
-                <a:srgbClr val="000000"/>
-              </a:buClr>
-              <a:buSzPct val="75000"/>
-              <a:buFont typeface="Symbol" charset="2"/>
-              <a:buChar char=""/>
-            </a:pPr>
-            <a:r>
-              <a:rPr b="0" lang="en-US" sz="2000" strike="noStrike" u="none">
-                <a:solidFill>
-                  <a:srgbClr val="000000"/>
-                </a:solidFill>
-                <a:uFillTx/>
-                <a:latin typeface="Arial"/>
-              </a:rPr>
-              <a:t>Fourth Outline Level</a:t>
-            </a:r>
-            <a:endParaRPr b="0" lang="en-US" sz="2000" strike="noStrike" u="none">
-              <a:solidFill>
-                <a:srgbClr val="000000"/>
-              </a:solidFill>
-              <a:uFillTx/>
-              <a:latin typeface="Arial"/>
-            </a:endParaRPr>
-          </a:p>
-          <a:p>
-            <a:pPr lvl="4" marL="2160000" indent="-216000">
-              <a:spcBef>
-                <a:spcPts val="283"/>
-              </a:spcBef>
-              <a:buClr>
-                <a:srgbClr val="000000"/>
-              </a:buClr>
-              <a:buSzPct val="45000"/>
-              <a:buFont typeface="Wingdings" charset="2"/>
-              <a:buChar char=""/>
-            </a:pPr>
-            <a:r>
-              <a:rPr b="0" lang="en-US" sz="2000" strike="noStrike" u="none">
-                <a:solidFill>
-                  <a:srgbClr val="000000"/>
-                </a:solidFill>
-                <a:uFillTx/>
-                <a:latin typeface="Arial"/>
-              </a:rPr>
-              <a:t>Fifth Outline Level</a:t>
-            </a:r>
-            <a:endParaRPr b="0" lang="en-US" sz="2000" strike="noStrike" u="none">
-              <a:solidFill>
-                <a:srgbClr val="000000"/>
-              </a:solidFill>
-              <a:uFillTx/>
-              <a:latin typeface="Arial"/>
-            </a:endParaRPr>
-          </a:p>
-          <a:p>
-            <a:pPr lvl="5" marL="2592000" indent="-216000">
-              <a:spcBef>
-                <a:spcPts val="283"/>
-              </a:spcBef>
-              <a:buClr>
-                <a:srgbClr val="000000"/>
-              </a:buClr>
-              <a:buSzPct val="45000"/>
-              <a:buFont typeface="Wingdings" charset="2"/>
-              <a:buChar char=""/>
-            </a:pPr>
-            <a:r>
-              <a:rPr b="0" lang="en-US" sz="2000" strike="noStrike" u="none">
-                <a:solidFill>
-                  <a:srgbClr val="000000"/>
-                </a:solidFill>
-                <a:uFillTx/>
-                <a:latin typeface="Arial"/>
-              </a:rPr>
-              <a:t>Sixth Outline Level</a:t>
-            </a:r>
-            <a:endParaRPr b="0" lang="en-US" sz="2000" strike="noStrike" u="none">
-              <a:solidFill>
-                <a:srgbClr val="000000"/>
-              </a:solidFill>
-              <a:uFillTx/>
-              <a:latin typeface="Arial"/>
-            </a:endParaRPr>
-          </a:p>
-          <a:p>
-            <a:pPr lvl="6" marL="3024000" indent="-216000">
-              <a:spcBef>
-                <a:spcPts val="283"/>
-              </a:spcBef>
-              <a:buClr>
-                <a:srgbClr val="000000"/>
-              </a:buClr>
-              <a:buSzPct val="45000"/>
-              <a:buFont typeface="Wingdings" charset="2"/>
-              <a:buChar char=""/>
-            </a:pPr>
-            <a:r>
-              <a:rPr b="0" lang="en-US" sz="2000" strike="noStrike" u="none">
-                <a:solidFill>
-                  <a:srgbClr val="000000"/>
-                </a:solidFill>
-                <a:uFillTx/>
-                <a:latin typeface="Arial"/>
-              </a:rPr>
-              <a:t>Seventh Outline Level</a:t>
-            </a:r>
-            <a:endParaRPr b="0" lang="en-US" sz="2000" strike="noStrike" u="none">
-              <a:solidFill>
-                <a:srgbClr val="000000"/>
-              </a:solidFill>
-              <a:uFillTx/>
-              <a:latin typeface="Arial"/>
             </a:endParaRPr>
           </a:p>
         </p:txBody>
@@ -26454,12 +26933,6 @@
   <p:clrMap bg1="lt1" tx1="dk1" bg2="lt2" tx2="dk2" accent1="accent1" accent2="accent2" accent3="accent3" accent4="accent4" accent5="accent5" accent6="accent6" hlink="hlink" folHlink="folHlink"/>
   <p:sldLayoutIdLst>
     <p:sldLayoutId id="2147483745" r:id="rId3"/>
-    <p:sldLayoutId id="2147483746" r:id="rId4"/>
-    <p:sldLayoutId id="2147483747" r:id="rId5"/>
-    <p:sldLayoutId id="2147483748" r:id="rId6"/>
-    <p:sldLayoutId id="2147483749" r:id="rId7"/>
-    <p:sldLayoutId id="2147483750" r:id="rId8"/>
-    <p:sldLayoutId id="2147483751" r:id="rId9"/>
   </p:sldLayoutIdLst>
 </p:sldMaster>
 </file>
@@ -26501,7 +26974,7 @@
         <p:spPr>
           <a:xfrm>
             <a:off x="360" y="0"/>
-            <a:ext cx="9699120" cy="6856200"/>
+            <a:ext cx="9698760" cy="6855840"/>
           </a:xfrm>
           <a:prstGeom prst="rect">
             <a:avLst/>
@@ -26520,7 +26993,7 @@
         <p:spPr>
           <a:xfrm>
             <a:off x="2697120" y="6330240"/>
-            <a:ext cx="3999600" cy="227160"/>
+            <a:ext cx="3999240" cy="227160"/>
           </a:xfrm>
           <a:prstGeom prst="rect">
             <a:avLst/>
@@ -26579,7 +27052,7 @@
         <p:spPr>
           <a:xfrm>
             <a:off x="3213360" y="6356520"/>
-            <a:ext cx="3272400" cy="363240"/>
+            <a:ext cx="3272040" cy="362880"/>
           </a:xfrm>
           <a:prstGeom prst="rect">
             <a:avLst/>
@@ -26654,7 +27127,7 @@
         <p:spPr>
           <a:xfrm>
             <a:off x="6851520" y="6356520"/>
-            <a:ext cx="2180880" cy="363240"/>
+            <a:ext cx="2180520" cy="362880"/>
           </a:xfrm>
           <a:prstGeom prst="rect">
             <a:avLst/>
@@ -26696,7 +27169,7 @@
                 <a:tab algn="l" pos="0"/>
               </a:tabLst>
             </a:pPr>
-            <a:fld id="{593424BB-3E24-49F1-B71D-992069D2800B}" type="slidenum">
+            <a:fld id="{1670136C-4AED-4CA1-A8BD-6B6BF1357FF1}" type="slidenum">
               <a:rPr b="0" lang="pt-BR" sz="1800" strike="noStrike" u="none">
                 <a:solidFill>
                   <a:schemeClr val="dk1"/>
@@ -26729,7 +27202,7 @@
         <p:spPr>
           <a:xfrm>
             <a:off x="667080" y="6356520"/>
-            <a:ext cx="2180880" cy="363240"/>
+            <a:ext cx="2180520" cy="362880"/>
           </a:xfrm>
           <a:prstGeom prst="rect">
             <a:avLst/>
@@ -26784,6 +27257,3116 @@
   <p:clrMap bg1="lt1" tx1="dk1" bg2="lt2" tx2="dk2" accent1="accent1" accent2="accent2" accent3="accent3" accent4="accent4" accent5="accent5" accent6="accent6" hlink="hlink" folHlink="folHlink"/>
   <p:sldLayoutIdLst>
     <p:sldLayoutId id="2147483657" r:id="rId3"/>
+  </p:sldLayoutIdLst>
+</p:sldMaster>
+</file>
+
+<file path=ppt/slideMasters/slideMaster50.xml><?xml version="1.0" encoding="utf-8"?>
+<p:sldMaster xmlns:a="http://schemas.openxmlformats.org/drawingml/2006/main" xmlns:p="http://schemas.openxmlformats.org/presentationml/2006/main" xmlns:r="http://schemas.openxmlformats.org/officeDocument/2006/relationships" xmlns:p14="http://schemas.microsoft.com/office/powerpoint/2010/main" xmlns:p15="http://schemas.microsoft.com/office/powerpoint/2012/main" xmlns:mc="http://schemas.openxmlformats.org/markup-compatibility/2006">
+  <p:cSld>
+    <p:bg>
+      <p:bgPr>
+        <a:solidFill>
+          <a:srgbClr val="ffffff"/>
+        </a:solidFill>
+      </p:bgPr>
+    </p:bg>
+    <p:spTree>
+      <p:nvGrpSpPr>
+        <p:cNvPr id="1" name=""/>
+        <p:cNvGrpSpPr/>
+        <p:nvPr/>
+      </p:nvGrpSpPr>
+      <p:grpSpPr>
+        <a:xfrm>
+          <a:off x="0" y="0"/>
+          <a:ext cx="0" cy="0"/>
+          <a:chOff x="0" y="0"/>
+          <a:chExt cx="0" cy="0"/>
+        </a:xfrm>
+      </p:grpSpPr>
+      <p:pic>
+        <p:nvPicPr>
+          <p:cNvPr id="309" name="Imagem 4" descr="Diagrama, Desenho técnico&#10;&#10;Descrição gerada automaticamente"/>
+          <p:cNvPicPr/>
+          <p:nvPr/>
+        </p:nvPicPr>
+        <p:blipFill>
+          <a:blip r:embed="rId2"/>
+          <a:stretch/>
+        </p:blipFill>
+        <p:spPr>
+          <a:xfrm>
+            <a:off x="360" y="0"/>
+            <a:ext cx="9699480" cy="6856560"/>
+          </a:xfrm>
+          <a:prstGeom prst="rect">
+            <a:avLst/>
+          </a:prstGeom>
+          <a:ln w="0">
+            <a:noFill/>
+          </a:ln>
+        </p:spPr>
+      </p:pic>
+      <p:sp>
+        <p:nvSpPr>
+          <p:cNvPr id="310" name="Retângulo 1"/>
+          <p:cNvSpPr/>
+          <p:nvPr/>
+        </p:nvSpPr>
+        <p:spPr>
+          <a:xfrm rot="16200000">
+            <a:off x="-1763280" y="2942280"/>
+            <a:ext cx="3999960" cy="227160"/>
+          </a:xfrm>
+          <a:prstGeom prst="rect">
+            <a:avLst/>
+          </a:prstGeom>
+          <a:noFill/>
+          <a:ln w="0">
+            <a:noFill/>
+          </a:ln>
+        </p:spPr>
+        <p:style>
+          <a:lnRef idx="0"/>
+          <a:fillRef idx="0"/>
+          <a:effectRef idx="0"/>
+          <a:fontRef idx="minor"/>
+        </p:style>
+        <p:txBody>
+          <a:bodyPr lIns="90000" rIns="90000" tIns="45000" bIns="45000" anchor="t">
+            <a:spAutoFit/>
+          </a:bodyPr>
+          <a:p>
+            <a:pPr defTabSz="914400">
+              <a:lnSpc>
+                <a:spcPct val="100000"/>
+              </a:lnSpc>
+            </a:pPr>
+            <a:r>
+              <a:rPr b="0" lang="pt-BR" sz="900" strike="noStrike" u="none">
+                <a:solidFill>
+                  <a:schemeClr val="dk1"/>
+                </a:solidFill>
+                <a:uFillTx/>
+                <a:latin typeface="Aptos ExtraBold"/>
+              </a:rPr>
+              <a:t>LFSTS-DT-010 - Verso - Certificado de Capacitação Profissional</a:t>
+            </a:r>
+            <a:endParaRPr b="0" lang="en-US" sz="900" strike="noStrike" u="none">
+              <a:solidFill>
+                <a:srgbClr val="000000"/>
+              </a:solidFill>
+              <a:uFillTx/>
+              <a:latin typeface="Arial"/>
+            </a:endParaRPr>
+          </a:p>
+        </p:txBody>
+      </p:sp>
+      <p:sp>
+        <p:nvSpPr>
+          <p:cNvPr id="311" name="PlaceHolder 1"/>
+          <p:cNvSpPr>
+            <a:spLocks noGrp="1"/>
+          </p:cNvSpPr>
+          <p:nvPr>
+            <p:ph type="ftr" idx="148"/>
+          </p:nvPr>
+        </p:nvSpPr>
+        <p:spPr>
+          <a:xfrm>
+            <a:off x="3213360" y="6356520"/>
+            <a:ext cx="3272760" cy="363600"/>
+          </a:xfrm>
+          <a:prstGeom prst="rect">
+            <a:avLst/>
+          </a:prstGeom>
+          <a:noFill/>
+          <a:ln w="0">
+            <a:noFill/>
+          </a:ln>
+        </p:spPr>
+        <p:txBody>
+          <a:bodyPr lIns="90000" rIns="90000" tIns="45000" bIns="45000" anchor="t">
+            <a:noAutofit/>
+          </a:bodyPr>
+          <a:lstStyle>
+            <a:lvl1pPr indent="0" algn="ctr">
+              <a:lnSpc>
+                <a:spcPct val="100000"/>
+              </a:lnSpc>
+              <a:buNone/>
+              <a:tabLst>
+                <a:tab algn="l" pos="0"/>
+              </a:tabLst>
+              <a:defRPr b="0" lang="en-US" sz="1400" strike="noStrike" u="none">
+                <a:solidFill>
+                  <a:srgbClr val="000000"/>
+                </a:solidFill>
+                <a:uFillTx/>
+                <a:latin typeface="Times New Roman"/>
+              </a:defRPr>
+            </a:lvl1pPr>
+          </a:lstStyle>
+          <a:p>
+            <a:pPr indent="0" algn="ctr">
+              <a:lnSpc>
+                <a:spcPct val="100000"/>
+              </a:lnSpc>
+              <a:buNone/>
+              <a:tabLst>
+                <a:tab algn="l" pos="0"/>
+              </a:tabLst>
+            </a:pPr>
+            <a:r>
+              <a:rPr b="0" lang="en-US" sz="1400" strike="noStrike" u="none">
+                <a:solidFill>
+                  <a:srgbClr val="000000"/>
+                </a:solidFill>
+                <a:uFillTx/>
+                <a:latin typeface="Times New Roman"/>
+              </a:rPr>
+              <a:t> </a:t>
+            </a:r>
+            <a:endParaRPr b="0" lang="en-US" sz="1400" strike="noStrike" u="none">
+              <a:solidFill>
+                <a:srgbClr val="000000"/>
+              </a:solidFill>
+              <a:uFillTx/>
+              <a:latin typeface="Times New Roman"/>
+            </a:endParaRPr>
+          </a:p>
+        </p:txBody>
+      </p:sp>
+      <p:sp>
+        <p:nvSpPr>
+          <p:cNvPr id="312" name="PlaceHolder 2"/>
+          <p:cNvSpPr>
+            <a:spLocks noGrp="1"/>
+          </p:cNvSpPr>
+          <p:nvPr>
+            <p:ph type="sldNum" idx="149"/>
+          </p:nvPr>
+        </p:nvSpPr>
+        <p:spPr>
+          <a:xfrm>
+            <a:off x="6851520" y="6356520"/>
+            <a:ext cx="2181240" cy="363600"/>
+          </a:xfrm>
+          <a:prstGeom prst="rect">
+            <a:avLst/>
+          </a:prstGeom>
+          <a:noFill/>
+          <a:ln w="0">
+            <a:noFill/>
+          </a:ln>
+        </p:spPr>
+        <p:txBody>
+          <a:bodyPr lIns="90000" rIns="90000" tIns="45000" bIns="45000" anchor="t">
+            <a:noAutofit/>
+          </a:bodyPr>
+          <a:lstStyle>
+            <a:lvl1pPr indent="0" defTabSz="914400">
+              <a:lnSpc>
+                <a:spcPct val="100000"/>
+              </a:lnSpc>
+              <a:buNone/>
+              <a:tabLst>
+                <a:tab algn="l" pos="0"/>
+              </a:tabLst>
+              <a:defRPr b="0" lang="pt-BR" sz="1800" strike="noStrike" u="none">
+                <a:solidFill>
+                  <a:schemeClr val="dk1"/>
+                </a:solidFill>
+                <a:uFillTx/>
+                <a:latin typeface="Calibri"/>
+              </a:defRPr>
+            </a:lvl1pPr>
+          </a:lstStyle>
+          <a:p>
+            <a:pPr indent="0" defTabSz="914400">
+              <a:lnSpc>
+                <a:spcPct val="100000"/>
+              </a:lnSpc>
+              <a:buNone/>
+              <a:tabLst>
+                <a:tab algn="l" pos="0"/>
+              </a:tabLst>
+            </a:pPr>
+            <a:fld id="{CBCBAF23-7669-4063-BF11-354858AAF63A}" type="slidenum">
+              <a:rPr b="0" lang="pt-BR" sz="1800" strike="noStrike" u="none">
+                <a:solidFill>
+                  <a:schemeClr val="dk1"/>
+                </a:solidFill>
+                <a:uFillTx/>
+                <a:latin typeface="Calibri"/>
+              </a:rPr>
+              <a:t>1</a:t>
+            </a:fld>
+            <a:endParaRPr b="0" lang="en-US" sz="1800" strike="noStrike" u="none">
+              <a:solidFill>
+                <a:srgbClr val="000000"/>
+              </a:solidFill>
+              <a:uFillTx/>
+              <a:latin typeface="Times New Roman"/>
+            </a:endParaRPr>
+          </a:p>
+        </p:txBody>
+      </p:sp>
+      <p:sp>
+        <p:nvSpPr>
+          <p:cNvPr id="313" name="PlaceHolder 3"/>
+          <p:cNvSpPr>
+            <a:spLocks noGrp="1"/>
+          </p:cNvSpPr>
+          <p:nvPr>
+            <p:ph type="dt" idx="150"/>
+          </p:nvPr>
+        </p:nvSpPr>
+        <p:spPr>
+          <a:xfrm>
+            <a:off x="667080" y="6356520"/>
+            <a:ext cx="2181240" cy="363600"/>
+          </a:xfrm>
+          <a:prstGeom prst="rect">
+            <a:avLst/>
+          </a:prstGeom>
+          <a:noFill/>
+          <a:ln w="0">
+            <a:noFill/>
+          </a:ln>
+        </p:spPr>
+        <p:txBody>
+          <a:bodyPr lIns="90000" rIns="90000" tIns="45000" bIns="45000" anchor="t">
+            <a:noAutofit/>
+          </a:bodyPr>
+          <a:lstStyle>
+            <a:lvl1pPr indent="0">
+              <a:buNone/>
+              <a:defRPr b="0" lang="en-US" sz="1400" strike="noStrike" u="none">
+                <a:solidFill>
+                  <a:srgbClr val="000000"/>
+                </a:solidFill>
+                <a:uFillTx/>
+                <a:latin typeface="Times New Roman"/>
+              </a:defRPr>
+            </a:lvl1pPr>
+          </a:lstStyle>
+          <a:p>
+            <a:pPr indent="0">
+              <a:buNone/>
+            </a:pPr>
+            <a:r>
+              <a:rPr b="0" lang="en-US" sz="1400" strike="noStrike" u="none">
+                <a:solidFill>
+                  <a:srgbClr val="000000"/>
+                </a:solidFill>
+                <a:uFillTx/>
+                <a:latin typeface="Times New Roman"/>
+              </a:rPr>
+              <a:t> </a:t>
+            </a:r>
+            <a:endParaRPr b="0" lang="en-US" sz="1400" strike="noStrike" u="none">
+              <a:solidFill>
+                <a:srgbClr val="000000"/>
+              </a:solidFill>
+              <a:uFillTx/>
+              <a:latin typeface="Times New Roman"/>
+            </a:endParaRPr>
+          </a:p>
+        </p:txBody>
+      </p:sp>
+    </p:spTree>
+  </p:cSld>
+  <p:clrMap bg1="lt1" tx1="dk1" bg2="lt2" tx2="dk2" accent1="accent1" accent2="accent2" accent3="accent3" accent4="accent4" accent5="accent5" accent6="accent6" hlink="hlink" folHlink="folHlink"/>
+  <p:sldLayoutIdLst>
+    <p:sldLayoutId id="2147483747" r:id="rId3"/>
+  </p:sldLayoutIdLst>
+</p:sldMaster>
+</file>
+
+<file path=ppt/slideMasters/slideMaster51.xml><?xml version="1.0" encoding="utf-8"?>
+<p:sldMaster xmlns:a="http://schemas.openxmlformats.org/drawingml/2006/main" xmlns:p="http://schemas.openxmlformats.org/presentationml/2006/main" xmlns:r="http://schemas.openxmlformats.org/officeDocument/2006/relationships" xmlns:p14="http://schemas.microsoft.com/office/powerpoint/2010/main" xmlns:p15="http://schemas.microsoft.com/office/powerpoint/2012/main" xmlns:mc="http://schemas.openxmlformats.org/markup-compatibility/2006">
+  <p:cSld>
+    <p:bg>
+      <p:bgPr>
+        <a:solidFill>
+          <a:srgbClr val="ffffff"/>
+        </a:solidFill>
+      </p:bgPr>
+    </p:bg>
+    <p:spTree>
+      <p:nvGrpSpPr>
+        <p:cNvPr id="1" name=""/>
+        <p:cNvGrpSpPr/>
+        <p:nvPr/>
+      </p:nvGrpSpPr>
+      <p:grpSpPr>
+        <a:xfrm>
+          <a:off x="0" y="0"/>
+          <a:ext cx="0" cy="0"/>
+          <a:chOff x="0" y="0"/>
+          <a:chExt cx="0" cy="0"/>
+        </a:xfrm>
+      </p:grpSpPr>
+      <p:pic>
+        <p:nvPicPr>
+          <p:cNvPr id="314" name="Imagem 4" descr="Diagrama, Desenho técnico&#10;&#10;Descrição gerada automaticamente"/>
+          <p:cNvPicPr/>
+          <p:nvPr/>
+        </p:nvPicPr>
+        <p:blipFill>
+          <a:blip r:embed="rId2"/>
+          <a:stretch/>
+        </p:blipFill>
+        <p:spPr>
+          <a:xfrm>
+            <a:off x="360" y="0"/>
+            <a:ext cx="9699480" cy="6856560"/>
+          </a:xfrm>
+          <a:prstGeom prst="rect">
+            <a:avLst/>
+          </a:prstGeom>
+          <a:ln w="0">
+            <a:noFill/>
+          </a:ln>
+        </p:spPr>
+      </p:pic>
+      <p:sp>
+        <p:nvSpPr>
+          <p:cNvPr id="315" name="Retângulo 1"/>
+          <p:cNvSpPr/>
+          <p:nvPr/>
+        </p:nvSpPr>
+        <p:spPr>
+          <a:xfrm rot="16200000">
+            <a:off x="-1763280" y="2942280"/>
+            <a:ext cx="3999960" cy="227160"/>
+          </a:xfrm>
+          <a:prstGeom prst="rect">
+            <a:avLst/>
+          </a:prstGeom>
+          <a:noFill/>
+          <a:ln w="0">
+            <a:noFill/>
+          </a:ln>
+        </p:spPr>
+        <p:style>
+          <a:lnRef idx="0"/>
+          <a:fillRef idx="0"/>
+          <a:effectRef idx="0"/>
+          <a:fontRef idx="minor"/>
+        </p:style>
+        <p:txBody>
+          <a:bodyPr lIns="90000" rIns="90000" tIns="45000" bIns="45000" anchor="t">
+            <a:spAutoFit/>
+          </a:bodyPr>
+          <a:p>
+            <a:pPr defTabSz="914400">
+              <a:lnSpc>
+                <a:spcPct val="100000"/>
+              </a:lnSpc>
+            </a:pPr>
+            <a:r>
+              <a:rPr b="0" lang="pt-BR" sz="900" strike="noStrike" u="none">
+                <a:solidFill>
+                  <a:schemeClr val="dk1"/>
+                </a:solidFill>
+                <a:uFillTx/>
+                <a:latin typeface="Aptos ExtraBold"/>
+              </a:rPr>
+              <a:t>LFSTS-DT-010 - Verso - Certificado de Capacitação Profissional</a:t>
+            </a:r>
+            <a:endParaRPr b="0" lang="en-US" sz="900" strike="noStrike" u="none">
+              <a:solidFill>
+                <a:srgbClr val="000000"/>
+              </a:solidFill>
+              <a:uFillTx/>
+              <a:latin typeface="Arial"/>
+            </a:endParaRPr>
+          </a:p>
+        </p:txBody>
+      </p:sp>
+      <p:sp>
+        <p:nvSpPr>
+          <p:cNvPr id="316" name="PlaceHolder 1"/>
+          <p:cNvSpPr>
+            <a:spLocks noGrp="1"/>
+          </p:cNvSpPr>
+          <p:nvPr>
+            <p:ph type="ftr" idx="151"/>
+          </p:nvPr>
+        </p:nvSpPr>
+        <p:spPr>
+          <a:xfrm>
+            <a:off x="3213360" y="6356520"/>
+            <a:ext cx="3272760" cy="363600"/>
+          </a:xfrm>
+          <a:prstGeom prst="rect">
+            <a:avLst/>
+          </a:prstGeom>
+          <a:noFill/>
+          <a:ln w="0">
+            <a:noFill/>
+          </a:ln>
+        </p:spPr>
+        <p:txBody>
+          <a:bodyPr lIns="90000" rIns="90000" tIns="45000" bIns="45000" anchor="t">
+            <a:noAutofit/>
+          </a:bodyPr>
+          <a:lstStyle>
+            <a:lvl1pPr indent="0" algn="ctr">
+              <a:lnSpc>
+                <a:spcPct val="100000"/>
+              </a:lnSpc>
+              <a:buNone/>
+              <a:tabLst>
+                <a:tab algn="l" pos="0"/>
+              </a:tabLst>
+              <a:defRPr b="0" lang="en-US" sz="1400" strike="noStrike" u="none">
+                <a:solidFill>
+                  <a:srgbClr val="000000"/>
+                </a:solidFill>
+                <a:uFillTx/>
+                <a:latin typeface="Times New Roman"/>
+              </a:defRPr>
+            </a:lvl1pPr>
+          </a:lstStyle>
+          <a:p>
+            <a:pPr indent="0" algn="ctr">
+              <a:lnSpc>
+                <a:spcPct val="100000"/>
+              </a:lnSpc>
+              <a:buNone/>
+              <a:tabLst>
+                <a:tab algn="l" pos="0"/>
+              </a:tabLst>
+            </a:pPr>
+            <a:r>
+              <a:rPr b="0" lang="en-US" sz="1400" strike="noStrike" u="none">
+                <a:solidFill>
+                  <a:srgbClr val="000000"/>
+                </a:solidFill>
+                <a:uFillTx/>
+                <a:latin typeface="Times New Roman"/>
+              </a:rPr>
+              <a:t> </a:t>
+            </a:r>
+            <a:endParaRPr b="0" lang="en-US" sz="1400" strike="noStrike" u="none">
+              <a:solidFill>
+                <a:srgbClr val="000000"/>
+              </a:solidFill>
+              <a:uFillTx/>
+              <a:latin typeface="Times New Roman"/>
+            </a:endParaRPr>
+          </a:p>
+        </p:txBody>
+      </p:sp>
+      <p:sp>
+        <p:nvSpPr>
+          <p:cNvPr id="317" name="PlaceHolder 2"/>
+          <p:cNvSpPr>
+            <a:spLocks noGrp="1"/>
+          </p:cNvSpPr>
+          <p:nvPr>
+            <p:ph type="sldNum" idx="152"/>
+          </p:nvPr>
+        </p:nvSpPr>
+        <p:spPr>
+          <a:xfrm>
+            <a:off x="6851520" y="6356520"/>
+            <a:ext cx="2181240" cy="363600"/>
+          </a:xfrm>
+          <a:prstGeom prst="rect">
+            <a:avLst/>
+          </a:prstGeom>
+          <a:noFill/>
+          <a:ln w="0">
+            <a:noFill/>
+          </a:ln>
+        </p:spPr>
+        <p:txBody>
+          <a:bodyPr lIns="90000" rIns="90000" tIns="45000" bIns="45000" anchor="t">
+            <a:noAutofit/>
+          </a:bodyPr>
+          <a:lstStyle>
+            <a:lvl1pPr indent="0" defTabSz="914400">
+              <a:lnSpc>
+                <a:spcPct val="100000"/>
+              </a:lnSpc>
+              <a:buNone/>
+              <a:tabLst>
+                <a:tab algn="l" pos="0"/>
+              </a:tabLst>
+              <a:defRPr b="0" lang="pt-BR" sz="1800" strike="noStrike" u="none">
+                <a:solidFill>
+                  <a:schemeClr val="dk1"/>
+                </a:solidFill>
+                <a:uFillTx/>
+                <a:latin typeface="Calibri"/>
+              </a:defRPr>
+            </a:lvl1pPr>
+          </a:lstStyle>
+          <a:p>
+            <a:pPr indent="0" defTabSz="914400">
+              <a:lnSpc>
+                <a:spcPct val="100000"/>
+              </a:lnSpc>
+              <a:buNone/>
+              <a:tabLst>
+                <a:tab algn="l" pos="0"/>
+              </a:tabLst>
+            </a:pPr>
+            <a:fld id="{455BF94D-0A66-49DD-8495-E190C079468F}" type="slidenum">
+              <a:rPr b="0" lang="pt-BR" sz="1800" strike="noStrike" u="none">
+                <a:solidFill>
+                  <a:schemeClr val="dk1"/>
+                </a:solidFill>
+                <a:uFillTx/>
+                <a:latin typeface="Calibri"/>
+              </a:rPr>
+              <a:t>1</a:t>
+            </a:fld>
+            <a:endParaRPr b="0" lang="en-US" sz="1800" strike="noStrike" u="none">
+              <a:solidFill>
+                <a:srgbClr val="000000"/>
+              </a:solidFill>
+              <a:uFillTx/>
+              <a:latin typeface="Times New Roman"/>
+            </a:endParaRPr>
+          </a:p>
+        </p:txBody>
+      </p:sp>
+      <p:sp>
+        <p:nvSpPr>
+          <p:cNvPr id="318" name="PlaceHolder 3"/>
+          <p:cNvSpPr>
+            <a:spLocks noGrp="1"/>
+          </p:cNvSpPr>
+          <p:nvPr>
+            <p:ph type="dt" idx="153"/>
+          </p:nvPr>
+        </p:nvSpPr>
+        <p:spPr>
+          <a:xfrm>
+            <a:off x="667080" y="6356520"/>
+            <a:ext cx="2181240" cy="363600"/>
+          </a:xfrm>
+          <a:prstGeom prst="rect">
+            <a:avLst/>
+          </a:prstGeom>
+          <a:noFill/>
+          <a:ln w="0">
+            <a:noFill/>
+          </a:ln>
+        </p:spPr>
+        <p:txBody>
+          <a:bodyPr lIns="90000" rIns="90000" tIns="45000" bIns="45000" anchor="t">
+            <a:noAutofit/>
+          </a:bodyPr>
+          <a:lstStyle>
+            <a:lvl1pPr indent="0">
+              <a:buNone/>
+              <a:defRPr b="0" lang="en-US" sz="1400" strike="noStrike" u="none">
+                <a:solidFill>
+                  <a:srgbClr val="000000"/>
+                </a:solidFill>
+                <a:uFillTx/>
+                <a:latin typeface="Times New Roman"/>
+              </a:defRPr>
+            </a:lvl1pPr>
+          </a:lstStyle>
+          <a:p>
+            <a:pPr indent="0">
+              <a:buNone/>
+            </a:pPr>
+            <a:r>
+              <a:rPr b="0" lang="en-US" sz="1400" strike="noStrike" u="none">
+                <a:solidFill>
+                  <a:srgbClr val="000000"/>
+                </a:solidFill>
+                <a:uFillTx/>
+                <a:latin typeface="Times New Roman"/>
+              </a:rPr>
+              <a:t> </a:t>
+            </a:r>
+            <a:endParaRPr b="0" lang="en-US" sz="1400" strike="noStrike" u="none">
+              <a:solidFill>
+                <a:srgbClr val="000000"/>
+              </a:solidFill>
+              <a:uFillTx/>
+              <a:latin typeface="Times New Roman"/>
+            </a:endParaRPr>
+          </a:p>
+        </p:txBody>
+      </p:sp>
+    </p:spTree>
+  </p:cSld>
+  <p:clrMap bg1="lt1" tx1="dk1" bg2="lt2" tx2="dk2" accent1="accent1" accent2="accent2" accent3="accent3" accent4="accent4" accent5="accent5" accent6="accent6" hlink="hlink" folHlink="folHlink"/>
+  <p:sldLayoutIdLst>
+    <p:sldLayoutId id="2147483749" r:id="rId3"/>
+  </p:sldLayoutIdLst>
+</p:sldMaster>
+</file>
+
+<file path=ppt/slideMasters/slideMaster52.xml><?xml version="1.0" encoding="utf-8"?>
+<p:sldMaster xmlns:a="http://schemas.openxmlformats.org/drawingml/2006/main" xmlns:p="http://schemas.openxmlformats.org/presentationml/2006/main" xmlns:r="http://schemas.openxmlformats.org/officeDocument/2006/relationships" xmlns:p14="http://schemas.microsoft.com/office/powerpoint/2010/main" xmlns:p15="http://schemas.microsoft.com/office/powerpoint/2012/main" xmlns:mc="http://schemas.openxmlformats.org/markup-compatibility/2006">
+  <p:cSld>
+    <p:bg>
+      <p:bgPr>
+        <a:solidFill>
+          <a:srgbClr val="ffffff"/>
+        </a:solidFill>
+      </p:bgPr>
+    </p:bg>
+    <p:spTree>
+      <p:nvGrpSpPr>
+        <p:cNvPr id="1" name=""/>
+        <p:cNvGrpSpPr/>
+        <p:nvPr/>
+      </p:nvGrpSpPr>
+      <p:grpSpPr>
+        <a:xfrm>
+          <a:off x="0" y="0"/>
+          <a:ext cx="0" cy="0"/>
+          <a:chOff x="0" y="0"/>
+          <a:chExt cx="0" cy="0"/>
+        </a:xfrm>
+      </p:grpSpPr>
+      <p:pic>
+        <p:nvPicPr>
+          <p:cNvPr id="319" name="Imagem 4" descr="Diagrama, Desenho técnico&#10;&#10;Descrição gerada automaticamente"/>
+          <p:cNvPicPr/>
+          <p:nvPr/>
+        </p:nvPicPr>
+        <p:blipFill>
+          <a:blip r:embed="rId2"/>
+          <a:stretch/>
+        </p:blipFill>
+        <p:spPr>
+          <a:xfrm>
+            <a:off x="360" y="0"/>
+            <a:ext cx="9699480" cy="6856560"/>
+          </a:xfrm>
+          <a:prstGeom prst="rect">
+            <a:avLst/>
+          </a:prstGeom>
+          <a:ln w="0">
+            <a:noFill/>
+          </a:ln>
+        </p:spPr>
+      </p:pic>
+      <p:sp>
+        <p:nvSpPr>
+          <p:cNvPr id="320" name="Retângulo 1"/>
+          <p:cNvSpPr/>
+          <p:nvPr/>
+        </p:nvSpPr>
+        <p:spPr>
+          <a:xfrm rot="16200000">
+            <a:off x="-1763280" y="2942280"/>
+            <a:ext cx="3999960" cy="227160"/>
+          </a:xfrm>
+          <a:prstGeom prst="rect">
+            <a:avLst/>
+          </a:prstGeom>
+          <a:noFill/>
+          <a:ln w="0">
+            <a:noFill/>
+          </a:ln>
+        </p:spPr>
+        <p:style>
+          <a:lnRef idx="0"/>
+          <a:fillRef idx="0"/>
+          <a:effectRef idx="0"/>
+          <a:fontRef idx="minor"/>
+        </p:style>
+        <p:txBody>
+          <a:bodyPr lIns="90000" rIns="90000" tIns="45000" bIns="45000" anchor="t">
+            <a:spAutoFit/>
+          </a:bodyPr>
+          <a:p>
+            <a:pPr defTabSz="914400">
+              <a:lnSpc>
+                <a:spcPct val="100000"/>
+              </a:lnSpc>
+            </a:pPr>
+            <a:r>
+              <a:rPr b="0" lang="pt-BR" sz="900" strike="noStrike" u="none">
+                <a:solidFill>
+                  <a:schemeClr val="dk1"/>
+                </a:solidFill>
+                <a:uFillTx/>
+                <a:latin typeface="Aptos ExtraBold"/>
+              </a:rPr>
+              <a:t>LFSTS-DT-010 - Verso - Certificado de Capacitação Profissional</a:t>
+            </a:r>
+            <a:endParaRPr b="0" lang="en-US" sz="900" strike="noStrike" u="none">
+              <a:solidFill>
+                <a:srgbClr val="000000"/>
+              </a:solidFill>
+              <a:uFillTx/>
+              <a:latin typeface="Arial"/>
+            </a:endParaRPr>
+          </a:p>
+        </p:txBody>
+      </p:sp>
+      <p:sp>
+        <p:nvSpPr>
+          <p:cNvPr id="321" name="PlaceHolder 1"/>
+          <p:cNvSpPr>
+            <a:spLocks noGrp="1"/>
+          </p:cNvSpPr>
+          <p:nvPr>
+            <p:ph type="title"/>
+          </p:nvPr>
+        </p:nvSpPr>
+        <p:spPr>
+          <a:xfrm>
+            <a:off x="727560" y="1122480"/>
+            <a:ext cx="8244720" cy="2386080"/>
+          </a:xfrm>
+          <a:prstGeom prst="rect">
+            <a:avLst/>
+          </a:prstGeom>
+          <a:noFill/>
+          <a:ln w="0">
+            <a:noFill/>
+          </a:ln>
+        </p:spPr>
+        <p:txBody>
+          <a:bodyPr lIns="0" rIns="0" tIns="0" bIns="0" anchor="ctr">
+            <a:noAutofit/>
+          </a:bodyPr>
+          <a:p>
+            <a:pPr indent="0">
+              <a:buNone/>
+            </a:pPr>
+            <a:r>
+              <a:rPr b="0" lang="en-US" sz="1800" strike="noStrike" u="none">
+                <a:solidFill>
+                  <a:srgbClr val="000000"/>
+                </a:solidFill>
+                <a:uFillTx/>
+                <a:latin typeface="Arial"/>
+              </a:rPr>
+              <a:t>Click to edit the title text format</a:t>
+            </a:r>
+            <a:endParaRPr b="0" lang="en-US" sz="1800" strike="noStrike" u="none">
+              <a:solidFill>
+                <a:srgbClr val="000000"/>
+              </a:solidFill>
+              <a:uFillTx/>
+              <a:latin typeface="Arial"/>
+            </a:endParaRPr>
+          </a:p>
+        </p:txBody>
+      </p:sp>
+      <p:sp>
+        <p:nvSpPr>
+          <p:cNvPr id="322" name="PlaceHolder 2"/>
+          <p:cNvSpPr>
+            <a:spLocks noGrp="1"/>
+          </p:cNvSpPr>
+          <p:nvPr>
+            <p:ph type="body"/>
+          </p:nvPr>
+        </p:nvSpPr>
+        <p:spPr>
+          <a:xfrm>
+            <a:off x="484920" y="1604520"/>
+            <a:ext cx="8730360" cy="3976920"/>
+          </a:xfrm>
+          <a:prstGeom prst="rect">
+            <a:avLst/>
+          </a:prstGeom>
+          <a:noFill/>
+          <a:ln w="0">
+            <a:noFill/>
+          </a:ln>
+        </p:spPr>
+        <p:txBody>
+          <a:bodyPr lIns="0" rIns="0" tIns="0" bIns="0" anchor="t">
+            <a:normAutofit/>
+          </a:bodyPr>
+          <a:p>
+            <a:pPr marL="432000" indent="-324000">
+              <a:spcBef>
+                <a:spcPts val="1417"/>
+              </a:spcBef>
+              <a:buClr>
+                <a:srgbClr val="000000"/>
+              </a:buClr>
+              <a:buSzPct val="45000"/>
+              <a:buFont typeface="Wingdings" charset="2"/>
+              <a:buChar char=""/>
+            </a:pPr>
+            <a:r>
+              <a:rPr b="0" lang="en-US" sz="1800" strike="noStrike" u="none">
+                <a:solidFill>
+                  <a:srgbClr val="000000"/>
+                </a:solidFill>
+                <a:uFillTx/>
+                <a:latin typeface="Arial"/>
+              </a:rPr>
+              <a:t>Click to edit the outline text format</a:t>
+            </a:r>
+            <a:endParaRPr b="0" lang="en-US" sz="1800" strike="noStrike" u="none">
+              <a:solidFill>
+                <a:srgbClr val="000000"/>
+              </a:solidFill>
+              <a:uFillTx/>
+              <a:latin typeface="Arial"/>
+            </a:endParaRPr>
+          </a:p>
+          <a:p>
+            <a:pPr lvl="1" marL="864000" indent="-324000">
+              <a:spcBef>
+                <a:spcPts val="1134"/>
+              </a:spcBef>
+              <a:buClr>
+                <a:srgbClr val="000000"/>
+              </a:buClr>
+              <a:buSzPct val="75000"/>
+              <a:buFont typeface="Symbol" charset="2"/>
+              <a:buChar char=""/>
+            </a:pPr>
+            <a:r>
+              <a:rPr b="0" lang="en-US" sz="1800" strike="noStrike" u="none">
+                <a:solidFill>
+                  <a:srgbClr val="000000"/>
+                </a:solidFill>
+                <a:uFillTx/>
+                <a:latin typeface="Arial"/>
+              </a:rPr>
+              <a:t>Second Outline Level</a:t>
+            </a:r>
+            <a:endParaRPr b="0" lang="en-US" sz="1800" strike="noStrike" u="none">
+              <a:solidFill>
+                <a:srgbClr val="000000"/>
+              </a:solidFill>
+              <a:uFillTx/>
+              <a:latin typeface="Arial"/>
+            </a:endParaRPr>
+          </a:p>
+          <a:p>
+            <a:pPr lvl="2" marL="1296000" indent="-288000">
+              <a:spcBef>
+                <a:spcPts val="850"/>
+              </a:spcBef>
+              <a:buClr>
+                <a:srgbClr val="000000"/>
+              </a:buClr>
+              <a:buSzPct val="45000"/>
+              <a:buFont typeface="Wingdings" charset="2"/>
+              <a:buChar char=""/>
+            </a:pPr>
+            <a:r>
+              <a:rPr b="0" lang="en-US" sz="1800" strike="noStrike" u="none">
+                <a:solidFill>
+                  <a:srgbClr val="000000"/>
+                </a:solidFill>
+                <a:uFillTx/>
+                <a:latin typeface="Arial"/>
+              </a:rPr>
+              <a:t>Third Outline Level</a:t>
+            </a:r>
+            <a:endParaRPr b="0" lang="en-US" sz="1800" strike="noStrike" u="none">
+              <a:solidFill>
+                <a:srgbClr val="000000"/>
+              </a:solidFill>
+              <a:uFillTx/>
+              <a:latin typeface="Arial"/>
+            </a:endParaRPr>
+          </a:p>
+          <a:p>
+            <a:pPr lvl="3" marL="1728000" indent="-216000">
+              <a:spcBef>
+                <a:spcPts val="567"/>
+              </a:spcBef>
+              <a:buClr>
+                <a:srgbClr val="000000"/>
+              </a:buClr>
+              <a:buSzPct val="75000"/>
+              <a:buFont typeface="Symbol" charset="2"/>
+              <a:buChar char=""/>
+            </a:pPr>
+            <a:r>
+              <a:rPr b="0" lang="en-US" sz="1800" strike="noStrike" u="none">
+                <a:solidFill>
+                  <a:srgbClr val="000000"/>
+                </a:solidFill>
+                <a:uFillTx/>
+                <a:latin typeface="Arial"/>
+              </a:rPr>
+              <a:t>Fourth Outline Level</a:t>
+            </a:r>
+            <a:endParaRPr b="0" lang="en-US" sz="1800" strike="noStrike" u="none">
+              <a:solidFill>
+                <a:srgbClr val="000000"/>
+              </a:solidFill>
+              <a:uFillTx/>
+              <a:latin typeface="Arial"/>
+            </a:endParaRPr>
+          </a:p>
+          <a:p>
+            <a:pPr lvl="4" marL="2160000" indent="-216000">
+              <a:spcBef>
+                <a:spcPts val="283"/>
+              </a:spcBef>
+              <a:buClr>
+                <a:srgbClr val="000000"/>
+              </a:buClr>
+              <a:buSzPct val="45000"/>
+              <a:buFont typeface="Wingdings" charset="2"/>
+              <a:buChar char=""/>
+            </a:pPr>
+            <a:r>
+              <a:rPr b="0" lang="en-US" sz="1800" strike="noStrike" u="none">
+                <a:solidFill>
+                  <a:srgbClr val="000000"/>
+                </a:solidFill>
+                <a:uFillTx/>
+                <a:latin typeface="Arial"/>
+              </a:rPr>
+              <a:t>Fifth Outline Level</a:t>
+            </a:r>
+            <a:endParaRPr b="0" lang="en-US" sz="1800" strike="noStrike" u="none">
+              <a:solidFill>
+                <a:srgbClr val="000000"/>
+              </a:solidFill>
+              <a:uFillTx/>
+              <a:latin typeface="Arial"/>
+            </a:endParaRPr>
+          </a:p>
+          <a:p>
+            <a:pPr lvl="5" marL="2592000" indent="-216000">
+              <a:spcBef>
+                <a:spcPts val="283"/>
+              </a:spcBef>
+              <a:buClr>
+                <a:srgbClr val="000000"/>
+              </a:buClr>
+              <a:buSzPct val="45000"/>
+              <a:buFont typeface="Wingdings" charset="2"/>
+              <a:buChar char=""/>
+            </a:pPr>
+            <a:r>
+              <a:rPr b="0" lang="en-US" sz="1800" strike="noStrike" u="none">
+                <a:solidFill>
+                  <a:srgbClr val="000000"/>
+                </a:solidFill>
+                <a:uFillTx/>
+                <a:latin typeface="Arial"/>
+              </a:rPr>
+              <a:t>Sixth Outline Level</a:t>
+            </a:r>
+            <a:endParaRPr b="0" lang="en-US" sz="1800" strike="noStrike" u="none">
+              <a:solidFill>
+                <a:srgbClr val="000000"/>
+              </a:solidFill>
+              <a:uFillTx/>
+              <a:latin typeface="Arial"/>
+            </a:endParaRPr>
+          </a:p>
+          <a:p>
+            <a:pPr lvl="6" marL="3024000" indent="-216000">
+              <a:spcBef>
+                <a:spcPts val="283"/>
+              </a:spcBef>
+              <a:buClr>
+                <a:srgbClr val="000000"/>
+              </a:buClr>
+              <a:buSzPct val="45000"/>
+              <a:buFont typeface="Wingdings" charset="2"/>
+              <a:buChar char=""/>
+            </a:pPr>
+            <a:r>
+              <a:rPr b="0" lang="en-US" sz="1800" strike="noStrike" u="none">
+                <a:solidFill>
+                  <a:srgbClr val="000000"/>
+                </a:solidFill>
+                <a:uFillTx/>
+                <a:latin typeface="Arial"/>
+              </a:rPr>
+              <a:t>Seventh Outline Level</a:t>
+            </a:r>
+            <a:endParaRPr b="0" lang="en-US" sz="1800" strike="noStrike" u="none">
+              <a:solidFill>
+                <a:srgbClr val="000000"/>
+              </a:solidFill>
+              <a:uFillTx/>
+              <a:latin typeface="Arial"/>
+            </a:endParaRPr>
+          </a:p>
+        </p:txBody>
+      </p:sp>
+      <p:sp>
+        <p:nvSpPr>
+          <p:cNvPr id="323" name="PlaceHolder 3"/>
+          <p:cNvSpPr>
+            <a:spLocks noGrp="1"/>
+          </p:cNvSpPr>
+          <p:nvPr>
+            <p:ph type="ftr" idx="154"/>
+          </p:nvPr>
+        </p:nvSpPr>
+        <p:spPr>
+          <a:xfrm>
+            <a:off x="3213360" y="6356520"/>
+            <a:ext cx="3272760" cy="363600"/>
+          </a:xfrm>
+          <a:prstGeom prst="rect">
+            <a:avLst/>
+          </a:prstGeom>
+          <a:noFill/>
+          <a:ln w="0">
+            <a:noFill/>
+          </a:ln>
+        </p:spPr>
+        <p:txBody>
+          <a:bodyPr lIns="90000" rIns="90000" tIns="45000" bIns="45000" anchor="t">
+            <a:noAutofit/>
+          </a:bodyPr>
+          <a:lstStyle>
+            <a:lvl1pPr indent="0" algn="ctr">
+              <a:lnSpc>
+                <a:spcPct val="100000"/>
+              </a:lnSpc>
+              <a:buNone/>
+              <a:tabLst>
+                <a:tab algn="l" pos="0"/>
+              </a:tabLst>
+              <a:defRPr b="0" lang="en-US" sz="1400" strike="noStrike" u="none">
+                <a:solidFill>
+                  <a:srgbClr val="000000"/>
+                </a:solidFill>
+                <a:uFillTx/>
+                <a:latin typeface="Times New Roman"/>
+              </a:defRPr>
+            </a:lvl1pPr>
+          </a:lstStyle>
+          <a:p>
+            <a:pPr indent="0" algn="ctr">
+              <a:lnSpc>
+                <a:spcPct val="100000"/>
+              </a:lnSpc>
+              <a:buNone/>
+              <a:tabLst>
+                <a:tab algn="l" pos="0"/>
+              </a:tabLst>
+            </a:pPr>
+            <a:r>
+              <a:rPr b="0" lang="en-US" sz="1400" strike="noStrike" u="none">
+                <a:solidFill>
+                  <a:srgbClr val="000000"/>
+                </a:solidFill>
+                <a:uFillTx/>
+                <a:latin typeface="Times New Roman"/>
+              </a:rPr>
+              <a:t>&lt;footer&gt;</a:t>
+            </a:r>
+            <a:endParaRPr b="0" lang="en-US" sz="1400" strike="noStrike" u="none">
+              <a:solidFill>
+                <a:srgbClr val="000000"/>
+              </a:solidFill>
+              <a:uFillTx/>
+              <a:latin typeface="Times New Roman"/>
+            </a:endParaRPr>
+          </a:p>
+        </p:txBody>
+      </p:sp>
+      <p:sp>
+        <p:nvSpPr>
+          <p:cNvPr id="324" name="PlaceHolder 4"/>
+          <p:cNvSpPr>
+            <a:spLocks noGrp="1"/>
+          </p:cNvSpPr>
+          <p:nvPr>
+            <p:ph type="sldNum" idx="155"/>
+          </p:nvPr>
+        </p:nvSpPr>
+        <p:spPr>
+          <a:xfrm>
+            <a:off x="6851520" y="6356520"/>
+            <a:ext cx="2181240" cy="363600"/>
+          </a:xfrm>
+          <a:prstGeom prst="rect">
+            <a:avLst/>
+          </a:prstGeom>
+          <a:noFill/>
+          <a:ln w="0">
+            <a:noFill/>
+          </a:ln>
+        </p:spPr>
+        <p:txBody>
+          <a:bodyPr lIns="90000" rIns="90000" tIns="45000" bIns="45000" anchor="t">
+            <a:noAutofit/>
+          </a:bodyPr>
+          <a:lstStyle>
+            <a:lvl1pPr indent="0" defTabSz="914400">
+              <a:lnSpc>
+                <a:spcPct val="100000"/>
+              </a:lnSpc>
+              <a:buNone/>
+              <a:tabLst>
+                <a:tab algn="l" pos="0"/>
+              </a:tabLst>
+              <a:defRPr b="0" lang="pt-BR" sz="1800" strike="noStrike" u="none">
+                <a:solidFill>
+                  <a:schemeClr val="dk1"/>
+                </a:solidFill>
+                <a:uFillTx/>
+                <a:latin typeface="Calibri"/>
+              </a:defRPr>
+            </a:lvl1pPr>
+          </a:lstStyle>
+          <a:p>
+            <a:pPr indent="0" defTabSz="914400">
+              <a:lnSpc>
+                <a:spcPct val="100000"/>
+              </a:lnSpc>
+              <a:buNone/>
+              <a:tabLst>
+                <a:tab algn="l" pos="0"/>
+              </a:tabLst>
+            </a:pPr>
+            <a:fld id="{3D6A8249-86EF-4064-8E3B-170747022E99}" type="slidenum">
+              <a:rPr b="0" lang="pt-BR" sz="1800" strike="noStrike" u="none">
+                <a:solidFill>
+                  <a:schemeClr val="dk1"/>
+                </a:solidFill>
+                <a:uFillTx/>
+                <a:latin typeface="Calibri"/>
+              </a:rPr>
+              <a:t>&lt;number&gt;</a:t>
+            </a:fld>
+            <a:endParaRPr b="0" lang="en-US" sz="1800" strike="noStrike" u="none">
+              <a:solidFill>
+                <a:srgbClr val="000000"/>
+              </a:solidFill>
+              <a:uFillTx/>
+              <a:latin typeface="Times New Roman"/>
+            </a:endParaRPr>
+          </a:p>
+        </p:txBody>
+      </p:sp>
+      <p:sp>
+        <p:nvSpPr>
+          <p:cNvPr id="325" name="PlaceHolder 5"/>
+          <p:cNvSpPr>
+            <a:spLocks noGrp="1"/>
+          </p:cNvSpPr>
+          <p:nvPr>
+            <p:ph type="dt" idx="156"/>
+          </p:nvPr>
+        </p:nvSpPr>
+        <p:spPr>
+          <a:xfrm>
+            <a:off x="667080" y="6356520"/>
+            <a:ext cx="2181240" cy="363600"/>
+          </a:xfrm>
+          <a:prstGeom prst="rect">
+            <a:avLst/>
+          </a:prstGeom>
+          <a:noFill/>
+          <a:ln w="0">
+            <a:noFill/>
+          </a:ln>
+        </p:spPr>
+        <p:txBody>
+          <a:bodyPr lIns="90000" rIns="90000" tIns="45000" bIns="45000" anchor="t">
+            <a:noAutofit/>
+          </a:bodyPr>
+          <a:lstStyle>
+            <a:lvl1pPr indent="0">
+              <a:buNone/>
+              <a:defRPr b="0" lang="en-US" sz="1400" strike="noStrike" u="none">
+                <a:solidFill>
+                  <a:srgbClr val="000000"/>
+                </a:solidFill>
+                <a:uFillTx/>
+                <a:latin typeface="Times New Roman"/>
+              </a:defRPr>
+            </a:lvl1pPr>
+          </a:lstStyle>
+          <a:p>
+            <a:pPr indent="0">
+              <a:buNone/>
+            </a:pPr>
+            <a:r>
+              <a:rPr b="0" lang="en-US" sz="1400" strike="noStrike" u="none">
+                <a:solidFill>
+                  <a:srgbClr val="000000"/>
+                </a:solidFill>
+                <a:uFillTx/>
+                <a:latin typeface="Times New Roman"/>
+              </a:rPr>
+              <a:t>&lt;date/time&gt;</a:t>
+            </a:r>
+            <a:endParaRPr b="0" lang="en-US" sz="1400" strike="noStrike" u="none">
+              <a:solidFill>
+                <a:srgbClr val="000000"/>
+              </a:solidFill>
+              <a:uFillTx/>
+              <a:latin typeface="Times New Roman"/>
+            </a:endParaRPr>
+          </a:p>
+        </p:txBody>
+      </p:sp>
+    </p:spTree>
+  </p:cSld>
+  <p:clrMap bg1="lt1" tx1="dk1" bg2="lt2" tx2="dk2" accent1="accent1" accent2="accent2" accent3="accent3" accent4="accent4" accent5="accent5" accent6="accent6" hlink="hlink" folHlink="folHlink"/>
+  <p:sldLayoutIdLst>
+    <p:sldLayoutId id="2147483751" r:id="rId3"/>
+  </p:sldLayoutIdLst>
+</p:sldMaster>
+</file>
+
+<file path=ppt/slideMasters/slideMaster53.xml><?xml version="1.0" encoding="utf-8"?>
+<p:sldMaster xmlns:a="http://schemas.openxmlformats.org/drawingml/2006/main" xmlns:p="http://schemas.openxmlformats.org/presentationml/2006/main" xmlns:r="http://schemas.openxmlformats.org/officeDocument/2006/relationships" xmlns:p14="http://schemas.microsoft.com/office/powerpoint/2010/main" xmlns:p15="http://schemas.microsoft.com/office/powerpoint/2012/main" xmlns:mc="http://schemas.openxmlformats.org/markup-compatibility/2006">
+  <p:cSld>
+    <p:bg>
+      <p:bgPr>
+        <a:solidFill>
+          <a:srgbClr val="ffffff"/>
+        </a:solidFill>
+      </p:bgPr>
+    </p:bg>
+    <p:spTree>
+      <p:nvGrpSpPr>
+        <p:cNvPr id="1" name=""/>
+        <p:cNvGrpSpPr/>
+        <p:nvPr/>
+      </p:nvGrpSpPr>
+      <p:grpSpPr>
+        <a:xfrm>
+          <a:off x="0" y="0"/>
+          <a:ext cx="0" cy="0"/>
+          <a:chOff x="0" y="0"/>
+          <a:chExt cx="0" cy="0"/>
+        </a:xfrm>
+      </p:grpSpPr>
+      <p:pic>
+        <p:nvPicPr>
+          <p:cNvPr id="328" name="Imagem 4" descr="Diagrama, Desenho técnico&#10;&#10;Descrição gerada automaticamente"/>
+          <p:cNvPicPr/>
+          <p:nvPr/>
+        </p:nvPicPr>
+        <p:blipFill>
+          <a:blip r:embed="rId2"/>
+          <a:stretch/>
+        </p:blipFill>
+        <p:spPr>
+          <a:xfrm>
+            <a:off x="360" y="0"/>
+            <a:ext cx="9699480" cy="6856560"/>
+          </a:xfrm>
+          <a:prstGeom prst="rect">
+            <a:avLst/>
+          </a:prstGeom>
+          <a:ln w="0">
+            <a:noFill/>
+          </a:ln>
+        </p:spPr>
+      </p:pic>
+      <p:sp>
+        <p:nvSpPr>
+          <p:cNvPr id="329" name="Retângulo 1"/>
+          <p:cNvSpPr/>
+          <p:nvPr/>
+        </p:nvSpPr>
+        <p:spPr>
+          <a:xfrm rot="16200000">
+            <a:off x="-1763280" y="2942280"/>
+            <a:ext cx="3999960" cy="227160"/>
+          </a:xfrm>
+          <a:prstGeom prst="rect">
+            <a:avLst/>
+          </a:prstGeom>
+          <a:noFill/>
+          <a:ln w="0">
+            <a:noFill/>
+          </a:ln>
+        </p:spPr>
+        <p:style>
+          <a:lnRef idx="0"/>
+          <a:fillRef idx="0"/>
+          <a:effectRef idx="0"/>
+          <a:fontRef idx="minor"/>
+        </p:style>
+        <p:txBody>
+          <a:bodyPr lIns="90000" rIns="90000" tIns="45000" bIns="45000" anchor="t">
+            <a:spAutoFit/>
+          </a:bodyPr>
+          <a:p>
+            <a:pPr defTabSz="914400">
+              <a:lnSpc>
+                <a:spcPct val="100000"/>
+              </a:lnSpc>
+            </a:pPr>
+            <a:r>
+              <a:rPr b="0" lang="pt-BR" sz="900" strike="noStrike" u="none">
+                <a:solidFill>
+                  <a:schemeClr val="dk1"/>
+                </a:solidFill>
+                <a:uFillTx/>
+                <a:latin typeface="Aptos ExtraBold"/>
+              </a:rPr>
+              <a:t>LFSTS-DT-010 - Verso - Certificado de Capacitação Profissional</a:t>
+            </a:r>
+            <a:endParaRPr b="0" lang="en-US" sz="900" strike="noStrike" u="none">
+              <a:solidFill>
+                <a:srgbClr val="000000"/>
+              </a:solidFill>
+              <a:uFillTx/>
+              <a:latin typeface="Arial"/>
+            </a:endParaRPr>
+          </a:p>
+        </p:txBody>
+      </p:sp>
+      <p:sp>
+        <p:nvSpPr>
+          <p:cNvPr id="330" name="PlaceHolder 1"/>
+          <p:cNvSpPr>
+            <a:spLocks noGrp="1"/>
+          </p:cNvSpPr>
+          <p:nvPr>
+            <p:ph type="title"/>
+          </p:nvPr>
+        </p:nvSpPr>
+        <p:spPr>
+          <a:xfrm>
+            <a:off x="727560" y="1122480"/>
+            <a:ext cx="8244720" cy="2386080"/>
+          </a:xfrm>
+          <a:prstGeom prst="rect">
+            <a:avLst/>
+          </a:prstGeom>
+          <a:noFill/>
+          <a:ln w="0">
+            <a:noFill/>
+          </a:ln>
+        </p:spPr>
+        <p:txBody>
+          <a:bodyPr lIns="0" rIns="0" tIns="0" bIns="0" anchor="ctr">
+            <a:noAutofit/>
+          </a:bodyPr>
+          <a:p>
+            <a:pPr indent="0">
+              <a:buNone/>
+            </a:pPr>
+            <a:r>
+              <a:rPr b="0" lang="en-US" sz="1800" strike="noStrike" u="none">
+                <a:solidFill>
+                  <a:srgbClr val="000000"/>
+                </a:solidFill>
+                <a:uFillTx/>
+                <a:latin typeface="Arial"/>
+              </a:rPr>
+              <a:t>Click to edit the title text format</a:t>
+            </a:r>
+            <a:endParaRPr b="0" lang="en-US" sz="1800" strike="noStrike" u="none">
+              <a:solidFill>
+                <a:srgbClr val="000000"/>
+              </a:solidFill>
+              <a:uFillTx/>
+              <a:latin typeface="Arial"/>
+            </a:endParaRPr>
+          </a:p>
+        </p:txBody>
+      </p:sp>
+      <p:sp>
+        <p:nvSpPr>
+          <p:cNvPr id="331" name="PlaceHolder 2"/>
+          <p:cNvSpPr>
+            <a:spLocks noGrp="1"/>
+          </p:cNvSpPr>
+          <p:nvPr>
+            <p:ph type="body"/>
+          </p:nvPr>
+        </p:nvSpPr>
+        <p:spPr>
+          <a:xfrm>
+            <a:off x="484920" y="1604520"/>
+            <a:ext cx="4259880" cy="3976920"/>
+          </a:xfrm>
+          <a:prstGeom prst="rect">
+            <a:avLst/>
+          </a:prstGeom>
+          <a:noFill/>
+          <a:ln w="0">
+            <a:noFill/>
+          </a:ln>
+        </p:spPr>
+        <p:txBody>
+          <a:bodyPr lIns="0" rIns="0" tIns="0" bIns="0" anchor="t">
+            <a:normAutofit/>
+          </a:bodyPr>
+          <a:p>
+            <a:pPr marL="432000" indent="-324000">
+              <a:spcBef>
+                <a:spcPts val="1417"/>
+              </a:spcBef>
+              <a:buClr>
+                <a:srgbClr val="000000"/>
+              </a:buClr>
+              <a:buSzPct val="45000"/>
+              <a:buFont typeface="Wingdings" charset="2"/>
+              <a:buChar char=""/>
+            </a:pPr>
+            <a:r>
+              <a:rPr b="0" lang="en-US" sz="1800" strike="noStrike" u="none">
+                <a:solidFill>
+                  <a:srgbClr val="000000"/>
+                </a:solidFill>
+                <a:uFillTx/>
+                <a:latin typeface="Arial"/>
+              </a:rPr>
+              <a:t>Click to edit the outline text format</a:t>
+            </a:r>
+            <a:endParaRPr b="0" lang="en-US" sz="1800" strike="noStrike" u="none">
+              <a:solidFill>
+                <a:srgbClr val="000000"/>
+              </a:solidFill>
+              <a:uFillTx/>
+              <a:latin typeface="Arial"/>
+            </a:endParaRPr>
+          </a:p>
+          <a:p>
+            <a:pPr lvl="1" marL="864000" indent="-324000">
+              <a:spcBef>
+                <a:spcPts val="1134"/>
+              </a:spcBef>
+              <a:buClr>
+                <a:srgbClr val="000000"/>
+              </a:buClr>
+              <a:buSzPct val="75000"/>
+              <a:buFont typeface="Symbol" charset="2"/>
+              <a:buChar char=""/>
+            </a:pPr>
+            <a:r>
+              <a:rPr b="0" lang="en-US" sz="1800" strike="noStrike" u="none">
+                <a:solidFill>
+                  <a:srgbClr val="000000"/>
+                </a:solidFill>
+                <a:uFillTx/>
+                <a:latin typeface="Arial"/>
+              </a:rPr>
+              <a:t>Second Outline Level</a:t>
+            </a:r>
+            <a:endParaRPr b="0" lang="en-US" sz="1800" strike="noStrike" u="none">
+              <a:solidFill>
+                <a:srgbClr val="000000"/>
+              </a:solidFill>
+              <a:uFillTx/>
+              <a:latin typeface="Arial"/>
+            </a:endParaRPr>
+          </a:p>
+          <a:p>
+            <a:pPr lvl="2" marL="1296000" indent="-288000">
+              <a:spcBef>
+                <a:spcPts val="850"/>
+              </a:spcBef>
+              <a:buClr>
+                <a:srgbClr val="000000"/>
+              </a:buClr>
+              <a:buSzPct val="45000"/>
+              <a:buFont typeface="Wingdings" charset="2"/>
+              <a:buChar char=""/>
+            </a:pPr>
+            <a:r>
+              <a:rPr b="0" lang="en-US" sz="1800" strike="noStrike" u="none">
+                <a:solidFill>
+                  <a:srgbClr val="000000"/>
+                </a:solidFill>
+                <a:uFillTx/>
+                <a:latin typeface="Arial"/>
+              </a:rPr>
+              <a:t>Third Outline Level</a:t>
+            </a:r>
+            <a:endParaRPr b="0" lang="en-US" sz="1800" strike="noStrike" u="none">
+              <a:solidFill>
+                <a:srgbClr val="000000"/>
+              </a:solidFill>
+              <a:uFillTx/>
+              <a:latin typeface="Arial"/>
+            </a:endParaRPr>
+          </a:p>
+          <a:p>
+            <a:pPr lvl="3" marL="1728000" indent="-216000">
+              <a:spcBef>
+                <a:spcPts val="567"/>
+              </a:spcBef>
+              <a:buClr>
+                <a:srgbClr val="000000"/>
+              </a:buClr>
+              <a:buSzPct val="75000"/>
+              <a:buFont typeface="Symbol" charset="2"/>
+              <a:buChar char=""/>
+            </a:pPr>
+            <a:r>
+              <a:rPr b="0" lang="en-US" sz="1800" strike="noStrike" u="none">
+                <a:solidFill>
+                  <a:srgbClr val="000000"/>
+                </a:solidFill>
+                <a:uFillTx/>
+                <a:latin typeface="Arial"/>
+              </a:rPr>
+              <a:t>Fourth Outline Level</a:t>
+            </a:r>
+            <a:endParaRPr b="0" lang="en-US" sz="1800" strike="noStrike" u="none">
+              <a:solidFill>
+                <a:srgbClr val="000000"/>
+              </a:solidFill>
+              <a:uFillTx/>
+              <a:latin typeface="Arial"/>
+            </a:endParaRPr>
+          </a:p>
+          <a:p>
+            <a:pPr lvl="4" marL="2160000" indent="-216000">
+              <a:spcBef>
+                <a:spcPts val="283"/>
+              </a:spcBef>
+              <a:buClr>
+                <a:srgbClr val="000000"/>
+              </a:buClr>
+              <a:buSzPct val="45000"/>
+              <a:buFont typeface="Wingdings" charset="2"/>
+              <a:buChar char=""/>
+            </a:pPr>
+            <a:r>
+              <a:rPr b="0" lang="en-US" sz="1800" strike="noStrike" u="none">
+                <a:solidFill>
+                  <a:srgbClr val="000000"/>
+                </a:solidFill>
+                <a:uFillTx/>
+                <a:latin typeface="Arial"/>
+              </a:rPr>
+              <a:t>Fifth Outline Level</a:t>
+            </a:r>
+            <a:endParaRPr b="0" lang="en-US" sz="1800" strike="noStrike" u="none">
+              <a:solidFill>
+                <a:srgbClr val="000000"/>
+              </a:solidFill>
+              <a:uFillTx/>
+              <a:latin typeface="Arial"/>
+            </a:endParaRPr>
+          </a:p>
+          <a:p>
+            <a:pPr lvl="5" marL="2592000" indent="-216000">
+              <a:spcBef>
+                <a:spcPts val="283"/>
+              </a:spcBef>
+              <a:buClr>
+                <a:srgbClr val="000000"/>
+              </a:buClr>
+              <a:buSzPct val="45000"/>
+              <a:buFont typeface="Wingdings" charset="2"/>
+              <a:buChar char=""/>
+            </a:pPr>
+            <a:r>
+              <a:rPr b="0" lang="en-US" sz="1800" strike="noStrike" u="none">
+                <a:solidFill>
+                  <a:srgbClr val="000000"/>
+                </a:solidFill>
+                <a:uFillTx/>
+                <a:latin typeface="Arial"/>
+              </a:rPr>
+              <a:t>Sixth Outline Level</a:t>
+            </a:r>
+            <a:endParaRPr b="0" lang="en-US" sz="1800" strike="noStrike" u="none">
+              <a:solidFill>
+                <a:srgbClr val="000000"/>
+              </a:solidFill>
+              <a:uFillTx/>
+              <a:latin typeface="Arial"/>
+            </a:endParaRPr>
+          </a:p>
+          <a:p>
+            <a:pPr lvl="6" marL="3024000" indent="-216000">
+              <a:spcBef>
+                <a:spcPts val="283"/>
+              </a:spcBef>
+              <a:buClr>
+                <a:srgbClr val="000000"/>
+              </a:buClr>
+              <a:buSzPct val="45000"/>
+              <a:buFont typeface="Wingdings" charset="2"/>
+              <a:buChar char=""/>
+            </a:pPr>
+            <a:r>
+              <a:rPr b="0" lang="en-US" sz="1800" strike="noStrike" u="none">
+                <a:solidFill>
+                  <a:srgbClr val="000000"/>
+                </a:solidFill>
+                <a:uFillTx/>
+                <a:latin typeface="Arial"/>
+              </a:rPr>
+              <a:t>Seventh Outline Level</a:t>
+            </a:r>
+            <a:endParaRPr b="0" lang="en-US" sz="1800" strike="noStrike" u="none">
+              <a:solidFill>
+                <a:srgbClr val="000000"/>
+              </a:solidFill>
+              <a:uFillTx/>
+              <a:latin typeface="Arial"/>
+            </a:endParaRPr>
+          </a:p>
+        </p:txBody>
+      </p:sp>
+      <p:sp>
+        <p:nvSpPr>
+          <p:cNvPr id="332" name="PlaceHolder 3"/>
+          <p:cNvSpPr>
+            <a:spLocks noGrp="1"/>
+          </p:cNvSpPr>
+          <p:nvPr>
+            <p:ph type="body"/>
+          </p:nvPr>
+        </p:nvSpPr>
+        <p:spPr>
+          <a:xfrm>
+            <a:off x="4958640" y="1604520"/>
+            <a:ext cx="4259880" cy="3976920"/>
+          </a:xfrm>
+          <a:prstGeom prst="rect">
+            <a:avLst/>
+          </a:prstGeom>
+          <a:noFill/>
+          <a:ln w="0">
+            <a:noFill/>
+          </a:ln>
+        </p:spPr>
+        <p:txBody>
+          <a:bodyPr lIns="0" rIns="0" tIns="0" bIns="0" anchor="t">
+            <a:normAutofit/>
+          </a:bodyPr>
+          <a:p>
+            <a:pPr marL="432000" indent="-324000">
+              <a:spcBef>
+                <a:spcPts val="1417"/>
+              </a:spcBef>
+              <a:buClr>
+                <a:srgbClr val="000000"/>
+              </a:buClr>
+              <a:buSzPct val="45000"/>
+              <a:buFont typeface="Wingdings" charset="2"/>
+              <a:buChar char=""/>
+            </a:pPr>
+            <a:r>
+              <a:rPr b="0" lang="en-US" sz="1800" strike="noStrike" u="none">
+                <a:solidFill>
+                  <a:srgbClr val="000000"/>
+                </a:solidFill>
+                <a:uFillTx/>
+                <a:latin typeface="Arial"/>
+              </a:rPr>
+              <a:t>Click to edit the outline text format</a:t>
+            </a:r>
+            <a:endParaRPr b="0" lang="en-US" sz="1800" strike="noStrike" u="none">
+              <a:solidFill>
+                <a:srgbClr val="000000"/>
+              </a:solidFill>
+              <a:uFillTx/>
+              <a:latin typeface="Arial"/>
+            </a:endParaRPr>
+          </a:p>
+          <a:p>
+            <a:pPr lvl="1" marL="864000" indent="-324000">
+              <a:spcBef>
+                <a:spcPts val="1134"/>
+              </a:spcBef>
+              <a:buClr>
+                <a:srgbClr val="000000"/>
+              </a:buClr>
+              <a:buSzPct val="75000"/>
+              <a:buFont typeface="Symbol" charset="2"/>
+              <a:buChar char=""/>
+            </a:pPr>
+            <a:r>
+              <a:rPr b="0" lang="en-US" sz="1800" strike="noStrike" u="none">
+                <a:solidFill>
+                  <a:srgbClr val="000000"/>
+                </a:solidFill>
+                <a:uFillTx/>
+                <a:latin typeface="Arial"/>
+              </a:rPr>
+              <a:t>Second Outline Level</a:t>
+            </a:r>
+            <a:endParaRPr b="0" lang="en-US" sz="1800" strike="noStrike" u="none">
+              <a:solidFill>
+                <a:srgbClr val="000000"/>
+              </a:solidFill>
+              <a:uFillTx/>
+              <a:latin typeface="Arial"/>
+            </a:endParaRPr>
+          </a:p>
+          <a:p>
+            <a:pPr lvl="2" marL="1296000" indent="-288000">
+              <a:spcBef>
+                <a:spcPts val="850"/>
+              </a:spcBef>
+              <a:buClr>
+                <a:srgbClr val="000000"/>
+              </a:buClr>
+              <a:buSzPct val="45000"/>
+              <a:buFont typeface="Wingdings" charset="2"/>
+              <a:buChar char=""/>
+            </a:pPr>
+            <a:r>
+              <a:rPr b="0" lang="en-US" sz="1800" strike="noStrike" u="none">
+                <a:solidFill>
+                  <a:srgbClr val="000000"/>
+                </a:solidFill>
+                <a:uFillTx/>
+                <a:latin typeface="Arial"/>
+              </a:rPr>
+              <a:t>Third Outline Level</a:t>
+            </a:r>
+            <a:endParaRPr b="0" lang="en-US" sz="1800" strike="noStrike" u="none">
+              <a:solidFill>
+                <a:srgbClr val="000000"/>
+              </a:solidFill>
+              <a:uFillTx/>
+              <a:latin typeface="Arial"/>
+            </a:endParaRPr>
+          </a:p>
+          <a:p>
+            <a:pPr lvl="3" marL="1728000" indent="-216000">
+              <a:spcBef>
+                <a:spcPts val="567"/>
+              </a:spcBef>
+              <a:buClr>
+                <a:srgbClr val="000000"/>
+              </a:buClr>
+              <a:buSzPct val="75000"/>
+              <a:buFont typeface="Symbol" charset="2"/>
+              <a:buChar char=""/>
+            </a:pPr>
+            <a:r>
+              <a:rPr b="0" lang="en-US" sz="1800" strike="noStrike" u="none">
+                <a:solidFill>
+                  <a:srgbClr val="000000"/>
+                </a:solidFill>
+                <a:uFillTx/>
+                <a:latin typeface="Arial"/>
+              </a:rPr>
+              <a:t>Fourth Outline Level</a:t>
+            </a:r>
+            <a:endParaRPr b="0" lang="en-US" sz="1800" strike="noStrike" u="none">
+              <a:solidFill>
+                <a:srgbClr val="000000"/>
+              </a:solidFill>
+              <a:uFillTx/>
+              <a:latin typeface="Arial"/>
+            </a:endParaRPr>
+          </a:p>
+          <a:p>
+            <a:pPr lvl="4" marL="2160000" indent="-216000">
+              <a:spcBef>
+                <a:spcPts val="283"/>
+              </a:spcBef>
+              <a:buClr>
+                <a:srgbClr val="000000"/>
+              </a:buClr>
+              <a:buSzPct val="45000"/>
+              <a:buFont typeface="Wingdings" charset="2"/>
+              <a:buChar char=""/>
+            </a:pPr>
+            <a:r>
+              <a:rPr b="0" lang="en-US" sz="1800" strike="noStrike" u="none">
+                <a:solidFill>
+                  <a:srgbClr val="000000"/>
+                </a:solidFill>
+                <a:uFillTx/>
+                <a:latin typeface="Arial"/>
+              </a:rPr>
+              <a:t>Fifth Outline Level</a:t>
+            </a:r>
+            <a:endParaRPr b="0" lang="en-US" sz="1800" strike="noStrike" u="none">
+              <a:solidFill>
+                <a:srgbClr val="000000"/>
+              </a:solidFill>
+              <a:uFillTx/>
+              <a:latin typeface="Arial"/>
+            </a:endParaRPr>
+          </a:p>
+          <a:p>
+            <a:pPr lvl="5" marL="2592000" indent="-216000">
+              <a:spcBef>
+                <a:spcPts val="283"/>
+              </a:spcBef>
+              <a:buClr>
+                <a:srgbClr val="000000"/>
+              </a:buClr>
+              <a:buSzPct val="45000"/>
+              <a:buFont typeface="Wingdings" charset="2"/>
+              <a:buChar char=""/>
+            </a:pPr>
+            <a:r>
+              <a:rPr b="0" lang="en-US" sz="1800" strike="noStrike" u="none">
+                <a:solidFill>
+                  <a:srgbClr val="000000"/>
+                </a:solidFill>
+                <a:uFillTx/>
+                <a:latin typeface="Arial"/>
+              </a:rPr>
+              <a:t>Sixth Outline Level</a:t>
+            </a:r>
+            <a:endParaRPr b="0" lang="en-US" sz="1800" strike="noStrike" u="none">
+              <a:solidFill>
+                <a:srgbClr val="000000"/>
+              </a:solidFill>
+              <a:uFillTx/>
+              <a:latin typeface="Arial"/>
+            </a:endParaRPr>
+          </a:p>
+          <a:p>
+            <a:pPr lvl="6" marL="3024000" indent="-216000">
+              <a:spcBef>
+                <a:spcPts val="283"/>
+              </a:spcBef>
+              <a:buClr>
+                <a:srgbClr val="000000"/>
+              </a:buClr>
+              <a:buSzPct val="45000"/>
+              <a:buFont typeface="Wingdings" charset="2"/>
+              <a:buChar char=""/>
+            </a:pPr>
+            <a:r>
+              <a:rPr b="0" lang="en-US" sz="1800" strike="noStrike" u="none">
+                <a:solidFill>
+                  <a:srgbClr val="000000"/>
+                </a:solidFill>
+                <a:uFillTx/>
+                <a:latin typeface="Arial"/>
+              </a:rPr>
+              <a:t>Seventh Outline Level</a:t>
+            </a:r>
+            <a:endParaRPr b="0" lang="en-US" sz="1800" strike="noStrike" u="none">
+              <a:solidFill>
+                <a:srgbClr val="000000"/>
+              </a:solidFill>
+              <a:uFillTx/>
+              <a:latin typeface="Arial"/>
+            </a:endParaRPr>
+          </a:p>
+        </p:txBody>
+      </p:sp>
+      <p:sp>
+        <p:nvSpPr>
+          <p:cNvPr id="333" name="PlaceHolder 4"/>
+          <p:cNvSpPr>
+            <a:spLocks noGrp="1"/>
+          </p:cNvSpPr>
+          <p:nvPr>
+            <p:ph type="ftr" idx="157"/>
+          </p:nvPr>
+        </p:nvSpPr>
+        <p:spPr>
+          <a:xfrm>
+            <a:off x="3213360" y="6356520"/>
+            <a:ext cx="3272760" cy="363600"/>
+          </a:xfrm>
+          <a:prstGeom prst="rect">
+            <a:avLst/>
+          </a:prstGeom>
+          <a:noFill/>
+          <a:ln w="0">
+            <a:noFill/>
+          </a:ln>
+        </p:spPr>
+        <p:txBody>
+          <a:bodyPr lIns="90000" rIns="90000" tIns="45000" bIns="45000" anchor="t">
+            <a:noAutofit/>
+          </a:bodyPr>
+          <a:lstStyle>
+            <a:lvl1pPr indent="0" algn="ctr">
+              <a:lnSpc>
+                <a:spcPct val="100000"/>
+              </a:lnSpc>
+              <a:buNone/>
+              <a:tabLst>
+                <a:tab algn="l" pos="0"/>
+              </a:tabLst>
+              <a:defRPr b="0" lang="en-US" sz="1400" strike="noStrike" u="none">
+                <a:solidFill>
+                  <a:srgbClr val="000000"/>
+                </a:solidFill>
+                <a:uFillTx/>
+                <a:latin typeface="Times New Roman"/>
+              </a:defRPr>
+            </a:lvl1pPr>
+          </a:lstStyle>
+          <a:p>
+            <a:pPr indent="0" algn="ctr">
+              <a:lnSpc>
+                <a:spcPct val="100000"/>
+              </a:lnSpc>
+              <a:buNone/>
+              <a:tabLst>
+                <a:tab algn="l" pos="0"/>
+              </a:tabLst>
+            </a:pPr>
+            <a:r>
+              <a:rPr b="0" lang="en-US" sz="1400" strike="noStrike" u="none">
+                <a:solidFill>
+                  <a:srgbClr val="000000"/>
+                </a:solidFill>
+                <a:uFillTx/>
+                <a:latin typeface="Times New Roman"/>
+              </a:rPr>
+              <a:t>&lt;footer&gt;</a:t>
+            </a:r>
+            <a:endParaRPr b="0" lang="en-US" sz="1400" strike="noStrike" u="none">
+              <a:solidFill>
+                <a:srgbClr val="000000"/>
+              </a:solidFill>
+              <a:uFillTx/>
+              <a:latin typeface="Times New Roman"/>
+            </a:endParaRPr>
+          </a:p>
+        </p:txBody>
+      </p:sp>
+      <p:sp>
+        <p:nvSpPr>
+          <p:cNvPr id="334" name="PlaceHolder 5"/>
+          <p:cNvSpPr>
+            <a:spLocks noGrp="1"/>
+          </p:cNvSpPr>
+          <p:nvPr>
+            <p:ph type="sldNum" idx="158"/>
+          </p:nvPr>
+        </p:nvSpPr>
+        <p:spPr>
+          <a:xfrm>
+            <a:off x="6851520" y="6356520"/>
+            <a:ext cx="2181240" cy="363600"/>
+          </a:xfrm>
+          <a:prstGeom prst="rect">
+            <a:avLst/>
+          </a:prstGeom>
+          <a:noFill/>
+          <a:ln w="0">
+            <a:noFill/>
+          </a:ln>
+        </p:spPr>
+        <p:txBody>
+          <a:bodyPr lIns="90000" rIns="90000" tIns="45000" bIns="45000" anchor="t">
+            <a:noAutofit/>
+          </a:bodyPr>
+          <a:lstStyle>
+            <a:lvl1pPr indent="0" defTabSz="914400">
+              <a:lnSpc>
+                <a:spcPct val="100000"/>
+              </a:lnSpc>
+              <a:buNone/>
+              <a:tabLst>
+                <a:tab algn="l" pos="0"/>
+              </a:tabLst>
+              <a:defRPr b="0" lang="pt-BR" sz="1800" strike="noStrike" u="none">
+                <a:solidFill>
+                  <a:schemeClr val="dk1"/>
+                </a:solidFill>
+                <a:uFillTx/>
+                <a:latin typeface="Calibri"/>
+              </a:defRPr>
+            </a:lvl1pPr>
+          </a:lstStyle>
+          <a:p>
+            <a:pPr indent="0" defTabSz="914400">
+              <a:lnSpc>
+                <a:spcPct val="100000"/>
+              </a:lnSpc>
+              <a:buNone/>
+              <a:tabLst>
+                <a:tab algn="l" pos="0"/>
+              </a:tabLst>
+            </a:pPr>
+            <a:fld id="{B23C710C-F0E3-41C4-8CB9-E572D0988D12}" type="slidenum">
+              <a:rPr b="0" lang="pt-BR" sz="1800" strike="noStrike" u="none">
+                <a:solidFill>
+                  <a:schemeClr val="dk1"/>
+                </a:solidFill>
+                <a:uFillTx/>
+                <a:latin typeface="Calibri"/>
+              </a:rPr>
+              <a:t>&lt;number&gt;</a:t>
+            </a:fld>
+            <a:endParaRPr b="0" lang="en-US" sz="1800" strike="noStrike" u="none">
+              <a:solidFill>
+                <a:srgbClr val="000000"/>
+              </a:solidFill>
+              <a:uFillTx/>
+              <a:latin typeface="Times New Roman"/>
+            </a:endParaRPr>
+          </a:p>
+        </p:txBody>
+      </p:sp>
+      <p:sp>
+        <p:nvSpPr>
+          <p:cNvPr id="335" name="PlaceHolder 6"/>
+          <p:cNvSpPr>
+            <a:spLocks noGrp="1"/>
+          </p:cNvSpPr>
+          <p:nvPr>
+            <p:ph type="dt" idx="159"/>
+          </p:nvPr>
+        </p:nvSpPr>
+        <p:spPr>
+          <a:xfrm>
+            <a:off x="667080" y="6356520"/>
+            <a:ext cx="2181240" cy="363600"/>
+          </a:xfrm>
+          <a:prstGeom prst="rect">
+            <a:avLst/>
+          </a:prstGeom>
+          <a:noFill/>
+          <a:ln w="0">
+            <a:noFill/>
+          </a:ln>
+        </p:spPr>
+        <p:txBody>
+          <a:bodyPr lIns="90000" rIns="90000" tIns="45000" bIns="45000" anchor="t">
+            <a:noAutofit/>
+          </a:bodyPr>
+          <a:lstStyle>
+            <a:lvl1pPr indent="0">
+              <a:buNone/>
+              <a:defRPr b="0" lang="en-US" sz="1400" strike="noStrike" u="none">
+                <a:solidFill>
+                  <a:srgbClr val="000000"/>
+                </a:solidFill>
+                <a:uFillTx/>
+                <a:latin typeface="Times New Roman"/>
+              </a:defRPr>
+            </a:lvl1pPr>
+          </a:lstStyle>
+          <a:p>
+            <a:pPr indent="0">
+              <a:buNone/>
+            </a:pPr>
+            <a:r>
+              <a:rPr b="0" lang="en-US" sz="1400" strike="noStrike" u="none">
+                <a:solidFill>
+                  <a:srgbClr val="000000"/>
+                </a:solidFill>
+                <a:uFillTx/>
+                <a:latin typeface="Times New Roman"/>
+              </a:rPr>
+              <a:t>&lt;date/time&gt;</a:t>
+            </a:r>
+            <a:endParaRPr b="0" lang="en-US" sz="1400" strike="noStrike" u="none">
+              <a:solidFill>
+                <a:srgbClr val="000000"/>
+              </a:solidFill>
+              <a:uFillTx/>
+              <a:latin typeface="Times New Roman"/>
+            </a:endParaRPr>
+          </a:p>
+        </p:txBody>
+      </p:sp>
+    </p:spTree>
+  </p:cSld>
+  <p:clrMap bg1="lt1" tx1="dk1" bg2="lt2" tx2="dk2" accent1="accent1" accent2="accent2" accent3="accent3" accent4="accent4" accent5="accent5" accent6="accent6" hlink="hlink" folHlink="folHlink"/>
+  <p:sldLayoutIdLst>
+    <p:sldLayoutId id="2147483753" r:id="rId3"/>
+  </p:sldLayoutIdLst>
+</p:sldMaster>
+</file>
+
+<file path=ppt/slideMasters/slideMaster54.xml><?xml version="1.0" encoding="utf-8"?>
+<p:sldMaster xmlns:a="http://schemas.openxmlformats.org/drawingml/2006/main" xmlns:p="http://schemas.openxmlformats.org/presentationml/2006/main" xmlns:r="http://schemas.openxmlformats.org/officeDocument/2006/relationships" xmlns:p14="http://schemas.microsoft.com/office/powerpoint/2010/main" xmlns:p15="http://schemas.microsoft.com/office/powerpoint/2012/main" xmlns:mc="http://schemas.openxmlformats.org/markup-compatibility/2006">
+  <p:cSld>
+    <p:bg>
+      <p:bgPr>
+        <a:solidFill>
+          <a:srgbClr val="ffffff"/>
+        </a:solidFill>
+      </p:bgPr>
+    </p:bg>
+    <p:spTree>
+      <p:nvGrpSpPr>
+        <p:cNvPr id="1" name=""/>
+        <p:cNvGrpSpPr/>
+        <p:nvPr/>
+      </p:nvGrpSpPr>
+      <p:grpSpPr>
+        <a:xfrm>
+          <a:off x="0" y="0"/>
+          <a:ext cx="0" cy="0"/>
+          <a:chOff x="0" y="0"/>
+          <a:chExt cx="0" cy="0"/>
+        </a:xfrm>
+      </p:grpSpPr>
+      <p:pic>
+        <p:nvPicPr>
+          <p:cNvPr id="339" name="Imagem 4" descr="Diagrama, Desenho técnico&#10;&#10;Descrição gerada automaticamente"/>
+          <p:cNvPicPr/>
+          <p:nvPr/>
+        </p:nvPicPr>
+        <p:blipFill>
+          <a:blip r:embed="rId2"/>
+          <a:stretch/>
+        </p:blipFill>
+        <p:spPr>
+          <a:xfrm>
+            <a:off x="360" y="0"/>
+            <a:ext cx="9699480" cy="6856560"/>
+          </a:xfrm>
+          <a:prstGeom prst="rect">
+            <a:avLst/>
+          </a:prstGeom>
+          <a:ln w="0">
+            <a:noFill/>
+          </a:ln>
+        </p:spPr>
+      </p:pic>
+      <p:sp>
+        <p:nvSpPr>
+          <p:cNvPr id="340" name="Retângulo 1"/>
+          <p:cNvSpPr/>
+          <p:nvPr/>
+        </p:nvSpPr>
+        <p:spPr>
+          <a:xfrm rot="16200000">
+            <a:off x="-1763280" y="2942280"/>
+            <a:ext cx="3999960" cy="227160"/>
+          </a:xfrm>
+          <a:prstGeom prst="rect">
+            <a:avLst/>
+          </a:prstGeom>
+          <a:noFill/>
+          <a:ln w="0">
+            <a:noFill/>
+          </a:ln>
+        </p:spPr>
+        <p:style>
+          <a:lnRef idx="0"/>
+          <a:fillRef idx="0"/>
+          <a:effectRef idx="0"/>
+          <a:fontRef idx="minor"/>
+        </p:style>
+        <p:txBody>
+          <a:bodyPr lIns="90000" rIns="90000" tIns="45000" bIns="45000" anchor="t">
+            <a:spAutoFit/>
+          </a:bodyPr>
+          <a:p>
+            <a:pPr defTabSz="914400">
+              <a:lnSpc>
+                <a:spcPct val="100000"/>
+              </a:lnSpc>
+            </a:pPr>
+            <a:r>
+              <a:rPr b="0" lang="pt-BR" sz="900" strike="noStrike" u="none">
+                <a:solidFill>
+                  <a:schemeClr val="dk1"/>
+                </a:solidFill>
+                <a:uFillTx/>
+                <a:latin typeface="Aptos ExtraBold"/>
+              </a:rPr>
+              <a:t>LFSTS-DT-010 - Verso - Certificado de Capacitação Profissional</a:t>
+            </a:r>
+            <a:endParaRPr b="0" lang="en-US" sz="900" strike="noStrike" u="none">
+              <a:solidFill>
+                <a:srgbClr val="000000"/>
+              </a:solidFill>
+              <a:uFillTx/>
+              <a:latin typeface="Arial"/>
+            </a:endParaRPr>
+          </a:p>
+        </p:txBody>
+      </p:sp>
+      <p:sp>
+        <p:nvSpPr>
+          <p:cNvPr id="341" name="PlaceHolder 1"/>
+          <p:cNvSpPr>
+            <a:spLocks noGrp="1"/>
+          </p:cNvSpPr>
+          <p:nvPr>
+            <p:ph type="title"/>
+          </p:nvPr>
+        </p:nvSpPr>
+        <p:spPr>
+          <a:xfrm>
+            <a:off x="727560" y="1122480"/>
+            <a:ext cx="8244720" cy="2386080"/>
+          </a:xfrm>
+          <a:prstGeom prst="rect">
+            <a:avLst/>
+          </a:prstGeom>
+          <a:noFill/>
+          <a:ln w="0">
+            <a:noFill/>
+          </a:ln>
+        </p:spPr>
+        <p:txBody>
+          <a:bodyPr lIns="0" rIns="0" tIns="0" bIns="0" anchor="ctr">
+            <a:noAutofit/>
+          </a:bodyPr>
+          <a:p>
+            <a:pPr indent="0">
+              <a:buNone/>
+            </a:pPr>
+            <a:r>
+              <a:rPr b="0" lang="en-US" sz="1800" strike="noStrike" u="none">
+                <a:solidFill>
+                  <a:srgbClr val="000000"/>
+                </a:solidFill>
+                <a:uFillTx/>
+                <a:latin typeface="Arial"/>
+              </a:rPr>
+              <a:t>Click to edit the title text format</a:t>
+            </a:r>
+            <a:endParaRPr b="0" lang="en-US" sz="1800" strike="noStrike" u="none">
+              <a:solidFill>
+                <a:srgbClr val="000000"/>
+              </a:solidFill>
+              <a:uFillTx/>
+              <a:latin typeface="Arial"/>
+            </a:endParaRPr>
+          </a:p>
+        </p:txBody>
+      </p:sp>
+      <p:sp>
+        <p:nvSpPr>
+          <p:cNvPr id="342" name="PlaceHolder 2"/>
+          <p:cNvSpPr>
+            <a:spLocks noGrp="1"/>
+          </p:cNvSpPr>
+          <p:nvPr>
+            <p:ph type="ftr" idx="160"/>
+          </p:nvPr>
+        </p:nvSpPr>
+        <p:spPr>
+          <a:xfrm>
+            <a:off x="3213360" y="6356520"/>
+            <a:ext cx="3272760" cy="363600"/>
+          </a:xfrm>
+          <a:prstGeom prst="rect">
+            <a:avLst/>
+          </a:prstGeom>
+          <a:noFill/>
+          <a:ln w="0">
+            <a:noFill/>
+          </a:ln>
+        </p:spPr>
+        <p:txBody>
+          <a:bodyPr lIns="90000" rIns="90000" tIns="45000" bIns="45000" anchor="t">
+            <a:noAutofit/>
+          </a:bodyPr>
+          <a:lstStyle>
+            <a:lvl1pPr indent="0" algn="ctr">
+              <a:lnSpc>
+                <a:spcPct val="100000"/>
+              </a:lnSpc>
+              <a:buNone/>
+              <a:tabLst>
+                <a:tab algn="l" pos="0"/>
+              </a:tabLst>
+              <a:defRPr b="0" lang="en-US" sz="1400" strike="noStrike" u="none">
+                <a:solidFill>
+                  <a:srgbClr val="000000"/>
+                </a:solidFill>
+                <a:uFillTx/>
+                <a:latin typeface="Times New Roman"/>
+              </a:defRPr>
+            </a:lvl1pPr>
+          </a:lstStyle>
+          <a:p>
+            <a:pPr indent="0" algn="ctr">
+              <a:lnSpc>
+                <a:spcPct val="100000"/>
+              </a:lnSpc>
+              <a:buNone/>
+              <a:tabLst>
+                <a:tab algn="l" pos="0"/>
+              </a:tabLst>
+            </a:pPr>
+            <a:r>
+              <a:rPr b="0" lang="en-US" sz="1400" strike="noStrike" u="none">
+                <a:solidFill>
+                  <a:srgbClr val="000000"/>
+                </a:solidFill>
+                <a:uFillTx/>
+                <a:latin typeface="Times New Roman"/>
+              </a:rPr>
+              <a:t>&lt;footer&gt;</a:t>
+            </a:r>
+            <a:endParaRPr b="0" lang="en-US" sz="1400" strike="noStrike" u="none">
+              <a:solidFill>
+                <a:srgbClr val="000000"/>
+              </a:solidFill>
+              <a:uFillTx/>
+              <a:latin typeface="Times New Roman"/>
+            </a:endParaRPr>
+          </a:p>
+        </p:txBody>
+      </p:sp>
+      <p:sp>
+        <p:nvSpPr>
+          <p:cNvPr id="343" name="PlaceHolder 3"/>
+          <p:cNvSpPr>
+            <a:spLocks noGrp="1"/>
+          </p:cNvSpPr>
+          <p:nvPr>
+            <p:ph type="sldNum" idx="161"/>
+          </p:nvPr>
+        </p:nvSpPr>
+        <p:spPr>
+          <a:xfrm>
+            <a:off x="6851520" y="6356520"/>
+            <a:ext cx="2181240" cy="363600"/>
+          </a:xfrm>
+          <a:prstGeom prst="rect">
+            <a:avLst/>
+          </a:prstGeom>
+          <a:noFill/>
+          <a:ln w="0">
+            <a:noFill/>
+          </a:ln>
+        </p:spPr>
+        <p:txBody>
+          <a:bodyPr lIns="90000" rIns="90000" tIns="45000" bIns="45000" anchor="t">
+            <a:noAutofit/>
+          </a:bodyPr>
+          <a:lstStyle>
+            <a:lvl1pPr indent="0" defTabSz="914400">
+              <a:lnSpc>
+                <a:spcPct val="100000"/>
+              </a:lnSpc>
+              <a:buNone/>
+              <a:tabLst>
+                <a:tab algn="l" pos="0"/>
+              </a:tabLst>
+              <a:defRPr b="0" lang="pt-BR" sz="1800" strike="noStrike" u="none">
+                <a:solidFill>
+                  <a:schemeClr val="dk1"/>
+                </a:solidFill>
+                <a:uFillTx/>
+                <a:latin typeface="Calibri"/>
+              </a:defRPr>
+            </a:lvl1pPr>
+          </a:lstStyle>
+          <a:p>
+            <a:pPr indent="0" defTabSz="914400">
+              <a:lnSpc>
+                <a:spcPct val="100000"/>
+              </a:lnSpc>
+              <a:buNone/>
+              <a:tabLst>
+                <a:tab algn="l" pos="0"/>
+              </a:tabLst>
+            </a:pPr>
+            <a:fld id="{C101E275-A42E-4D89-BA69-5CC28958DD7F}" type="slidenum">
+              <a:rPr b="0" lang="pt-BR" sz="1800" strike="noStrike" u="none">
+                <a:solidFill>
+                  <a:schemeClr val="dk1"/>
+                </a:solidFill>
+                <a:uFillTx/>
+                <a:latin typeface="Calibri"/>
+              </a:rPr>
+              <a:t>&lt;number&gt;</a:t>
+            </a:fld>
+            <a:endParaRPr b="0" lang="en-US" sz="1800" strike="noStrike" u="none">
+              <a:solidFill>
+                <a:srgbClr val="000000"/>
+              </a:solidFill>
+              <a:uFillTx/>
+              <a:latin typeface="Times New Roman"/>
+            </a:endParaRPr>
+          </a:p>
+        </p:txBody>
+      </p:sp>
+      <p:sp>
+        <p:nvSpPr>
+          <p:cNvPr id="344" name="PlaceHolder 4"/>
+          <p:cNvSpPr>
+            <a:spLocks noGrp="1"/>
+          </p:cNvSpPr>
+          <p:nvPr>
+            <p:ph type="dt" idx="162"/>
+          </p:nvPr>
+        </p:nvSpPr>
+        <p:spPr>
+          <a:xfrm>
+            <a:off x="667080" y="6356520"/>
+            <a:ext cx="2181240" cy="363600"/>
+          </a:xfrm>
+          <a:prstGeom prst="rect">
+            <a:avLst/>
+          </a:prstGeom>
+          <a:noFill/>
+          <a:ln w="0">
+            <a:noFill/>
+          </a:ln>
+        </p:spPr>
+        <p:txBody>
+          <a:bodyPr lIns="90000" rIns="90000" tIns="45000" bIns="45000" anchor="t">
+            <a:noAutofit/>
+          </a:bodyPr>
+          <a:lstStyle>
+            <a:lvl1pPr indent="0">
+              <a:buNone/>
+              <a:defRPr b="0" lang="en-US" sz="1400" strike="noStrike" u="none">
+                <a:solidFill>
+                  <a:srgbClr val="000000"/>
+                </a:solidFill>
+                <a:uFillTx/>
+                <a:latin typeface="Times New Roman"/>
+              </a:defRPr>
+            </a:lvl1pPr>
+          </a:lstStyle>
+          <a:p>
+            <a:pPr indent="0">
+              <a:buNone/>
+            </a:pPr>
+            <a:r>
+              <a:rPr b="0" lang="en-US" sz="1400" strike="noStrike" u="none">
+                <a:solidFill>
+                  <a:srgbClr val="000000"/>
+                </a:solidFill>
+                <a:uFillTx/>
+                <a:latin typeface="Times New Roman"/>
+              </a:rPr>
+              <a:t>&lt;date/time&gt;</a:t>
+            </a:r>
+            <a:endParaRPr b="0" lang="en-US" sz="1400" strike="noStrike" u="none">
+              <a:solidFill>
+                <a:srgbClr val="000000"/>
+              </a:solidFill>
+              <a:uFillTx/>
+              <a:latin typeface="Times New Roman"/>
+            </a:endParaRPr>
+          </a:p>
+        </p:txBody>
+      </p:sp>
+    </p:spTree>
+  </p:cSld>
+  <p:clrMap bg1="lt1" tx1="dk1" bg2="lt2" tx2="dk2" accent1="accent1" accent2="accent2" accent3="accent3" accent4="accent4" accent5="accent5" accent6="accent6" hlink="hlink" folHlink="folHlink"/>
+  <p:sldLayoutIdLst>
+    <p:sldLayoutId id="2147483755" r:id="rId3"/>
+  </p:sldLayoutIdLst>
+</p:sldMaster>
+</file>
+
+<file path=ppt/slideMasters/slideMaster55.xml><?xml version="1.0" encoding="utf-8"?>
+<p:sldMaster xmlns:a="http://schemas.openxmlformats.org/drawingml/2006/main" xmlns:p="http://schemas.openxmlformats.org/presentationml/2006/main" xmlns:r="http://schemas.openxmlformats.org/officeDocument/2006/relationships" xmlns:p14="http://schemas.microsoft.com/office/powerpoint/2010/main" xmlns:p15="http://schemas.microsoft.com/office/powerpoint/2012/main" xmlns:mc="http://schemas.openxmlformats.org/markup-compatibility/2006">
+  <p:cSld>
+    <p:bg>
+      <p:bgPr>
+        <a:solidFill>
+          <a:srgbClr val="ffffff"/>
+        </a:solidFill>
+      </p:bgPr>
+    </p:bg>
+    <p:spTree>
+      <p:nvGrpSpPr>
+        <p:cNvPr id="1" name=""/>
+        <p:cNvGrpSpPr/>
+        <p:nvPr/>
+      </p:nvGrpSpPr>
+      <p:grpSpPr>
+        <a:xfrm>
+          <a:off x="0" y="0"/>
+          <a:ext cx="0" cy="0"/>
+          <a:chOff x="0" y="0"/>
+          <a:chExt cx="0" cy="0"/>
+        </a:xfrm>
+      </p:grpSpPr>
+      <p:pic>
+        <p:nvPicPr>
+          <p:cNvPr id="346" name="Imagem 4" descr="Diagrama, Desenho técnico&#10;&#10;Descrição gerada automaticamente"/>
+          <p:cNvPicPr/>
+          <p:nvPr/>
+        </p:nvPicPr>
+        <p:blipFill>
+          <a:blip r:embed="rId2"/>
+          <a:stretch/>
+        </p:blipFill>
+        <p:spPr>
+          <a:xfrm>
+            <a:off x="360" y="0"/>
+            <a:ext cx="9699480" cy="6856560"/>
+          </a:xfrm>
+          <a:prstGeom prst="rect">
+            <a:avLst/>
+          </a:prstGeom>
+          <a:ln w="0">
+            <a:noFill/>
+          </a:ln>
+        </p:spPr>
+      </p:pic>
+      <p:sp>
+        <p:nvSpPr>
+          <p:cNvPr id="347" name="Retângulo 1"/>
+          <p:cNvSpPr/>
+          <p:nvPr/>
+        </p:nvSpPr>
+        <p:spPr>
+          <a:xfrm rot="16200000">
+            <a:off x="-1763280" y="2942280"/>
+            <a:ext cx="3999960" cy="227160"/>
+          </a:xfrm>
+          <a:prstGeom prst="rect">
+            <a:avLst/>
+          </a:prstGeom>
+          <a:noFill/>
+          <a:ln w="0">
+            <a:noFill/>
+          </a:ln>
+        </p:spPr>
+        <p:style>
+          <a:lnRef idx="0"/>
+          <a:fillRef idx="0"/>
+          <a:effectRef idx="0"/>
+          <a:fontRef idx="minor"/>
+        </p:style>
+        <p:txBody>
+          <a:bodyPr lIns="90000" rIns="90000" tIns="45000" bIns="45000" anchor="t">
+            <a:spAutoFit/>
+          </a:bodyPr>
+          <a:p>
+            <a:pPr defTabSz="914400">
+              <a:lnSpc>
+                <a:spcPct val="100000"/>
+              </a:lnSpc>
+            </a:pPr>
+            <a:r>
+              <a:rPr b="0" lang="pt-BR" sz="900" strike="noStrike" u="none">
+                <a:solidFill>
+                  <a:schemeClr val="dk1"/>
+                </a:solidFill>
+                <a:uFillTx/>
+                <a:latin typeface="Aptos ExtraBold"/>
+              </a:rPr>
+              <a:t>LFSTS-DT-010 - Verso - Certificado de Capacitação Profissional</a:t>
+            </a:r>
+            <a:endParaRPr b="0" lang="en-US" sz="900" strike="noStrike" u="none">
+              <a:solidFill>
+                <a:srgbClr val="000000"/>
+              </a:solidFill>
+              <a:uFillTx/>
+              <a:latin typeface="Arial"/>
+            </a:endParaRPr>
+          </a:p>
+        </p:txBody>
+      </p:sp>
+      <p:sp>
+        <p:nvSpPr>
+          <p:cNvPr id="348" name="PlaceHolder 1"/>
+          <p:cNvSpPr>
+            <a:spLocks noGrp="1"/>
+          </p:cNvSpPr>
+          <p:nvPr>
+            <p:ph type="title"/>
+          </p:nvPr>
+        </p:nvSpPr>
+        <p:spPr>
+          <a:xfrm>
+            <a:off x="727560" y="1122480"/>
+            <a:ext cx="8244720" cy="2386080"/>
+          </a:xfrm>
+          <a:prstGeom prst="rect">
+            <a:avLst/>
+          </a:prstGeom>
+          <a:noFill/>
+          <a:ln w="0">
+            <a:noFill/>
+          </a:ln>
+        </p:spPr>
+        <p:txBody>
+          <a:bodyPr lIns="0" rIns="0" tIns="0" bIns="0" anchor="ctr">
+            <a:noAutofit/>
+          </a:bodyPr>
+          <a:p>
+            <a:pPr indent="0">
+              <a:buNone/>
+            </a:pPr>
+            <a:r>
+              <a:rPr b="0" lang="en-US" sz="1800" strike="noStrike" u="none">
+                <a:solidFill>
+                  <a:srgbClr val="000000"/>
+                </a:solidFill>
+                <a:uFillTx/>
+                <a:latin typeface="Arial"/>
+              </a:rPr>
+              <a:t>Click to edit the title text format</a:t>
+            </a:r>
+            <a:endParaRPr b="0" lang="en-US" sz="1800" strike="noStrike" u="none">
+              <a:solidFill>
+                <a:srgbClr val="000000"/>
+              </a:solidFill>
+              <a:uFillTx/>
+              <a:latin typeface="Arial"/>
+            </a:endParaRPr>
+          </a:p>
+        </p:txBody>
+      </p:sp>
+      <p:sp>
+        <p:nvSpPr>
+          <p:cNvPr id="349" name="PlaceHolder 2"/>
+          <p:cNvSpPr>
+            <a:spLocks noGrp="1"/>
+          </p:cNvSpPr>
+          <p:nvPr>
+            <p:ph type="ftr" idx="163"/>
+          </p:nvPr>
+        </p:nvSpPr>
+        <p:spPr>
+          <a:xfrm>
+            <a:off x="3213360" y="6356520"/>
+            <a:ext cx="3272760" cy="363600"/>
+          </a:xfrm>
+          <a:prstGeom prst="rect">
+            <a:avLst/>
+          </a:prstGeom>
+          <a:noFill/>
+          <a:ln w="0">
+            <a:noFill/>
+          </a:ln>
+        </p:spPr>
+        <p:txBody>
+          <a:bodyPr lIns="90000" rIns="90000" tIns="45000" bIns="45000" anchor="t">
+            <a:noAutofit/>
+          </a:bodyPr>
+          <a:lstStyle>
+            <a:lvl1pPr indent="0" algn="ctr">
+              <a:lnSpc>
+                <a:spcPct val="100000"/>
+              </a:lnSpc>
+              <a:buNone/>
+              <a:tabLst>
+                <a:tab algn="l" pos="0"/>
+              </a:tabLst>
+              <a:defRPr b="0" lang="en-US" sz="1400" strike="noStrike" u="none">
+                <a:solidFill>
+                  <a:srgbClr val="000000"/>
+                </a:solidFill>
+                <a:uFillTx/>
+                <a:latin typeface="Times New Roman"/>
+              </a:defRPr>
+            </a:lvl1pPr>
+          </a:lstStyle>
+          <a:p>
+            <a:pPr indent="0" algn="ctr">
+              <a:lnSpc>
+                <a:spcPct val="100000"/>
+              </a:lnSpc>
+              <a:buNone/>
+              <a:tabLst>
+                <a:tab algn="l" pos="0"/>
+              </a:tabLst>
+            </a:pPr>
+            <a:r>
+              <a:rPr b="0" lang="en-US" sz="1400" strike="noStrike" u="none">
+                <a:solidFill>
+                  <a:srgbClr val="000000"/>
+                </a:solidFill>
+                <a:uFillTx/>
+                <a:latin typeface="Times New Roman"/>
+              </a:rPr>
+              <a:t>&lt;footer&gt;</a:t>
+            </a:r>
+            <a:endParaRPr b="0" lang="en-US" sz="1400" strike="noStrike" u="none">
+              <a:solidFill>
+                <a:srgbClr val="000000"/>
+              </a:solidFill>
+              <a:uFillTx/>
+              <a:latin typeface="Times New Roman"/>
+            </a:endParaRPr>
+          </a:p>
+        </p:txBody>
+      </p:sp>
+      <p:sp>
+        <p:nvSpPr>
+          <p:cNvPr id="350" name="PlaceHolder 3"/>
+          <p:cNvSpPr>
+            <a:spLocks noGrp="1"/>
+          </p:cNvSpPr>
+          <p:nvPr>
+            <p:ph type="sldNum" idx="164"/>
+          </p:nvPr>
+        </p:nvSpPr>
+        <p:spPr>
+          <a:xfrm>
+            <a:off x="6851520" y="6356520"/>
+            <a:ext cx="2181240" cy="363600"/>
+          </a:xfrm>
+          <a:prstGeom prst="rect">
+            <a:avLst/>
+          </a:prstGeom>
+          <a:noFill/>
+          <a:ln w="0">
+            <a:noFill/>
+          </a:ln>
+        </p:spPr>
+        <p:txBody>
+          <a:bodyPr lIns="90000" rIns="90000" tIns="45000" bIns="45000" anchor="t">
+            <a:noAutofit/>
+          </a:bodyPr>
+          <a:lstStyle>
+            <a:lvl1pPr indent="0" defTabSz="914400">
+              <a:lnSpc>
+                <a:spcPct val="100000"/>
+              </a:lnSpc>
+              <a:buNone/>
+              <a:tabLst>
+                <a:tab algn="l" pos="0"/>
+              </a:tabLst>
+              <a:defRPr b="0" lang="pt-BR" sz="1800" strike="noStrike" u="none">
+                <a:solidFill>
+                  <a:schemeClr val="dk1"/>
+                </a:solidFill>
+                <a:uFillTx/>
+                <a:latin typeface="Calibri"/>
+              </a:defRPr>
+            </a:lvl1pPr>
+          </a:lstStyle>
+          <a:p>
+            <a:pPr indent="0" defTabSz="914400">
+              <a:lnSpc>
+                <a:spcPct val="100000"/>
+              </a:lnSpc>
+              <a:buNone/>
+              <a:tabLst>
+                <a:tab algn="l" pos="0"/>
+              </a:tabLst>
+            </a:pPr>
+            <a:fld id="{5A0A1FA6-68AC-45A3-B701-3DC9AC645BD4}" type="slidenum">
+              <a:rPr b="0" lang="pt-BR" sz="1800" strike="noStrike" u="none">
+                <a:solidFill>
+                  <a:schemeClr val="dk1"/>
+                </a:solidFill>
+                <a:uFillTx/>
+                <a:latin typeface="Calibri"/>
+              </a:rPr>
+              <a:t>&lt;number&gt;</a:t>
+            </a:fld>
+            <a:endParaRPr b="0" lang="en-US" sz="1800" strike="noStrike" u="none">
+              <a:solidFill>
+                <a:srgbClr val="000000"/>
+              </a:solidFill>
+              <a:uFillTx/>
+              <a:latin typeface="Times New Roman"/>
+            </a:endParaRPr>
+          </a:p>
+        </p:txBody>
+      </p:sp>
+      <p:sp>
+        <p:nvSpPr>
+          <p:cNvPr id="351" name="PlaceHolder 4"/>
+          <p:cNvSpPr>
+            <a:spLocks noGrp="1"/>
+          </p:cNvSpPr>
+          <p:nvPr>
+            <p:ph type="dt" idx="165"/>
+          </p:nvPr>
+        </p:nvSpPr>
+        <p:spPr>
+          <a:xfrm>
+            <a:off x="667080" y="6356520"/>
+            <a:ext cx="2181240" cy="363600"/>
+          </a:xfrm>
+          <a:prstGeom prst="rect">
+            <a:avLst/>
+          </a:prstGeom>
+          <a:noFill/>
+          <a:ln w="0">
+            <a:noFill/>
+          </a:ln>
+        </p:spPr>
+        <p:txBody>
+          <a:bodyPr lIns="90000" rIns="90000" tIns="45000" bIns="45000" anchor="t">
+            <a:noAutofit/>
+          </a:bodyPr>
+          <a:lstStyle>
+            <a:lvl1pPr indent="0">
+              <a:buNone/>
+              <a:defRPr b="0" lang="en-US" sz="1400" strike="noStrike" u="none">
+                <a:solidFill>
+                  <a:srgbClr val="000000"/>
+                </a:solidFill>
+                <a:uFillTx/>
+                <a:latin typeface="Times New Roman"/>
+              </a:defRPr>
+            </a:lvl1pPr>
+          </a:lstStyle>
+          <a:p>
+            <a:pPr indent="0">
+              <a:buNone/>
+            </a:pPr>
+            <a:r>
+              <a:rPr b="0" lang="en-US" sz="1400" strike="noStrike" u="none">
+                <a:solidFill>
+                  <a:srgbClr val="000000"/>
+                </a:solidFill>
+                <a:uFillTx/>
+                <a:latin typeface="Times New Roman"/>
+              </a:rPr>
+              <a:t>&lt;date/time&gt;</a:t>
+            </a:r>
+            <a:endParaRPr b="0" lang="en-US" sz="1400" strike="noStrike" u="none">
+              <a:solidFill>
+                <a:srgbClr val="000000"/>
+              </a:solidFill>
+              <a:uFillTx/>
+              <a:latin typeface="Times New Roman"/>
+            </a:endParaRPr>
+          </a:p>
+        </p:txBody>
+      </p:sp>
+      <p:sp>
+        <p:nvSpPr>
+          <p:cNvPr id="352" name="PlaceHolder 5"/>
+          <p:cNvSpPr>
+            <a:spLocks noGrp="1"/>
+          </p:cNvSpPr>
+          <p:nvPr>
+            <p:ph type="body"/>
+          </p:nvPr>
+        </p:nvSpPr>
+        <p:spPr>
+          <a:xfrm>
+            <a:off x="484920" y="1604520"/>
+            <a:ext cx="8730720" cy="3977280"/>
+          </a:xfrm>
+          <a:prstGeom prst="rect">
+            <a:avLst/>
+          </a:prstGeom>
+          <a:noFill/>
+          <a:ln w="0">
+            <a:noFill/>
+          </a:ln>
+        </p:spPr>
+        <p:txBody>
+          <a:bodyPr lIns="0" rIns="0" tIns="0" bIns="0" anchor="t">
+            <a:normAutofit/>
+          </a:bodyPr>
+          <a:p>
+            <a:pPr marL="432000" indent="-324000">
+              <a:spcBef>
+                <a:spcPts val="1417"/>
+              </a:spcBef>
+              <a:buClr>
+                <a:srgbClr val="000000"/>
+              </a:buClr>
+              <a:buSzPct val="45000"/>
+              <a:buFont typeface="Wingdings" charset="2"/>
+              <a:buChar char=""/>
+            </a:pPr>
+            <a:r>
+              <a:rPr b="0" lang="en-US" sz="3200" strike="noStrike" u="none">
+                <a:solidFill>
+                  <a:srgbClr val="000000"/>
+                </a:solidFill>
+                <a:uFillTx/>
+                <a:latin typeface="Arial"/>
+              </a:rPr>
+              <a:t>Click to edit the outline text format</a:t>
+            </a:r>
+            <a:endParaRPr b="0" lang="en-US" sz="3200" strike="noStrike" u="none">
+              <a:solidFill>
+                <a:srgbClr val="000000"/>
+              </a:solidFill>
+              <a:uFillTx/>
+              <a:latin typeface="Arial"/>
+            </a:endParaRPr>
+          </a:p>
+          <a:p>
+            <a:pPr lvl="1" marL="864000" indent="-324000">
+              <a:spcBef>
+                <a:spcPts val="1134"/>
+              </a:spcBef>
+              <a:buClr>
+                <a:srgbClr val="000000"/>
+              </a:buClr>
+              <a:buSzPct val="75000"/>
+              <a:buFont typeface="Symbol" charset="2"/>
+              <a:buChar char=""/>
+            </a:pPr>
+            <a:r>
+              <a:rPr b="0" lang="en-US" sz="2800" strike="noStrike" u="none">
+                <a:solidFill>
+                  <a:srgbClr val="000000"/>
+                </a:solidFill>
+                <a:uFillTx/>
+                <a:latin typeface="Arial"/>
+              </a:rPr>
+              <a:t>Second Outline Level</a:t>
+            </a:r>
+            <a:endParaRPr b="0" lang="en-US" sz="2800" strike="noStrike" u="none">
+              <a:solidFill>
+                <a:srgbClr val="000000"/>
+              </a:solidFill>
+              <a:uFillTx/>
+              <a:latin typeface="Arial"/>
+            </a:endParaRPr>
+          </a:p>
+          <a:p>
+            <a:pPr lvl="2" marL="1296000" indent="-288000">
+              <a:spcBef>
+                <a:spcPts val="850"/>
+              </a:spcBef>
+              <a:buClr>
+                <a:srgbClr val="000000"/>
+              </a:buClr>
+              <a:buSzPct val="45000"/>
+              <a:buFont typeface="Wingdings" charset="2"/>
+              <a:buChar char=""/>
+            </a:pPr>
+            <a:r>
+              <a:rPr b="0" lang="en-US" sz="2400" strike="noStrike" u="none">
+                <a:solidFill>
+                  <a:srgbClr val="000000"/>
+                </a:solidFill>
+                <a:uFillTx/>
+                <a:latin typeface="Arial"/>
+              </a:rPr>
+              <a:t>Third Outline Level</a:t>
+            </a:r>
+            <a:endParaRPr b="0" lang="en-US" sz="2400" strike="noStrike" u="none">
+              <a:solidFill>
+                <a:srgbClr val="000000"/>
+              </a:solidFill>
+              <a:uFillTx/>
+              <a:latin typeface="Arial"/>
+            </a:endParaRPr>
+          </a:p>
+          <a:p>
+            <a:pPr lvl="3" marL="1728000" indent="-216000">
+              <a:spcBef>
+                <a:spcPts val="567"/>
+              </a:spcBef>
+              <a:buClr>
+                <a:srgbClr val="000000"/>
+              </a:buClr>
+              <a:buSzPct val="75000"/>
+              <a:buFont typeface="Symbol" charset="2"/>
+              <a:buChar char=""/>
+            </a:pPr>
+            <a:r>
+              <a:rPr b="0" lang="en-US" sz="2000" strike="noStrike" u="none">
+                <a:solidFill>
+                  <a:srgbClr val="000000"/>
+                </a:solidFill>
+                <a:uFillTx/>
+                <a:latin typeface="Arial"/>
+              </a:rPr>
+              <a:t>Fourth Outline Level</a:t>
+            </a:r>
+            <a:endParaRPr b="0" lang="en-US" sz="2000" strike="noStrike" u="none">
+              <a:solidFill>
+                <a:srgbClr val="000000"/>
+              </a:solidFill>
+              <a:uFillTx/>
+              <a:latin typeface="Arial"/>
+            </a:endParaRPr>
+          </a:p>
+          <a:p>
+            <a:pPr lvl="4" marL="2160000" indent="-216000">
+              <a:spcBef>
+                <a:spcPts val="283"/>
+              </a:spcBef>
+              <a:buClr>
+                <a:srgbClr val="000000"/>
+              </a:buClr>
+              <a:buSzPct val="45000"/>
+              <a:buFont typeface="Wingdings" charset="2"/>
+              <a:buChar char=""/>
+            </a:pPr>
+            <a:r>
+              <a:rPr b="0" lang="en-US" sz="2000" strike="noStrike" u="none">
+                <a:solidFill>
+                  <a:srgbClr val="000000"/>
+                </a:solidFill>
+                <a:uFillTx/>
+                <a:latin typeface="Arial"/>
+              </a:rPr>
+              <a:t>Fifth Outline Level</a:t>
+            </a:r>
+            <a:endParaRPr b="0" lang="en-US" sz="2000" strike="noStrike" u="none">
+              <a:solidFill>
+                <a:srgbClr val="000000"/>
+              </a:solidFill>
+              <a:uFillTx/>
+              <a:latin typeface="Arial"/>
+            </a:endParaRPr>
+          </a:p>
+          <a:p>
+            <a:pPr lvl="5" marL="2592000" indent="-216000">
+              <a:spcBef>
+                <a:spcPts val="283"/>
+              </a:spcBef>
+              <a:buClr>
+                <a:srgbClr val="000000"/>
+              </a:buClr>
+              <a:buSzPct val="45000"/>
+              <a:buFont typeface="Wingdings" charset="2"/>
+              <a:buChar char=""/>
+            </a:pPr>
+            <a:r>
+              <a:rPr b="0" lang="en-US" sz="2000" strike="noStrike" u="none">
+                <a:solidFill>
+                  <a:srgbClr val="000000"/>
+                </a:solidFill>
+                <a:uFillTx/>
+                <a:latin typeface="Arial"/>
+              </a:rPr>
+              <a:t>Sixth Outline Level</a:t>
+            </a:r>
+            <a:endParaRPr b="0" lang="en-US" sz="2000" strike="noStrike" u="none">
+              <a:solidFill>
+                <a:srgbClr val="000000"/>
+              </a:solidFill>
+              <a:uFillTx/>
+              <a:latin typeface="Arial"/>
+            </a:endParaRPr>
+          </a:p>
+          <a:p>
+            <a:pPr lvl="6" marL="3024000" indent="-216000">
+              <a:spcBef>
+                <a:spcPts val="283"/>
+              </a:spcBef>
+              <a:buClr>
+                <a:srgbClr val="000000"/>
+              </a:buClr>
+              <a:buSzPct val="45000"/>
+              <a:buFont typeface="Wingdings" charset="2"/>
+              <a:buChar char=""/>
+            </a:pPr>
+            <a:r>
+              <a:rPr b="0" lang="en-US" sz="2000" strike="noStrike" u="none">
+                <a:solidFill>
+                  <a:srgbClr val="000000"/>
+                </a:solidFill>
+                <a:uFillTx/>
+                <a:latin typeface="Arial"/>
+              </a:rPr>
+              <a:t>Seventh Outline Level</a:t>
+            </a:r>
+            <a:endParaRPr b="0" lang="en-US" sz="2000" strike="noStrike" u="none">
+              <a:solidFill>
+                <a:srgbClr val="000000"/>
+              </a:solidFill>
+              <a:uFillTx/>
+              <a:latin typeface="Arial"/>
+            </a:endParaRPr>
+          </a:p>
+        </p:txBody>
+      </p:sp>
+    </p:spTree>
+  </p:cSld>
+  <p:clrMap bg1="lt1" tx1="dk1" bg2="lt2" tx2="dk2" accent1="accent1" accent2="accent2" accent3="accent3" accent4="accent4" accent5="accent5" accent6="accent6" hlink="hlink" folHlink="folHlink"/>
+  <p:sldLayoutIdLst>
+    <p:sldLayoutId id="2147483757" r:id="rId3"/>
+    <p:sldLayoutId id="2147483758" r:id="rId4"/>
+    <p:sldLayoutId id="2147483759" r:id="rId5"/>
+    <p:sldLayoutId id="2147483760" r:id="rId6"/>
+    <p:sldLayoutId id="2147483761" r:id="rId7"/>
+    <p:sldLayoutId id="2147483762" r:id="rId8"/>
+    <p:sldLayoutId id="2147483763" r:id="rId9"/>
   </p:sldLayoutIdLst>
 </p:sldMaster>
 </file>
@@ -26825,7 +30408,7 @@
         <p:spPr>
           <a:xfrm>
             <a:off x="360" y="0"/>
-            <a:ext cx="9699120" cy="6856200"/>
+            <a:ext cx="9698760" cy="6855840"/>
           </a:xfrm>
           <a:prstGeom prst="rect">
             <a:avLst/>
@@ -26844,7 +30427,7 @@
         <p:spPr>
           <a:xfrm>
             <a:off x="2697120" y="6330240"/>
-            <a:ext cx="3999600" cy="227160"/>
+            <a:ext cx="3999240" cy="227160"/>
           </a:xfrm>
           <a:prstGeom prst="rect">
             <a:avLst/>
@@ -26903,7 +30486,7 @@
         <p:spPr>
           <a:xfrm>
             <a:off x="3213360" y="6356520"/>
-            <a:ext cx="3272400" cy="363240"/>
+            <a:ext cx="3272040" cy="362880"/>
           </a:xfrm>
           <a:prstGeom prst="rect">
             <a:avLst/>
@@ -26978,7 +30561,7 @@
         <p:spPr>
           <a:xfrm>
             <a:off x="6851520" y="6356520"/>
-            <a:ext cx="2180880" cy="363240"/>
+            <a:ext cx="2180520" cy="362880"/>
           </a:xfrm>
           <a:prstGeom prst="rect">
             <a:avLst/>
@@ -27020,7 +30603,7 @@
                 <a:tab algn="l" pos="0"/>
               </a:tabLst>
             </a:pPr>
-            <a:fld id="{B99B6AB2-344A-495C-89FA-6F501E752E2E}" type="slidenum">
+            <a:fld id="{1489C94D-404E-4A0E-9E1F-54CD1F88F669}" type="slidenum">
               <a:rPr b="0" lang="pt-BR" sz="1800" strike="noStrike" u="none">
                 <a:solidFill>
                   <a:schemeClr val="dk1"/>
@@ -27053,7 +30636,7 @@
         <p:spPr>
           <a:xfrm>
             <a:off x="667080" y="6356520"/>
-            <a:ext cx="2180880" cy="363240"/>
+            <a:ext cx="2180520" cy="362880"/>
           </a:xfrm>
           <a:prstGeom prst="rect">
             <a:avLst/>
@@ -27149,7 +30732,7 @@
         <p:spPr>
           <a:xfrm>
             <a:off x="360" y="0"/>
-            <a:ext cx="9699120" cy="6856200"/>
+            <a:ext cx="9698760" cy="6855840"/>
           </a:xfrm>
           <a:prstGeom prst="rect">
             <a:avLst/>
@@ -27168,7 +30751,7 @@
         <p:spPr>
           <a:xfrm>
             <a:off x="2697120" y="6330240"/>
-            <a:ext cx="3999600" cy="227160"/>
+            <a:ext cx="3999240" cy="227160"/>
           </a:xfrm>
           <a:prstGeom prst="rect">
             <a:avLst/>
@@ -27227,7 +30810,7 @@
         <p:spPr>
           <a:xfrm>
             <a:off x="3213360" y="6356520"/>
-            <a:ext cx="3272400" cy="363240"/>
+            <a:ext cx="3272040" cy="362880"/>
           </a:xfrm>
           <a:prstGeom prst="rect">
             <a:avLst/>
@@ -27302,7 +30885,7 @@
         <p:spPr>
           <a:xfrm>
             <a:off x="6851520" y="6356520"/>
-            <a:ext cx="2180880" cy="363240"/>
+            <a:ext cx="2180520" cy="362880"/>
           </a:xfrm>
           <a:prstGeom prst="rect">
             <a:avLst/>
@@ -27344,7 +30927,7 @@
                 <a:tab algn="l" pos="0"/>
               </a:tabLst>
             </a:pPr>
-            <a:fld id="{392FDCCC-39F5-4DD6-9AF7-6EF9F803D1C4}" type="slidenum">
+            <a:fld id="{35D74E93-9FF8-4757-85CE-47353854FBF9}" type="slidenum">
               <a:rPr b="0" lang="pt-BR" sz="1800" strike="noStrike" u="none">
                 <a:solidFill>
                   <a:schemeClr val="dk1"/>
@@ -27377,7 +30960,7 @@
         <p:spPr>
           <a:xfrm>
             <a:off x="667080" y="6356520"/>
-            <a:ext cx="2180880" cy="363240"/>
+            <a:ext cx="2180520" cy="362880"/>
           </a:xfrm>
           <a:prstGeom prst="rect">
             <a:avLst/>
@@ -27473,7 +31056,7 @@
         <p:spPr>
           <a:xfrm>
             <a:off x="360" y="0"/>
-            <a:ext cx="9699120" cy="6856200"/>
+            <a:ext cx="9698760" cy="6855840"/>
           </a:xfrm>
           <a:prstGeom prst="rect">
             <a:avLst/>
@@ -27492,7 +31075,7 @@
         <p:spPr>
           <a:xfrm>
             <a:off x="2697120" y="6330240"/>
-            <a:ext cx="3999600" cy="227160"/>
+            <a:ext cx="3999240" cy="227160"/>
           </a:xfrm>
           <a:prstGeom prst="rect">
             <a:avLst/>
@@ -27551,7 +31134,7 @@
         <p:spPr>
           <a:xfrm>
             <a:off x="3213360" y="6356520"/>
-            <a:ext cx="3272400" cy="363240"/>
+            <a:ext cx="3272040" cy="362880"/>
           </a:xfrm>
           <a:prstGeom prst="rect">
             <a:avLst/>
@@ -27626,7 +31209,7 @@
         <p:spPr>
           <a:xfrm>
             <a:off x="6851520" y="6356520"/>
-            <a:ext cx="2180880" cy="363240"/>
+            <a:ext cx="2180520" cy="362880"/>
           </a:xfrm>
           <a:prstGeom prst="rect">
             <a:avLst/>
@@ -27668,7 +31251,7 @@
                 <a:tab algn="l" pos="0"/>
               </a:tabLst>
             </a:pPr>
-            <a:fld id="{C0CC6D98-C867-4D4C-81A7-CDDA6AD33956}" type="slidenum">
+            <a:fld id="{BBB6294A-A859-4E34-92D2-24274C381333}" type="slidenum">
               <a:rPr b="0" lang="pt-BR" sz="1800" strike="noStrike" u="none">
                 <a:solidFill>
                   <a:schemeClr val="dk1"/>
@@ -27701,7 +31284,7 @@
         <p:spPr>
           <a:xfrm>
             <a:off x="667080" y="6356520"/>
-            <a:ext cx="2180880" cy="363240"/>
+            <a:ext cx="2180520" cy="362880"/>
           </a:xfrm>
           <a:prstGeom prst="rect">
             <a:avLst/>
@@ -27797,7 +31380,7 @@
         <p:spPr>
           <a:xfrm>
             <a:off x="360" y="0"/>
-            <a:ext cx="9699120" cy="6856200"/>
+            <a:ext cx="9698760" cy="6855840"/>
           </a:xfrm>
           <a:prstGeom prst="rect">
             <a:avLst/>
@@ -27816,7 +31399,7 @@
         <p:spPr>
           <a:xfrm>
             <a:off x="2697120" y="6330240"/>
-            <a:ext cx="3999600" cy="227160"/>
+            <a:ext cx="3999240" cy="227160"/>
           </a:xfrm>
           <a:prstGeom prst="rect">
             <a:avLst/>
@@ -27875,7 +31458,7 @@
         <p:spPr>
           <a:xfrm>
             <a:off x="3213360" y="6356520"/>
-            <a:ext cx="3272400" cy="363240"/>
+            <a:ext cx="3272040" cy="362880"/>
           </a:xfrm>
           <a:prstGeom prst="rect">
             <a:avLst/>
@@ -27950,7 +31533,7 @@
         <p:spPr>
           <a:xfrm>
             <a:off x="6851520" y="6356520"/>
-            <a:ext cx="2180880" cy="363240"/>
+            <a:ext cx="2180520" cy="362880"/>
           </a:xfrm>
           <a:prstGeom prst="rect">
             <a:avLst/>
@@ -27992,7 +31575,7 @@
                 <a:tab algn="l" pos="0"/>
               </a:tabLst>
             </a:pPr>
-            <a:fld id="{FCC60A17-BD3E-474B-8263-2DBEB4162EA6}" type="slidenum">
+            <a:fld id="{DE062BB7-FD4D-42FF-B046-32E13FF0FDCB}" type="slidenum">
               <a:rPr b="0" lang="pt-BR" sz="1800" strike="noStrike" u="none">
                 <a:solidFill>
                   <a:schemeClr val="dk1"/>
@@ -28025,7 +31608,7 @@
         <p:spPr>
           <a:xfrm>
             <a:off x="667080" y="6356520"/>
-            <a:ext cx="2180880" cy="363240"/>
+            <a:ext cx="2180520" cy="362880"/>
           </a:xfrm>
           <a:prstGeom prst="rect">
             <a:avLst/>
@@ -28103,14 +31686,14 @@
       </p:grpSpPr>
       <p:sp>
         <p:nvSpPr>
-          <p:cNvPr id="319" name="CaixaDeTexto 3"/>
+          <p:cNvPr id="361" name="CaixaDeTexto 3"/>
           <p:cNvSpPr/>
           <p:nvPr/>
         </p:nvSpPr>
         <p:spPr>
           <a:xfrm>
             <a:off x="3124080" y="3243600"/>
-            <a:ext cx="6315840" cy="1172520"/>
+            <a:ext cx="6315480" cy="1172520"/>
           </a:xfrm>
           <a:prstGeom prst="rect">
             <a:avLst/>
@@ -28144,7 +31727,7 @@
                 <a:uFillTx/>
                 <a:latin typeface="Arial"/>
               </a:rPr>
-              <a:t>funcionário(a), portador(a) do CPF: </a:t>
+              <a:t>funcionário(a), portador(a) do CPF: [</a:t>
             </a:r>
             <a:r>
               <a:rPr b="0" lang="pt-BR" sz="1000" strike="noStrike" u="none">
@@ -28154,7 +31737,7 @@
                 <a:uFillTx/>
                 <a:latin typeface="Arial"/>
               </a:rPr>
-              <a:t>[cpf]</a:t>
+              <a:t>cpf]</a:t>
             </a:r>
             <a:r>
               <a:rPr b="0" lang="pt-BR" sz="1000" strike="noStrike" u="none">
@@ -28329,22 +31912,12 @@
             <a:r>
               <a:rPr b="0" lang="pt-BR" sz="1000" strike="noStrike" u="none">
                 <a:solidFill>
-                  <a:srgbClr val="ff0000"/>
+                  <a:schemeClr val="dk1"/>
                 </a:solidFill>
                 <a:uFillTx/>
                 <a:latin typeface="Arial"/>
               </a:rPr>
-              <a:t>,</a:t>
-            </a:r>
-            <a:r>
-              <a:rPr b="0" lang="pt-BR" sz="1000" strike="noStrike" u="none">
-                <a:solidFill>
-                  <a:schemeClr val="dk1"/>
-                </a:solidFill>
-                <a:uFillTx/>
-                <a:latin typeface="Arial"/>
-              </a:rPr>
-              <a:t> totalizando uma carga horária de </a:t>
+              <a:t>, totalizando uma carga horária de </a:t>
             </a:r>
             <a:r>
               <a:rPr b="0" lang="pt-BR" sz="1000" strike="noStrike" u="none">
@@ -28456,14 +32029,14 @@
       </p:sp>
       <p:sp>
         <p:nvSpPr>
-          <p:cNvPr id="320" name="CaixaDeTexto 4"/>
+          <p:cNvPr id="362" name="CaixaDeTexto 4"/>
           <p:cNvSpPr/>
           <p:nvPr/>
         </p:nvSpPr>
         <p:spPr>
           <a:xfrm>
             <a:off x="1348560" y="2489400"/>
-            <a:ext cx="9699480" cy="638280"/>
+            <a:ext cx="9699120" cy="638280"/>
           </a:xfrm>
           <a:prstGeom prst="rect">
             <a:avLst/>
@@ -28511,14 +32084,14 @@
       </p:sp>
       <p:sp>
         <p:nvSpPr>
-          <p:cNvPr id="321" name="Retângulo 5"/>
+          <p:cNvPr id="363" name="Retângulo 5"/>
           <p:cNvSpPr/>
           <p:nvPr/>
         </p:nvSpPr>
         <p:spPr>
           <a:xfrm>
             <a:off x="2697120" y="6520680"/>
-            <a:ext cx="3999600" cy="227160"/>
+            <a:ext cx="3999240" cy="227160"/>
           </a:xfrm>
           <a:prstGeom prst="rect">
             <a:avLst/>
@@ -28562,7 +32135,7 @@
                 <a:uFillTx/>
                 <a:latin typeface="Arial"/>
               </a:rPr>
-              <a:t>LFSTS  </a:t>
+              <a:t>LFSTS  [</a:t>
             </a:r>
             <a:r>
               <a:rPr b="1" lang="pt-BR" sz="900" strike="noStrike" u="none">
@@ -28572,7 +32145,7 @@
                 <a:uFillTx/>
                 <a:latin typeface="Arial"/>
               </a:rPr>
-              <a:t>[codigo]</a:t>
+              <a:t>codigo]</a:t>
             </a:r>
             <a:r>
               <a:rPr b="1" lang="pt-BR" sz="900" strike="noStrike" u="none">
@@ -28596,7 +32169,7 @@
       </p:sp>
       <p:graphicFrame>
         <p:nvGraphicFramePr>
-          <p:cNvPr id="322" name="Tabela 8"/>
+          <p:cNvPr id="364" name="Tabela 8"/>
           <p:cNvGraphicFramePr/>
           <p:nvPr/>
         </p:nvGraphicFramePr>
@@ -28839,14 +32412,14 @@
       </p:grpSpPr>
       <p:sp>
         <p:nvSpPr>
-          <p:cNvPr id="323" name="Retângulo 7"/>
+          <p:cNvPr id="365" name="Retângulo 7"/>
           <p:cNvSpPr/>
           <p:nvPr/>
         </p:nvSpPr>
         <p:spPr>
           <a:xfrm>
             <a:off x="2266560" y="538920"/>
-            <a:ext cx="6959160" cy="668880"/>
+            <a:ext cx="6958800" cy="668880"/>
           </a:xfrm>
           <a:prstGeom prst="rect">
             <a:avLst/>
@@ -28920,14 +32493,14 @@
       </p:sp>
       <p:sp>
         <p:nvSpPr>
-          <p:cNvPr id="324" name="CaixaDeTexto 5"/>
+          <p:cNvPr id="366" name="CaixaDeTexto 5"/>
           <p:cNvSpPr/>
           <p:nvPr/>
         </p:nvSpPr>
         <p:spPr>
           <a:xfrm>
             <a:off x="2778120" y="5698080"/>
-            <a:ext cx="4003920" cy="272520"/>
+            <a:ext cx="4003560" cy="272520"/>
           </a:xfrm>
           <a:prstGeom prst="rect">
             <a:avLst/>
@@ -29001,14 +32574,14 @@
       </p:sp>
       <p:sp>
         <p:nvSpPr>
-          <p:cNvPr id="325" name="CaixaDeTexto 6"/>
+          <p:cNvPr id="367" name="CaixaDeTexto 6"/>
           <p:cNvSpPr/>
           <p:nvPr/>
         </p:nvSpPr>
         <p:spPr>
           <a:xfrm>
             <a:off x="2635920" y="6114240"/>
-            <a:ext cx="4428000" cy="272520"/>
+            <a:ext cx="4427640" cy="272520"/>
           </a:xfrm>
           <a:prstGeom prst="rect">
             <a:avLst/>
@@ -29080,14 +32653,14 @@
       </p:sp>
       <p:sp>
         <p:nvSpPr>
-          <p:cNvPr id="326" name="Retângulo 2"/>
+          <p:cNvPr id="368" name="Retângulo 2"/>
           <p:cNvSpPr/>
           <p:nvPr/>
         </p:nvSpPr>
         <p:spPr>
           <a:xfrm>
             <a:off x="6878160" y="1698480"/>
-            <a:ext cx="2230920" cy="942120"/>
+            <a:ext cx="2230560" cy="942120"/>
           </a:xfrm>
           <a:prstGeom prst="rect">
             <a:avLst/>
@@ -29286,13 +32859,13 @@
       </p:sp>
       <p:graphicFrame>
         <p:nvGraphicFramePr>
-          <p:cNvPr id="327" name="Tabela 2"/>
+          <p:cNvPr id="369" name="Tabela 2"/>
           <p:cNvGraphicFramePr/>
           <p:nvPr/>
         </p:nvGraphicFramePr>
         <p:xfrm>
           <a:off x="315720" y="1707480"/>
-          <a:ext cx="6467040" cy="3024360"/>
+          <a:ext cx="6467040" cy="3024720"/>
         </p:xfrm>
         <a:graphic>
           <a:graphicData uri="http://schemas.openxmlformats.org/drawingml/2006/table">
@@ -29437,14 +33010,14 @@
       </p:graphicFrame>
       <p:sp>
         <p:nvSpPr>
-          <p:cNvPr id="328" name="Retângulo 4"/>
+          <p:cNvPr id="370" name="Retângulo 4"/>
           <p:cNvSpPr/>
           <p:nvPr/>
         </p:nvSpPr>
         <p:spPr>
           <a:xfrm>
             <a:off x="6878160" y="2760480"/>
-            <a:ext cx="2230920" cy="942120"/>
+            <a:ext cx="2230560" cy="942120"/>
           </a:xfrm>
           <a:prstGeom prst="rect">
             <a:avLst/>
@@ -37387,6 +40960,1038 @@
 </a:theme>
 </file>
 
+<file path=ppt/theme/theme50.xml><?xml version="1.0" encoding="utf-8"?>
+<a:theme xmlns:a="http://schemas.openxmlformats.org/drawingml/2006/main" xmlns:r="http://schemas.openxmlformats.org/officeDocument/2006/relationships" name="Tema do Office">
+  <a:themeElements>
+    <a:clrScheme name="Tema do Office">
+      <a:dk1>
+        <a:srgbClr val="000000"/>
+      </a:dk1>
+      <a:lt1>
+        <a:srgbClr val="ffffff"/>
+      </a:lt1>
+      <a:dk2>
+        <a:srgbClr val="44546a"/>
+      </a:dk2>
+      <a:lt2>
+        <a:srgbClr val="e7e6e6"/>
+      </a:lt2>
+      <a:accent1>
+        <a:srgbClr val="5b9bd5"/>
+      </a:accent1>
+      <a:accent2>
+        <a:srgbClr val="ed7d31"/>
+      </a:accent2>
+      <a:accent3>
+        <a:srgbClr val="a5a5a5"/>
+      </a:accent3>
+      <a:accent4>
+        <a:srgbClr val="ffc000"/>
+      </a:accent4>
+      <a:accent5>
+        <a:srgbClr val="4472c4"/>
+      </a:accent5>
+      <a:accent6>
+        <a:srgbClr val="70ad47"/>
+      </a:accent6>
+      <a:hlink>
+        <a:srgbClr val="0563c1"/>
+      </a:hlink>
+      <a:folHlink>
+        <a:srgbClr val="954f72"/>
+      </a:folHlink>
+    </a:clrScheme>
+    <a:fontScheme name="Tema do Office">
+      <a:majorFont>
+        <a:latin typeface="Calibri Light" panose="020F0302020204030204" pitchFamily="0" charset="1"/>
+        <a:ea typeface=""/>
+        <a:cs typeface=""/>
+      </a:majorFont>
+      <a:minorFont>
+        <a:latin typeface="Calibri" panose="020F0502020204030204" pitchFamily="0" charset="1"/>
+        <a:ea typeface=""/>
+        <a:cs typeface=""/>
+      </a:minorFont>
+    </a:fontScheme>
+    <a:fmtScheme>
+      <a:fillStyleLst>
+        <a:solidFill>
+          <a:schemeClr val="phClr"/>
+        </a:solidFill>
+        <a:gradFill>
+          <a:gsLst>
+            <a:gs pos="0">
+              <a:schemeClr val="phClr">
+                <a:lumMod val="110000"/>
+                <a:tint val="67000"/>
+              </a:schemeClr>
+            </a:gs>
+            <a:gs pos="50000">
+              <a:schemeClr val="phClr">
+                <a:lumMod val="105000"/>
+                <a:tint val="73000"/>
+              </a:schemeClr>
+            </a:gs>
+            <a:gs pos="100000">
+              <a:schemeClr val="phClr">
+                <a:lumMod val="105000"/>
+                <a:tint val="81000"/>
+              </a:schemeClr>
+            </a:gs>
+          </a:gsLst>
+          <a:lin ang="5400000" scaled="0"/>
+          <a:tileRect l="0" t="0" r="0" b="0"/>
+        </a:gradFill>
+        <a:gradFill>
+          <a:gsLst>
+            <a:gs pos="0">
+              <a:schemeClr val="phClr">
+                <a:lumMod val="102000"/>
+                <a:tint val="94000"/>
+              </a:schemeClr>
+            </a:gs>
+            <a:gs pos="50000">
+              <a:schemeClr val="phClr">
+                <a:lumMod val="100000"/>
+                <a:shade val="100000"/>
+              </a:schemeClr>
+            </a:gs>
+            <a:gs pos="100000">
+              <a:schemeClr val="phClr">
+                <a:lumMod val="99000"/>
+                <a:shade val="78000"/>
+              </a:schemeClr>
+            </a:gs>
+          </a:gsLst>
+          <a:lin ang="5400000" scaled="0"/>
+          <a:tileRect l="0" t="0" r="0" b="0"/>
+        </a:gradFill>
+      </a:fillStyleLst>
+      <a:lnStyleLst>
+        <a:ln w="6350" cap="flat" cmpd="sng" algn="ctr">
+          <a:prstDash val="solid"/>
+          <a:miter lim="800000"/>
+        </a:ln>
+        <a:ln w="12700" cap="flat" cmpd="sng" algn="ctr">
+          <a:prstDash val="solid"/>
+          <a:miter lim="800000"/>
+        </a:ln>
+        <a:ln w="19050" cap="flat" cmpd="sng" algn="ctr">
+          <a:prstDash val="solid"/>
+          <a:miter lim="800000"/>
+        </a:ln>
+      </a:lnStyleLst>
+      <a:effectStyleLst>
+        <a:effectStyle>
+          <a:effectLst/>
+        </a:effectStyle>
+        <a:effectStyle>
+          <a:effectLst/>
+        </a:effectStyle>
+        <a:effectStyle>
+          <a:effectLst/>
+        </a:effectStyle>
+      </a:effectStyleLst>
+      <a:bgFillStyleLst>
+        <a:solidFill>
+          <a:schemeClr val="phClr"/>
+        </a:solidFill>
+        <a:solidFill>
+          <a:schemeClr val="phClr">
+            <a:tint val="95000"/>
+          </a:schemeClr>
+        </a:solidFill>
+        <a:gradFill>
+          <a:gsLst>
+            <a:gs pos="0">
+              <a:schemeClr val="phClr">
+                <a:tint val="93000"/>
+                <a:shade val="98000"/>
+                <a:lumMod val="102000"/>
+              </a:schemeClr>
+            </a:gs>
+            <a:gs pos="50000">
+              <a:schemeClr val="phClr">
+                <a:tint val="98000"/>
+                <a:shade val="90000"/>
+                <a:lumMod val="103000"/>
+              </a:schemeClr>
+            </a:gs>
+            <a:gs pos="100000">
+              <a:schemeClr val="phClr">
+                <a:shade val="63000"/>
+              </a:schemeClr>
+            </a:gs>
+          </a:gsLst>
+          <a:lin ang="5400000" scaled="0"/>
+          <a:tileRect l="0" t="0" r="0" b="0"/>
+        </a:gradFill>
+      </a:bgFillStyleLst>
+    </a:fmtScheme>
+  </a:themeElements>
+</a:theme>
+</file>
+
+<file path=ppt/theme/theme51.xml><?xml version="1.0" encoding="utf-8"?>
+<a:theme xmlns:a="http://schemas.openxmlformats.org/drawingml/2006/main" xmlns:r="http://schemas.openxmlformats.org/officeDocument/2006/relationships" name="Tema do Office">
+  <a:themeElements>
+    <a:clrScheme name="Tema do Office">
+      <a:dk1>
+        <a:srgbClr val="000000"/>
+      </a:dk1>
+      <a:lt1>
+        <a:srgbClr val="ffffff"/>
+      </a:lt1>
+      <a:dk2>
+        <a:srgbClr val="44546a"/>
+      </a:dk2>
+      <a:lt2>
+        <a:srgbClr val="e7e6e6"/>
+      </a:lt2>
+      <a:accent1>
+        <a:srgbClr val="5b9bd5"/>
+      </a:accent1>
+      <a:accent2>
+        <a:srgbClr val="ed7d31"/>
+      </a:accent2>
+      <a:accent3>
+        <a:srgbClr val="a5a5a5"/>
+      </a:accent3>
+      <a:accent4>
+        <a:srgbClr val="ffc000"/>
+      </a:accent4>
+      <a:accent5>
+        <a:srgbClr val="4472c4"/>
+      </a:accent5>
+      <a:accent6>
+        <a:srgbClr val="70ad47"/>
+      </a:accent6>
+      <a:hlink>
+        <a:srgbClr val="0563c1"/>
+      </a:hlink>
+      <a:folHlink>
+        <a:srgbClr val="954f72"/>
+      </a:folHlink>
+    </a:clrScheme>
+    <a:fontScheme name="Tema do Office">
+      <a:majorFont>
+        <a:latin typeface="Calibri Light" panose="020F0302020204030204" pitchFamily="0" charset="1"/>
+        <a:ea typeface=""/>
+        <a:cs typeface=""/>
+      </a:majorFont>
+      <a:minorFont>
+        <a:latin typeface="Calibri" panose="020F0502020204030204" pitchFamily="0" charset="1"/>
+        <a:ea typeface=""/>
+        <a:cs typeface=""/>
+      </a:minorFont>
+    </a:fontScheme>
+    <a:fmtScheme>
+      <a:fillStyleLst>
+        <a:solidFill>
+          <a:schemeClr val="phClr"/>
+        </a:solidFill>
+        <a:gradFill>
+          <a:gsLst>
+            <a:gs pos="0">
+              <a:schemeClr val="phClr">
+                <a:lumMod val="110000"/>
+                <a:tint val="67000"/>
+              </a:schemeClr>
+            </a:gs>
+            <a:gs pos="50000">
+              <a:schemeClr val="phClr">
+                <a:lumMod val="105000"/>
+                <a:tint val="73000"/>
+              </a:schemeClr>
+            </a:gs>
+            <a:gs pos="100000">
+              <a:schemeClr val="phClr">
+                <a:lumMod val="105000"/>
+                <a:tint val="81000"/>
+              </a:schemeClr>
+            </a:gs>
+          </a:gsLst>
+          <a:lin ang="5400000" scaled="0"/>
+          <a:tileRect l="0" t="0" r="0" b="0"/>
+        </a:gradFill>
+        <a:gradFill>
+          <a:gsLst>
+            <a:gs pos="0">
+              <a:schemeClr val="phClr">
+                <a:lumMod val="102000"/>
+                <a:tint val="94000"/>
+              </a:schemeClr>
+            </a:gs>
+            <a:gs pos="50000">
+              <a:schemeClr val="phClr">
+                <a:lumMod val="100000"/>
+                <a:shade val="100000"/>
+              </a:schemeClr>
+            </a:gs>
+            <a:gs pos="100000">
+              <a:schemeClr val="phClr">
+                <a:lumMod val="99000"/>
+                <a:shade val="78000"/>
+              </a:schemeClr>
+            </a:gs>
+          </a:gsLst>
+          <a:lin ang="5400000" scaled="0"/>
+          <a:tileRect l="0" t="0" r="0" b="0"/>
+        </a:gradFill>
+      </a:fillStyleLst>
+      <a:lnStyleLst>
+        <a:ln w="6350" cap="flat" cmpd="sng" algn="ctr">
+          <a:prstDash val="solid"/>
+          <a:miter lim="800000"/>
+        </a:ln>
+        <a:ln w="12700" cap="flat" cmpd="sng" algn="ctr">
+          <a:prstDash val="solid"/>
+          <a:miter lim="800000"/>
+        </a:ln>
+        <a:ln w="19050" cap="flat" cmpd="sng" algn="ctr">
+          <a:prstDash val="solid"/>
+          <a:miter lim="800000"/>
+        </a:ln>
+      </a:lnStyleLst>
+      <a:effectStyleLst>
+        <a:effectStyle>
+          <a:effectLst/>
+        </a:effectStyle>
+        <a:effectStyle>
+          <a:effectLst/>
+        </a:effectStyle>
+        <a:effectStyle>
+          <a:effectLst/>
+        </a:effectStyle>
+      </a:effectStyleLst>
+      <a:bgFillStyleLst>
+        <a:solidFill>
+          <a:schemeClr val="phClr"/>
+        </a:solidFill>
+        <a:solidFill>
+          <a:schemeClr val="phClr">
+            <a:tint val="95000"/>
+          </a:schemeClr>
+        </a:solidFill>
+        <a:gradFill>
+          <a:gsLst>
+            <a:gs pos="0">
+              <a:schemeClr val="phClr">
+                <a:tint val="93000"/>
+                <a:shade val="98000"/>
+                <a:lumMod val="102000"/>
+              </a:schemeClr>
+            </a:gs>
+            <a:gs pos="50000">
+              <a:schemeClr val="phClr">
+                <a:tint val="98000"/>
+                <a:shade val="90000"/>
+                <a:lumMod val="103000"/>
+              </a:schemeClr>
+            </a:gs>
+            <a:gs pos="100000">
+              <a:schemeClr val="phClr">
+                <a:shade val="63000"/>
+              </a:schemeClr>
+            </a:gs>
+          </a:gsLst>
+          <a:lin ang="5400000" scaled="0"/>
+          <a:tileRect l="0" t="0" r="0" b="0"/>
+        </a:gradFill>
+      </a:bgFillStyleLst>
+    </a:fmtScheme>
+  </a:themeElements>
+</a:theme>
+</file>
+
+<file path=ppt/theme/theme52.xml><?xml version="1.0" encoding="utf-8"?>
+<a:theme xmlns:a="http://schemas.openxmlformats.org/drawingml/2006/main" xmlns:r="http://schemas.openxmlformats.org/officeDocument/2006/relationships" name="Tema do Office">
+  <a:themeElements>
+    <a:clrScheme name="Tema do Office">
+      <a:dk1>
+        <a:srgbClr val="000000"/>
+      </a:dk1>
+      <a:lt1>
+        <a:srgbClr val="ffffff"/>
+      </a:lt1>
+      <a:dk2>
+        <a:srgbClr val="44546a"/>
+      </a:dk2>
+      <a:lt2>
+        <a:srgbClr val="e7e6e6"/>
+      </a:lt2>
+      <a:accent1>
+        <a:srgbClr val="5b9bd5"/>
+      </a:accent1>
+      <a:accent2>
+        <a:srgbClr val="ed7d31"/>
+      </a:accent2>
+      <a:accent3>
+        <a:srgbClr val="a5a5a5"/>
+      </a:accent3>
+      <a:accent4>
+        <a:srgbClr val="ffc000"/>
+      </a:accent4>
+      <a:accent5>
+        <a:srgbClr val="4472c4"/>
+      </a:accent5>
+      <a:accent6>
+        <a:srgbClr val="70ad47"/>
+      </a:accent6>
+      <a:hlink>
+        <a:srgbClr val="0563c1"/>
+      </a:hlink>
+      <a:folHlink>
+        <a:srgbClr val="954f72"/>
+      </a:folHlink>
+    </a:clrScheme>
+    <a:fontScheme name="Tema do Office">
+      <a:majorFont>
+        <a:latin typeface="Calibri Light" panose="020F0302020204030204" pitchFamily="0" charset="1"/>
+        <a:ea typeface=""/>
+        <a:cs typeface=""/>
+      </a:majorFont>
+      <a:minorFont>
+        <a:latin typeface="Calibri" panose="020F0502020204030204" pitchFamily="0" charset="1"/>
+        <a:ea typeface=""/>
+        <a:cs typeface=""/>
+      </a:minorFont>
+    </a:fontScheme>
+    <a:fmtScheme>
+      <a:fillStyleLst>
+        <a:solidFill>
+          <a:schemeClr val="phClr"/>
+        </a:solidFill>
+        <a:gradFill>
+          <a:gsLst>
+            <a:gs pos="0">
+              <a:schemeClr val="phClr">
+                <a:lumMod val="110000"/>
+                <a:tint val="67000"/>
+              </a:schemeClr>
+            </a:gs>
+            <a:gs pos="50000">
+              <a:schemeClr val="phClr">
+                <a:lumMod val="105000"/>
+                <a:tint val="73000"/>
+              </a:schemeClr>
+            </a:gs>
+            <a:gs pos="100000">
+              <a:schemeClr val="phClr">
+                <a:lumMod val="105000"/>
+                <a:tint val="81000"/>
+              </a:schemeClr>
+            </a:gs>
+          </a:gsLst>
+          <a:lin ang="5400000" scaled="0"/>
+          <a:tileRect l="0" t="0" r="0" b="0"/>
+        </a:gradFill>
+        <a:gradFill>
+          <a:gsLst>
+            <a:gs pos="0">
+              <a:schemeClr val="phClr">
+                <a:lumMod val="102000"/>
+                <a:tint val="94000"/>
+              </a:schemeClr>
+            </a:gs>
+            <a:gs pos="50000">
+              <a:schemeClr val="phClr">
+                <a:lumMod val="100000"/>
+                <a:shade val="100000"/>
+              </a:schemeClr>
+            </a:gs>
+            <a:gs pos="100000">
+              <a:schemeClr val="phClr">
+                <a:lumMod val="99000"/>
+                <a:shade val="78000"/>
+              </a:schemeClr>
+            </a:gs>
+          </a:gsLst>
+          <a:lin ang="5400000" scaled="0"/>
+          <a:tileRect l="0" t="0" r="0" b="0"/>
+        </a:gradFill>
+      </a:fillStyleLst>
+      <a:lnStyleLst>
+        <a:ln w="6350" cap="flat" cmpd="sng" algn="ctr">
+          <a:prstDash val="solid"/>
+          <a:miter lim="800000"/>
+        </a:ln>
+        <a:ln w="12700" cap="flat" cmpd="sng" algn="ctr">
+          <a:prstDash val="solid"/>
+          <a:miter lim="800000"/>
+        </a:ln>
+        <a:ln w="19050" cap="flat" cmpd="sng" algn="ctr">
+          <a:prstDash val="solid"/>
+          <a:miter lim="800000"/>
+        </a:ln>
+      </a:lnStyleLst>
+      <a:effectStyleLst>
+        <a:effectStyle>
+          <a:effectLst/>
+        </a:effectStyle>
+        <a:effectStyle>
+          <a:effectLst/>
+        </a:effectStyle>
+        <a:effectStyle>
+          <a:effectLst/>
+        </a:effectStyle>
+      </a:effectStyleLst>
+      <a:bgFillStyleLst>
+        <a:solidFill>
+          <a:schemeClr val="phClr"/>
+        </a:solidFill>
+        <a:solidFill>
+          <a:schemeClr val="phClr">
+            <a:tint val="95000"/>
+          </a:schemeClr>
+        </a:solidFill>
+        <a:gradFill>
+          <a:gsLst>
+            <a:gs pos="0">
+              <a:schemeClr val="phClr">
+                <a:tint val="93000"/>
+                <a:shade val="98000"/>
+                <a:lumMod val="102000"/>
+              </a:schemeClr>
+            </a:gs>
+            <a:gs pos="50000">
+              <a:schemeClr val="phClr">
+                <a:tint val="98000"/>
+                <a:shade val="90000"/>
+                <a:lumMod val="103000"/>
+              </a:schemeClr>
+            </a:gs>
+            <a:gs pos="100000">
+              <a:schemeClr val="phClr">
+                <a:shade val="63000"/>
+              </a:schemeClr>
+            </a:gs>
+          </a:gsLst>
+          <a:lin ang="5400000" scaled="0"/>
+          <a:tileRect l="0" t="0" r="0" b="0"/>
+        </a:gradFill>
+      </a:bgFillStyleLst>
+    </a:fmtScheme>
+  </a:themeElements>
+</a:theme>
+</file>
+
+<file path=ppt/theme/theme53.xml><?xml version="1.0" encoding="utf-8"?>
+<a:theme xmlns:a="http://schemas.openxmlformats.org/drawingml/2006/main" xmlns:r="http://schemas.openxmlformats.org/officeDocument/2006/relationships" name="Tema do Office">
+  <a:themeElements>
+    <a:clrScheme name="Tema do Office">
+      <a:dk1>
+        <a:srgbClr val="000000"/>
+      </a:dk1>
+      <a:lt1>
+        <a:srgbClr val="ffffff"/>
+      </a:lt1>
+      <a:dk2>
+        <a:srgbClr val="44546a"/>
+      </a:dk2>
+      <a:lt2>
+        <a:srgbClr val="e7e6e6"/>
+      </a:lt2>
+      <a:accent1>
+        <a:srgbClr val="5b9bd5"/>
+      </a:accent1>
+      <a:accent2>
+        <a:srgbClr val="ed7d31"/>
+      </a:accent2>
+      <a:accent3>
+        <a:srgbClr val="a5a5a5"/>
+      </a:accent3>
+      <a:accent4>
+        <a:srgbClr val="ffc000"/>
+      </a:accent4>
+      <a:accent5>
+        <a:srgbClr val="4472c4"/>
+      </a:accent5>
+      <a:accent6>
+        <a:srgbClr val="70ad47"/>
+      </a:accent6>
+      <a:hlink>
+        <a:srgbClr val="0563c1"/>
+      </a:hlink>
+      <a:folHlink>
+        <a:srgbClr val="954f72"/>
+      </a:folHlink>
+    </a:clrScheme>
+    <a:fontScheme name="Tema do Office">
+      <a:majorFont>
+        <a:latin typeface="Calibri Light" panose="020F0302020204030204" pitchFamily="0" charset="1"/>
+        <a:ea typeface=""/>
+        <a:cs typeface=""/>
+      </a:majorFont>
+      <a:minorFont>
+        <a:latin typeface="Calibri" panose="020F0502020204030204" pitchFamily="0" charset="1"/>
+        <a:ea typeface=""/>
+        <a:cs typeface=""/>
+      </a:minorFont>
+    </a:fontScheme>
+    <a:fmtScheme>
+      <a:fillStyleLst>
+        <a:solidFill>
+          <a:schemeClr val="phClr"/>
+        </a:solidFill>
+        <a:gradFill>
+          <a:gsLst>
+            <a:gs pos="0">
+              <a:schemeClr val="phClr">
+                <a:lumMod val="110000"/>
+                <a:tint val="67000"/>
+              </a:schemeClr>
+            </a:gs>
+            <a:gs pos="50000">
+              <a:schemeClr val="phClr">
+                <a:lumMod val="105000"/>
+                <a:tint val="73000"/>
+              </a:schemeClr>
+            </a:gs>
+            <a:gs pos="100000">
+              <a:schemeClr val="phClr">
+                <a:lumMod val="105000"/>
+                <a:tint val="81000"/>
+              </a:schemeClr>
+            </a:gs>
+          </a:gsLst>
+          <a:lin ang="5400000" scaled="0"/>
+          <a:tileRect l="0" t="0" r="0" b="0"/>
+        </a:gradFill>
+        <a:gradFill>
+          <a:gsLst>
+            <a:gs pos="0">
+              <a:schemeClr val="phClr">
+                <a:lumMod val="102000"/>
+                <a:tint val="94000"/>
+              </a:schemeClr>
+            </a:gs>
+            <a:gs pos="50000">
+              <a:schemeClr val="phClr">
+                <a:lumMod val="100000"/>
+                <a:shade val="100000"/>
+              </a:schemeClr>
+            </a:gs>
+            <a:gs pos="100000">
+              <a:schemeClr val="phClr">
+                <a:lumMod val="99000"/>
+                <a:shade val="78000"/>
+              </a:schemeClr>
+            </a:gs>
+          </a:gsLst>
+          <a:lin ang="5400000" scaled="0"/>
+          <a:tileRect l="0" t="0" r="0" b="0"/>
+        </a:gradFill>
+      </a:fillStyleLst>
+      <a:lnStyleLst>
+        <a:ln w="6350" cap="flat" cmpd="sng" algn="ctr">
+          <a:prstDash val="solid"/>
+          <a:miter lim="800000"/>
+        </a:ln>
+        <a:ln w="12700" cap="flat" cmpd="sng" algn="ctr">
+          <a:prstDash val="solid"/>
+          <a:miter lim="800000"/>
+        </a:ln>
+        <a:ln w="19050" cap="flat" cmpd="sng" algn="ctr">
+          <a:prstDash val="solid"/>
+          <a:miter lim="800000"/>
+        </a:ln>
+      </a:lnStyleLst>
+      <a:effectStyleLst>
+        <a:effectStyle>
+          <a:effectLst/>
+        </a:effectStyle>
+        <a:effectStyle>
+          <a:effectLst/>
+        </a:effectStyle>
+        <a:effectStyle>
+          <a:effectLst/>
+        </a:effectStyle>
+      </a:effectStyleLst>
+      <a:bgFillStyleLst>
+        <a:solidFill>
+          <a:schemeClr val="phClr"/>
+        </a:solidFill>
+        <a:solidFill>
+          <a:schemeClr val="phClr">
+            <a:tint val="95000"/>
+          </a:schemeClr>
+        </a:solidFill>
+        <a:gradFill>
+          <a:gsLst>
+            <a:gs pos="0">
+              <a:schemeClr val="phClr">
+                <a:tint val="93000"/>
+                <a:shade val="98000"/>
+                <a:lumMod val="102000"/>
+              </a:schemeClr>
+            </a:gs>
+            <a:gs pos="50000">
+              <a:schemeClr val="phClr">
+                <a:tint val="98000"/>
+                <a:shade val="90000"/>
+                <a:lumMod val="103000"/>
+              </a:schemeClr>
+            </a:gs>
+            <a:gs pos="100000">
+              <a:schemeClr val="phClr">
+                <a:shade val="63000"/>
+              </a:schemeClr>
+            </a:gs>
+          </a:gsLst>
+          <a:lin ang="5400000" scaled="0"/>
+          <a:tileRect l="0" t="0" r="0" b="0"/>
+        </a:gradFill>
+      </a:bgFillStyleLst>
+    </a:fmtScheme>
+  </a:themeElements>
+</a:theme>
+</file>
+
+<file path=ppt/theme/theme54.xml><?xml version="1.0" encoding="utf-8"?>
+<a:theme xmlns:a="http://schemas.openxmlformats.org/drawingml/2006/main" xmlns:r="http://schemas.openxmlformats.org/officeDocument/2006/relationships" name="Tema do Office">
+  <a:themeElements>
+    <a:clrScheme name="Tema do Office">
+      <a:dk1>
+        <a:srgbClr val="000000"/>
+      </a:dk1>
+      <a:lt1>
+        <a:srgbClr val="ffffff"/>
+      </a:lt1>
+      <a:dk2>
+        <a:srgbClr val="44546a"/>
+      </a:dk2>
+      <a:lt2>
+        <a:srgbClr val="e7e6e6"/>
+      </a:lt2>
+      <a:accent1>
+        <a:srgbClr val="5b9bd5"/>
+      </a:accent1>
+      <a:accent2>
+        <a:srgbClr val="ed7d31"/>
+      </a:accent2>
+      <a:accent3>
+        <a:srgbClr val="a5a5a5"/>
+      </a:accent3>
+      <a:accent4>
+        <a:srgbClr val="ffc000"/>
+      </a:accent4>
+      <a:accent5>
+        <a:srgbClr val="4472c4"/>
+      </a:accent5>
+      <a:accent6>
+        <a:srgbClr val="70ad47"/>
+      </a:accent6>
+      <a:hlink>
+        <a:srgbClr val="0563c1"/>
+      </a:hlink>
+      <a:folHlink>
+        <a:srgbClr val="954f72"/>
+      </a:folHlink>
+    </a:clrScheme>
+    <a:fontScheme name="Tema do Office">
+      <a:majorFont>
+        <a:latin typeface="Calibri Light" panose="020F0302020204030204" pitchFamily="0" charset="1"/>
+        <a:ea typeface=""/>
+        <a:cs typeface=""/>
+      </a:majorFont>
+      <a:minorFont>
+        <a:latin typeface="Calibri" panose="020F0502020204030204" pitchFamily="0" charset="1"/>
+        <a:ea typeface=""/>
+        <a:cs typeface=""/>
+      </a:minorFont>
+    </a:fontScheme>
+    <a:fmtScheme>
+      <a:fillStyleLst>
+        <a:solidFill>
+          <a:schemeClr val="phClr"/>
+        </a:solidFill>
+        <a:gradFill>
+          <a:gsLst>
+            <a:gs pos="0">
+              <a:schemeClr val="phClr">
+                <a:lumMod val="110000"/>
+                <a:tint val="67000"/>
+              </a:schemeClr>
+            </a:gs>
+            <a:gs pos="50000">
+              <a:schemeClr val="phClr">
+                <a:lumMod val="105000"/>
+                <a:tint val="73000"/>
+              </a:schemeClr>
+            </a:gs>
+            <a:gs pos="100000">
+              <a:schemeClr val="phClr">
+                <a:lumMod val="105000"/>
+                <a:tint val="81000"/>
+              </a:schemeClr>
+            </a:gs>
+          </a:gsLst>
+          <a:lin ang="5400000" scaled="0"/>
+          <a:tileRect l="0" t="0" r="0" b="0"/>
+        </a:gradFill>
+        <a:gradFill>
+          <a:gsLst>
+            <a:gs pos="0">
+              <a:schemeClr val="phClr">
+                <a:lumMod val="102000"/>
+                <a:tint val="94000"/>
+              </a:schemeClr>
+            </a:gs>
+            <a:gs pos="50000">
+              <a:schemeClr val="phClr">
+                <a:lumMod val="100000"/>
+                <a:shade val="100000"/>
+              </a:schemeClr>
+            </a:gs>
+            <a:gs pos="100000">
+              <a:schemeClr val="phClr">
+                <a:lumMod val="99000"/>
+                <a:shade val="78000"/>
+              </a:schemeClr>
+            </a:gs>
+          </a:gsLst>
+          <a:lin ang="5400000" scaled="0"/>
+          <a:tileRect l="0" t="0" r="0" b="0"/>
+        </a:gradFill>
+      </a:fillStyleLst>
+      <a:lnStyleLst>
+        <a:ln w="6350" cap="flat" cmpd="sng" algn="ctr">
+          <a:prstDash val="solid"/>
+          <a:miter lim="800000"/>
+        </a:ln>
+        <a:ln w="12700" cap="flat" cmpd="sng" algn="ctr">
+          <a:prstDash val="solid"/>
+          <a:miter lim="800000"/>
+        </a:ln>
+        <a:ln w="19050" cap="flat" cmpd="sng" algn="ctr">
+          <a:prstDash val="solid"/>
+          <a:miter lim="800000"/>
+        </a:ln>
+      </a:lnStyleLst>
+      <a:effectStyleLst>
+        <a:effectStyle>
+          <a:effectLst/>
+        </a:effectStyle>
+        <a:effectStyle>
+          <a:effectLst/>
+        </a:effectStyle>
+        <a:effectStyle>
+          <a:effectLst/>
+        </a:effectStyle>
+      </a:effectStyleLst>
+      <a:bgFillStyleLst>
+        <a:solidFill>
+          <a:schemeClr val="phClr"/>
+        </a:solidFill>
+        <a:solidFill>
+          <a:schemeClr val="phClr">
+            <a:tint val="95000"/>
+          </a:schemeClr>
+        </a:solidFill>
+        <a:gradFill>
+          <a:gsLst>
+            <a:gs pos="0">
+              <a:schemeClr val="phClr">
+                <a:tint val="93000"/>
+                <a:shade val="98000"/>
+                <a:lumMod val="102000"/>
+              </a:schemeClr>
+            </a:gs>
+            <a:gs pos="50000">
+              <a:schemeClr val="phClr">
+                <a:tint val="98000"/>
+                <a:shade val="90000"/>
+                <a:lumMod val="103000"/>
+              </a:schemeClr>
+            </a:gs>
+            <a:gs pos="100000">
+              <a:schemeClr val="phClr">
+                <a:shade val="63000"/>
+              </a:schemeClr>
+            </a:gs>
+          </a:gsLst>
+          <a:lin ang="5400000" scaled="0"/>
+          <a:tileRect l="0" t="0" r="0" b="0"/>
+        </a:gradFill>
+      </a:bgFillStyleLst>
+    </a:fmtScheme>
+  </a:themeElements>
+</a:theme>
+</file>
+
+<file path=ppt/theme/theme55.xml><?xml version="1.0" encoding="utf-8"?>
+<a:theme xmlns:a="http://schemas.openxmlformats.org/drawingml/2006/main" xmlns:r="http://schemas.openxmlformats.org/officeDocument/2006/relationships" name="Tema do Office">
+  <a:themeElements>
+    <a:clrScheme name="Tema do Office">
+      <a:dk1>
+        <a:srgbClr val="000000"/>
+      </a:dk1>
+      <a:lt1>
+        <a:srgbClr val="ffffff"/>
+      </a:lt1>
+      <a:dk2>
+        <a:srgbClr val="44546a"/>
+      </a:dk2>
+      <a:lt2>
+        <a:srgbClr val="e7e6e6"/>
+      </a:lt2>
+      <a:accent1>
+        <a:srgbClr val="5b9bd5"/>
+      </a:accent1>
+      <a:accent2>
+        <a:srgbClr val="ed7d31"/>
+      </a:accent2>
+      <a:accent3>
+        <a:srgbClr val="a5a5a5"/>
+      </a:accent3>
+      <a:accent4>
+        <a:srgbClr val="ffc000"/>
+      </a:accent4>
+      <a:accent5>
+        <a:srgbClr val="4472c4"/>
+      </a:accent5>
+      <a:accent6>
+        <a:srgbClr val="70ad47"/>
+      </a:accent6>
+      <a:hlink>
+        <a:srgbClr val="0563c1"/>
+      </a:hlink>
+      <a:folHlink>
+        <a:srgbClr val="954f72"/>
+      </a:folHlink>
+    </a:clrScheme>
+    <a:fontScheme name="Tema do Office">
+      <a:majorFont>
+        <a:latin typeface="Calibri Light" panose="020F0302020204030204" pitchFamily="0" charset="1"/>
+        <a:ea typeface=""/>
+        <a:cs typeface=""/>
+      </a:majorFont>
+      <a:minorFont>
+        <a:latin typeface="Calibri" panose="020F0502020204030204" pitchFamily="0" charset="1"/>
+        <a:ea typeface=""/>
+        <a:cs typeface=""/>
+      </a:minorFont>
+    </a:fontScheme>
+    <a:fmtScheme>
+      <a:fillStyleLst>
+        <a:solidFill>
+          <a:schemeClr val="phClr"/>
+        </a:solidFill>
+        <a:gradFill>
+          <a:gsLst>
+            <a:gs pos="0">
+              <a:schemeClr val="phClr">
+                <a:lumMod val="110000"/>
+                <a:tint val="67000"/>
+              </a:schemeClr>
+            </a:gs>
+            <a:gs pos="50000">
+              <a:schemeClr val="phClr">
+                <a:lumMod val="105000"/>
+                <a:tint val="73000"/>
+              </a:schemeClr>
+            </a:gs>
+            <a:gs pos="100000">
+              <a:schemeClr val="phClr">
+                <a:lumMod val="105000"/>
+                <a:tint val="81000"/>
+              </a:schemeClr>
+            </a:gs>
+          </a:gsLst>
+          <a:lin ang="5400000" scaled="0"/>
+          <a:tileRect l="0" t="0" r="0" b="0"/>
+        </a:gradFill>
+        <a:gradFill>
+          <a:gsLst>
+            <a:gs pos="0">
+              <a:schemeClr val="phClr">
+                <a:lumMod val="102000"/>
+                <a:tint val="94000"/>
+              </a:schemeClr>
+            </a:gs>
+            <a:gs pos="50000">
+              <a:schemeClr val="phClr">
+                <a:lumMod val="100000"/>
+                <a:shade val="100000"/>
+              </a:schemeClr>
+            </a:gs>
+            <a:gs pos="100000">
+              <a:schemeClr val="phClr">
+                <a:lumMod val="99000"/>
+                <a:shade val="78000"/>
+              </a:schemeClr>
+            </a:gs>
+          </a:gsLst>
+          <a:lin ang="5400000" scaled="0"/>
+          <a:tileRect l="0" t="0" r="0" b="0"/>
+        </a:gradFill>
+      </a:fillStyleLst>
+      <a:lnStyleLst>
+        <a:ln w="6350" cap="flat" cmpd="sng" algn="ctr">
+          <a:prstDash val="solid"/>
+          <a:miter lim="800000"/>
+        </a:ln>
+        <a:ln w="12700" cap="flat" cmpd="sng" algn="ctr">
+          <a:prstDash val="solid"/>
+          <a:miter lim="800000"/>
+        </a:ln>
+        <a:ln w="19050" cap="flat" cmpd="sng" algn="ctr">
+          <a:prstDash val="solid"/>
+          <a:miter lim="800000"/>
+        </a:ln>
+      </a:lnStyleLst>
+      <a:effectStyleLst>
+        <a:effectStyle>
+          <a:effectLst/>
+        </a:effectStyle>
+        <a:effectStyle>
+          <a:effectLst/>
+        </a:effectStyle>
+        <a:effectStyle>
+          <a:effectLst/>
+        </a:effectStyle>
+      </a:effectStyleLst>
+      <a:bgFillStyleLst>
+        <a:solidFill>
+          <a:schemeClr val="phClr"/>
+        </a:solidFill>
+        <a:solidFill>
+          <a:schemeClr val="phClr">
+            <a:tint val="95000"/>
+          </a:schemeClr>
+        </a:solidFill>
+        <a:gradFill>
+          <a:gsLst>
+            <a:gs pos="0">
+              <a:schemeClr val="phClr">
+                <a:tint val="93000"/>
+                <a:shade val="98000"/>
+                <a:lumMod val="102000"/>
+              </a:schemeClr>
+            </a:gs>
+            <a:gs pos="50000">
+              <a:schemeClr val="phClr">
+                <a:tint val="98000"/>
+                <a:shade val="90000"/>
+                <a:lumMod val="103000"/>
+              </a:schemeClr>
+            </a:gs>
+            <a:gs pos="100000">
+              <a:schemeClr val="phClr">
+                <a:shade val="63000"/>
+              </a:schemeClr>
+            </a:gs>
+          </a:gsLst>
+          <a:lin ang="5400000" scaled="0"/>
+          <a:tileRect l="0" t="0" r="0" b="0"/>
+        </a:gradFill>
+      </a:bgFillStyleLst>
+    </a:fmtScheme>
+  </a:themeElements>
+</a:theme>
+</file>
+
 <file path=ppt/theme/theme6.xml><?xml version="1.0" encoding="utf-8"?>
 <a:theme xmlns:a="http://schemas.openxmlformats.org/drawingml/2006/main" xmlns:r="http://schemas.openxmlformats.org/officeDocument/2006/relationships" name="Tema do Office">
   <a:themeElements>
